--- a/English/5.DAX/7.ALL and ALLEXCEPT and ALLSELECTED.pptx
+++ b/English/5.DAX/7.ALL and ALLEXCEPT and ALLSELECTED.pptx
@@ -22,7 +22,7 @@
   <p:notesSz cx="6858000" cy="9144000"/>
   <p:defaultTextStyle>
     <a:defPPr>
-      <a:defRPr lang="en-US"/>
+      <a:defRPr lang="en"/>
     </a:defPPr>
     <a:lvl1pPr marL="0" algn="l" defTabSz="914400" rtl="0" eaLnBrk="1" latinLnBrk="0" hangingPunct="1">
       <a:defRPr sz="1800" kern="1200">
@@ -205,7 +205,7 @@
           <a:p>
             <a:fld id="{056BA3B8-9F76-4D81-B71D-76CB85363062}" type="datetimeFigureOut">
               <a:rPr lang="en-US" smtClean="0"/>
-              <a:t>1/3/2025</a:t>
+              <a:t>2/26/2025</a:t>
             </a:fld>
             <a:endParaRPr lang="en-US"/>
           </a:p>
@@ -688,7 +688,7 @@
           <a:p>
             <a:fld id="{6F01DA4D-20EA-48D2-973C-0311EC3005D6}" type="datetimeFigureOut">
               <a:rPr lang="en-US" smtClean="0"/>
-              <a:t>1/3/2025</a:t>
+              <a:t>2/26/2025</a:t>
             </a:fld>
             <a:endParaRPr lang="en-US"/>
           </a:p>
@@ -858,7 +858,7 @@
           <a:p>
             <a:fld id="{6F01DA4D-20EA-48D2-973C-0311EC3005D6}" type="datetimeFigureOut">
               <a:rPr lang="en-US" smtClean="0"/>
-              <a:t>1/3/2025</a:t>
+              <a:t>2/26/2025</a:t>
             </a:fld>
             <a:endParaRPr lang="en-US"/>
           </a:p>
@@ -1038,7 +1038,7 @@
           <a:p>
             <a:fld id="{6F01DA4D-20EA-48D2-973C-0311EC3005D6}" type="datetimeFigureOut">
               <a:rPr lang="en-US" smtClean="0"/>
-              <a:t>1/3/2025</a:t>
+              <a:t>2/26/2025</a:t>
             </a:fld>
             <a:endParaRPr lang="en-US"/>
           </a:p>
@@ -1208,7 +1208,7 @@
           <a:p>
             <a:fld id="{6F01DA4D-20EA-48D2-973C-0311EC3005D6}" type="datetimeFigureOut">
               <a:rPr lang="en-US" smtClean="0"/>
-              <a:t>1/3/2025</a:t>
+              <a:t>2/26/2025</a:t>
             </a:fld>
             <a:endParaRPr lang="en-US"/>
           </a:p>
@@ -1454,7 +1454,7 @@
           <a:p>
             <a:fld id="{6F01DA4D-20EA-48D2-973C-0311EC3005D6}" type="datetimeFigureOut">
               <a:rPr lang="en-US" smtClean="0"/>
-              <a:t>1/3/2025</a:t>
+              <a:t>2/26/2025</a:t>
             </a:fld>
             <a:endParaRPr lang="en-US"/>
           </a:p>
@@ -1686,7 +1686,7 @@
           <a:p>
             <a:fld id="{6F01DA4D-20EA-48D2-973C-0311EC3005D6}" type="datetimeFigureOut">
               <a:rPr lang="en-US" smtClean="0"/>
-              <a:t>1/3/2025</a:t>
+              <a:t>2/26/2025</a:t>
             </a:fld>
             <a:endParaRPr lang="en-US"/>
           </a:p>
@@ -2053,7 +2053,7 @@
           <a:p>
             <a:fld id="{6F01DA4D-20EA-48D2-973C-0311EC3005D6}" type="datetimeFigureOut">
               <a:rPr lang="en-US" smtClean="0"/>
-              <a:t>1/3/2025</a:t>
+              <a:t>2/26/2025</a:t>
             </a:fld>
             <a:endParaRPr lang="en-US"/>
           </a:p>
@@ -2171,7 +2171,7 @@
           <a:p>
             <a:fld id="{6F01DA4D-20EA-48D2-973C-0311EC3005D6}" type="datetimeFigureOut">
               <a:rPr lang="en-US" smtClean="0"/>
-              <a:t>1/3/2025</a:t>
+              <a:t>2/26/2025</a:t>
             </a:fld>
             <a:endParaRPr lang="en-US"/>
           </a:p>
@@ -2266,7 +2266,7 @@
           <a:p>
             <a:fld id="{6F01DA4D-20EA-48D2-973C-0311EC3005D6}" type="datetimeFigureOut">
               <a:rPr lang="en-US" smtClean="0"/>
-              <a:t>1/3/2025</a:t>
+              <a:t>2/26/2025</a:t>
             </a:fld>
             <a:endParaRPr lang="en-US"/>
           </a:p>
@@ -2543,7 +2543,7 @@
           <a:p>
             <a:fld id="{6F01DA4D-20EA-48D2-973C-0311EC3005D6}" type="datetimeFigureOut">
               <a:rPr lang="en-US" smtClean="0"/>
-              <a:t>1/3/2025</a:t>
+              <a:t>2/26/2025</a:t>
             </a:fld>
             <a:endParaRPr lang="en-US"/>
           </a:p>
@@ -2796,7 +2796,7 @@
           <a:p>
             <a:fld id="{6F01DA4D-20EA-48D2-973C-0311EC3005D6}" type="datetimeFigureOut">
               <a:rPr lang="en-US" smtClean="0"/>
-              <a:t>1/3/2025</a:t>
+              <a:t>2/26/2025</a:t>
             </a:fld>
             <a:endParaRPr lang="en-US"/>
           </a:p>
@@ -3009,7 +3009,7 @@
           <a:p>
             <a:fld id="{6F01DA4D-20EA-48D2-973C-0311EC3005D6}" type="datetimeFigureOut">
               <a:rPr lang="en-US" smtClean="0"/>
-              <a:t>1/3/2025</a:t>
+              <a:t>2/26/2025</a:t>
             </a:fld>
             <a:endParaRPr lang="en-US"/>
           </a:p>
@@ -3430,8 +3430,8 @@
         </p:nvSpPr>
         <p:spPr>
           <a:xfrm>
-            <a:off x="1219212" y="1384032"/>
-            <a:ext cx="9199606" cy="3785652"/>
+            <a:off x="1466719" y="2215930"/>
+            <a:ext cx="9199606" cy="2554545"/>
           </a:xfrm>
           <a:prstGeom prst="rect">
             <a:avLst/>
@@ -3444,9 +3444,9 @@
           </a:bodyPr>
           <a:lstStyle/>
           <a:p>
-            <a:pPr algn="ctr"/>
-            <a:r>
-              <a:rPr lang="fr-FR" sz="8000" b="1" dirty="0" smtClean="0">
+            <a:pPr xmlns:a="http://schemas.openxmlformats.org/drawingml/2006/main" algn="ctr"/>
+            <a:r xmlns:a="http://schemas.openxmlformats.org/drawingml/2006/main">
+              <a:rPr lang="en" sz="8000" b="1" dirty="0" smtClean="0">
                 <a:solidFill>
                   <a:srgbClr val="7030A0"/>
                 </a:solidFill>
@@ -3454,9 +3454,9 @@
                 <a:ea typeface="Verdana" panose="020B0604030504040204" pitchFamily="34" charset="0"/>
                 <a:cs typeface="Segoe UI" panose="020B0502040204020203" pitchFamily="34" charset="0"/>
               </a:rPr>
-              <a:t>ALL and ALLEXPECT and ALLSELETED</a:t>
-            </a:r>
-            <a:endParaRPr lang="en-US" sz="8000" b="1" dirty="0">
+              <a:t>ALL &amp; ALLEXPECT &amp; ALLSELETED</a:t>
+            </a:r>
+            <a:endParaRPr xmlns:a="http://schemas.openxmlformats.org/drawingml/2006/main" lang="en-US" sz="8000" b="1" dirty="0">
               <a:solidFill>
                 <a:srgbClr val="7030A0"/>
               </a:solidFill>
@@ -3475,8 +3475,8 @@
         </p:nvSpPr>
         <p:spPr>
           <a:xfrm>
-            <a:off x="1144730" y="1330177"/>
-            <a:ext cx="9199606" cy="3785652"/>
+            <a:off x="1404842" y="2162074"/>
+            <a:ext cx="9199606" cy="2554545"/>
           </a:xfrm>
           <a:prstGeom prst="rect">
             <a:avLst/>
@@ -3489,9 +3489,9 @@
           </a:bodyPr>
           <a:lstStyle/>
           <a:p>
-            <a:pPr algn="ctr"/>
-            <a:r>
-              <a:rPr lang="fr-FR" sz="8000" b="1" dirty="0" smtClean="0">
+            <a:pPr xmlns:a="http://schemas.openxmlformats.org/drawingml/2006/main" algn="ctr"/>
+            <a:r xmlns:a="http://schemas.openxmlformats.org/drawingml/2006/main">
+              <a:rPr lang="en" sz="8000" b="1" dirty="0" smtClean="0">
                 <a:solidFill>
                   <a:schemeClr val="bg1"/>
                 </a:solidFill>
@@ -3499,9 +3499,9 @@
                 <a:ea typeface="Verdana" panose="020B0604030504040204" pitchFamily="34" charset="0"/>
                 <a:cs typeface="Segoe UI" panose="020B0502040204020203" pitchFamily="34" charset="0"/>
               </a:rPr>
-              <a:t>ALL and ALLEXPECT and ALLSELETED</a:t>
-            </a:r>
-            <a:endParaRPr lang="en-US" sz="8000" b="1" dirty="0">
+              <a:t>ALL &amp; ALLEXPECT &amp; ALLSELETED</a:t>
+            </a:r>
+            <a:endParaRPr xmlns:a="http://schemas.openxmlformats.org/drawingml/2006/main" lang="en-US" sz="8000" b="1" dirty="0">
               <a:solidFill>
                 <a:schemeClr val="bg1"/>
               </a:solidFill>
@@ -3551,7 +3551,7 @@
         <p:spPr>
           <a:xfrm>
             <a:off x="254383" y="240631"/>
-            <a:ext cx="5374805" cy="461665"/>
+            <a:ext cx="4842608" cy="461665"/>
           </a:xfrm>
           <a:prstGeom prst="rect">
             <a:avLst/>
@@ -3564,66 +3564,17 @@
           </a:bodyPr>
           <a:lstStyle/>
           <a:p>
-            <a:r>
-              <a:rPr lang="fr-FR" sz="2400" dirty="0" smtClean="0">
+            <a:r xmlns:a="http://schemas.openxmlformats.org/drawingml/2006/main">
+              <a:rPr lang="en" sz="2400" dirty="0" smtClean="0">
                 <a:latin typeface="Segoe UI" panose="020B0502040204020203" pitchFamily="34" charset="0"/>
                 <a:cs typeface="Segoe UI" panose="020B0502040204020203" pitchFamily="34" charset="0"/>
               </a:rPr>
-              <a:t>ALL and ALLEXPECT and ALLSELECTED</a:t>
-            </a:r>
-            <a:endParaRPr lang="en-US" sz="2400" dirty="0">
+              <a:t>ALL &amp; ALLEXPECT &amp; ALLSELECTED</a:t>
+            </a:r>
+            <a:endParaRPr xmlns:a="http://schemas.openxmlformats.org/drawingml/2006/main" lang="en-US" sz="2400" dirty="0">
               <a:latin typeface="Segoe UI" panose="020B0502040204020203" pitchFamily="34" charset="0"/>
               <a:cs typeface="Segoe UI" panose="020B0502040204020203" pitchFamily="34" charset="0"/>
             </a:endParaRPr>
-          </a:p>
-        </p:txBody>
-      </p:sp>
-      <p:sp>
-        <p:nvSpPr>
-          <p:cNvPr id="3" name="Rectangle 2"/>
-          <p:cNvSpPr/>
-          <p:nvPr/>
-        </p:nvSpPr>
-        <p:spPr>
-          <a:xfrm>
-            <a:off x="346050" y="768272"/>
-            <a:ext cx="9224211" cy="369332"/>
-          </a:xfrm>
-          <a:prstGeom prst="rect">
-            <a:avLst/>
-          </a:prstGeom>
-        </p:spPr>
-        <p:txBody>
-          <a:bodyPr wrap="square">
-            <a:spAutoFit/>
-          </a:bodyPr>
-          <a:lstStyle/>
-          <a:p>
-            <a:r>
-              <a:rPr lang="en-US" b="1" dirty="0" smtClean="0">
-                <a:latin typeface="Calibri" panose="020F0502020204030204" pitchFamily="34" charset="0"/>
-                <a:ea typeface="Calibri" panose="020F0502020204030204" pitchFamily="34" charset="0"/>
-                <a:cs typeface="Times New Roman" panose="02020603050405020304" pitchFamily="18" charset="0"/>
-              </a:rPr>
-              <a:t>Note</a:t>
-            </a:r>
-            <a:r>
-              <a:rPr lang="fr-FR" dirty="0" smtClean="0">
-                <a:latin typeface="Calibri" panose="020F0502020204030204" pitchFamily="34" charset="0"/>
-                <a:ea typeface="Calibri" panose="020F0502020204030204" pitchFamily="34" charset="0"/>
-                <a:cs typeface="Times New Roman" panose="02020603050405020304" pitchFamily="18" charset="0"/>
-              </a:rPr>
-              <a:t>: </a:t>
-            </a:r>
-            <a:r>
-              <a:rPr lang="en-US" dirty="0" smtClean="0">
-                <a:latin typeface="Calibri" panose="020F0502020204030204" pitchFamily="34" charset="0"/>
-                <a:ea typeface="Calibri" panose="020F0502020204030204" pitchFamily="34" charset="0"/>
-                <a:cs typeface="Times New Roman" panose="02020603050405020304" pitchFamily="18" charset="0"/>
-              </a:rPr>
-              <a:t>This demo uses two tables created directly in Power BI for simplicity</a:t>
-            </a:r>
-            <a:endParaRPr lang="en-US" dirty="0"/>
           </a:p>
         </p:txBody>
       </p:sp>
@@ -3636,13 +3587,13 @@
           <p:nvPr>
             <p:extLst>
               <p:ext uri="{D42A27DB-BD31-4B8C-83A1-F6EECF244321}">
-                <p14:modId xmlns:p14="http://schemas.microsoft.com/office/powerpoint/2010/main" val="12797146"/>
+                <p14:modId xmlns:p14="http://schemas.microsoft.com/office/powerpoint/2010/main" val="577046076"/>
               </p:ext>
             </p:extLst>
           </p:nvPr>
         </p:nvGraphicFramePr>
         <p:xfrm>
-          <a:off x="605393" y="1295818"/>
+          <a:off x="596131" y="1694579"/>
           <a:ext cx="4159112" cy="4427886"/>
         </p:xfrm>
         <a:graphic>
@@ -3687,7 +3638,7 @@
                     <a:bodyPr/>
                     <a:lstStyle/>
                     <a:p>
-                      <a:pPr algn="l">
+                      <a:pPr xmlns:a="http://schemas.openxmlformats.org/drawingml/2006/main" algn="l">
                         <a:lnSpc>
                           <a:spcPct val="107000"/>
                         </a:lnSpc>
@@ -3695,13 +3646,13 @@
                           <a:spcPts val="0"/>
                         </a:spcAft>
                       </a:pPr>
-                      <a:r>
-                        <a:rPr lang="en-US" sz="1600" dirty="0">
+                      <a:r xmlns:a="http://schemas.openxmlformats.org/drawingml/2006/main">
+                        <a:rPr lang="en" sz="1600" dirty="0">
                           <a:effectLst/>
                         </a:rPr>
                         <a:t>ID</a:t>
                       </a:r>
-                      <a:endParaRPr lang="en-US" sz="1600" dirty="0">
+                      <a:endParaRPr xmlns:a="http://schemas.openxmlformats.org/drawingml/2006/main" lang="en-US" sz="1600" dirty="0">
                         <a:effectLst/>
                         <a:latin typeface="Calibri" panose="020F0502020204030204" pitchFamily="34" charset="0"/>
                         <a:ea typeface="Calibri" panose="020F0502020204030204" pitchFamily="34" charset="0"/>
@@ -3716,7 +3667,7 @@
                     <a:bodyPr/>
                     <a:lstStyle/>
                     <a:p>
-                      <a:pPr algn="l">
+                      <a:pPr xmlns:a="http://schemas.openxmlformats.org/drawingml/2006/main" algn="l">
                         <a:lnSpc>
                           <a:spcPct val="107000"/>
                         </a:lnSpc>
@@ -3724,13 +3675,13 @@
                           <a:spcPts val="0"/>
                         </a:spcAft>
                       </a:pPr>
-                      <a:r>
-                        <a:rPr lang="en-US" sz="1600">
+                      <a:r xmlns:a="http://schemas.openxmlformats.org/drawingml/2006/main">
+                        <a:rPr lang="en" sz="1600">
                           <a:effectLst/>
                         </a:rPr>
                         <a:t>Name</a:t>
                       </a:r>
-                      <a:endParaRPr lang="en-US" sz="1600">
+                      <a:endParaRPr xmlns:a="http://schemas.openxmlformats.org/drawingml/2006/main" lang="en-US" sz="1600">
                         <a:effectLst/>
                         <a:latin typeface="Calibri" panose="020F0502020204030204" pitchFamily="34" charset="0"/>
                         <a:ea typeface="Calibri" panose="020F0502020204030204" pitchFamily="34" charset="0"/>
@@ -3745,7 +3696,7 @@
                     <a:bodyPr/>
                     <a:lstStyle/>
                     <a:p>
-                      <a:pPr algn="l">
+                      <a:pPr xmlns:a="http://schemas.openxmlformats.org/drawingml/2006/main" algn="l">
                         <a:lnSpc>
                           <a:spcPct val="107000"/>
                         </a:lnSpc>
@@ -3753,13 +3704,13 @@
                           <a:spcPts val="0"/>
                         </a:spcAft>
                       </a:pPr>
-                      <a:r>
-                        <a:rPr lang="en-US" sz="1600">
+                      <a:r xmlns:a="http://schemas.openxmlformats.org/drawingml/2006/main">
+                        <a:rPr lang="en" sz="1600">
                           <a:effectLst/>
                         </a:rPr>
                         <a:t>Color</a:t>
                       </a:r>
-                      <a:endParaRPr lang="en-US" sz="1600">
+                      <a:endParaRPr xmlns:a="http://schemas.openxmlformats.org/drawingml/2006/main" lang="en-US" sz="1600">
                         <a:effectLst/>
                         <a:latin typeface="Calibri" panose="020F0502020204030204" pitchFamily="34" charset="0"/>
                         <a:ea typeface="Calibri" panose="020F0502020204030204" pitchFamily="34" charset="0"/>
@@ -3774,7 +3725,7 @@
                     <a:bodyPr/>
                     <a:lstStyle/>
                     <a:p>
-                      <a:pPr algn="l">
+                      <a:pPr xmlns:a="http://schemas.openxmlformats.org/drawingml/2006/main" algn="l">
                         <a:lnSpc>
                           <a:spcPct val="107000"/>
                         </a:lnSpc>
@@ -3782,13 +3733,13 @@
                           <a:spcPts val="0"/>
                         </a:spcAft>
                       </a:pPr>
-                      <a:r>
-                        <a:rPr lang="en-US" sz="1600">
+                      <a:r xmlns:a="http://schemas.openxmlformats.org/drawingml/2006/main">
+                        <a:rPr lang="en" sz="1600">
                           <a:effectLst/>
                         </a:rPr>
                         <a:t>Size</a:t>
                       </a:r>
-                      <a:endParaRPr lang="en-US" sz="1600">
+                      <a:endParaRPr xmlns:a="http://schemas.openxmlformats.org/drawingml/2006/main" lang="en-US" sz="1600">
                         <a:effectLst/>
                         <a:latin typeface="Calibri" panose="020F0502020204030204" pitchFamily="34" charset="0"/>
                         <a:ea typeface="Calibri" panose="020F0502020204030204" pitchFamily="34" charset="0"/>
@@ -3810,7 +3761,7 @@
                     <a:bodyPr/>
                     <a:lstStyle/>
                     <a:p>
-                      <a:pPr algn="l">
+                      <a:pPr xmlns:a="http://schemas.openxmlformats.org/drawingml/2006/main" algn="l">
                         <a:lnSpc>
                           <a:spcPct val="107000"/>
                         </a:lnSpc>
@@ -3818,13 +3769,13 @@
                           <a:spcPts val="0"/>
                         </a:spcAft>
                       </a:pPr>
-                      <a:r>
-                        <a:rPr lang="en-US" sz="1600" dirty="0">
+                      <a:r xmlns:a="http://schemas.openxmlformats.org/drawingml/2006/main">
+                        <a:rPr lang="en" sz="1600" dirty="0">
                           <a:effectLst/>
                         </a:rPr>
                         <a:t>1</a:t>
                       </a:r>
-                      <a:endParaRPr lang="en-US" sz="1600" dirty="0">
+                      <a:endParaRPr xmlns:a="http://schemas.openxmlformats.org/drawingml/2006/main" lang="en-US" sz="1600" dirty="0">
                         <a:effectLst/>
                         <a:latin typeface="Calibri" panose="020F0502020204030204" pitchFamily="34" charset="0"/>
                         <a:ea typeface="Calibri" panose="020F0502020204030204" pitchFamily="34" charset="0"/>
@@ -3839,7 +3790,7 @@
                     <a:bodyPr/>
                     <a:lstStyle/>
                     <a:p>
-                      <a:pPr algn="l">
+                      <a:pPr xmlns:a="http://schemas.openxmlformats.org/drawingml/2006/main" algn="l">
                         <a:lnSpc>
                           <a:spcPct val="107000"/>
                         </a:lnSpc>
@@ -3847,13 +3798,13 @@
                           <a:spcPts val="0"/>
                         </a:spcAft>
                       </a:pPr>
-                      <a:r>
-                        <a:rPr lang="en-US" sz="1600">
+                      <a:r xmlns:a="http://schemas.openxmlformats.org/drawingml/2006/main">
+                        <a:rPr lang="en" sz="1600">
                           <a:effectLst/>
                         </a:rPr>
                         <a:t>Product1</a:t>
                       </a:r>
-                      <a:endParaRPr lang="en-US" sz="1600">
+                      <a:endParaRPr xmlns:a="http://schemas.openxmlformats.org/drawingml/2006/main" lang="en-US" sz="1600">
                         <a:effectLst/>
                         <a:latin typeface="Calibri" panose="020F0502020204030204" pitchFamily="34" charset="0"/>
                         <a:ea typeface="Calibri" panose="020F0502020204030204" pitchFamily="34" charset="0"/>
@@ -3868,7 +3819,7 @@
                     <a:bodyPr/>
                     <a:lstStyle/>
                     <a:p>
-                      <a:pPr algn="l">
+                      <a:pPr xmlns:a="http://schemas.openxmlformats.org/drawingml/2006/main" algn="l">
                         <a:lnSpc>
                           <a:spcPct val="107000"/>
                         </a:lnSpc>
@@ -3876,13 +3827,13 @@
                           <a:spcPts val="0"/>
                         </a:spcAft>
                       </a:pPr>
-                      <a:r>
-                        <a:rPr lang="en-US" sz="1600">
+                      <a:r xmlns:a="http://schemas.openxmlformats.org/drawingml/2006/main">
+                        <a:rPr lang="en" sz="1600">
                           <a:effectLst/>
                         </a:rPr>
                         <a:t>Green</a:t>
                       </a:r>
-                      <a:endParaRPr lang="en-US" sz="1600">
+                      <a:endParaRPr xmlns:a="http://schemas.openxmlformats.org/drawingml/2006/main" lang="en-US" sz="1600">
                         <a:effectLst/>
                         <a:latin typeface="Calibri" panose="020F0502020204030204" pitchFamily="34" charset="0"/>
                         <a:ea typeface="Calibri" panose="020F0502020204030204" pitchFamily="34" charset="0"/>
@@ -3897,7 +3848,7 @@
                     <a:bodyPr/>
                     <a:lstStyle/>
                     <a:p>
-                      <a:pPr algn="l">
+                      <a:pPr xmlns:a="http://schemas.openxmlformats.org/drawingml/2006/main" algn="l">
                         <a:lnSpc>
                           <a:spcPct val="107000"/>
                         </a:lnSpc>
@@ -3905,13 +3856,13 @@
                           <a:spcPts val="0"/>
                         </a:spcAft>
                       </a:pPr>
-                      <a:r>
-                        <a:rPr lang="en-US" sz="1600">
+                      <a:r xmlns:a="http://schemas.openxmlformats.org/drawingml/2006/main">
+                        <a:rPr lang="en" sz="1600">
                           <a:effectLst/>
                         </a:rPr>
                         <a:t>Little</a:t>
                       </a:r>
-                      <a:endParaRPr lang="en-US" sz="1600">
+                      <a:endParaRPr xmlns:a="http://schemas.openxmlformats.org/drawingml/2006/main" lang="en-US" sz="1600">
                         <a:effectLst/>
                         <a:latin typeface="Calibri" panose="020F0502020204030204" pitchFamily="34" charset="0"/>
                         <a:ea typeface="Calibri" panose="020F0502020204030204" pitchFamily="34" charset="0"/>
@@ -3933,7 +3884,7 @@
                     <a:bodyPr/>
                     <a:lstStyle/>
                     <a:p>
-                      <a:pPr algn="l">
+                      <a:pPr xmlns:a="http://schemas.openxmlformats.org/drawingml/2006/main" algn="l">
                         <a:lnSpc>
                           <a:spcPct val="107000"/>
                         </a:lnSpc>
@@ -3941,13 +3892,13 @@
                           <a:spcPts val="0"/>
                         </a:spcAft>
                       </a:pPr>
-                      <a:r>
-                        <a:rPr lang="en-US" sz="1600" dirty="0">
+                      <a:r xmlns:a="http://schemas.openxmlformats.org/drawingml/2006/main">
+                        <a:rPr lang="en" sz="1600" dirty="0">
                           <a:effectLst/>
                         </a:rPr>
                         <a:t>2</a:t>
                       </a:r>
-                      <a:endParaRPr lang="en-US" sz="1600" dirty="0">
+                      <a:endParaRPr xmlns:a="http://schemas.openxmlformats.org/drawingml/2006/main" lang="en-US" sz="1600" dirty="0">
                         <a:effectLst/>
                         <a:latin typeface="Calibri" panose="020F0502020204030204" pitchFamily="34" charset="0"/>
                         <a:ea typeface="Calibri" panose="020F0502020204030204" pitchFamily="34" charset="0"/>
@@ -3962,7 +3913,7 @@
                     <a:bodyPr/>
                     <a:lstStyle/>
                     <a:p>
-                      <a:pPr algn="l">
+                      <a:pPr xmlns:a="http://schemas.openxmlformats.org/drawingml/2006/main" algn="l">
                         <a:lnSpc>
                           <a:spcPct val="107000"/>
                         </a:lnSpc>
@@ -3970,13 +3921,13 @@
                           <a:spcPts val="0"/>
                         </a:spcAft>
                       </a:pPr>
-                      <a:r>
-                        <a:rPr lang="en-US" sz="1600">
+                      <a:r xmlns:a="http://schemas.openxmlformats.org/drawingml/2006/main">
+                        <a:rPr lang="en" sz="1600">
                           <a:effectLst/>
                         </a:rPr>
                         <a:t>Product2</a:t>
                       </a:r>
-                      <a:endParaRPr lang="en-US" sz="1600">
+                      <a:endParaRPr xmlns:a="http://schemas.openxmlformats.org/drawingml/2006/main" lang="en-US" sz="1600">
                         <a:effectLst/>
                         <a:latin typeface="Calibri" panose="020F0502020204030204" pitchFamily="34" charset="0"/>
                         <a:ea typeface="Calibri" panose="020F0502020204030204" pitchFamily="34" charset="0"/>
@@ -3991,7 +3942,7 @@
                     <a:bodyPr/>
                     <a:lstStyle/>
                     <a:p>
-                      <a:pPr algn="l">
+                      <a:pPr xmlns:a="http://schemas.openxmlformats.org/drawingml/2006/main" algn="l">
                         <a:lnSpc>
                           <a:spcPct val="107000"/>
                         </a:lnSpc>
@@ -3999,13 +3950,13 @@
                           <a:spcPts val="0"/>
                         </a:spcAft>
                       </a:pPr>
-                      <a:r>
-                        <a:rPr lang="en-US" sz="1600">
+                      <a:r xmlns:a="http://schemas.openxmlformats.org/drawingml/2006/main">
+                        <a:rPr lang="en" sz="1600">
                           <a:effectLst/>
                         </a:rPr>
                         <a:t>Blue</a:t>
                       </a:r>
-                      <a:endParaRPr lang="en-US" sz="1600">
+                      <a:endParaRPr xmlns:a="http://schemas.openxmlformats.org/drawingml/2006/main" lang="en-US" sz="1600">
                         <a:effectLst/>
                         <a:latin typeface="Calibri" panose="020F0502020204030204" pitchFamily="34" charset="0"/>
                         <a:ea typeface="Calibri" panose="020F0502020204030204" pitchFamily="34" charset="0"/>
@@ -4020,7 +3971,7 @@
                     <a:bodyPr/>
                     <a:lstStyle/>
                     <a:p>
-                      <a:pPr algn="l">
+                      <a:pPr xmlns:a="http://schemas.openxmlformats.org/drawingml/2006/main" algn="l">
                         <a:lnSpc>
                           <a:spcPct val="107000"/>
                         </a:lnSpc>
@@ -4028,13 +3979,13 @@
                           <a:spcPts val="0"/>
                         </a:spcAft>
                       </a:pPr>
-                      <a:r>
-                        <a:rPr lang="en-US" sz="1600">
+                      <a:r xmlns:a="http://schemas.openxmlformats.org/drawingml/2006/main">
+                        <a:rPr lang="en" sz="1600">
                           <a:effectLst/>
                         </a:rPr>
                         <a:t>Little</a:t>
                       </a:r>
-                      <a:endParaRPr lang="en-US" sz="1600">
+                      <a:endParaRPr xmlns:a="http://schemas.openxmlformats.org/drawingml/2006/main" lang="en-US" sz="1600">
                         <a:effectLst/>
                         <a:latin typeface="Calibri" panose="020F0502020204030204" pitchFamily="34" charset="0"/>
                         <a:ea typeface="Calibri" panose="020F0502020204030204" pitchFamily="34" charset="0"/>
@@ -4056,7 +4007,7 @@
                     <a:bodyPr/>
                     <a:lstStyle/>
                     <a:p>
-                      <a:pPr algn="l">
+                      <a:pPr xmlns:a="http://schemas.openxmlformats.org/drawingml/2006/main" algn="l">
                         <a:lnSpc>
                           <a:spcPct val="107000"/>
                         </a:lnSpc>
@@ -4064,13 +4015,13 @@
                           <a:spcPts val="0"/>
                         </a:spcAft>
                       </a:pPr>
-                      <a:r>
-                        <a:rPr lang="en-US" sz="1600" dirty="0">
+                      <a:r xmlns:a="http://schemas.openxmlformats.org/drawingml/2006/main">
+                        <a:rPr lang="en" sz="1600" dirty="0">
                           <a:effectLst/>
                         </a:rPr>
                         <a:t>3</a:t>
                       </a:r>
-                      <a:endParaRPr lang="en-US" sz="1600" dirty="0">
+                      <a:endParaRPr xmlns:a="http://schemas.openxmlformats.org/drawingml/2006/main" lang="en-US" sz="1600" dirty="0">
                         <a:effectLst/>
                         <a:latin typeface="Calibri" panose="020F0502020204030204" pitchFamily="34" charset="0"/>
                         <a:ea typeface="Calibri" panose="020F0502020204030204" pitchFamily="34" charset="0"/>
@@ -4085,7 +4036,7 @@
                     <a:bodyPr/>
                     <a:lstStyle/>
                     <a:p>
-                      <a:pPr algn="l">
+                      <a:pPr xmlns:a="http://schemas.openxmlformats.org/drawingml/2006/main" algn="l">
                         <a:lnSpc>
                           <a:spcPct val="107000"/>
                         </a:lnSpc>
@@ -4093,13 +4044,13 @@
                           <a:spcPts val="0"/>
                         </a:spcAft>
                       </a:pPr>
-                      <a:r>
-                        <a:rPr lang="en-US" sz="1600" dirty="0">
+                      <a:r xmlns:a="http://schemas.openxmlformats.org/drawingml/2006/main">
+                        <a:rPr lang="en" sz="1600" dirty="0">
                           <a:effectLst/>
                         </a:rPr>
                         <a:t>Product3</a:t>
                       </a:r>
-                      <a:endParaRPr lang="en-US" sz="1600" dirty="0">
+                      <a:endParaRPr xmlns:a="http://schemas.openxmlformats.org/drawingml/2006/main" lang="en-US" sz="1600" dirty="0">
                         <a:effectLst/>
                         <a:latin typeface="Calibri" panose="020F0502020204030204" pitchFamily="34" charset="0"/>
                         <a:ea typeface="Calibri" panose="020F0502020204030204" pitchFamily="34" charset="0"/>
@@ -4114,7 +4065,7 @@
                     <a:bodyPr/>
                     <a:lstStyle/>
                     <a:p>
-                      <a:pPr algn="l">
+                      <a:pPr xmlns:a="http://schemas.openxmlformats.org/drawingml/2006/main" algn="l">
                         <a:lnSpc>
                           <a:spcPct val="107000"/>
                         </a:lnSpc>
@@ -4122,13 +4073,13 @@
                           <a:spcPts val="0"/>
                         </a:spcAft>
                       </a:pPr>
-                      <a:r>
-                        <a:rPr lang="en-US" sz="1600">
+                      <a:r xmlns:a="http://schemas.openxmlformats.org/drawingml/2006/main">
+                        <a:rPr lang="en" sz="1600">
                           <a:effectLst/>
                         </a:rPr>
                         <a:t>Blue</a:t>
                       </a:r>
-                      <a:endParaRPr lang="en-US" sz="1600">
+                      <a:endParaRPr xmlns:a="http://schemas.openxmlformats.org/drawingml/2006/main" lang="en-US" sz="1600">
                         <a:effectLst/>
                         <a:latin typeface="Calibri" panose="020F0502020204030204" pitchFamily="34" charset="0"/>
                         <a:ea typeface="Calibri" panose="020F0502020204030204" pitchFamily="34" charset="0"/>
@@ -4143,7 +4094,7 @@
                     <a:bodyPr/>
                     <a:lstStyle/>
                     <a:p>
-                      <a:pPr algn="l">
+                      <a:pPr xmlns:a="http://schemas.openxmlformats.org/drawingml/2006/main" algn="l">
                         <a:lnSpc>
                           <a:spcPct val="107000"/>
                         </a:lnSpc>
@@ -4151,13 +4102,13 @@
                           <a:spcPts val="0"/>
                         </a:spcAft>
                       </a:pPr>
-                      <a:r>
-                        <a:rPr lang="en-US" sz="1600">
+                      <a:r xmlns:a="http://schemas.openxmlformats.org/drawingml/2006/main">
+                        <a:rPr lang="en" sz="1600">
                           <a:effectLst/>
                         </a:rPr>
                         <a:t>Little</a:t>
                       </a:r>
-                      <a:endParaRPr lang="en-US" sz="1600">
+                      <a:endParaRPr xmlns:a="http://schemas.openxmlformats.org/drawingml/2006/main" lang="en-US" sz="1600">
                         <a:effectLst/>
                         <a:latin typeface="Calibri" panose="020F0502020204030204" pitchFamily="34" charset="0"/>
                         <a:ea typeface="Calibri" panose="020F0502020204030204" pitchFamily="34" charset="0"/>
@@ -4179,7 +4130,7 @@
                     <a:bodyPr/>
                     <a:lstStyle/>
                     <a:p>
-                      <a:pPr algn="l">
+                      <a:pPr xmlns:a="http://schemas.openxmlformats.org/drawingml/2006/main" algn="l">
                         <a:lnSpc>
                           <a:spcPct val="107000"/>
                         </a:lnSpc>
@@ -4187,13 +4138,13 @@
                           <a:spcPts val="0"/>
                         </a:spcAft>
                       </a:pPr>
-                      <a:r>
-                        <a:rPr lang="en-US" sz="1600">
+                      <a:r xmlns:a="http://schemas.openxmlformats.org/drawingml/2006/main">
+                        <a:rPr lang="en" sz="1600">
                           <a:effectLst/>
                         </a:rPr>
                         <a:t>4</a:t>
                       </a:r>
-                      <a:endParaRPr lang="en-US" sz="1600">
+                      <a:endParaRPr xmlns:a="http://schemas.openxmlformats.org/drawingml/2006/main" lang="en-US" sz="1600">
                         <a:effectLst/>
                         <a:latin typeface="Calibri" panose="020F0502020204030204" pitchFamily="34" charset="0"/>
                         <a:ea typeface="Calibri" panose="020F0502020204030204" pitchFamily="34" charset="0"/>
@@ -4208,7 +4159,7 @@
                     <a:bodyPr/>
                     <a:lstStyle/>
                     <a:p>
-                      <a:pPr algn="l">
+                      <a:pPr xmlns:a="http://schemas.openxmlformats.org/drawingml/2006/main" algn="l">
                         <a:lnSpc>
                           <a:spcPct val="107000"/>
                         </a:lnSpc>
@@ -4216,13 +4167,13 @@
                           <a:spcPts val="0"/>
                         </a:spcAft>
                       </a:pPr>
-                      <a:r>
-                        <a:rPr lang="en-US" sz="1600" dirty="0">
+                      <a:r xmlns:a="http://schemas.openxmlformats.org/drawingml/2006/main">
+                        <a:rPr lang="en" sz="1600" dirty="0">
                           <a:effectLst/>
                         </a:rPr>
                         <a:t>Product1</a:t>
                       </a:r>
-                      <a:endParaRPr lang="en-US" sz="1600" dirty="0">
+                      <a:endParaRPr xmlns:a="http://schemas.openxmlformats.org/drawingml/2006/main" lang="en-US" sz="1600" dirty="0">
                         <a:effectLst/>
                         <a:latin typeface="Calibri" panose="020F0502020204030204" pitchFamily="34" charset="0"/>
                         <a:ea typeface="Calibri" panose="020F0502020204030204" pitchFamily="34" charset="0"/>
@@ -4237,7 +4188,7 @@
                     <a:bodyPr/>
                     <a:lstStyle/>
                     <a:p>
-                      <a:pPr algn="l">
+                      <a:pPr xmlns:a="http://schemas.openxmlformats.org/drawingml/2006/main" algn="l">
                         <a:lnSpc>
                           <a:spcPct val="107000"/>
                         </a:lnSpc>
@@ -4245,13 +4196,13 @@
                           <a:spcPts val="0"/>
                         </a:spcAft>
                       </a:pPr>
-                      <a:r>
-                        <a:rPr lang="en-US" sz="1600">
+                      <a:r xmlns:a="http://schemas.openxmlformats.org/drawingml/2006/main">
+                        <a:rPr lang="en" sz="1600">
                           <a:effectLst/>
                         </a:rPr>
                         <a:t>Blue</a:t>
                       </a:r>
-                      <a:endParaRPr lang="en-US" sz="1600">
+                      <a:endParaRPr xmlns:a="http://schemas.openxmlformats.org/drawingml/2006/main" lang="en-US" sz="1600">
                         <a:effectLst/>
                         <a:latin typeface="Calibri" panose="020F0502020204030204" pitchFamily="34" charset="0"/>
                         <a:ea typeface="Calibri" panose="020F0502020204030204" pitchFamily="34" charset="0"/>
@@ -4266,7 +4217,7 @@
                     <a:bodyPr/>
                     <a:lstStyle/>
                     <a:p>
-                      <a:pPr algn="l">
+                      <a:pPr xmlns:a="http://schemas.openxmlformats.org/drawingml/2006/main" algn="l">
                         <a:lnSpc>
                           <a:spcPct val="107000"/>
                         </a:lnSpc>
@@ -4274,13 +4225,13 @@
                           <a:spcPts val="0"/>
                         </a:spcAft>
                       </a:pPr>
-                      <a:r>
-                        <a:rPr lang="en-US" sz="1600">
+                      <a:r xmlns:a="http://schemas.openxmlformats.org/drawingml/2006/main">
+                        <a:rPr lang="en" sz="1600">
                           <a:effectLst/>
                         </a:rPr>
                         <a:t>Little</a:t>
                       </a:r>
-                      <a:endParaRPr lang="en-US" sz="1600">
+                      <a:endParaRPr xmlns:a="http://schemas.openxmlformats.org/drawingml/2006/main" lang="en-US" sz="1600">
                         <a:effectLst/>
                         <a:latin typeface="Calibri" panose="020F0502020204030204" pitchFamily="34" charset="0"/>
                         <a:ea typeface="Calibri" panose="020F0502020204030204" pitchFamily="34" charset="0"/>
@@ -4302,7 +4253,7 @@
                     <a:bodyPr/>
                     <a:lstStyle/>
                     <a:p>
-                      <a:pPr algn="l">
+                      <a:pPr xmlns:a="http://schemas.openxmlformats.org/drawingml/2006/main" algn="l">
                         <a:lnSpc>
                           <a:spcPct val="107000"/>
                         </a:lnSpc>
@@ -4310,13 +4261,13 @@
                           <a:spcPts val="0"/>
                         </a:spcAft>
                       </a:pPr>
-                      <a:r>
-                        <a:rPr lang="en-US" sz="1600">
+                      <a:r xmlns:a="http://schemas.openxmlformats.org/drawingml/2006/main">
+                        <a:rPr lang="en" sz="1600">
                           <a:effectLst/>
                         </a:rPr>
                         <a:t>5</a:t>
                       </a:r>
-                      <a:endParaRPr lang="en-US" sz="1600">
+                      <a:endParaRPr xmlns:a="http://schemas.openxmlformats.org/drawingml/2006/main" lang="en-US" sz="1600">
                         <a:effectLst/>
                         <a:latin typeface="Calibri" panose="020F0502020204030204" pitchFamily="34" charset="0"/>
                         <a:ea typeface="Calibri" panose="020F0502020204030204" pitchFamily="34" charset="0"/>
@@ -4331,7 +4282,7 @@
                     <a:bodyPr/>
                     <a:lstStyle/>
                     <a:p>
-                      <a:pPr algn="l">
+                      <a:pPr xmlns:a="http://schemas.openxmlformats.org/drawingml/2006/main" algn="l">
                         <a:lnSpc>
                           <a:spcPct val="107000"/>
                         </a:lnSpc>
@@ -4339,13 +4290,13 @@
                           <a:spcPts val="0"/>
                         </a:spcAft>
                       </a:pPr>
-                      <a:r>
-                        <a:rPr lang="en-US" sz="1600" dirty="0">
+                      <a:r xmlns:a="http://schemas.openxmlformats.org/drawingml/2006/main">
+                        <a:rPr lang="en" sz="1600" dirty="0">
                           <a:effectLst/>
                         </a:rPr>
                         <a:t>Product2</a:t>
                       </a:r>
-                      <a:endParaRPr lang="en-US" sz="1600" dirty="0">
+                      <a:endParaRPr xmlns:a="http://schemas.openxmlformats.org/drawingml/2006/main" lang="en-US" sz="1600" dirty="0">
                         <a:effectLst/>
                         <a:latin typeface="Calibri" panose="020F0502020204030204" pitchFamily="34" charset="0"/>
                         <a:ea typeface="Calibri" panose="020F0502020204030204" pitchFamily="34" charset="0"/>
@@ -4360,7 +4311,7 @@
                     <a:bodyPr/>
                     <a:lstStyle/>
                     <a:p>
-                      <a:pPr algn="l">
+                      <a:pPr xmlns:a="http://schemas.openxmlformats.org/drawingml/2006/main" algn="l">
                         <a:lnSpc>
                           <a:spcPct val="107000"/>
                         </a:lnSpc>
@@ -4368,13 +4319,13 @@
                           <a:spcPts val="0"/>
                         </a:spcAft>
                       </a:pPr>
-                      <a:r>
-                        <a:rPr lang="en-US" sz="1600">
+                      <a:r xmlns:a="http://schemas.openxmlformats.org/drawingml/2006/main">
+                        <a:rPr lang="en" sz="1600">
                           <a:effectLst/>
                         </a:rPr>
                         <a:t>Blue</a:t>
                       </a:r>
-                      <a:endParaRPr lang="en-US" sz="1600">
+                      <a:endParaRPr xmlns:a="http://schemas.openxmlformats.org/drawingml/2006/main" lang="en-US" sz="1600">
                         <a:effectLst/>
                         <a:latin typeface="Calibri" panose="020F0502020204030204" pitchFamily="34" charset="0"/>
                         <a:ea typeface="Calibri" panose="020F0502020204030204" pitchFamily="34" charset="0"/>
@@ -4389,7 +4340,7 @@
                     <a:bodyPr/>
                     <a:lstStyle/>
                     <a:p>
-                      <a:pPr algn="l">
+                      <a:pPr xmlns:a="http://schemas.openxmlformats.org/drawingml/2006/main" algn="l">
                         <a:lnSpc>
                           <a:spcPct val="107000"/>
                         </a:lnSpc>
@@ -4397,13 +4348,13 @@
                           <a:spcPts val="0"/>
                         </a:spcAft>
                       </a:pPr>
-                      <a:r>
-                        <a:rPr lang="en-US" sz="1600">
+                      <a:r xmlns:a="http://schemas.openxmlformats.org/drawingml/2006/main">
+                        <a:rPr lang="en" sz="1600">
                           <a:effectLst/>
                         </a:rPr>
                         <a:t>Little</a:t>
                       </a:r>
-                      <a:endParaRPr lang="en-US" sz="1600">
+                      <a:endParaRPr xmlns:a="http://schemas.openxmlformats.org/drawingml/2006/main" lang="en-US" sz="1600">
                         <a:effectLst/>
                         <a:latin typeface="Calibri" panose="020F0502020204030204" pitchFamily="34" charset="0"/>
                         <a:ea typeface="Calibri" panose="020F0502020204030204" pitchFamily="34" charset="0"/>
@@ -4425,7 +4376,7 @@
                     <a:bodyPr/>
                     <a:lstStyle/>
                     <a:p>
-                      <a:pPr algn="l">
+                      <a:pPr xmlns:a="http://schemas.openxmlformats.org/drawingml/2006/main" algn="l">
                         <a:lnSpc>
                           <a:spcPct val="107000"/>
                         </a:lnSpc>
@@ -4433,13 +4384,13 @@
                           <a:spcPts val="0"/>
                         </a:spcAft>
                       </a:pPr>
-                      <a:r>
-                        <a:rPr lang="en-US" sz="1600">
+                      <a:r xmlns:a="http://schemas.openxmlformats.org/drawingml/2006/main">
+                        <a:rPr lang="en" sz="1600">
                           <a:effectLst/>
                         </a:rPr>
                         <a:t>6</a:t>
                       </a:r>
-                      <a:endParaRPr lang="en-US" sz="1600">
+                      <a:endParaRPr xmlns:a="http://schemas.openxmlformats.org/drawingml/2006/main" lang="en-US" sz="1600">
                         <a:effectLst/>
                         <a:latin typeface="Calibri" panose="020F0502020204030204" pitchFamily="34" charset="0"/>
                         <a:ea typeface="Calibri" panose="020F0502020204030204" pitchFamily="34" charset="0"/>
@@ -4454,7 +4405,7 @@
                     <a:bodyPr/>
                     <a:lstStyle/>
                     <a:p>
-                      <a:pPr algn="l">
+                      <a:pPr xmlns:a="http://schemas.openxmlformats.org/drawingml/2006/main" algn="l">
                         <a:lnSpc>
                           <a:spcPct val="107000"/>
                         </a:lnSpc>
@@ -4462,13 +4413,13 @@
                           <a:spcPts val="0"/>
                         </a:spcAft>
                       </a:pPr>
-                      <a:r>
-                        <a:rPr lang="en-US" sz="1600" dirty="0">
+                      <a:r xmlns:a="http://schemas.openxmlformats.org/drawingml/2006/main">
+                        <a:rPr lang="en" sz="1600" dirty="0">
                           <a:effectLst/>
                         </a:rPr>
                         <a:t>Product3</a:t>
                       </a:r>
-                      <a:endParaRPr lang="en-US" sz="1600" dirty="0">
+                      <a:endParaRPr xmlns:a="http://schemas.openxmlformats.org/drawingml/2006/main" lang="en-US" sz="1600" dirty="0">
                         <a:effectLst/>
                         <a:latin typeface="Calibri" panose="020F0502020204030204" pitchFamily="34" charset="0"/>
                         <a:ea typeface="Calibri" panose="020F0502020204030204" pitchFamily="34" charset="0"/>
@@ -4483,7 +4434,7 @@
                     <a:bodyPr/>
                     <a:lstStyle/>
                     <a:p>
-                      <a:pPr algn="l">
+                      <a:pPr xmlns:a="http://schemas.openxmlformats.org/drawingml/2006/main" algn="l">
                         <a:lnSpc>
                           <a:spcPct val="107000"/>
                         </a:lnSpc>
@@ -4491,13 +4442,13 @@
                           <a:spcPts val="0"/>
                         </a:spcAft>
                       </a:pPr>
-                      <a:r>
-                        <a:rPr lang="en-US" sz="1600">
+                      <a:r xmlns:a="http://schemas.openxmlformats.org/drawingml/2006/main">
+                        <a:rPr lang="en" sz="1600">
                           <a:effectLst/>
                         </a:rPr>
                         <a:t>Blue</a:t>
                       </a:r>
-                      <a:endParaRPr lang="en-US" sz="1600">
+                      <a:endParaRPr xmlns:a="http://schemas.openxmlformats.org/drawingml/2006/main" lang="en-US" sz="1600">
                         <a:effectLst/>
                         <a:latin typeface="Calibri" panose="020F0502020204030204" pitchFamily="34" charset="0"/>
                         <a:ea typeface="Calibri" panose="020F0502020204030204" pitchFamily="34" charset="0"/>
@@ -4512,7 +4463,7 @@
                     <a:bodyPr/>
                     <a:lstStyle/>
                     <a:p>
-                      <a:pPr algn="l">
+                      <a:pPr xmlns:a="http://schemas.openxmlformats.org/drawingml/2006/main" algn="l">
                         <a:lnSpc>
                           <a:spcPct val="107000"/>
                         </a:lnSpc>
@@ -4520,13 +4471,13 @@
                           <a:spcPts val="0"/>
                         </a:spcAft>
                       </a:pPr>
-                      <a:r>
-                        <a:rPr lang="en-US" sz="1600">
+                      <a:r xmlns:a="http://schemas.openxmlformats.org/drawingml/2006/main">
+                        <a:rPr lang="en" sz="1600">
                           <a:effectLst/>
                         </a:rPr>
                         <a:t>AVERAGE</a:t>
                       </a:r>
-                      <a:endParaRPr lang="en-US" sz="1600">
+                      <a:endParaRPr xmlns:a="http://schemas.openxmlformats.org/drawingml/2006/main" lang="en-US" sz="1600">
                         <a:effectLst/>
                         <a:latin typeface="Calibri" panose="020F0502020204030204" pitchFamily="34" charset="0"/>
                         <a:ea typeface="Calibri" panose="020F0502020204030204" pitchFamily="34" charset="0"/>
@@ -4548,7 +4499,7 @@
                     <a:bodyPr/>
                     <a:lstStyle/>
                     <a:p>
-                      <a:pPr algn="l">
+                      <a:pPr xmlns:a="http://schemas.openxmlformats.org/drawingml/2006/main" algn="l">
                         <a:lnSpc>
                           <a:spcPct val="107000"/>
                         </a:lnSpc>
@@ -4556,13 +4507,13 @@
                           <a:spcPts val="0"/>
                         </a:spcAft>
                       </a:pPr>
-                      <a:r>
-                        <a:rPr lang="en-US" sz="1600">
+                      <a:r xmlns:a="http://schemas.openxmlformats.org/drawingml/2006/main">
+                        <a:rPr lang="en" sz="1600">
                           <a:effectLst/>
                         </a:rPr>
                         <a:t>7</a:t>
                       </a:r>
-                      <a:endParaRPr lang="en-US" sz="1600">
+                      <a:endParaRPr xmlns:a="http://schemas.openxmlformats.org/drawingml/2006/main" lang="en-US" sz="1600">
                         <a:effectLst/>
                         <a:latin typeface="Calibri" panose="020F0502020204030204" pitchFamily="34" charset="0"/>
                         <a:ea typeface="Calibri" panose="020F0502020204030204" pitchFamily="34" charset="0"/>
@@ -4577,7 +4528,7 @@
                     <a:bodyPr/>
                     <a:lstStyle/>
                     <a:p>
-                      <a:pPr algn="l">
+                      <a:pPr xmlns:a="http://schemas.openxmlformats.org/drawingml/2006/main" algn="l">
                         <a:lnSpc>
                           <a:spcPct val="107000"/>
                         </a:lnSpc>
@@ -4585,13 +4536,13 @@
                           <a:spcPts val="0"/>
                         </a:spcAft>
                       </a:pPr>
-                      <a:r>
-                        <a:rPr lang="en-US" sz="1600" dirty="0">
+                      <a:r xmlns:a="http://schemas.openxmlformats.org/drawingml/2006/main">
+                        <a:rPr lang="en" sz="1600" dirty="0">
                           <a:effectLst/>
                         </a:rPr>
                         <a:t>Product1</a:t>
                       </a:r>
-                      <a:endParaRPr lang="en-US" sz="1600" dirty="0">
+                      <a:endParaRPr xmlns:a="http://schemas.openxmlformats.org/drawingml/2006/main" lang="en-US" sz="1600" dirty="0">
                         <a:effectLst/>
                         <a:latin typeface="Calibri" panose="020F0502020204030204" pitchFamily="34" charset="0"/>
                         <a:ea typeface="Calibri" panose="020F0502020204030204" pitchFamily="34" charset="0"/>
@@ -4606,7 +4557,7 @@
                     <a:bodyPr/>
                     <a:lstStyle/>
                     <a:p>
-                      <a:pPr algn="l">
+                      <a:pPr xmlns:a="http://schemas.openxmlformats.org/drawingml/2006/main" algn="l">
                         <a:lnSpc>
                           <a:spcPct val="107000"/>
                         </a:lnSpc>
@@ -4614,13 +4565,13 @@
                           <a:spcPts val="0"/>
                         </a:spcAft>
                       </a:pPr>
-                      <a:r>
-                        <a:rPr lang="en-US" sz="1600" dirty="0">
+                      <a:r xmlns:a="http://schemas.openxmlformats.org/drawingml/2006/main">
+                        <a:rPr lang="en" sz="1600" dirty="0">
                           <a:effectLst/>
                         </a:rPr>
                         <a:t>Blue</a:t>
                       </a:r>
-                      <a:endParaRPr lang="en-US" sz="1600" dirty="0">
+                      <a:endParaRPr xmlns:a="http://schemas.openxmlformats.org/drawingml/2006/main" lang="en-US" sz="1600" dirty="0">
                         <a:effectLst/>
                         <a:latin typeface="Calibri" panose="020F0502020204030204" pitchFamily="34" charset="0"/>
                         <a:ea typeface="Calibri" panose="020F0502020204030204" pitchFamily="34" charset="0"/>
@@ -4635,7 +4586,7 @@
                     <a:bodyPr/>
                     <a:lstStyle/>
                     <a:p>
-                      <a:pPr algn="l">
+                      <a:pPr xmlns:a="http://schemas.openxmlformats.org/drawingml/2006/main" algn="l">
                         <a:lnSpc>
                           <a:spcPct val="107000"/>
                         </a:lnSpc>
@@ -4643,13 +4594,13 @@
                           <a:spcPts val="0"/>
                         </a:spcAft>
                       </a:pPr>
-                      <a:r>
-                        <a:rPr lang="en-US" sz="1600">
+                      <a:r xmlns:a="http://schemas.openxmlformats.org/drawingml/2006/main">
+                        <a:rPr lang="en" sz="1600">
                           <a:effectLst/>
                         </a:rPr>
                         <a:t>AVERAGE</a:t>
                       </a:r>
-                      <a:endParaRPr lang="en-US" sz="1600">
+                      <a:endParaRPr xmlns:a="http://schemas.openxmlformats.org/drawingml/2006/main" lang="en-US" sz="1600">
                         <a:effectLst/>
                         <a:latin typeface="Calibri" panose="020F0502020204030204" pitchFamily="34" charset="0"/>
                         <a:ea typeface="Calibri" panose="020F0502020204030204" pitchFamily="34" charset="0"/>
@@ -4671,7 +4622,7 @@
                     <a:bodyPr/>
                     <a:lstStyle/>
                     <a:p>
-                      <a:pPr algn="l">
+                      <a:pPr xmlns:a="http://schemas.openxmlformats.org/drawingml/2006/main" algn="l">
                         <a:lnSpc>
                           <a:spcPct val="107000"/>
                         </a:lnSpc>
@@ -4679,13 +4630,13 @@
                           <a:spcPts val="0"/>
                         </a:spcAft>
                       </a:pPr>
-                      <a:r>
-                        <a:rPr lang="en-US" sz="1600">
+                      <a:r xmlns:a="http://schemas.openxmlformats.org/drawingml/2006/main">
+                        <a:rPr lang="en" sz="1600">
                           <a:effectLst/>
                         </a:rPr>
                         <a:t>8</a:t>
                       </a:r>
-                      <a:endParaRPr lang="en-US" sz="1600">
+                      <a:endParaRPr xmlns:a="http://schemas.openxmlformats.org/drawingml/2006/main" lang="en-US" sz="1600">
                         <a:effectLst/>
                         <a:latin typeface="Calibri" panose="020F0502020204030204" pitchFamily="34" charset="0"/>
                         <a:ea typeface="Calibri" panose="020F0502020204030204" pitchFamily="34" charset="0"/>
@@ -4700,7 +4651,7 @@
                     <a:bodyPr/>
                     <a:lstStyle/>
                     <a:p>
-                      <a:pPr algn="l">
+                      <a:pPr xmlns:a="http://schemas.openxmlformats.org/drawingml/2006/main" algn="l">
                         <a:lnSpc>
                           <a:spcPct val="107000"/>
                         </a:lnSpc>
@@ -4708,13 +4659,13 @@
                           <a:spcPts val="0"/>
                         </a:spcAft>
                       </a:pPr>
-                      <a:r>
-                        <a:rPr lang="en-US" sz="1600" dirty="0">
+                      <a:r xmlns:a="http://schemas.openxmlformats.org/drawingml/2006/main">
+                        <a:rPr lang="en" sz="1600" dirty="0">
                           <a:effectLst/>
                         </a:rPr>
                         <a:t>Product2</a:t>
                       </a:r>
-                      <a:endParaRPr lang="en-US" sz="1600" dirty="0">
+                      <a:endParaRPr xmlns:a="http://schemas.openxmlformats.org/drawingml/2006/main" lang="en-US" sz="1600" dirty="0">
                         <a:effectLst/>
                         <a:latin typeface="Calibri" panose="020F0502020204030204" pitchFamily="34" charset="0"/>
                         <a:ea typeface="Calibri" panose="020F0502020204030204" pitchFamily="34" charset="0"/>
@@ -4729,7 +4680,7 @@
                     <a:bodyPr/>
                     <a:lstStyle/>
                     <a:p>
-                      <a:pPr algn="l">
+                      <a:pPr xmlns:a="http://schemas.openxmlformats.org/drawingml/2006/main" algn="l">
                         <a:lnSpc>
                           <a:spcPct val="107000"/>
                         </a:lnSpc>
@@ -4737,13 +4688,13 @@
                           <a:spcPts val="0"/>
                         </a:spcAft>
                       </a:pPr>
-                      <a:r>
-                        <a:rPr lang="en-US" sz="1600" dirty="0">
+                      <a:r xmlns:a="http://schemas.openxmlformats.org/drawingml/2006/main">
+                        <a:rPr lang="en" sz="1600" dirty="0">
                           <a:effectLst/>
                         </a:rPr>
                         <a:t>Blue</a:t>
                       </a:r>
-                      <a:endParaRPr lang="en-US" sz="1600" dirty="0">
+                      <a:endParaRPr xmlns:a="http://schemas.openxmlformats.org/drawingml/2006/main" lang="en-US" sz="1600" dirty="0">
                         <a:effectLst/>
                         <a:latin typeface="Calibri" panose="020F0502020204030204" pitchFamily="34" charset="0"/>
                         <a:ea typeface="Calibri" panose="020F0502020204030204" pitchFamily="34" charset="0"/>
@@ -4758,7 +4709,7 @@
                     <a:bodyPr/>
                     <a:lstStyle/>
                     <a:p>
-                      <a:pPr algn="l">
+                      <a:pPr xmlns:a="http://schemas.openxmlformats.org/drawingml/2006/main" algn="l">
                         <a:lnSpc>
                           <a:spcPct val="107000"/>
                         </a:lnSpc>
@@ -4766,13 +4717,13 @@
                           <a:spcPts val="0"/>
                         </a:spcAft>
                       </a:pPr>
-                      <a:r>
-                        <a:rPr lang="en-US" sz="1600">
+                      <a:r xmlns:a="http://schemas.openxmlformats.org/drawingml/2006/main">
+                        <a:rPr lang="en" sz="1600">
                           <a:effectLst/>
                         </a:rPr>
                         <a:t>Big</a:t>
                       </a:r>
-                      <a:endParaRPr lang="en-US" sz="1600">
+                      <a:endParaRPr xmlns:a="http://schemas.openxmlformats.org/drawingml/2006/main" lang="en-US" sz="1600">
                         <a:effectLst/>
                         <a:latin typeface="Calibri" panose="020F0502020204030204" pitchFamily="34" charset="0"/>
                         <a:ea typeface="Calibri" panose="020F0502020204030204" pitchFamily="34" charset="0"/>
@@ -4794,7 +4745,7 @@
                     <a:bodyPr/>
                     <a:lstStyle/>
                     <a:p>
-                      <a:pPr algn="l">
+                      <a:pPr xmlns:a="http://schemas.openxmlformats.org/drawingml/2006/main" algn="l">
                         <a:lnSpc>
                           <a:spcPct val="107000"/>
                         </a:lnSpc>
@@ -4802,13 +4753,13 @@
                           <a:spcPts val="0"/>
                         </a:spcAft>
                       </a:pPr>
-                      <a:r>
-                        <a:rPr lang="en-US" sz="1600">
+                      <a:r xmlns:a="http://schemas.openxmlformats.org/drawingml/2006/main">
+                        <a:rPr lang="en" sz="1600">
                           <a:effectLst/>
                         </a:rPr>
                         <a:t>9</a:t>
                       </a:r>
-                      <a:endParaRPr lang="en-US" sz="1600">
+                      <a:endParaRPr xmlns:a="http://schemas.openxmlformats.org/drawingml/2006/main" lang="en-US" sz="1600">
                         <a:effectLst/>
                         <a:latin typeface="Calibri" panose="020F0502020204030204" pitchFamily="34" charset="0"/>
                         <a:ea typeface="Calibri" panose="020F0502020204030204" pitchFamily="34" charset="0"/>
@@ -4823,7 +4774,7 @@
                     <a:bodyPr/>
                     <a:lstStyle/>
                     <a:p>
-                      <a:pPr algn="l">
+                      <a:pPr xmlns:a="http://schemas.openxmlformats.org/drawingml/2006/main" algn="l">
                         <a:lnSpc>
                           <a:spcPct val="107000"/>
                         </a:lnSpc>
@@ -4831,13 +4782,13 @@
                           <a:spcPts val="0"/>
                         </a:spcAft>
                       </a:pPr>
-                      <a:r>
-                        <a:rPr lang="en-US" sz="1600" dirty="0">
+                      <a:r xmlns:a="http://schemas.openxmlformats.org/drawingml/2006/main">
+                        <a:rPr lang="en" sz="1600" dirty="0">
                           <a:effectLst/>
                         </a:rPr>
                         <a:t>Product3</a:t>
                       </a:r>
-                      <a:endParaRPr lang="en-US" sz="1600" dirty="0">
+                      <a:endParaRPr xmlns:a="http://schemas.openxmlformats.org/drawingml/2006/main" lang="en-US" sz="1600" dirty="0">
                         <a:effectLst/>
                         <a:latin typeface="Calibri" panose="020F0502020204030204" pitchFamily="34" charset="0"/>
                         <a:ea typeface="Calibri" panose="020F0502020204030204" pitchFamily="34" charset="0"/>
@@ -4852,7 +4803,7 @@
                     <a:bodyPr/>
                     <a:lstStyle/>
                     <a:p>
-                      <a:pPr algn="l">
+                      <a:pPr xmlns:a="http://schemas.openxmlformats.org/drawingml/2006/main" algn="l">
                         <a:lnSpc>
                           <a:spcPct val="107000"/>
                         </a:lnSpc>
@@ -4860,13 +4811,13 @@
                           <a:spcPts val="0"/>
                         </a:spcAft>
                       </a:pPr>
-                      <a:r>
-                        <a:rPr lang="en-US" sz="1600" dirty="0">
+                      <a:r xmlns:a="http://schemas.openxmlformats.org/drawingml/2006/main">
+                        <a:rPr lang="en" sz="1600" dirty="0">
                           <a:effectLst/>
                         </a:rPr>
                         <a:t>Blue</a:t>
                       </a:r>
-                      <a:endParaRPr lang="en-US" sz="1600" dirty="0">
+                      <a:endParaRPr xmlns:a="http://schemas.openxmlformats.org/drawingml/2006/main" lang="en-US" sz="1600" dirty="0">
                         <a:effectLst/>
                         <a:latin typeface="Calibri" panose="020F0502020204030204" pitchFamily="34" charset="0"/>
                         <a:ea typeface="Calibri" panose="020F0502020204030204" pitchFamily="34" charset="0"/>
@@ -4881,7 +4832,7 @@
                     <a:bodyPr/>
                     <a:lstStyle/>
                     <a:p>
-                      <a:pPr algn="l">
+                      <a:pPr xmlns:a="http://schemas.openxmlformats.org/drawingml/2006/main" algn="l">
                         <a:lnSpc>
                           <a:spcPct val="107000"/>
                         </a:lnSpc>
@@ -4889,13 +4840,13 @@
                           <a:spcPts val="0"/>
                         </a:spcAft>
                       </a:pPr>
-                      <a:r>
-                        <a:rPr lang="en-US" sz="1600">
+                      <a:r xmlns:a="http://schemas.openxmlformats.org/drawingml/2006/main">
+                        <a:rPr lang="en" sz="1600">
                           <a:effectLst/>
                         </a:rPr>
                         <a:t>Big</a:t>
                       </a:r>
-                      <a:endParaRPr lang="en-US" sz="1600">
+                      <a:endParaRPr xmlns:a="http://schemas.openxmlformats.org/drawingml/2006/main" lang="en-US" sz="1600">
                         <a:effectLst/>
                         <a:latin typeface="Calibri" panose="020F0502020204030204" pitchFamily="34" charset="0"/>
                         <a:ea typeface="Calibri" panose="020F0502020204030204" pitchFamily="34" charset="0"/>
@@ -4917,7 +4868,7 @@
                     <a:bodyPr/>
                     <a:lstStyle/>
                     <a:p>
-                      <a:pPr algn="l">
+                      <a:pPr xmlns:a="http://schemas.openxmlformats.org/drawingml/2006/main" algn="l">
                         <a:lnSpc>
                           <a:spcPct val="107000"/>
                         </a:lnSpc>
@@ -4925,13 +4876,13 @@
                           <a:spcPts val="0"/>
                         </a:spcAft>
                       </a:pPr>
-                      <a:r>
-                        <a:rPr lang="en-US" sz="1600">
+                      <a:r xmlns:a="http://schemas.openxmlformats.org/drawingml/2006/main">
+                        <a:rPr lang="en" sz="1600">
                           <a:effectLst/>
                         </a:rPr>
                         <a:t>10</a:t>
                       </a:r>
-                      <a:endParaRPr lang="en-US" sz="1600">
+                      <a:endParaRPr xmlns:a="http://schemas.openxmlformats.org/drawingml/2006/main" lang="en-US" sz="1600">
                         <a:effectLst/>
                         <a:latin typeface="Calibri" panose="020F0502020204030204" pitchFamily="34" charset="0"/>
                         <a:ea typeface="Calibri" panose="020F0502020204030204" pitchFamily="34" charset="0"/>
@@ -4946,7 +4897,7 @@
                     <a:bodyPr/>
                     <a:lstStyle/>
                     <a:p>
-                      <a:pPr algn="l">
+                      <a:pPr xmlns:a="http://schemas.openxmlformats.org/drawingml/2006/main" algn="l">
                         <a:lnSpc>
                           <a:spcPct val="107000"/>
                         </a:lnSpc>
@@ -4954,13 +4905,13 @@
                           <a:spcPts val="0"/>
                         </a:spcAft>
                       </a:pPr>
-                      <a:r>
-                        <a:rPr lang="en-US" sz="1600" dirty="0">
+                      <a:r xmlns:a="http://schemas.openxmlformats.org/drawingml/2006/main">
+                        <a:rPr lang="en" sz="1600" dirty="0">
                           <a:effectLst/>
                         </a:rPr>
                         <a:t>Product1</a:t>
                       </a:r>
-                      <a:endParaRPr lang="en-US" sz="1600" dirty="0">
+                      <a:endParaRPr xmlns:a="http://schemas.openxmlformats.org/drawingml/2006/main" lang="en-US" sz="1600" dirty="0">
                         <a:effectLst/>
                         <a:latin typeface="Calibri" panose="020F0502020204030204" pitchFamily="34" charset="0"/>
                         <a:ea typeface="Calibri" panose="020F0502020204030204" pitchFamily="34" charset="0"/>
@@ -4975,7 +4926,7 @@
                     <a:bodyPr/>
                     <a:lstStyle/>
                     <a:p>
-                      <a:pPr algn="l">
+                      <a:pPr xmlns:a="http://schemas.openxmlformats.org/drawingml/2006/main" algn="l">
                         <a:lnSpc>
                           <a:spcPct val="107000"/>
                         </a:lnSpc>
@@ -4983,13 +4934,13 @@
                           <a:spcPts val="0"/>
                         </a:spcAft>
                       </a:pPr>
-                      <a:r>
-                        <a:rPr lang="en-US" sz="1600" dirty="0">
+                      <a:r xmlns:a="http://schemas.openxmlformats.org/drawingml/2006/main">
+                        <a:rPr lang="en" sz="1600" dirty="0">
                           <a:effectLst/>
                         </a:rPr>
                         <a:t>Red</a:t>
                       </a:r>
-                      <a:endParaRPr lang="en-US" sz="1600" dirty="0">
+                      <a:endParaRPr xmlns:a="http://schemas.openxmlformats.org/drawingml/2006/main" lang="en-US" sz="1600" dirty="0">
                         <a:effectLst/>
                         <a:latin typeface="Calibri" panose="020F0502020204030204" pitchFamily="34" charset="0"/>
                         <a:ea typeface="Calibri" panose="020F0502020204030204" pitchFamily="34" charset="0"/>
@@ -5004,7 +4955,7 @@
                     <a:bodyPr/>
                     <a:lstStyle/>
                     <a:p>
-                      <a:pPr algn="l">
+                      <a:pPr xmlns:a="http://schemas.openxmlformats.org/drawingml/2006/main" algn="l">
                         <a:lnSpc>
                           <a:spcPct val="107000"/>
                         </a:lnSpc>
@@ -5012,13 +4963,13 @@
                           <a:spcPts val="0"/>
                         </a:spcAft>
                       </a:pPr>
-                      <a:r>
-                        <a:rPr lang="en-US" sz="1600">
+                      <a:r xmlns:a="http://schemas.openxmlformats.org/drawingml/2006/main">
+                        <a:rPr lang="en" sz="1600">
                           <a:effectLst/>
                         </a:rPr>
                         <a:t>Big</a:t>
                       </a:r>
-                      <a:endParaRPr lang="en-US" sz="1600">
+                      <a:endParaRPr xmlns:a="http://schemas.openxmlformats.org/drawingml/2006/main" lang="en-US" sz="1600">
                         <a:effectLst/>
                         <a:latin typeface="Calibri" panose="020F0502020204030204" pitchFamily="34" charset="0"/>
                         <a:ea typeface="Calibri" panose="020F0502020204030204" pitchFamily="34" charset="0"/>
@@ -5040,7 +4991,7 @@
                     <a:bodyPr/>
                     <a:lstStyle/>
                     <a:p>
-                      <a:pPr algn="l">
+                      <a:pPr xmlns:a="http://schemas.openxmlformats.org/drawingml/2006/main" algn="l">
                         <a:lnSpc>
                           <a:spcPct val="107000"/>
                         </a:lnSpc>
@@ -5048,13 +4999,13 @@
                           <a:spcPts val="0"/>
                         </a:spcAft>
                       </a:pPr>
-                      <a:r>
-                        <a:rPr lang="en-US" sz="1600">
+                      <a:r xmlns:a="http://schemas.openxmlformats.org/drawingml/2006/main">
+                        <a:rPr lang="en" sz="1600">
                           <a:effectLst/>
                         </a:rPr>
                         <a:t>11</a:t>
                       </a:r>
-                      <a:endParaRPr lang="en-US" sz="1600">
+                      <a:endParaRPr xmlns:a="http://schemas.openxmlformats.org/drawingml/2006/main" lang="en-US" sz="1600">
                         <a:effectLst/>
                         <a:latin typeface="Calibri" panose="020F0502020204030204" pitchFamily="34" charset="0"/>
                         <a:ea typeface="Calibri" panose="020F0502020204030204" pitchFamily="34" charset="0"/>
@@ -5069,7 +5020,7 @@
                     <a:bodyPr/>
                     <a:lstStyle/>
                     <a:p>
-                      <a:pPr algn="l">
+                      <a:pPr xmlns:a="http://schemas.openxmlformats.org/drawingml/2006/main" algn="l">
                         <a:lnSpc>
                           <a:spcPct val="107000"/>
                         </a:lnSpc>
@@ -5077,13 +5028,13 @@
                           <a:spcPts val="0"/>
                         </a:spcAft>
                       </a:pPr>
-                      <a:r>
-                        <a:rPr lang="en-US" sz="1600" dirty="0">
+                      <a:r xmlns:a="http://schemas.openxmlformats.org/drawingml/2006/main">
+                        <a:rPr lang="en" sz="1600" dirty="0">
                           <a:effectLst/>
                         </a:rPr>
                         <a:t>Product2</a:t>
                       </a:r>
-                      <a:endParaRPr lang="en-US" sz="1600" dirty="0">
+                      <a:endParaRPr xmlns:a="http://schemas.openxmlformats.org/drawingml/2006/main" lang="en-US" sz="1600" dirty="0">
                         <a:effectLst/>
                         <a:latin typeface="Calibri" panose="020F0502020204030204" pitchFamily="34" charset="0"/>
                         <a:ea typeface="Calibri" panose="020F0502020204030204" pitchFamily="34" charset="0"/>
@@ -5098,7 +5049,7 @@
                     <a:bodyPr/>
                     <a:lstStyle/>
                     <a:p>
-                      <a:pPr algn="l">
+                      <a:pPr xmlns:a="http://schemas.openxmlformats.org/drawingml/2006/main" algn="l">
                         <a:lnSpc>
                           <a:spcPct val="107000"/>
                         </a:lnSpc>
@@ -5106,13 +5057,13 @@
                           <a:spcPts val="0"/>
                         </a:spcAft>
                       </a:pPr>
-                      <a:r>
-                        <a:rPr lang="en-US" sz="1600" dirty="0">
+                      <a:r xmlns:a="http://schemas.openxmlformats.org/drawingml/2006/main">
+                        <a:rPr lang="en" sz="1600" dirty="0">
                           <a:effectLst/>
                         </a:rPr>
                         <a:t>Red</a:t>
                       </a:r>
-                      <a:endParaRPr lang="en-US" sz="1600" dirty="0">
+                      <a:endParaRPr xmlns:a="http://schemas.openxmlformats.org/drawingml/2006/main" lang="en-US" sz="1600" dirty="0">
                         <a:effectLst/>
                         <a:latin typeface="Calibri" panose="020F0502020204030204" pitchFamily="34" charset="0"/>
                         <a:ea typeface="Calibri" panose="020F0502020204030204" pitchFamily="34" charset="0"/>
@@ -5127,7 +5078,7 @@
                     <a:bodyPr/>
                     <a:lstStyle/>
                     <a:p>
-                      <a:pPr algn="l">
+                      <a:pPr xmlns:a="http://schemas.openxmlformats.org/drawingml/2006/main" algn="l">
                         <a:lnSpc>
                           <a:spcPct val="107000"/>
                         </a:lnSpc>
@@ -5135,13 +5086,13 @@
                           <a:spcPts val="0"/>
                         </a:spcAft>
                       </a:pPr>
-                      <a:r>
-                        <a:rPr lang="en-US" sz="1600" dirty="0">
+                      <a:r xmlns:a="http://schemas.openxmlformats.org/drawingml/2006/main">
+                        <a:rPr lang="en" sz="1600" dirty="0">
                           <a:effectLst/>
                         </a:rPr>
                         <a:t>Big</a:t>
                       </a:r>
-                      <a:endParaRPr lang="en-US" sz="1600" dirty="0">
+                      <a:endParaRPr xmlns:a="http://schemas.openxmlformats.org/drawingml/2006/main" lang="en-US" sz="1600" dirty="0">
                         <a:effectLst/>
                         <a:latin typeface="Calibri" panose="020F0502020204030204" pitchFamily="34" charset="0"/>
                         <a:ea typeface="Calibri" panose="020F0502020204030204" pitchFamily="34" charset="0"/>
@@ -5163,7 +5114,7 @@
                     <a:bodyPr/>
                     <a:lstStyle/>
                     <a:p>
-                      <a:pPr algn="l">
+                      <a:pPr xmlns:a="http://schemas.openxmlformats.org/drawingml/2006/main" algn="l">
                         <a:lnSpc>
                           <a:spcPct val="107000"/>
                         </a:lnSpc>
@@ -5171,13 +5122,13 @@
                           <a:spcPts val="0"/>
                         </a:spcAft>
                       </a:pPr>
-                      <a:r>
-                        <a:rPr lang="en-US" sz="1600">
+                      <a:r xmlns:a="http://schemas.openxmlformats.org/drawingml/2006/main">
+                        <a:rPr lang="en" sz="1600" dirty="0">
                           <a:effectLst/>
                         </a:rPr>
                         <a:t>12</a:t>
                       </a:r>
-                      <a:endParaRPr lang="en-US" sz="1600">
+                      <a:endParaRPr xmlns:a="http://schemas.openxmlformats.org/drawingml/2006/main" lang="en-US" sz="1600" dirty="0">
                         <a:effectLst/>
                         <a:latin typeface="Calibri" panose="020F0502020204030204" pitchFamily="34" charset="0"/>
                         <a:ea typeface="Calibri" panose="020F0502020204030204" pitchFamily="34" charset="0"/>
@@ -5192,7 +5143,7 @@
                     <a:bodyPr/>
                     <a:lstStyle/>
                     <a:p>
-                      <a:pPr algn="l">
+                      <a:pPr xmlns:a="http://schemas.openxmlformats.org/drawingml/2006/main" algn="l">
                         <a:lnSpc>
                           <a:spcPct val="107000"/>
                         </a:lnSpc>
@@ -5200,13 +5151,13 @@
                           <a:spcPts val="0"/>
                         </a:spcAft>
                       </a:pPr>
-                      <a:r>
-                        <a:rPr lang="en-US" sz="1600" dirty="0">
+                      <a:r xmlns:a="http://schemas.openxmlformats.org/drawingml/2006/main">
+                        <a:rPr lang="en" sz="1600" dirty="0">
                           <a:effectLst/>
                         </a:rPr>
                         <a:t>Product3</a:t>
                       </a:r>
-                      <a:endParaRPr lang="en-US" sz="1600" dirty="0">
+                      <a:endParaRPr xmlns:a="http://schemas.openxmlformats.org/drawingml/2006/main" lang="en-US" sz="1600" dirty="0">
                         <a:effectLst/>
                         <a:latin typeface="Calibri" panose="020F0502020204030204" pitchFamily="34" charset="0"/>
                         <a:ea typeface="Calibri" panose="020F0502020204030204" pitchFamily="34" charset="0"/>
@@ -5221,7 +5172,7 @@
                     <a:bodyPr/>
                     <a:lstStyle/>
                     <a:p>
-                      <a:pPr algn="l">
+                      <a:pPr xmlns:a="http://schemas.openxmlformats.org/drawingml/2006/main" algn="l">
                         <a:lnSpc>
                           <a:spcPct val="107000"/>
                         </a:lnSpc>
@@ -5229,13 +5180,13 @@
                           <a:spcPts val="0"/>
                         </a:spcAft>
                       </a:pPr>
-                      <a:r>
-                        <a:rPr lang="en-US" sz="1600" dirty="0">
+                      <a:r xmlns:a="http://schemas.openxmlformats.org/drawingml/2006/main">
+                        <a:rPr lang="en" sz="1600" dirty="0">
                           <a:effectLst/>
                         </a:rPr>
                         <a:t>Red</a:t>
                       </a:r>
-                      <a:endParaRPr lang="en-US" sz="1600" dirty="0">
+                      <a:endParaRPr xmlns:a="http://schemas.openxmlformats.org/drawingml/2006/main" lang="en-US" sz="1600" dirty="0">
                         <a:effectLst/>
                         <a:latin typeface="Calibri" panose="020F0502020204030204" pitchFamily="34" charset="0"/>
                         <a:ea typeface="Calibri" panose="020F0502020204030204" pitchFamily="34" charset="0"/>
@@ -5250,7 +5201,7 @@
                     <a:bodyPr/>
                     <a:lstStyle/>
                     <a:p>
-                      <a:pPr algn="l">
+                      <a:pPr xmlns:a="http://schemas.openxmlformats.org/drawingml/2006/main" algn="l">
                         <a:lnSpc>
                           <a:spcPct val="107000"/>
                         </a:lnSpc>
@@ -5258,13 +5209,13 @@
                           <a:spcPts val="0"/>
                         </a:spcAft>
                       </a:pPr>
-                      <a:r>
-                        <a:rPr lang="en-US" sz="1600" dirty="0">
+                      <a:r xmlns:a="http://schemas.openxmlformats.org/drawingml/2006/main">
+                        <a:rPr lang="en" sz="1600" dirty="0">
                           <a:effectLst/>
                         </a:rPr>
                         <a:t>Big</a:t>
                       </a:r>
-                      <a:endParaRPr lang="en-US" sz="1600" dirty="0">
+                      <a:endParaRPr xmlns:a="http://schemas.openxmlformats.org/drawingml/2006/main" lang="en-US" sz="1600" dirty="0">
                         <a:effectLst/>
                         <a:latin typeface="Calibri" panose="020F0502020204030204" pitchFamily="34" charset="0"/>
                         <a:ea typeface="Calibri" panose="020F0502020204030204" pitchFamily="34" charset="0"/>
@@ -5293,13 +5244,13 @@
           <p:nvPr>
             <p:extLst>
               <p:ext uri="{D42A27DB-BD31-4B8C-83A1-F6EECF244321}">
-                <p14:modId xmlns:p14="http://schemas.microsoft.com/office/powerpoint/2010/main" val="1592563990"/>
+                <p14:modId xmlns:p14="http://schemas.microsoft.com/office/powerpoint/2010/main" val="208683141"/>
               </p:ext>
             </p:extLst>
           </p:nvPr>
         </p:nvGraphicFramePr>
         <p:xfrm>
-          <a:off x="5129941" y="1295818"/>
+          <a:off x="5120679" y="1694579"/>
           <a:ext cx="1244600" cy="3815461"/>
         </p:xfrm>
         <a:graphic>
@@ -5330,7 +5281,7 @@
                     <a:bodyPr/>
                     <a:lstStyle/>
                     <a:p>
-                      <a:pPr>
+                      <a:pPr xmlns:a="http://schemas.openxmlformats.org/drawingml/2006/main">
                         <a:lnSpc>
                           <a:spcPct val="107000"/>
                         </a:lnSpc>
@@ -5338,13 +5289,13 @@
                           <a:spcPts val="0"/>
                         </a:spcAft>
                       </a:pPr>
-                      <a:r>
-                        <a:rPr lang="en-US" sz="1800" dirty="0">
+                      <a:r xmlns:a="http://schemas.openxmlformats.org/drawingml/2006/main">
+                        <a:rPr lang="en" sz="1800" dirty="0">
                           <a:effectLst/>
                         </a:rPr>
                         <a:t>ID</a:t>
                       </a:r>
-                      <a:endParaRPr lang="en-US" sz="1800" dirty="0">
+                      <a:endParaRPr xmlns:a="http://schemas.openxmlformats.org/drawingml/2006/main" lang="en-US" sz="1800" dirty="0">
                         <a:effectLst/>
                         <a:latin typeface="Calibri" panose="020F0502020204030204" pitchFamily="34" charset="0"/>
                         <a:ea typeface="Calibri" panose="020F0502020204030204" pitchFamily="34" charset="0"/>
@@ -5359,7 +5310,7 @@
                     <a:bodyPr/>
                     <a:lstStyle/>
                     <a:p>
-                      <a:pPr>
+                      <a:pPr xmlns:a="http://schemas.openxmlformats.org/drawingml/2006/main">
                         <a:lnSpc>
                           <a:spcPct val="107000"/>
                         </a:lnSpc>
@@ -5367,13 +5318,13 @@
                           <a:spcPts val="0"/>
                         </a:spcAft>
                       </a:pPr>
-                      <a:r>
-                        <a:rPr lang="en-US" sz="1800">
+                      <a:r xmlns:a="http://schemas.openxmlformats.org/drawingml/2006/main">
+                        <a:rPr lang="en" sz="1800">
                           <a:effectLst/>
                         </a:rPr>
                         <a:t>Sales</a:t>
                       </a:r>
-                      <a:endParaRPr lang="en-US" sz="1800">
+                      <a:endParaRPr xmlns:a="http://schemas.openxmlformats.org/drawingml/2006/main" lang="en-US" sz="1800">
                         <a:effectLst/>
                         <a:latin typeface="Calibri" panose="020F0502020204030204" pitchFamily="34" charset="0"/>
                         <a:ea typeface="Calibri" panose="020F0502020204030204" pitchFamily="34" charset="0"/>
@@ -5395,7 +5346,7 @@
                     <a:bodyPr/>
                     <a:lstStyle/>
                     <a:p>
-                      <a:pPr algn="r">
+                      <a:pPr xmlns:a="http://schemas.openxmlformats.org/drawingml/2006/main" algn="r">
                         <a:lnSpc>
                           <a:spcPct val="107000"/>
                         </a:lnSpc>
@@ -5403,13 +5354,13 @@
                           <a:spcPts val="0"/>
                         </a:spcAft>
                       </a:pPr>
-                      <a:r>
-                        <a:rPr lang="en-US" sz="1800" dirty="0">
+                      <a:r xmlns:a="http://schemas.openxmlformats.org/drawingml/2006/main">
+                        <a:rPr lang="en" sz="1800" dirty="0">
                           <a:effectLst/>
                         </a:rPr>
                         <a:t>1</a:t>
                       </a:r>
-                      <a:endParaRPr lang="en-US" sz="1800" dirty="0">
+                      <a:endParaRPr xmlns:a="http://schemas.openxmlformats.org/drawingml/2006/main" lang="en-US" sz="1800" dirty="0">
                         <a:effectLst/>
                         <a:latin typeface="Calibri" panose="020F0502020204030204" pitchFamily="34" charset="0"/>
                         <a:ea typeface="Calibri" panose="020F0502020204030204" pitchFamily="34" charset="0"/>
@@ -5424,7 +5375,7 @@
                     <a:bodyPr/>
                     <a:lstStyle/>
                     <a:p>
-                      <a:pPr algn="r">
+                      <a:pPr xmlns:a="http://schemas.openxmlformats.org/drawingml/2006/main" algn="r">
                         <a:lnSpc>
                           <a:spcPct val="107000"/>
                         </a:lnSpc>
@@ -5432,13 +5383,13 @@
                           <a:spcPts val="0"/>
                         </a:spcAft>
                       </a:pPr>
-                      <a:r>
-                        <a:rPr lang="en-US" sz="1800" dirty="0">
+                      <a:r xmlns:a="http://schemas.openxmlformats.org/drawingml/2006/main">
+                        <a:rPr lang="en" sz="1800" dirty="0">
                           <a:effectLst/>
                         </a:rPr>
                         <a:t>10</a:t>
                       </a:r>
-                      <a:endParaRPr lang="en-US" sz="1800" dirty="0">
+                      <a:endParaRPr xmlns:a="http://schemas.openxmlformats.org/drawingml/2006/main" lang="en-US" sz="1800" dirty="0">
                         <a:effectLst/>
                         <a:latin typeface="Calibri" panose="020F0502020204030204" pitchFamily="34" charset="0"/>
                         <a:ea typeface="Calibri" panose="020F0502020204030204" pitchFamily="34" charset="0"/>
@@ -5460,7 +5411,7 @@
                     <a:bodyPr/>
                     <a:lstStyle/>
                     <a:p>
-                      <a:pPr algn="r">
+                      <a:pPr xmlns:a="http://schemas.openxmlformats.org/drawingml/2006/main" algn="r">
                         <a:lnSpc>
                           <a:spcPct val="107000"/>
                         </a:lnSpc>
@@ -5468,13 +5419,13 @@
                           <a:spcPts val="0"/>
                         </a:spcAft>
                       </a:pPr>
-                      <a:r>
-                        <a:rPr lang="en-US" sz="1800" dirty="0">
+                      <a:r xmlns:a="http://schemas.openxmlformats.org/drawingml/2006/main">
+                        <a:rPr lang="en" sz="1800" dirty="0">
                           <a:effectLst/>
                         </a:rPr>
                         <a:t>2</a:t>
                       </a:r>
-                      <a:endParaRPr lang="en-US" sz="1800" dirty="0">
+                      <a:endParaRPr xmlns:a="http://schemas.openxmlformats.org/drawingml/2006/main" lang="en-US" sz="1800" dirty="0">
                         <a:effectLst/>
                         <a:latin typeface="Calibri" panose="020F0502020204030204" pitchFamily="34" charset="0"/>
                         <a:ea typeface="Calibri" panose="020F0502020204030204" pitchFamily="34" charset="0"/>
@@ -5489,7 +5440,7 @@
                     <a:bodyPr/>
                     <a:lstStyle/>
                     <a:p>
-                      <a:pPr algn="r">
+                      <a:pPr xmlns:a="http://schemas.openxmlformats.org/drawingml/2006/main" algn="r">
                         <a:lnSpc>
                           <a:spcPct val="107000"/>
                         </a:lnSpc>
@@ -5497,13 +5448,13 @@
                           <a:spcPts val="0"/>
                         </a:spcAft>
                       </a:pPr>
-                      <a:r>
-                        <a:rPr lang="en-US" sz="1800" dirty="0">
+                      <a:r xmlns:a="http://schemas.openxmlformats.org/drawingml/2006/main">
+                        <a:rPr lang="en" sz="1800" dirty="0">
                           <a:effectLst/>
                         </a:rPr>
                         <a:t>30</a:t>
                       </a:r>
-                      <a:endParaRPr lang="en-US" sz="1800" dirty="0">
+                      <a:endParaRPr xmlns:a="http://schemas.openxmlformats.org/drawingml/2006/main" lang="en-US" sz="1800" dirty="0">
                         <a:effectLst/>
                         <a:latin typeface="Calibri" panose="020F0502020204030204" pitchFamily="34" charset="0"/>
                         <a:ea typeface="Calibri" panose="020F0502020204030204" pitchFamily="34" charset="0"/>
@@ -5525,7 +5476,7 @@
                     <a:bodyPr/>
                     <a:lstStyle/>
                     <a:p>
-                      <a:pPr algn="r">
+                      <a:pPr xmlns:a="http://schemas.openxmlformats.org/drawingml/2006/main" algn="r">
                         <a:lnSpc>
                           <a:spcPct val="107000"/>
                         </a:lnSpc>
@@ -5533,13 +5484,13 @@
                           <a:spcPts val="0"/>
                         </a:spcAft>
                       </a:pPr>
-                      <a:r>
-                        <a:rPr lang="en-US" sz="1800">
+                      <a:r xmlns:a="http://schemas.openxmlformats.org/drawingml/2006/main">
+                        <a:rPr lang="en" sz="1800">
                           <a:effectLst/>
                         </a:rPr>
                         <a:t>3</a:t>
                       </a:r>
-                      <a:endParaRPr lang="en-US" sz="1800">
+                      <a:endParaRPr xmlns:a="http://schemas.openxmlformats.org/drawingml/2006/main" lang="en-US" sz="1800">
                         <a:effectLst/>
                         <a:latin typeface="Calibri" panose="020F0502020204030204" pitchFamily="34" charset="0"/>
                         <a:ea typeface="Calibri" panose="020F0502020204030204" pitchFamily="34" charset="0"/>
@@ -5554,7 +5505,7 @@
                     <a:bodyPr/>
                     <a:lstStyle/>
                     <a:p>
-                      <a:pPr algn="r">
+                      <a:pPr xmlns:a="http://schemas.openxmlformats.org/drawingml/2006/main" algn="r">
                         <a:lnSpc>
                           <a:spcPct val="107000"/>
                         </a:lnSpc>
@@ -5562,13 +5513,13 @@
                           <a:spcPts val="0"/>
                         </a:spcAft>
                       </a:pPr>
-                      <a:r>
-                        <a:rPr lang="en-US" sz="1800" dirty="0">
+                      <a:r xmlns:a="http://schemas.openxmlformats.org/drawingml/2006/main">
+                        <a:rPr lang="en" sz="1800" dirty="0">
                           <a:effectLst/>
                         </a:rPr>
                         <a:t>20</a:t>
                       </a:r>
-                      <a:endParaRPr lang="en-US" sz="1800" dirty="0">
+                      <a:endParaRPr xmlns:a="http://schemas.openxmlformats.org/drawingml/2006/main" lang="en-US" sz="1800" dirty="0">
                         <a:effectLst/>
                         <a:latin typeface="Calibri" panose="020F0502020204030204" pitchFamily="34" charset="0"/>
                         <a:ea typeface="Calibri" panose="020F0502020204030204" pitchFamily="34" charset="0"/>
@@ -5590,7 +5541,7 @@
                     <a:bodyPr/>
                     <a:lstStyle/>
                     <a:p>
-                      <a:pPr algn="r">
+                      <a:pPr xmlns:a="http://schemas.openxmlformats.org/drawingml/2006/main" algn="r">
                         <a:lnSpc>
                           <a:spcPct val="107000"/>
                         </a:lnSpc>
@@ -5598,13 +5549,13 @@
                           <a:spcPts val="0"/>
                         </a:spcAft>
                       </a:pPr>
-                      <a:r>
-                        <a:rPr lang="en-US" sz="1800">
+                      <a:r xmlns:a="http://schemas.openxmlformats.org/drawingml/2006/main">
+                        <a:rPr lang="en" sz="1800">
                           <a:effectLst/>
                         </a:rPr>
                         <a:t>4</a:t>
                       </a:r>
-                      <a:endParaRPr lang="en-US" sz="1800">
+                      <a:endParaRPr xmlns:a="http://schemas.openxmlformats.org/drawingml/2006/main" lang="en-US" sz="1800">
                         <a:effectLst/>
                         <a:latin typeface="Calibri" panose="020F0502020204030204" pitchFamily="34" charset="0"/>
                         <a:ea typeface="Calibri" panose="020F0502020204030204" pitchFamily="34" charset="0"/>
@@ -5619,7 +5570,7 @@
                     <a:bodyPr/>
                     <a:lstStyle/>
                     <a:p>
-                      <a:pPr algn="r">
+                      <a:pPr xmlns:a="http://schemas.openxmlformats.org/drawingml/2006/main" algn="r">
                         <a:lnSpc>
                           <a:spcPct val="107000"/>
                         </a:lnSpc>
@@ -5627,13 +5578,13 @@
                           <a:spcPts val="0"/>
                         </a:spcAft>
                       </a:pPr>
-                      <a:r>
-                        <a:rPr lang="en-US" sz="1800" dirty="0">
+                      <a:r xmlns:a="http://schemas.openxmlformats.org/drawingml/2006/main">
+                        <a:rPr lang="en" sz="1800" dirty="0">
                           <a:effectLst/>
                         </a:rPr>
                         <a:t>10</a:t>
                       </a:r>
-                      <a:endParaRPr lang="en-US" sz="1800" dirty="0">
+                      <a:endParaRPr xmlns:a="http://schemas.openxmlformats.org/drawingml/2006/main" lang="en-US" sz="1800" dirty="0">
                         <a:effectLst/>
                         <a:latin typeface="Calibri" panose="020F0502020204030204" pitchFamily="34" charset="0"/>
                         <a:ea typeface="Calibri" panose="020F0502020204030204" pitchFamily="34" charset="0"/>
@@ -5655,7 +5606,7 @@
                     <a:bodyPr/>
                     <a:lstStyle/>
                     <a:p>
-                      <a:pPr algn="r">
+                      <a:pPr xmlns:a="http://schemas.openxmlformats.org/drawingml/2006/main" algn="r">
                         <a:lnSpc>
                           <a:spcPct val="107000"/>
                         </a:lnSpc>
@@ -5663,13 +5614,13 @@
                           <a:spcPts val="0"/>
                         </a:spcAft>
                       </a:pPr>
-                      <a:r>
-                        <a:rPr lang="en-US" sz="1800">
+                      <a:r xmlns:a="http://schemas.openxmlformats.org/drawingml/2006/main">
+                        <a:rPr lang="en" sz="1800">
                           <a:effectLst/>
                         </a:rPr>
                         <a:t>5</a:t>
                       </a:r>
-                      <a:endParaRPr lang="en-US" sz="1800">
+                      <a:endParaRPr xmlns:a="http://schemas.openxmlformats.org/drawingml/2006/main" lang="en-US" sz="1800">
                         <a:effectLst/>
                         <a:latin typeface="Calibri" panose="020F0502020204030204" pitchFamily="34" charset="0"/>
                         <a:ea typeface="Calibri" panose="020F0502020204030204" pitchFamily="34" charset="0"/>
@@ -5684,7 +5635,7 @@
                     <a:bodyPr/>
                     <a:lstStyle/>
                     <a:p>
-                      <a:pPr algn="r">
+                      <a:pPr xmlns:a="http://schemas.openxmlformats.org/drawingml/2006/main" algn="r">
                         <a:lnSpc>
                           <a:spcPct val="107000"/>
                         </a:lnSpc>
@@ -5692,13 +5643,13 @@
                           <a:spcPts val="0"/>
                         </a:spcAft>
                       </a:pPr>
-                      <a:r>
-                        <a:rPr lang="en-US" sz="1800" dirty="0">
+                      <a:r xmlns:a="http://schemas.openxmlformats.org/drawingml/2006/main">
+                        <a:rPr lang="en" sz="1800" dirty="0">
                           <a:effectLst/>
                         </a:rPr>
                         <a:t>10</a:t>
                       </a:r>
-                      <a:endParaRPr lang="en-US" sz="1800" dirty="0">
+                      <a:endParaRPr xmlns:a="http://schemas.openxmlformats.org/drawingml/2006/main" lang="en-US" sz="1800" dirty="0">
                         <a:effectLst/>
                         <a:latin typeface="Calibri" panose="020F0502020204030204" pitchFamily="34" charset="0"/>
                         <a:ea typeface="Calibri" panose="020F0502020204030204" pitchFamily="34" charset="0"/>
@@ -5720,7 +5671,7 @@
                     <a:bodyPr/>
                     <a:lstStyle/>
                     <a:p>
-                      <a:pPr algn="r">
+                      <a:pPr xmlns:a="http://schemas.openxmlformats.org/drawingml/2006/main" algn="r">
                         <a:lnSpc>
                           <a:spcPct val="107000"/>
                         </a:lnSpc>
@@ -5728,13 +5679,13 @@
                           <a:spcPts val="0"/>
                         </a:spcAft>
                       </a:pPr>
-                      <a:r>
-                        <a:rPr lang="en-US" sz="1800">
+                      <a:r xmlns:a="http://schemas.openxmlformats.org/drawingml/2006/main">
+                        <a:rPr lang="en" sz="1800">
                           <a:effectLst/>
                         </a:rPr>
                         <a:t>6</a:t>
                       </a:r>
-                      <a:endParaRPr lang="en-US" sz="1800">
+                      <a:endParaRPr xmlns:a="http://schemas.openxmlformats.org/drawingml/2006/main" lang="en-US" sz="1800">
                         <a:effectLst/>
                         <a:latin typeface="Calibri" panose="020F0502020204030204" pitchFamily="34" charset="0"/>
                         <a:ea typeface="Calibri" panose="020F0502020204030204" pitchFamily="34" charset="0"/>
@@ -5749,7 +5700,7 @@
                     <a:bodyPr/>
                     <a:lstStyle/>
                     <a:p>
-                      <a:pPr algn="r">
+                      <a:pPr xmlns:a="http://schemas.openxmlformats.org/drawingml/2006/main" algn="r">
                         <a:lnSpc>
                           <a:spcPct val="107000"/>
                         </a:lnSpc>
@@ -5757,13 +5708,13 @@
                           <a:spcPts val="0"/>
                         </a:spcAft>
                       </a:pPr>
-                      <a:r>
-                        <a:rPr lang="en-US" sz="1800" dirty="0">
+                      <a:r xmlns:a="http://schemas.openxmlformats.org/drawingml/2006/main">
+                        <a:rPr lang="en" sz="1800" dirty="0">
                           <a:effectLst/>
                         </a:rPr>
                         <a:t>10</a:t>
                       </a:r>
-                      <a:endParaRPr lang="en-US" sz="1800" dirty="0">
+                      <a:endParaRPr xmlns:a="http://schemas.openxmlformats.org/drawingml/2006/main" lang="en-US" sz="1800" dirty="0">
                         <a:effectLst/>
                         <a:latin typeface="Calibri" panose="020F0502020204030204" pitchFamily="34" charset="0"/>
                         <a:ea typeface="Calibri" panose="020F0502020204030204" pitchFamily="34" charset="0"/>
@@ -5785,7 +5736,7 @@
                     <a:bodyPr/>
                     <a:lstStyle/>
                     <a:p>
-                      <a:pPr algn="r">
+                      <a:pPr xmlns:a="http://schemas.openxmlformats.org/drawingml/2006/main" algn="r">
                         <a:lnSpc>
                           <a:spcPct val="107000"/>
                         </a:lnSpc>
@@ -5793,13 +5744,13 @@
                           <a:spcPts val="0"/>
                         </a:spcAft>
                       </a:pPr>
-                      <a:r>
-                        <a:rPr lang="en-US" sz="1800">
+                      <a:r xmlns:a="http://schemas.openxmlformats.org/drawingml/2006/main">
+                        <a:rPr lang="en" sz="1800">
                           <a:effectLst/>
                         </a:rPr>
                         <a:t>7</a:t>
                       </a:r>
-                      <a:endParaRPr lang="en-US" sz="1800">
+                      <a:endParaRPr xmlns:a="http://schemas.openxmlformats.org/drawingml/2006/main" lang="en-US" sz="1800">
                         <a:effectLst/>
                         <a:latin typeface="Calibri" panose="020F0502020204030204" pitchFamily="34" charset="0"/>
                         <a:ea typeface="Calibri" panose="020F0502020204030204" pitchFamily="34" charset="0"/>
@@ -5814,7 +5765,7 @@
                     <a:bodyPr/>
                     <a:lstStyle/>
                     <a:p>
-                      <a:pPr algn="r">
+                      <a:pPr xmlns:a="http://schemas.openxmlformats.org/drawingml/2006/main" algn="r">
                         <a:lnSpc>
                           <a:spcPct val="107000"/>
                         </a:lnSpc>
@@ -5822,13 +5773,13 @@
                           <a:spcPts val="0"/>
                         </a:spcAft>
                       </a:pPr>
-                      <a:r>
-                        <a:rPr lang="en-US" sz="1800" dirty="0">
+                      <a:r xmlns:a="http://schemas.openxmlformats.org/drawingml/2006/main">
+                        <a:rPr lang="en" sz="1800" dirty="0">
                           <a:effectLst/>
                         </a:rPr>
                         <a:t>20</a:t>
                       </a:r>
-                      <a:endParaRPr lang="en-US" sz="1800" dirty="0">
+                      <a:endParaRPr xmlns:a="http://schemas.openxmlformats.org/drawingml/2006/main" lang="en-US" sz="1800" dirty="0">
                         <a:effectLst/>
                         <a:latin typeface="Calibri" panose="020F0502020204030204" pitchFamily="34" charset="0"/>
                         <a:ea typeface="Calibri" panose="020F0502020204030204" pitchFamily="34" charset="0"/>
@@ -5850,7 +5801,7 @@
                     <a:bodyPr/>
                     <a:lstStyle/>
                     <a:p>
-                      <a:pPr algn="r">
+                      <a:pPr xmlns:a="http://schemas.openxmlformats.org/drawingml/2006/main" algn="r">
                         <a:lnSpc>
                           <a:spcPct val="107000"/>
                         </a:lnSpc>
@@ -5858,13 +5809,13 @@
                           <a:spcPts val="0"/>
                         </a:spcAft>
                       </a:pPr>
-                      <a:r>
-                        <a:rPr lang="en-US" sz="1800">
+                      <a:r xmlns:a="http://schemas.openxmlformats.org/drawingml/2006/main">
+                        <a:rPr lang="en" sz="1800">
                           <a:effectLst/>
                         </a:rPr>
                         <a:t>8</a:t>
                       </a:r>
-                      <a:endParaRPr lang="en-US" sz="1800">
+                      <a:endParaRPr xmlns:a="http://schemas.openxmlformats.org/drawingml/2006/main" lang="en-US" sz="1800">
                         <a:effectLst/>
                         <a:latin typeface="Calibri" panose="020F0502020204030204" pitchFamily="34" charset="0"/>
                         <a:ea typeface="Calibri" panose="020F0502020204030204" pitchFamily="34" charset="0"/>
@@ -5879,7 +5830,7 @@
                     <a:bodyPr/>
                     <a:lstStyle/>
                     <a:p>
-                      <a:pPr algn="r">
+                      <a:pPr xmlns:a="http://schemas.openxmlformats.org/drawingml/2006/main" algn="r">
                         <a:lnSpc>
                           <a:spcPct val="107000"/>
                         </a:lnSpc>
@@ -5887,13 +5838,13 @@
                           <a:spcPts val="0"/>
                         </a:spcAft>
                       </a:pPr>
-                      <a:r>
-                        <a:rPr lang="en-US" sz="1800" dirty="0">
+                      <a:r xmlns:a="http://schemas.openxmlformats.org/drawingml/2006/main">
+                        <a:rPr lang="en" sz="1800" dirty="0">
                           <a:effectLst/>
                         </a:rPr>
                         <a:t>25</a:t>
                       </a:r>
-                      <a:endParaRPr lang="en-US" sz="1800" dirty="0">
+                      <a:endParaRPr xmlns:a="http://schemas.openxmlformats.org/drawingml/2006/main" lang="en-US" sz="1800" dirty="0">
                         <a:effectLst/>
                         <a:latin typeface="Calibri" panose="020F0502020204030204" pitchFamily="34" charset="0"/>
                         <a:ea typeface="Calibri" panose="020F0502020204030204" pitchFamily="34" charset="0"/>
@@ -5915,7 +5866,7 @@
                     <a:bodyPr/>
                     <a:lstStyle/>
                     <a:p>
-                      <a:pPr algn="r">
+                      <a:pPr xmlns:a="http://schemas.openxmlformats.org/drawingml/2006/main" algn="r">
                         <a:lnSpc>
                           <a:spcPct val="107000"/>
                         </a:lnSpc>
@@ -5923,13 +5874,13 @@
                           <a:spcPts val="0"/>
                         </a:spcAft>
                       </a:pPr>
-                      <a:r>
-                        <a:rPr lang="en-US" sz="1800">
+                      <a:r xmlns:a="http://schemas.openxmlformats.org/drawingml/2006/main">
+                        <a:rPr lang="en" sz="1800">
                           <a:effectLst/>
                         </a:rPr>
                         <a:t>9</a:t>
                       </a:r>
-                      <a:endParaRPr lang="en-US" sz="1800">
+                      <a:endParaRPr xmlns:a="http://schemas.openxmlformats.org/drawingml/2006/main" lang="en-US" sz="1800">
                         <a:effectLst/>
                         <a:latin typeface="Calibri" panose="020F0502020204030204" pitchFamily="34" charset="0"/>
                         <a:ea typeface="Calibri" panose="020F0502020204030204" pitchFamily="34" charset="0"/>
@@ -5944,7 +5895,7 @@
                     <a:bodyPr/>
                     <a:lstStyle/>
                     <a:p>
-                      <a:pPr algn="r">
+                      <a:pPr xmlns:a="http://schemas.openxmlformats.org/drawingml/2006/main" algn="r">
                         <a:lnSpc>
                           <a:spcPct val="107000"/>
                         </a:lnSpc>
@@ -5952,13 +5903,13 @@
                           <a:spcPts val="0"/>
                         </a:spcAft>
                       </a:pPr>
-                      <a:r>
-                        <a:rPr lang="en-US" sz="1800" dirty="0">
+                      <a:r xmlns:a="http://schemas.openxmlformats.org/drawingml/2006/main">
+                        <a:rPr lang="en" sz="1800" dirty="0">
                           <a:effectLst/>
                         </a:rPr>
                         <a:t>15</a:t>
                       </a:r>
-                      <a:endParaRPr lang="en-US" sz="1800" dirty="0">
+                      <a:endParaRPr xmlns:a="http://schemas.openxmlformats.org/drawingml/2006/main" lang="en-US" sz="1800" dirty="0">
                         <a:effectLst/>
                         <a:latin typeface="Calibri" panose="020F0502020204030204" pitchFamily="34" charset="0"/>
                         <a:ea typeface="Calibri" panose="020F0502020204030204" pitchFamily="34" charset="0"/>
@@ -5980,7 +5931,7 @@
                     <a:bodyPr/>
                     <a:lstStyle/>
                     <a:p>
-                      <a:pPr algn="r">
+                      <a:pPr xmlns:a="http://schemas.openxmlformats.org/drawingml/2006/main" algn="r">
                         <a:lnSpc>
                           <a:spcPct val="107000"/>
                         </a:lnSpc>
@@ -5988,13 +5939,13 @@
                           <a:spcPts val="0"/>
                         </a:spcAft>
                       </a:pPr>
-                      <a:r>
-                        <a:rPr lang="en-US" sz="1800">
+                      <a:r xmlns:a="http://schemas.openxmlformats.org/drawingml/2006/main">
+                        <a:rPr lang="en" sz="1800">
                           <a:effectLst/>
                         </a:rPr>
                         <a:t>10</a:t>
                       </a:r>
-                      <a:endParaRPr lang="en-US" sz="1800">
+                      <a:endParaRPr xmlns:a="http://schemas.openxmlformats.org/drawingml/2006/main" lang="en-US" sz="1800">
                         <a:effectLst/>
                         <a:latin typeface="Calibri" panose="020F0502020204030204" pitchFamily="34" charset="0"/>
                         <a:ea typeface="Calibri" panose="020F0502020204030204" pitchFamily="34" charset="0"/>
@@ -6009,7 +5960,7 @@
                     <a:bodyPr/>
                     <a:lstStyle/>
                     <a:p>
-                      <a:pPr algn="r">
+                      <a:pPr xmlns:a="http://schemas.openxmlformats.org/drawingml/2006/main" algn="r">
                         <a:lnSpc>
                           <a:spcPct val="107000"/>
                         </a:lnSpc>
@@ -6017,13 +5968,13 @@
                           <a:spcPts val="0"/>
                         </a:spcAft>
                       </a:pPr>
-                      <a:r>
-                        <a:rPr lang="en-US" sz="1800" dirty="0">
+                      <a:r xmlns:a="http://schemas.openxmlformats.org/drawingml/2006/main">
+                        <a:rPr lang="en" sz="1800" dirty="0">
                           <a:effectLst/>
                         </a:rPr>
                         <a:t>10</a:t>
                       </a:r>
-                      <a:endParaRPr lang="en-US" sz="1800" dirty="0">
+                      <a:endParaRPr xmlns:a="http://schemas.openxmlformats.org/drawingml/2006/main" lang="en-US" sz="1800" dirty="0">
                         <a:effectLst/>
                         <a:latin typeface="Calibri" panose="020F0502020204030204" pitchFamily="34" charset="0"/>
                         <a:ea typeface="Calibri" panose="020F0502020204030204" pitchFamily="34" charset="0"/>
@@ -6045,7 +5996,7 @@
                     <a:bodyPr/>
                     <a:lstStyle/>
                     <a:p>
-                      <a:pPr algn="r">
+                      <a:pPr xmlns:a="http://schemas.openxmlformats.org/drawingml/2006/main" algn="r">
                         <a:lnSpc>
                           <a:spcPct val="107000"/>
                         </a:lnSpc>
@@ -6053,13 +6004,13 @@
                           <a:spcPts val="0"/>
                         </a:spcAft>
                       </a:pPr>
-                      <a:r>
-                        <a:rPr lang="en-US" sz="1800">
+                      <a:r xmlns:a="http://schemas.openxmlformats.org/drawingml/2006/main">
+                        <a:rPr lang="en" sz="1800">
                           <a:effectLst/>
                         </a:rPr>
                         <a:t>11</a:t>
                       </a:r>
-                      <a:endParaRPr lang="en-US" sz="1800">
+                      <a:endParaRPr xmlns:a="http://schemas.openxmlformats.org/drawingml/2006/main" lang="en-US" sz="1800">
                         <a:effectLst/>
                         <a:latin typeface="Calibri" panose="020F0502020204030204" pitchFamily="34" charset="0"/>
                         <a:ea typeface="Calibri" panose="020F0502020204030204" pitchFamily="34" charset="0"/>
@@ -6074,7 +6025,7 @@
                     <a:bodyPr/>
                     <a:lstStyle/>
                     <a:p>
-                      <a:pPr algn="r">
+                      <a:pPr xmlns:a="http://schemas.openxmlformats.org/drawingml/2006/main" algn="r">
                         <a:lnSpc>
                           <a:spcPct val="107000"/>
                         </a:lnSpc>
@@ -6082,13 +6033,13 @@
                           <a:spcPts val="0"/>
                         </a:spcAft>
                       </a:pPr>
-                      <a:r>
-                        <a:rPr lang="en-US" sz="1800" dirty="0">
+                      <a:r xmlns:a="http://schemas.openxmlformats.org/drawingml/2006/main">
+                        <a:rPr lang="en" sz="1800" dirty="0">
                           <a:effectLst/>
                         </a:rPr>
                         <a:t>25</a:t>
                       </a:r>
-                      <a:endParaRPr lang="en-US" sz="1800" dirty="0">
+                      <a:endParaRPr xmlns:a="http://schemas.openxmlformats.org/drawingml/2006/main" lang="en-US" sz="1800" dirty="0">
                         <a:effectLst/>
                         <a:latin typeface="Calibri" panose="020F0502020204030204" pitchFamily="34" charset="0"/>
                         <a:ea typeface="Calibri" panose="020F0502020204030204" pitchFamily="34" charset="0"/>
@@ -6110,7 +6061,7 @@
                     <a:bodyPr/>
                     <a:lstStyle/>
                     <a:p>
-                      <a:pPr algn="r">
+                      <a:pPr xmlns:a="http://schemas.openxmlformats.org/drawingml/2006/main" algn="r">
                         <a:lnSpc>
                           <a:spcPct val="107000"/>
                         </a:lnSpc>
@@ -6118,13 +6069,13 @@
                           <a:spcPts val="0"/>
                         </a:spcAft>
                       </a:pPr>
-                      <a:r>
-                        <a:rPr lang="en-US" sz="1800">
+                      <a:r xmlns:a="http://schemas.openxmlformats.org/drawingml/2006/main">
+                        <a:rPr lang="en" sz="1800">
                           <a:effectLst/>
                         </a:rPr>
                         <a:t>12</a:t>
                       </a:r>
-                      <a:endParaRPr lang="en-US" sz="1800">
+                      <a:endParaRPr xmlns:a="http://schemas.openxmlformats.org/drawingml/2006/main" lang="en-US" sz="1800">
                         <a:effectLst/>
                         <a:latin typeface="Calibri" panose="020F0502020204030204" pitchFamily="34" charset="0"/>
                         <a:ea typeface="Calibri" panose="020F0502020204030204" pitchFamily="34" charset="0"/>
@@ -6139,7 +6090,7 @@
                     <a:bodyPr/>
                     <a:lstStyle/>
                     <a:p>
-                      <a:pPr algn="r">
+                      <a:pPr xmlns:a="http://schemas.openxmlformats.org/drawingml/2006/main" algn="r">
                         <a:lnSpc>
                           <a:spcPct val="107000"/>
                         </a:lnSpc>
@@ -6147,13 +6098,13 @@
                           <a:spcPts val="0"/>
                         </a:spcAft>
                       </a:pPr>
-                      <a:r>
-                        <a:rPr lang="en-US" sz="1800" dirty="0">
+                      <a:r xmlns:a="http://schemas.openxmlformats.org/drawingml/2006/main">
+                        <a:rPr lang="en" sz="1800" dirty="0">
                           <a:effectLst/>
                         </a:rPr>
                         <a:t>30</a:t>
                       </a:r>
-                      <a:endParaRPr lang="en-US" sz="1800" dirty="0">
+                      <a:endParaRPr xmlns:a="http://schemas.openxmlformats.org/drawingml/2006/main" lang="en-US" sz="1800" dirty="0">
                         <a:effectLst/>
                         <a:latin typeface="Calibri" panose="020F0502020204030204" pitchFamily="34" charset="0"/>
                         <a:ea typeface="Calibri" panose="020F0502020204030204" pitchFamily="34" charset="0"/>
@@ -6173,6 +6124,336 @@
           </a:graphicData>
         </a:graphic>
       </p:graphicFrame>
+      <p:sp>
+        <p:nvSpPr>
+          <p:cNvPr id="6" name="Rectangle 1"/>
+          <p:cNvSpPr>
+            <a:spLocks noChangeArrowheads="1"/>
+          </p:cNvSpPr>
+          <p:nvPr/>
+        </p:nvSpPr>
+        <p:spPr bwMode="auto">
+          <a:xfrm>
+            <a:off x="254383" y="702296"/>
+            <a:ext cx="9995044" cy="707886"/>
+          </a:xfrm>
+          <a:prstGeom prst="rect">
+            <a:avLst/>
+          </a:prstGeom>
+          <a:noFill/>
+          <a:ln>
+            <a:noFill/>
+          </a:ln>
+          <a:effectLst/>
+          <a:extLst>
+            <a:ext uri="{909E8E84-426E-40DD-AFC4-6F175D3DCCD1}">
+              <a14:hiddenFill xmlns:a14="http://schemas.microsoft.com/office/drawing/2010/main">
+                <a:solidFill>
+                  <a:schemeClr val="accent1"/>
+                </a:solidFill>
+              </a14:hiddenFill>
+            </a:ext>
+            <a:ext uri="{91240B29-F687-4F45-9708-019B960494DF}">
+              <a14:hiddenLine xmlns:a14="http://schemas.microsoft.com/office/drawing/2010/main" w="9525">
+                <a:solidFill>
+                  <a:schemeClr val="tx1"/>
+                </a:solidFill>
+                <a:miter lim="800000"/>
+                <a:headEnd/>
+                <a:tailEnd/>
+              </a14:hiddenLine>
+            </a:ext>
+            <a:ext uri="{AF507438-7753-43E0-B8FC-AC1667EBCBE1}">
+              <a14:hiddenEffects xmlns:a14="http://schemas.microsoft.com/office/drawing/2010/main">
+                <a:effectLst>
+                  <a:outerShdw dist="35921" dir="2700000" algn="ctr" rotWithShape="0">
+                    <a:schemeClr val="bg2"/>
+                  </a:outerShdw>
+                </a:effectLst>
+              </a14:hiddenEffects>
+            </a:ext>
+          </a:extLst>
+        </p:spPr>
+        <p:txBody>
+          <a:bodyPr vert="horz" wrap="none" lIns="91440" tIns="45720" rIns="91440" bIns="45720" numCol="1" anchor="ctr" anchorCtr="0" compatLnSpc="1">
+            <a:prstTxWarp prst="textNoShape">
+              <a:avLst/>
+            </a:prstTxWarp>
+            <a:spAutoFit/>
+          </a:bodyPr>
+          <a:lstStyle/>
+          <a:p>
+            <a:pPr xmlns:a="http://schemas.openxmlformats.org/drawingml/2006/main" marL="0" marR="0" lvl="0" indent="0" algn="l" defTabSz="914400" rtl="0" eaLnBrk="0" fontAlgn="base" latinLnBrk="0" hangingPunct="0">
+              <a:lnSpc>
+                <a:spcPct val="100000"/>
+              </a:lnSpc>
+              <a:spcBef>
+                <a:spcPct val="0"/>
+              </a:spcBef>
+              <a:spcAft>
+                <a:spcPct val="0"/>
+              </a:spcAft>
+              <a:buClrTx/>
+              <a:buSzTx/>
+              <a:buFontTx/>
+              <a:buNone/>
+              <a:tabLst/>
+            </a:pPr>
+            <a:r xmlns:a="http://schemas.openxmlformats.org/drawingml/2006/main">
+              <a:rPr kumimoji="0" lang="en" altLang="en-US" sz="2000" b="1" i="0" u="none" strike="noStrike" cap="none" normalizeH="0" baseline="0" dirty="0" smtClean="0">
+                <a:ln>
+                  <a:noFill/>
+                </a:ln>
+                <a:solidFill>
+                  <a:schemeClr val="tx1"/>
+                </a:solidFill>
+                <a:effectLst/>
+                <a:latin typeface="Arial" panose="020B0604020202020204" pitchFamily="34" charset="0"/>
+              </a:rPr>
+              <a:t>Note: </a:t>
+            </a:r>
+            <a:r xmlns:a="http://schemas.openxmlformats.org/drawingml/2006/main">
+              <a:rPr kumimoji="0" lang="en" altLang="en-US" sz="2000" b="0" i="0" u="none" strike="noStrike" cap="none" normalizeH="0" baseline="0" dirty="0" err="1" smtClean="0">
+                <a:ln>
+                  <a:noFill/>
+                </a:ln>
+                <a:solidFill>
+                  <a:schemeClr val="tx1"/>
+                </a:solidFill>
+                <a:effectLst/>
+                <a:latin typeface="Arial" panose="020B0604020202020204" pitchFamily="34" charset="0"/>
+              </a:rPr>
+              <a:t>This</a:t>
+            </a:r>
+            <a:r xmlns:a="http://schemas.openxmlformats.org/drawingml/2006/main">
+              <a:rPr kumimoji="0" lang="en" altLang="en-US" sz="2000" b="0" i="0" u="none" strike="noStrike" cap="none" normalizeH="0" baseline="0" dirty="0" smtClean="0">
+                <a:ln>
+                  <a:noFill/>
+                </a:ln>
+                <a:solidFill>
+                  <a:schemeClr val="tx1"/>
+                </a:solidFill>
+                <a:effectLst/>
+                <a:latin typeface="Arial" panose="020B0604020202020204" pitchFamily="34" charset="0"/>
+              </a:rPr>
+              <a:t> </a:t>
+            </a:r>
+            <a:r xmlns:a="http://schemas.openxmlformats.org/drawingml/2006/main">
+              <a:rPr kumimoji="0" lang="en" altLang="en-US" sz="2000" b="0" i="0" u="none" strike="noStrike" cap="none" normalizeH="0" baseline="0" dirty="0" err="1" smtClean="0">
+                <a:ln>
+                  <a:noFill/>
+                </a:ln>
+                <a:solidFill>
+                  <a:schemeClr val="tx1"/>
+                </a:solidFill>
+                <a:effectLst/>
+                <a:latin typeface="Arial" panose="020B0604020202020204" pitchFamily="34" charset="0"/>
+              </a:rPr>
+              <a:t>demonstration</a:t>
+            </a:r>
+            <a:r xmlns:a="http://schemas.openxmlformats.org/drawingml/2006/main">
+              <a:rPr kumimoji="0" lang="en" altLang="en-US" sz="2000" b="0" i="0" u="none" strike="noStrike" cap="none" normalizeH="0" baseline="0" dirty="0" smtClean="0">
+                <a:ln>
+                  <a:noFill/>
+                </a:ln>
+                <a:solidFill>
+                  <a:schemeClr val="tx1"/>
+                </a:solidFill>
+                <a:effectLst/>
+                <a:latin typeface="Arial" panose="020B0604020202020204" pitchFamily="34" charset="0"/>
+              </a:rPr>
+              <a:t> </a:t>
+            </a:r>
+            <a:r xmlns:a="http://schemas.openxmlformats.org/drawingml/2006/main">
+              <a:rPr kumimoji="0" lang="en" altLang="en-US" sz="2000" b="0" i="0" u="none" strike="noStrike" cap="none" normalizeH="0" baseline="0" dirty="0" err="1" smtClean="0">
+                <a:ln>
+                  <a:noFill/>
+                </a:ln>
+                <a:solidFill>
+                  <a:schemeClr val="tx1"/>
+                </a:solidFill>
+                <a:effectLst/>
+                <a:latin typeface="Arial" panose="020B0604020202020204" pitchFamily="34" charset="0"/>
+              </a:rPr>
+              <a:t>used</a:t>
+            </a:r>
+            <a:r xmlns:a="http://schemas.openxmlformats.org/drawingml/2006/main">
+              <a:rPr kumimoji="0" lang="en" altLang="en-US" sz="2000" b="0" i="0" u="none" strike="noStrike" cap="none" normalizeH="0" baseline="0" dirty="0" smtClean="0">
+                <a:ln>
+                  <a:noFill/>
+                </a:ln>
+                <a:solidFill>
+                  <a:schemeClr val="tx1"/>
+                </a:solidFill>
+                <a:effectLst/>
+                <a:latin typeface="Arial" panose="020B0604020202020204" pitchFamily="34" charset="0"/>
+              </a:rPr>
+              <a:t> </a:t>
+            </a:r>
+            <a:r xmlns:a="http://schemas.openxmlformats.org/drawingml/2006/main">
+              <a:rPr kumimoji="0" lang="en" altLang="en-US" sz="2000" b="0" i="0" u="none" strike="noStrike" cap="none" normalizeH="0" baseline="0" dirty="0" err="1" smtClean="0">
+                <a:ln>
+                  <a:noFill/>
+                </a:ln>
+                <a:solidFill>
+                  <a:schemeClr val="tx1"/>
+                </a:solidFill>
+                <a:effectLst/>
+                <a:latin typeface="Arial" panose="020B0604020202020204" pitchFamily="34" charset="0"/>
+              </a:rPr>
+              <a:t>two </a:t>
+            </a:r>
+            <a:r xmlns:a="http://schemas.openxmlformats.org/drawingml/2006/main">
+              <a:rPr kumimoji="0" lang="en" altLang="en-US" sz="2000" b="0" i="0" u="none" strike="noStrike" cap="none" normalizeH="0" baseline="0" dirty="0" smtClean="0">
+                <a:ln>
+                  <a:noFill/>
+                </a:ln>
+                <a:solidFill>
+                  <a:schemeClr val="tx1"/>
+                </a:solidFill>
+                <a:effectLst/>
+                <a:latin typeface="Arial" panose="020B0604020202020204" pitchFamily="34" charset="0"/>
+              </a:rPr>
+              <a:t>tables </a:t>
+            </a:r>
+            <a:r xmlns:a="http://schemas.openxmlformats.org/drawingml/2006/main">
+              <a:rPr kumimoji="0" lang="en" altLang="en-US" sz="2000" b="0" i="0" u="none" strike="noStrike" cap="none" normalizeH="0" baseline="0" dirty="0" err="1" smtClean="0">
+                <a:ln>
+                  <a:noFill/>
+                </a:ln>
+                <a:solidFill>
+                  <a:schemeClr val="tx1"/>
+                </a:solidFill>
+                <a:effectLst/>
+                <a:latin typeface="Arial" panose="020B0604020202020204" pitchFamily="34" charset="0"/>
+              </a:rPr>
+              <a:t>created</a:t>
+            </a:r>
+            <a:r xmlns:a="http://schemas.openxmlformats.org/drawingml/2006/main">
+              <a:rPr kumimoji="0" lang="en" altLang="en-US" sz="2000" b="0" i="0" u="none" strike="noStrike" cap="none" normalizeH="0" baseline="0" dirty="0" smtClean="0">
+                <a:ln>
+                  <a:noFill/>
+                </a:ln>
+                <a:solidFill>
+                  <a:schemeClr val="tx1"/>
+                </a:solidFill>
+                <a:effectLst/>
+                <a:latin typeface="Arial" panose="020B0604020202020204" pitchFamily="34" charset="0"/>
+              </a:rPr>
+              <a:t> </a:t>
+            </a:r>
+            <a:r xmlns:a="http://schemas.openxmlformats.org/drawingml/2006/main">
+              <a:rPr kumimoji="0" lang="en" altLang="en-US" sz="2000" b="0" i="0" u="none" strike="noStrike" cap="none" normalizeH="0" baseline="0" dirty="0" err="1" smtClean="0">
+                <a:ln>
+                  <a:noFill/>
+                </a:ln>
+                <a:solidFill>
+                  <a:schemeClr val="tx1"/>
+                </a:solidFill>
+                <a:effectLst/>
+                <a:latin typeface="Arial" panose="020B0604020202020204" pitchFamily="34" charset="0"/>
+              </a:rPr>
+              <a:t>directly</a:t>
+            </a:r>
+            <a:r xmlns:a="http://schemas.openxmlformats.org/drawingml/2006/main">
+              <a:rPr kumimoji="0" lang="en" altLang="en-US" sz="2000" b="0" i="0" u="none" strike="noStrike" cap="none" normalizeH="0" baseline="0" dirty="0" smtClean="0">
+                <a:ln>
+                  <a:noFill/>
+                </a:ln>
+                <a:solidFill>
+                  <a:schemeClr val="tx1"/>
+                </a:solidFill>
+                <a:effectLst/>
+                <a:latin typeface="Arial" panose="020B0604020202020204" pitchFamily="34" charset="0"/>
+              </a:rPr>
+              <a:t> </a:t>
+            </a:r>
+            <a:r xmlns:a="http://schemas.openxmlformats.org/drawingml/2006/main">
+              <a:rPr kumimoji="0" lang="en" altLang="en-US" sz="2000" b="0" i="0" u="none" strike="noStrike" cap="none" normalizeH="0" baseline="0" dirty="0" err="1" smtClean="0">
+                <a:ln>
+                  <a:noFill/>
+                </a:ln>
+                <a:solidFill>
+                  <a:schemeClr val="tx1"/>
+                </a:solidFill>
+                <a:effectLst/>
+                <a:latin typeface="Arial" panose="020B0604020202020204" pitchFamily="34" charset="0"/>
+              </a:rPr>
+              <a:t>in </a:t>
+            </a:r>
+            <a:r xmlns:a="http://schemas.openxmlformats.org/drawingml/2006/main">
+              <a:rPr kumimoji="0" lang="en" altLang="en-US" sz="2000" b="0" i="0" u="none" strike="noStrike" cap="none" normalizeH="0" baseline="0" dirty="0" smtClean="0">
+                <a:ln>
+                  <a:noFill/>
+                </a:ln>
+                <a:solidFill>
+                  <a:schemeClr val="tx1"/>
+                </a:solidFill>
+                <a:effectLst/>
+                <a:latin typeface="Arial" panose="020B0604020202020204" pitchFamily="34" charset="0"/>
+              </a:rPr>
+              <a:t>Power BI for</a:t>
+            </a:r>
+          </a:p>
+          <a:p>
+            <a:pPr xmlns:a="http://schemas.openxmlformats.org/drawingml/2006/main" marL="0" marR="0" lvl="0" indent="0" algn="l" defTabSz="914400" rtl="0" eaLnBrk="0" fontAlgn="base" latinLnBrk="0" hangingPunct="0">
+              <a:lnSpc>
+                <a:spcPct val="100000"/>
+              </a:lnSpc>
+              <a:spcBef>
+                <a:spcPct val="0"/>
+              </a:spcBef>
+              <a:spcAft>
+                <a:spcPct val="0"/>
+              </a:spcAft>
+              <a:buClrTx/>
+              <a:buSzTx/>
+              <a:buFontTx/>
+              <a:buNone/>
+              <a:tabLst/>
+            </a:pPr>
+            <a:r xmlns:a="http://schemas.openxmlformats.org/drawingml/2006/main">
+              <a:rPr kumimoji="0" lang="en" altLang="en-US" sz="2000" b="0" i="0" u="none" strike="noStrike" cap="none" normalizeH="0" baseline="0" dirty="0" smtClean="0">
+                <a:ln>
+                  <a:noFill/>
+                </a:ln>
+                <a:solidFill>
+                  <a:schemeClr val="tx1"/>
+                </a:solidFill>
+                <a:effectLst/>
+                <a:latin typeface="Arial" panose="020B0604020202020204" pitchFamily="34" charset="0"/>
+              </a:rPr>
+              <a:t>reasons of </a:t>
+            </a:r>
+            <a:r xmlns:a="http://schemas.openxmlformats.org/drawingml/2006/main">
+              <a:rPr kumimoji="0" lang="en" altLang="en-US" sz="2000" b="0" i="0" u="none" strike="noStrike" cap="none" normalizeH="0" baseline="0" dirty="0" err="1" smtClean="0">
+                <a:ln>
+                  <a:noFill/>
+                </a:ln>
+                <a:solidFill>
+                  <a:schemeClr val="tx1"/>
+                </a:solidFill>
+                <a:effectLst/>
+                <a:latin typeface="Arial" panose="020B0604020202020204" pitchFamily="34" charset="0"/>
+              </a:rPr>
+              <a:t>simplicity </a:t>
+            </a:r>
+            <a:r xmlns:a="http://schemas.openxmlformats.org/drawingml/2006/main">
+              <a:rPr kumimoji="0" lang="en" altLang="en-US" sz="2000" b="0" i="0" u="none" strike="noStrike" cap="none" normalizeH="0" baseline="0" dirty="0" smtClean="0">
+                <a:ln>
+                  <a:noFill/>
+                </a:ln>
+                <a:solidFill>
+                  <a:schemeClr val="tx1"/>
+                </a:solidFill>
+                <a:effectLst/>
+                <a:latin typeface="Arial" panose="020B0604020202020204" pitchFamily="34" charset="0"/>
+              </a:rPr>
+              <a:t>.</a:t>
+            </a:r>
+          </a:p>
+        </p:txBody>
+      </p:sp>
     </p:spTree>
     <p:extLst>
       <p:ext uri="{BB962C8B-B14F-4D97-AF65-F5344CB8AC3E}">
@@ -6212,7 +6493,7 @@
         <p:spPr>
           <a:xfrm>
             <a:off x="254383" y="240631"/>
-            <a:ext cx="5374805" cy="461665"/>
+            <a:ext cx="4842608" cy="461665"/>
           </a:xfrm>
           <a:prstGeom prst="rect">
             <a:avLst/>
@@ -6225,126 +6506,16 @@
           </a:bodyPr>
           <a:lstStyle/>
           <a:p>
-            <a:r>
-              <a:rPr lang="fr-FR" sz="2400" dirty="0" smtClean="0">
+            <a:r xmlns:a="http://schemas.openxmlformats.org/drawingml/2006/main">
+              <a:rPr lang="en" sz="2400" dirty="0" smtClean="0">
                 <a:latin typeface="Segoe UI" panose="020B0502040204020203" pitchFamily="34" charset="0"/>
                 <a:cs typeface="Segoe UI" panose="020B0502040204020203" pitchFamily="34" charset="0"/>
               </a:rPr>
-              <a:t>ALL and ALLEXPECT and ALLSELECTED</a:t>
-            </a:r>
-            <a:endParaRPr lang="en-US" sz="2400" dirty="0">
+              <a:t>ALL &amp; ALLEXPECT &amp; ALLSELECTED</a:t>
+            </a:r>
+            <a:endParaRPr xmlns:a="http://schemas.openxmlformats.org/drawingml/2006/main" lang="en-US" sz="2400" dirty="0">
               <a:latin typeface="Segoe UI" panose="020B0502040204020203" pitchFamily="34" charset="0"/>
               <a:cs typeface="Segoe UI" panose="020B0502040204020203" pitchFamily="34" charset="0"/>
-            </a:endParaRPr>
-          </a:p>
-        </p:txBody>
-      </p:sp>
-      <p:sp>
-        <p:nvSpPr>
-          <p:cNvPr id="6" name="Rectangle 5"/>
-          <p:cNvSpPr/>
-          <p:nvPr/>
-        </p:nvSpPr>
-        <p:spPr>
-          <a:xfrm>
-            <a:off x="341460" y="1632004"/>
-            <a:ext cx="10745918" cy="685059"/>
-          </a:xfrm>
-          <a:prstGeom prst="rect">
-            <a:avLst/>
-          </a:prstGeom>
-        </p:spPr>
-        <p:txBody>
-          <a:bodyPr wrap="square">
-            <a:spAutoFit/>
-          </a:bodyPr>
-          <a:lstStyle/>
-          <a:p>
-            <a:pPr lvl="0">
-              <a:lnSpc>
-                <a:spcPct val="107000"/>
-              </a:lnSpc>
-              <a:spcAft>
-                <a:spcPts val="800"/>
-              </a:spcAft>
-            </a:pPr>
-            <a:r>
-              <a:rPr lang="en-US" dirty="0" smtClean="0">
-                <a:latin typeface="Segoe UI" panose="020B0502040204020203" pitchFamily="34" charset="0"/>
-                <a:ea typeface="Calibri" panose="020F0502020204030204" pitchFamily="34" charset="0"/>
-                <a:cs typeface="Times New Roman" panose="02020603050405020304" pitchFamily="18" charset="0"/>
-              </a:rPr>
-              <a:t>Add a </a:t>
-            </a:r>
-            <a:r>
-              <a:rPr lang="en-US" b="1" dirty="0" smtClean="0">
-                <a:latin typeface="Segoe UI" panose="020B0502040204020203" pitchFamily="34" charset="0"/>
-                <a:ea typeface="Calibri" panose="020F0502020204030204" pitchFamily="34" charset="0"/>
-                <a:cs typeface="Times New Roman" panose="02020603050405020304" pitchFamily="18" charset="0"/>
-              </a:rPr>
-              <a:t>Table visualization </a:t>
-            </a:r>
-            <a:r>
-              <a:rPr lang="en-US" dirty="0" smtClean="0">
-                <a:latin typeface="Segoe UI" panose="020B0502040204020203" pitchFamily="34" charset="0"/>
-                <a:ea typeface="Calibri" panose="020F0502020204030204" pitchFamily="34" charset="0"/>
-                <a:cs typeface="Times New Roman" panose="02020603050405020304" pitchFamily="18" charset="0"/>
-              </a:rPr>
-              <a:t>to the scene with the characteristics of the products </a:t>
-            </a:r>
-            <a:r>
-              <a:rPr lang="en-US" b="1" dirty="0" smtClean="0">
-                <a:latin typeface="Segoe UI" panose="020B0502040204020203" pitchFamily="34" charset="0"/>
-                <a:ea typeface="Calibri" panose="020F0502020204030204" pitchFamily="34" charset="0"/>
-                <a:cs typeface="Times New Roman" panose="02020603050405020304" pitchFamily="18" charset="0"/>
-              </a:rPr>
-              <a:t>Name </a:t>
-            </a:r>
-            <a:r>
-              <a:rPr lang="en-US" dirty="0" smtClean="0">
-                <a:latin typeface="Segoe UI" panose="020B0502040204020203" pitchFamily="34" charset="0"/>
-                <a:ea typeface="Calibri" panose="020F0502020204030204" pitchFamily="34" charset="0"/>
-                <a:cs typeface="Times New Roman" panose="02020603050405020304" pitchFamily="18" charset="0"/>
-              </a:rPr>
-              <a:t>, </a:t>
-            </a:r>
-            <a:r>
-              <a:rPr lang="en-US" b="1" dirty="0" smtClean="0">
-                <a:latin typeface="Segoe UI" panose="020B0502040204020203" pitchFamily="34" charset="0"/>
-                <a:ea typeface="Calibri" panose="020F0502020204030204" pitchFamily="34" charset="0"/>
-                <a:cs typeface="Times New Roman" panose="02020603050405020304" pitchFamily="18" charset="0"/>
-              </a:rPr>
-              <a:t>Color </a:t>
-            </a:r>
-            <a:r>
-              <a:rPr lang="en-US" dirty="0" smtClean="0">
-                <a:latin typeface="Segoe UI" panose="020B0502040204020203" pitchFamily="34" charset="0"/>
-                <a:ea typeface="Calibri" panose="020F0502020204030204" pitchFamily="34" charset="0"/>
-                <a:cs typeface="Times New Roman" panose="02020603050405020304" pitchFamily="18" charset="0"/>
-              </a:rPr>
-              <a:t>and </a:t>
-            </a:r>
-            <a:r>
-              <a:rPr lang="en-US" b="1" dirty="0" smtClean="0">
-                <a:latin typeface="Segoe UI" panose="020B0502040204020203" pitchFamily="34" charset="0"/>
-                <a:ea typeface="Calibri" panose="020F0502020204030204" pitchFamily="34" charset="0"/>
-                <a:cs typeface="Times New Roman" panose="02020603050405020304" pitchFamily="18" charset="0"/>
-              </a:rPr>
-              <a:t>Size </a:t>
-            </a:r>
-            <a:r>
-              <a:rPr lang="en-US" dirty="0" smtClean="0">
-                <a:latin typeface="Segoe UI" panose="020B0502040204020203" pitchFamily="34" charset="0"/>
-                <a:ea typeface="Calibri" panose="020F0502020204030204" pitchFamily="34" charset="0"/>
-                <a:cs typeface="Times New Roman" panose="02020603050405020304" pitchFamily="18" charset="0"/>
-              </a:rPr>
-              <a:t>with the sum of sales as aggregation</a:t>
-            </a:r>
-            <a:endParaRPr lang="en-US" sz="1400" dirty="0">
-              <a:effectLst/>
-              <a:latin typeface="Calibri" panose="020F0502020204030204" pitchFamily="34" charset="0"/>
-              <a:ea typeface="Calibri" panose="020F0502020204030204" pitchFamily="34" charset="0"/>
-              <a:cs typeface="Times New Roman" panose="02020603050405020304" pitchFamily="18" charset="0"/>
             </a:endParaRPr>
           </a:p>
         </p:txBody>
@@ -6424,14 +6595,14 @@
       </p:pic>
       <p:sp>
         <p:nvSpPr>
-          <p:cNvPr id="9" name="Rectangle 8"/>
+          <p:cNvPr id="3" name="Rectangle 2"/>
           <p:cNvSpPr/>
           <p:nvPr/>
         </p:nvSpPr>
         <p:spPr>
           <a:xfrm>
-            <a:off x="341460" y="883754"/>
-            <a:ext cx="10745918" cy="373692"/>
+            <a:off x="254382" y="848200"/>
+            <a:ext cx="9817767" cy="400110"/>
           </a:xfrm>
           <a:prstGeom prst="rect">
             <a:avLst/>
@@ -6443,44 +6614,72 @@
           </a:bodyPr>
           <a:lstStyle/>
           <a:p>
-            <a:pPr lvl="0">
-              <a:lnSpc>
-                <a:spcPct val="107000"/>
-              </a:lnSpc>
-              <a:spcAft>
-                <a:spcPts val="800"/>
-              </a:spcAft>
-            </a:pPr>
-            <a:r>
-              <a:rPr lang="en-US" dirty="0" smtClean="0">
-                <a:latin typeface="Segoe UI" panose="020B0502040204020203" pitchFamily="34" charset="0"/>
-                <a:ea typeface="Calibri" panose="020F0502020204030204" pitchFamily="34" charset="0"/>
-                <a:cs typeface="Times New Roman" panose="02020603050405020304" pitchFamily="18" charset="0"/>
-              </a:rPr>
+            <a:r xmlns:a="http://schemas.openxmlformats.org/drawingml/2006/main">
+              <a:rPr lang="en" sz="2000" dirty="0"/>
               <a:t>Add a relationship between the two tables based on the </a:t>
             </a:r>
-            <a:r>
-              <a:rPr lang="en-US" b="1" dirty="0" smtClean="0">
-                <a:latin typeface="Segoe UI" panose="020B0502040204020203" pitchFamily="34" charset="0"/>
-                <a:ea typeface="Calibri" panose="020F0502020204030204" pitchFamily="34" charset="0"/>
-                <a:cs typeface="Times New Roman" panose="02020603050405020304" pitchFamily="18" charset="0"/>
-              </a:rPr>
-              <a:t>ID </a:t>
-            </a:r>
-            <a:r>
-              <a:rPr lang="en-US" dirty="0" smtClean="0">
-                <a:latin typeface="Segoe UI" panose="020B0502040204020203" pitchFamily="34" charset="0"/>
-                <a:ea typeface="Calibri" panose="020F0502020204030204" pitchFamily="34" charset="0"/>
-                <a:cs typeface="Times New Roman" panose="02020603050405020304" pitchFamily="18" charset="0"/>
-              </a:rPr>
-              <a:t>column of the both sides</a:t>
-            </a:r>
-            <a:endParaRPr lang="en-US" sz="1400" dirty="0">
-              <a:effectLst/>
-              <a:latin typeface="Calibri" panose="020F0502020204030204" pitchFamily="34" charset="0"/>
-              <a:ea typeface="Calibri" panose="020F0502020204030204" pitchFamily="34" charset="0"/>
-              <a:cs typeface="Times New Roman" panose="02020603050405020304" pitchFamily="18" charset="0"/>
-            </a:endParaRPr>
+            <a:r xmlns:a="http://schemas.openxmlformats.org/drawingml/2006/main">
+              <a:rPr lang="en" sz="2000" b="1" dirty="0"/>
+              <a:t>ID column </a:t>
+            </a:r>
+            <a:r xmlns:a="http://schemas.openxmlformats.org/drawingml/2006/main">
+              <a:rPr lang="en" sz="2000" dirty="0"/>
+              <a:t>on both sides.</a:t>
+            </a:r>
+            <a:endParaRPr xmlns:a="http://schemas.openxmlformats.org/drawingml/2006/main" lang="en-US" sz="2000" dirty="0"/>
+          </a:p>
+        </p:txBody>
+      </p:sp>
+      <p:sp>
+        <p:nvSpPr>
+          <p:cNvPr id="4" name="Rectangle 3"/>
+          <p:cNvSpPr/>
+          <p:nvPr/>
+        </p:nvSpPr>
+        <p:spPr>
+          <a:xfrm>
+            <a:off x="254382" y="1494064"/>
+            <a:ext cx="11433438" cy="707886"/>
+          </a:xfrm>
+          <a:prstGeom prst="rect">
+            <a:avLst/>
+          </a:prstGeom>
+        </p:spPr>
+        <p:txBody>
+          <a:bodyPr wrap="square">
+            <a:spAutoFit/>
+          </a:bodyPr>
+          <a:lstStyle/>
+          <a:p>
+            <a:r xmlns:a="http://schemas.openxmlformats.org/drawingml/2006/main">
+              <a:rPr lang="en" sz="2000" dirty="0"/>
+              <a:t>Add a Table visualization to the scene with the product characteristics: </a:t>
+            </a:r>
+            <a:r xmlns:a="http://schemas.openxmlformats.org/drawingml/2006/main">
+              <a:rPr lang="en" sz="2000" b="1" dirty="0"/>
+              <a:t>Name </a:t>
+            </a:r>
+            <a:r xmlns:a="http://schemas.openxmlformats.org/drawingml/2006/main">
+              <a:rPr lang="en" sz="2000" dirty="0"/>
+              <a:t>, </a:t>
+            </a:r>
+            <a:r xmlns:a="http://schemas.openxmlformats.org/drawingml/2006/main">
+              <a:rPr lang="en" sz="2000" b="1" dirty="0"/>
+              <a:t>Color </a:t>
+            </a:r>
+            <a:r xmlns:a="http://schemas.openxmlformats.org/drawingml/2006/main">
+              <a:rPr lang="en" sz="2000" dirty="0"/>
+              <a:t>and </a:t>
+            </a:r>
+            <a:r xmlns:a="http://schemas.openxmlformats.org/drawingml/2006/main">
+              <a:rPr lang="en" sz="2000" b="1" dirty="0"/>
+              <a:t>Size </a:t>
+            </a:r>
+            <a:r xmlns:a="http://schemas.openxmlformats.org/drawingml/2006/main">
+              <a:rPr lang="en" sz="2000" dirty="0"/>
+              <a:t>, with the sum of sales as the aggregation.</a:t>
+            </a:r>
+            <a:endParaRPr xmlns:a="http://schemas.openxmlformats.org/drawingml/2006/main" lang="en-US" sz="2000" dirty="0"/>
           </a:p>
         </p:txBody>
       </p:sp>
@@ -6523,7 +6722,7 @@
         <p:spPr>
           <a:xfrm>
             <a:off x="254383" y="240631"/>
-            <a:ext cx="5374805" cy="461665"/>
+            <a:ext cx="4842608" cy="461665"/>
           </a:xfrm>
           <a:prstGeom prst="rect">
             <a:avLst/>
@@ -6536,102 +6735,16 @@
           </a:bodyPr>
           <a:lstStyle/>
           <a:p>
-            <a:r>
-              <a:rPr lang="fr-FR" sz="2400" dirty="0" smtClean="0">
+            <a:r xmlns:a="http://schemas.openxmlformats.org/drawingml/2006/main">
+              <a:rPr lang="en" sz="2400" dirty="0" smtClean="0">
                 <a:latin typeface="Segoe UI" panose="020B0502040204020203" pitchFamily="34" charset="0"/>
                 <a:cs typeface="Segoe UI" panose="020B0502040204020203" pitchFamily="34" charset="0"/>
               </a:rPr>
-              <a:t>ALL and ALLEXPECT and ALLSELECTED</a:t>
-            </a:r>
-            <a:endParaRPr lang="en-US" sz="2400" dirty="0">
+              <a:t>ALL &amp; ALLEXPECT &amp; ALLSELECTED</a:t>
+            </a:r>
+            <a:endParaRPr xmlns:a="http://schemas.openxmlformats.org/drawingml/2006/main" lang="en-US" sz="2400" dirty="0">
               <a:latin typeface="Segoe UI" panose="020B0502040204020203" pitchFamily="34" charset="0"/>
               <a:cs typeface="Segoe UI" panose="020B0502040204020203" pitchFamily="34" charset="0"/>
-            </a:endParaRPr>
-          </a:p>
-        </p:txBody>
-      </p:sp>
-      <p:sp>
-        <p:nvSpPr>
-          <p:cNvPr id="3" name="Rectangle 2"/>
-          <p:cNvSpPr/>
-          <p:nvPr/>
-        </p:nvSpPr>
-        <p:spPr>
-          <a:xfrm>
-            <a:off x="449179" y="831409"/>
-            <a:ext cx="7209780" cy="373692"/>
-          </a:xfrm>
-          <a:prstGeom prst="rect">
-            <a:avLst/>
-          </a:prstGeom>
-        </p:spPr>
-        <p:txBody>
-          <a:bodyPr wrap="square">
-            <a:spAutoFit/>
-          </a:bodyPr>
-          <a:lstStyle/>
-          <a:p>
-            <a:pPr lvl="0">
-              <a:lnSpc>
-                <a:spcPct val="107000"/>
-              </a:lnSpc>
-              <a:spcAft>
-                <a:spcPts val="800"/>
-              </a:spcAft>
-            </a:pPr>
-            <a:r>
-              <a:rPr lang="en-US" dirty="0" smtClean="0">
-                <a:latin typeface="Segoe UI" panose="020B0502040204020203" pitchFamily="34" charset="0"/>
-                <a:ea typeface="Calibri" panose="020F0502020204030204" pitchFamily="34" charset="0"/>
-                <a:cs typeface="Times New Roman" panose="02020603050405020304" pitchFamily="18" charset="0"/>
-              </a:rPr>
-              <a:t>Add a measure named </a:t>
-            </a:r>
-            <a:r>
-              <a:rPr lang="en-US" b="1" dirty="0" smtClean="0">
-                <a:latin typeface="Segoe UI" panose="020B0502040204020203" pitchFamily="34" charset="0"/>
-                <a:ea typeface="Calibri" panose="020F0502020204030204" pitchFamily="34" charset="0"/>
-                <a:cs typeface="Times New Roman" panose="02020603050405020304" pitchFamily="18" charset="0"/>
-              </a:rPr>
-              <a:t>all </a:t>
-            </a:r>
-            <a:r>
-              <a:rPr lang="en-US" dirty="0" smtClean="0">
-                <a:latin typeface="Segoe UI" panose="020B0502040204020203" pitchFamily="34" charset="0"/>
-                <a:ea typeface="Calibri" panose="020F0502020204030204" pitchFamily="34" charset="0"/>
-                <a:cs typeface="Times New Roman" panose="02020603050405020304" pitchFamily="18" charset="0"/>
-              </a:rPr>
-              <a:t>to the </a:t>
-            </a:r>
-            <a:r>
-              <a:rPr lang="en-US" b="1" dirty="0" err="1" smtClean="0">
-                <a:latin typeface="Segoe UI" panose="020B0502040204020203" pitchFamily="34" charset="0"/>
-                <a:ea typeface="Calibri" panose="020F0502020204030204" pitchFamily="34" charset="0"/>
-                <a:cs typeface="Times New Roman" panose="02020603050405020304" pitchFamily="18" charset="0"/>
-              </a:rPr>
-              <a:t>FactProduct</a:t>
-            </a:r>
-            <a:r>
-              <a:rPr lang="en-US" b="1" dirty="0" smtClean="0">
-                <a:latin typeface="Segoe UI" panose="020B0502040204020203" pitchFamily="34" charset="0"/>
-                <a:ea typeface="Calibri" panose="020F0502020204030204" pitchFamily="34" charset="0"/>
-                <a:cs typeface="Times New Roman" panose="02020603050405020304" pitchFamily="18" charset="0"/>
-              </a:rPr>
-              <a:t> table </a:t>
-            </a:r>
-            <a:r>
-              <a:rPr lang="en-US" dirty="0" smtClean="0">
-                <a:latin typeface="Segoe UI" panose="020B0502040204020203" pitchFamily="34" charset="0"/>
-                <a:ea typeface="Calibri" panose="020F0502020204030204" pitchFamily="34" charset="0"/>
-                <a:cs typeface="Times New Roman" panose="02020603050405020304" pitchFamily="18" charset="0"/>
-              </a:rPr>
-              <a:t>with the formula</a:t>
-            </a:r>
-            <a:endParaRPr lang="en-US" sz="1400" dirty="0">
-              <a:effectLst/>
-              <a:latin typeface="Calibri" panose="020F0502020204030204" pitchFamily="34" charset="0"/>
-              <a:ea typeface="Calibri" panose="020F0502020204030204" pitchFamily="34" charset="0"/>
-              <a:cs typeface="Times New Roman" panose="02020603050405020304" pitchFamily="18" charset="0"/>
             </a:endParaRPr>
           </a:p>
         </p:txBody>
@@ -6657,8 +6770,8 @@
           </a:bodyPr>
           <a:lstStyle/>
           <a:p>
-            <a:r>
-              <a:rPr lang="en-US" dirty="0">
+            <a:r xmlns:a="http://schemas.openxmlformats.org/drawingml/2006/main">
+              <a:rPr lang="en" dirty="0">
                 <a:solidFill>
                   <a:srgbClr val="000000"/>
                 </a:solidFill>
@@ -6666,80 +6779,80 @@
               </a:rPr>
               <a:t>all = </a:t>
             </a:r>
-            <a:r>
-              <a:rPr lang="en-US" dirty="0">
+            <a:r xmlns:a="http://schemas.openxmlformats.org/drawingml/2006/main">
+              <a:rPr lang="en" dirty="0">
                 <a:solidFill>
                   <a:srgbClr val="3165BB"/>
                 </a:solidFill>
                 <a:latin typeface="Consolas" panose="020B0609020204030204" pitchFamily="49" charset="0"/>
               </a:rPr>
-              <a:t>CALCULATE</a:t>
-            </a:r>
-            <a:r>
-              <a:rPr lang="en-US" dirty="0">
+              <a:t>CALCULATE </a:t>
+            </a:r>
+            <a:r xmlns:a="http://schemas.openxmlformats.org/drawingml/2006/main">
+              <a:rPr lang="en" dirty="0">
                 <a:solidFill>
                   <a:srgbClr val="000000"/>
                 </a:solidFill>
                 <a:latin typeface="Consolas" panose="020B0609020204030204" pitchFamily="49" charset="0"/>
               </a:rPr>
-              <a:t>(</a:t>
-            </a:r>
-            <a:r>
-              <a:rPr lang="en-US" dirty="0">
+              <a:t>( </a:t>
+            </a:r>
+            <a:r xmlns:a="http://schemas.openxmlformats.org/drawingml/2006/main">
+              <a:rPr lang="en" dirty="0">
                 <a:solidFill>
                   <a:srgbClr val="3165BB"/>
                 </a:solidFill>
                 <a:latin typeface="Consolas" panose="020B0609020204030204" pitchFamily="49" charset="0"/>
               </a:rPr>
-              <a:t>SUM</a:t>
-            </a:r>
-            <a:r>
-              <a:rPr lang="en-US" dirty="0">
+              <a:t>SUM </a:t>
+            </a:r>
+            <a:r xmlns:a="http://schemas.openxmlformats.org/drawingml/2006/main">
+              <a:rPr lang="en" dirty="0">
                 <a:solidFill>
                   <a:srgbClr val="000000"/>
                 </a:solidFill>
                 <a:latin typeface="Consolas" panose="020B0609020204030204" pitchFamily="49" charset="0"/>
               </a:rPr>
-              <a:t>(</a:t>
-            </a:r>
-            <a:r>
-              <a:rPr lang="en-US" dirty="0" err="1">
+              <a:t>( </a:t>
+            </a:r>
+            <a:r xmlns:a="http://schemas.openxmlformats.org/drawingml/2006/main">
+              <a:rPr lang="en" dirty="0" err="1">
                 <a:solidFill>
                   <a:srgbClr val="5F5F5F"/>
                 </a:solidFill>
                 <a:latin typeface="Consolas" panose="020B0609020204030204" pitchFamily="49" charset="0"/>
               </a:rPr>
-              <a:t>FactProduit</a:t>
-            </a:r>
-            <a:r>
-              <a:rPr lang="en-US" dirty="0">
+              <a:t>ProductFact </a:t>
+            </a:r>
+            <a:r xmlns:a="http://schemas.openxmlformats.org/drawingml/2006/main">
+              <a:rPr lang="en" dirty="0">
                 <a:solidFill>
                   <a:srgbClr val="5F5F5F"/>
                 </a:solidFill>
                 <a:latin typeface="Consolas" panose="020B0609020204030204" pitchFamily="49" charset="0"/>
               </a:rPr>
-              <a:t>[</a:t>
-            </a:r>
-            <a:r>
-              <a:rPr lang="en-US" dirty="0" err="1">
+              <a:t>[ </a:t>
+            </a:r>
+            <a:r xmlns:a="http://schemas.openxmlformats.org/drawingml/2006/main">
+              <a:rPr lang="en" dirty="0" err="1">
                 <a:solidFill>
                   <a:srgbClr val="5F5F5F"/>
                 </a:solidFill>
                 <a:latin typeface="Consolas" panose="020B0609020204030204" pitchFamily="49" charset="0"/>
               </a:rPr>
-              <a:t>Ventes</a:t>
-            </a:r>
-            <a:r>
-              <a:rPr lang="en-US" dirty="0">
+              <a:t>Sales </a:t>
+            </a:r>
+            <a:r xmlns:a="http://schemas.openxmlformats.org/drawingml/2006/main">
+              <a:rPr lang="en" dirty="0">
                 <a:solidFill>
                   <a:srgbClr val="5F5F5F"/>
                 </a:solidFill>
                 <a:latin typeface="Consolas" panose="020B0609020204030204" pitchFamily="49" charset="0"/>
               </a:rPr>
-              <a:t>]</a:t>
-            </a:r>
-            <a:r>
-              <a:rPr lang="en-US" dirty="0">
+              <a:t>] </a:t>
+            </a:r>
+            <a:r xmlns:a="http://schemas.openxmlformats.org/drawingml/2006/main">
+              <a:rPr lang="en" dirty="0">
                 <a:solidFill>
                   <a:srgbClr val="000000"/>
                 </a:solidFill>
@@ -6747,35 +6860,35 @@
               </a:rPr>
               <a:t>), </a:t>
             </a:r>
-            <a:r>
-              <a:rPr lang="en-US" dirty="0">
+            <a:r xmlns:a="http://schemas.openxmlformats.org/drawingml/2006/main">
+              <a:rPr lang="en" dirty="0">
                 <a:solidFill>
                   <a:srgbClr val="3165BB"/>
                 </a:solidFill>
                 <a:latin typeface="Consolas" panose="020B0609020204030204" pitchFamily="49" charset="0"/>
               </a:rPr>
-              <a:t>ALL</a:t>
-            </a:r>
-            <a:r>
-              <a:rPr lang="en-US" dirty="0">
+              <a:t>ALL </a:t>
+            </a:r>
+            <a:r xmlns:a="http://schemas.openxmlformats.org/drawingml/2006/main">
+              <a:rPr lang="en" dirty="0">
                 <a:solidFill>
                   <a:srgbClr val="000000"/>
                 </a:solidFill>
                 <a:latin typeface="Consolas" panose="020B0609020204030204" pitchFamily="49" charset="0"/>
               </a:rPr>
-              <a:t>(</a:t>
-            </a:r>
-            <a:r>
-              <a:rPr lang="en-US" dirty="0" err="1">
+              <a:t>( </a:t>
+            </a:r>
+            <a:r xmlns:a="http://schemas.openxmlformats.org/drawingml/2006/main">
+              <a:rPr lang="en" dirty="0" err="1">
                 <a:solidFill>
                   <a:srgbClr val="5F5F5F"/>
                 </a:solidFill>
                 <a:latin typeface="Consolas" panose="020B0609020204030204" pitchFamily="49" charset="0"/>
               </a:rPr>
-              <a:t>DimProduit</a:t>
-            </a:r>
-            <a:r>
-              <a:rPr lang="en-US" dirty="0" smtClean="0">
+              <a:t>ProductDim </a:t>
+            </a:r>
+            <a:r xmlns:a="http://schemas.openxmlformats.org/drawingml/2006/main">
+              <a:rPr lang="en" dirty="0" smtClean="0">
                 <a:solidFill>
                   <a:srgbClr val="000000"/>
                 </a:solidFill>
@@ -6783,57 +6896,11 @@
               </a:rPr>
               <a:t>))</a:t>
             </a:r>
-            <a:endParaRPr lang="en-US" dirty="0">
+            <a:endParaRPr xmlns:a="http://schemas.openxmlformats.org/drawingml/2006/main" lang="en-US" dirty="0">
               <a:solidFill>
                 <a:srgbClr val="000000"/>
               </a:solidFill>
               <a:latin typeface="Consolas" panose="020B0609020204030204" pitchFamily="49" charset="0"/>
-            </a:endParaRPr>
-          </a:p>
-        </p:txBody>
-      </p:sp>
-      <p:sp>
-        <p:nvSpPr>
-          <p:cNvPr id="8" name="Rectangle 7"/>
-          <p:cNvSpPr/>
-          <p:nvPr/>
-        </p:nvSpPr>
-        <p:spPr>
-          <a:xfrm>
-            <a:off x="449179" y="1832659"/>
-            <a:ext cx="3110147" cy="373692"/>
-          </a:xfrm>
-          <a:prstGeom prst="rect">
-            <a:avLst/>
-          </a:prstGeom>
-        </p:spPr>
-        <p:txBody>
-          <a:bodyPr wrap="none">
-            <a:spAutoFit/>
-          </a:bodyPr>
-          <a:lstStyle/>
-          <a:p>
-            <a:pPr lvl="0">
-              <a:lnSpc>
-                <a:spcPct val="107000"/>
-              </a:lnSpc>
-              <a:spcAft>
-                <a:spcPts val="800"/>
-              </a:spcAft>
-            </a:pPr>
-            <a:r>
-              <a:rPr lang="en-US" dirty="0" smtClean="0">
-                <a:latin typeface="Segoe UI" panose="020B0502040204020203" pitchFamily="34" charset="0"/>
-                <a:ea typeface="Calibri" panose="020F0502020204030204" pitchFamily="34" charset="0"/>
-                <a:cs typeface="Times New Roman" panose="02020603050405020304" pitchFamily="18" charset="0"/>
-              </a:rPr>
-              <a:t>Add measure to visualization</a:t>
-            </a:r>
-            <a:endParaRPr lang="en-US" sz="1400" dirty="0">
-              <a:effectLst/>
-              <a:latin typeface="Calibri" panose="020F0502020204030204" pitchFamily="34" charset="0"/>
-              <a:ea typeface="Calibri" panose="020F0502020204030204" pitchFamily="34" charset="0"/>
-              <a:cs typeface="Times New Roman" panose="02020603050405020304" pitchFamily="18" charset="0"/>
             </a:endParaRPr>
           </a:p>
         </p:txBody>
@@ -6879,14 +6946,14 @@
       </p:pic>
       <p:sp>
         <p:nvSpPr>
-          <p:cNvPr id="10" name="Rectangle 9"/>
+          <p:cNvPr id="4" name="Rectangle 3"/>
           <p:cNvSpPr/>
           <p:nvPr/>
         </p:nvSpPr>
         <p:spPr>
           <a:xfrm>
-            <a:off x="511054" y="5902933"/>
-            <a:ext cx="11080512" cy="685059"/>
+            <a:off x="449178" y="764835"/>
+            <a:ext cx="9932355" cy="400110"/>
           </a:xfrm>
           <a:prstGeom prst="rect">
             <a:avLst/>
@@ -6898,44 +6965,101 @@
           </a:bodyPr>
           <a:lstStyle/>
           <a:p>
-            <a:pPr lvl="0">
-              <a:lnSpc>
-                <a:spcPct val="107000"/>
-              </a:lnSpc>
-              <a:spcAft>
-                <a:spcPts val="800"/>
-              </a:spcAft>
-            </a:pPr>
-            <a:r>
-              <a:rPr lang="en-US" dirty="0" smtClean="0">
-                <a:latin typeface="Segoe UI" panose="020B0502040204020203" pitchFamily="34" charset="0"/>
-                <a:ea typeface="Calibri" panose="020F0502020204030204" pitchFamily="34" charset="0"/>
-                <a:cs typeface="Times New Roman" panose="02020603050405020304" pitchFamily="18" charset="0"/>
-              </a:rPr>
-              <a:t>Note that the all measure shows the same result as </a:t>
-            </a:r>
-            <a:r>
-              <a:rPr lang="en-US" b="1" dirty="0" smtClean="0">
-                <a:latin typeface="Segoe UI" panose="020B0502040204020203" pitchFamily="34" charset="0"/>
-                <a:ea typeface="Calibri" panose="020F0502020204030204" pitchFamily="34" charset="0"/>
-                <a:cs typeface="Times New Roman" panose="02020603050405020304" pitchFamily="18" charset="0"/>
-              </a:rPr>
-              <a:t>Total </a:t>
-            </a:r>
-            <a:r>
-              <a:rPr lang="en-US" dirty="0" smtClean="0">
-                <a:latin typeface="Segoe UI" panose="020B0502040204020203" pitchFamily="34" charset="0"/>
-                <a:ea typeface="Calibri" panose="020F0502020204030204" pitchFamily="34" charset="0"/>
-                <a:cs typeface="Times New Roman" panose="02020603050405020304" pitchFamily="18" charset="0"/>
-              </a:rPr>
-              <a:t>and that it eliminates the filter throughout the operation of calculating the sum of sales</a:t>
-            </a:r>
-            <a:endParaRPr lang="en-US" sz="1400" dirty="0">
-              <a:effectLst/>
-              <a:latin typeface="Calibri" panose="020F0502020204030204" pitchFamily="34" charset="0"/>
-              <a:ea typeface="Calibri" panose="020F0502020204030204" pitchFamily="34" charset="0"/>
-              <a:cs typeface="Times New Roman" panose="02020603050405020304" pitchFamily="18" charset="0"/>
-            </a:endParaRPr>
+            <a:r xmlns:a="http://schemas.openxmlformats.org/drawingml/2006/main">
+              <a:rPr lang="en" sz="2000" dirty="0"/>
+              <a:t>Add a measure named </a:t>
+            </a:r>
+            <a:r xmlns:a="http://schemas.openxmlformats.org/drawingml/2006/main">
+              <a:rPr lang="en" sz="2000" b="1" dirty="0"/>
+              <a:t>"all" </a:t>
+            </a:r>
+            <a:r xmlns:a="http://schemas.openxmlformats.org/drawingml/2006/main">
+              <a:rPr lang="en" sz="2000" dirty="0"/>
+              <a:t>to the </a:t>
+            </a:r>
+            <a:r xmlns:a="http://schemas.openxmlformats.org/drawingml/2006/main">
+              <a:rPr lang="en" sz="2000" b="1" dirty="0" err="1"/>
+              <a:t>FactProduct table </a:t>
+            </a:r>
+            <a:r xmlns:a="http://schemas.openxmlformats.org/drawingml/2006/main">
+              <a:rPr lang="en" sz="2000" dirty="0"/>
+              <a:t>with the formula.</a:t>
+            </a:r>
+            <a:endParaRPr xmlns:a="http://schemas.openxmlformats.org/drawingml/2006/main" lang="en-US" sz="2000" dirty="0"/>
+          </a:p>
+        </p:txBody>
+      </p:sp>
+      <p:sp>
+        <p:nvSpPr>
+          <p:cNvPr id="6" name="Rectangle 5"/>
+          <p:cNvSpPr/>
+          <p:nvPr/>
+        </p:nvSpPr>
+        <p:spPr>
+          <a:xfrm>
+            <a:off x="449178" y="1750681"/>
+            <a:ext cx="3889398" cy="400110"/>
+          </a:xfrm>
+          <a:prstGeom prst="rect">
+            <a:avLst/>
+          </a:prstGeom>
+        </p:spPr>
+        <p:txBody>
+          <a:bodyPr wrap="none">
+            <a:spAutoFit/>
+          </a:bodyPr>
+          <a:lstStyle/>
+          <a:p>
+            <a:r xmlns:a="http://schemas.openxmlformats.org/drawingml/2006/main">
+              <a:rPr lang="en" sz="2000" dirty="0"/>
+              <a:t>Add the measurement to the visualization.</a:t>
+            </a:r>
+            <a:endParaRPr xmlns:a="http://schemas.openxmlformats.org/drawingml/2006/main" lang="en-US" sz="2000" dirty="0"/>
+          </a:p>
+        </p:txBody>
+      </p:sp>
+      <p:sp>
+        <p:nvSpPr>
+          <p:cNvPr id="7" name="Rectangle 6"/>
+          <p:cNvSpPr/>
+          <p:nvPr/>
+        </p:nvSpPr>
+        <p:spPr>
+          <a:xfrm>
+            <a:off x="503062" y="5903042"/>
+            <a:ext cx="11088506" cy="707886"/>
+          </a:xfrm>
+          <a:prstGeom prst="rect">
+            <a:avLst/>
+          </a:prstGeom>
+        </p:spPr>
+        <p:txBody>
+          <a:bodyPr wrap="square">
+            <a:spAutoFit/>
+          </a:bodyPr>
+          <a:lstStyle/>
+          <a:p>
+            <a:r xmlns:a="http://schemas.openxmlformats.org/drawingml/2006/main">
+              <a:rPr lang="en" sz="2000" b="1" dirty="0"/>
+              <a:t>"all" </a:t>
+            </a:r>
+            <a:r xmlns:a="http://schemas.openxmlformats.org/drawingml/2006/main">
+              <a:rPr lang="en" sz="2000" dirty="0"/>
+              <a:t>measure </a:t>
+            </a:r>
+            <a:r xmlns:a="http://schemas.openxmlformats.org/drawingml/2006/main">
+              <a:rPr lang="en" sz="2000" dirty="0"/>
+              <a:t>displays the same result as </a:t>
+            </a:r>
+            <a:r xmlns:a="http://schemas.openxmlformats.org/drawingml/2006/main">
+              <a:rPr lang="en" sz="2000" b="1" dirty="0"/>
+              <a:t>"Total" </a:t>
+            </a:r>
+            <a:r xmlns:a="http://schemas.openxmlformats.org/drawingml/2006/main">
+              <a:rPr lang="en" sz="2000" dirty="0"/>
+              <a:t>and removes the filter during the sales sum calculation operation.</a:t>
+            </a:r>
+            <a:endParaRPr xmlns:a="http://schemas.openxmlformats.org/drawingml/2006/main" lang="en-US" sz="2000" dirty="0"/>
           </a:p>
         </p:txBody>
       </p:sp>
@@ -6978,7 +7102,7 @@
         <p:spPr>
           <a:xfrm>
             <a:off x="254383" y="240631"/>
-            <a:ext cx="5374805" cy="461665"/>
+            <a:ext cx="4842608" cy="461665"/>
           </a:xfrm>
           <a:prstGeom prst="rect">
             <a:avLst/>
@@ -6991,87 +7115,16 @@
           </a:bodyPr>
           <a:lstStyle/>
           <a:p>
-            <a:r>
-              <a:rPr lang="fr-FR" sz="2400" dirty="0" smtClean="0">
+            <a:r xmlns:a="http://schemas.openxmlformats.org/drawingml/2006/main">
+              <a:rPr lang="en" sz="2400" dirty="0" smtClean="0">
                 <a:latin typeface="Segoe UI" panose="020B0502040204020203" pitchFamily="34" charset="0"/>
                 <a:cs typeface="Segoe UI" panose="020B0502040204020203" pitchFamily="34" charset="0"/>
               </a:rPr>
-              <a:t>ALL and ALLEXPECT and ALLSELECTED</a:t>
-            </a:r>
-            <a:endParaRPr lang="en-US" sz="2400" dirty="0">
+              <a:t>ALL &amp; ALLEXPECT &amp; ALLSELECTED</a:t>
+            </a:r>
+            <a:endParaRPr xmlns:a="http://schemas.openxmlformats.org/drawingml/2006/main" lang="en-US" sz="2400" dirty="0">
               <a:latin typeface="Segoe UI" panose="020B0502040204020203" pitchFamily="34" charset="0"/>
               <a:cs typeface="Segoe UI" panose="020B0502040204020203" pitchFamily="34" charset="0"/>
-            </a:endParaRPr>
-          </a:p>
-        </p:txBody>
-      </p:sp>
-      <p:sp>
-        <p:nvSpPr>
-          <p:cNvPr id="6" name="Rectangle 5"/>
-          <p:cNvSpPr/>
-          <p:nvPr/>
-        </p:nvSpPr>
-        <p:spPr>
-          <a:xfrm>
-            <a:off x="254383" y="840454"/>
-            <a:ext cx="10853631" cy="685059"/>
-          </a:xfrm>
-          <a:prstGeom prst="rect">
-            <a:avLst/>
-          </a:prstGeom>
-        </p:spPr>
-        <p:txBody>
-          <a:bodyPr wrap="square">
-            <a:spAutoFit/>
-          </a:bodyPr>
-          <a:lstStyle/>
-          <a:p>
-            <a:pPr lvl="0">
-              <a:lnSpc>
-                <a:spcPct val="107000"/>
-              </a:lnSpc>
-              <a:spcAft>
-                <a:spcPts val="800"/>
-              </a:spcAft>
-            </a:pPr>
-            <a:r>
-              <a:rPr lang="en-US" dirty="0" smtClean="0">
-                <a:latin typeface="Segoe UI" panose="020B0502040204020203" pitchFamily="34" charset="0"/>
-                <a:ea typeface="Calibri" panose="020F0502020204030204" pitchFamily="34" charset="0"/>
-                <a:cs typeface="Times New Roman" panose="02020603050405020304" pitchFamily="18" charset="0"/>
-              </a:rPr>
-              <a:t>Create a new measure with the name and </a:t>
-            </a:r>
-            <a:r>
-              <a:rPr lang="en-US" b="1" dirty="0" smtClean="0">
-                <a:solidFill>
-                  <a:srgbClr val="000000"/>
-                </a:solidFill>
-                <a:latin typeface="Consolas" panose="020B0609020204030204" pitchFamily="49" charset="0"/>
-              </a:rPr>
-              <a:t>ALL EX COLOR</a:t>
-            </a:r>
-            <a:r>
-              <a:rPr lang="en-US" b="1" dirty="0" smtClean="0">
-                <a:latin typeface="Segoe UI" panose="020B0502040204020203" pitchFamily="34" charset="0"/>
-                <a:ea typeface="Calibri" panose="020F0502020204030204" pitchFamily="34" charset="0"/>
-                <a:cs typeface="Times New Roman" panose="02020603050405020304" pitchFamily="18" charset="0"/>
-              </a:rPr>
-              <a:t> </a:t>
-            </a:r>
-            <a:r>
-              <a:rPr lang="en-US" dirty="0" smtClean="0">
-                <a:latin typeface="Segoe UI" panose="020B0502040204020203" pitchFamily="34" charset="0"/>
-                <a:ea typeface="Calibri" panose="020F0502020204030204" pitchFamily="34" charset="0"/>
-                <a:cs typeface="Times New Roman" panose="02020603050405020304" pitchFamily="18" charset="0"/>
-              </a:rPr>
-              <a:t>which cancels the application of the filter except for the color</a:t>
-            </a:r>
-            <a:endParaRPr lang="en-US" sz="1400" dirty="0">
-              <a:effectLst/>
-              <a:latin typeface="Calibri" panose="020F0502020204030204" pitchFamily="34" charset="0"/>
-              <a:ea typeface="Calibri" panose="020F0502020204030204" pitchFamily="34" charset="0"/>
-              <a:cs typeface="Times New Roman" panose="02020603050405020304" pitchFamily="18" charset="0"/>
             </a:endParaRPr>
           </a:p>
         </p:txBody>
@@ -7121,8 +7174,8 @@
           </a:bodyPr>
           <a:lstStyle/>
           <a:p>
-            <a:r>
-              <a:rPr lang="en-US" dirty="0">
+            <a:r xmlns:a="http://schemas.openxmlformats.org/drawingml/2006/main">
+              <a:rPr lang="en" dirty="0">
                 <a:solidFill>
                   <a:srgbClr val="000000"/>
                 </a:solidFill>
@@ -7130,53 +7183,53 @@
               </a:rPr>
               <a:t>ALL EX COLOR = </a:t>
             </a:r>
-            <a:r>
-              <a:rPr lang="en-US" dirty="0">
+            <a:r xmlns:a="http://schemas.openxmlformats.org/drawingml/2006/main">
+              <a:rPr lang="en" dirty="0">
                 <a:solidFill>
                   <a:srgbClr val="3165BB"/>
                 </a:solidFill>
                 <a:latin typeface="Consolas" panose="020B0609020204030204" pitchFamily="49" charset="0"/>
               </a:rPr>
-              <a:t>CALCULATE</a:t>
-            </a:r>
-            <a:r>
-              <a:rPr lang="en-US" dirty="0">
+              <a:t>CALCULATE </a:t>
+            </a:r>
+            <a:r xmlns:a="http://schemas.openxmlformats.org/drawingml/2006/main">
+              <a:rPr lang="en" dirty="0">
                 <a:solidFill>
                   <a:srgbClr val="000000"/>
                 </a:solidFill>
                 <a:latin typeface="Consolas" panose="020B0609020204030204" pitchFamily="49" charset="0"/>
               </a:rPr>
-              <a:t>(</a:t>
-            </a:r>
-            <a:r>
-              <a:rPr lang="en-US" dirty="0">
+              <a:t>( </a:t>
+            </a:r>
+            <a:r xmlns:a="http://schemas.openxmlformats.org/drawingml/2006/main">
+              <a:rPr lang="en" dirty="0">
                 <a:solidFill>
                   <a:srgbClr val="3165BB"/>
                 </a:solidFill>
                 <a:latin typeface="Consolas" panose="020B0609020204030204" pitchFamily="49" charset="0"/>
               </a:rPr>
-              <a:t>SUM</a:t>
-            </a:r>
-            <a:r>
-              <a:rPr lang="en-US" dirty="0">
+              <a:t>SUM </a:t>
+            </a:r>
+            <a:r xmlns:a="http://schemas.openxmlformats.org/drawingml/2006/main">
+              <a:rPr lang="en" dirty="0">
                 <a:solidFill>
                   <a:srgbClr val="000000"/>
                 </a:solidFill>
                 <a:latin typeface="Consolas" panose="020B0609020204030204" pitchFamily="49" charset="0"/>
               </a:rPr>
-              <a:t>(</a:t>
-            </a:r>
-            <a:r>
-              <a:rPr lang="en-US" dirty="0">
+              <a:t>( </a:t>
+            </a:r>
+            <a:r xmlns:a="http://schemas.openxmlformats.org/drawingml/2006/main">
+              <a:rPr lang="en" dirty="0">
                 <a:solidFill>
                   <a:srgbClr val="001080"/>
                 </a:solidFill>
                 <a:latin typeface="Consolas" panose="020B0609020204030204" pitchFamily="49" charset="0"/>
               </a:rPr>
-              <a:t>Sales[Sales]</a:t>
-            </a:r>
-            <a:r>
-              <a:rPr lang="en-US" dirty="0">
+              <a:t>Sales[Sales] </a:t>
+            </a:r>
+            <a:r xmlns:a="http://schemas.openxmlformats.org/drawingml/2006/main">
+              <a:rPr lang="en" dirty="0">
                 <a:solidFill>
                   <a:srgbClr val="000000"/>
                 </a:solidFill>
@@ -7184,35 +7237,35 @@
               </a:rPr>
               <a:t>), </a:t>
             </a:r>
-            <a:r>
-              <a:rPr lang="en-US" dirty="0">
+            <a:r xmlns:a="http://schemas.openxmlformats.org/drawingml/2006/main">
+              <a:rPr lang="en" dirty="0">
                 <a:solidFill>
                   <a:srgbClr val="3165BB"/>
                 </a:solidFill>
                 <a:latin typeface="Consolas" panose="020B0609020204030204" pitchFamily="49" charset="0"/>
               </a:rPr>
-              <a:t>ALLEXCEPT</a:t>
-            </a:r>
-            <a:r>
-              <a:rPr lang="en-US" dirty="0">
+              <a:t>ALLEXCEPT </a:t>
+            </a:r>
+            <a:r xmlns:a="http://schemas.openxmlformats.org/drawingml/2006/main">
+              <a:rPr lang="en" dirty="0">
                 <a:solidFill>
                   <a:srgbClr val="000000"/>
                 </a:solidFill>
                 <a:latin typeface="Consolas" panose="020B0609020204030204" pitchFamily="49" charset="0"/>
               </a:rPr>
-              <a:t>(</a:t>
-            </a:r>
-            <a:r>
-              <a:rPr lang="en-US" dirty="0">
+              <a:t>( </a:t>
+            </a:r>
+            <a:r xmlns:a="http://schemas.openxmlformats.org/drawingml/2006/main">
+              <a:rPr lang="en" dirty="0">
                 <a:solidFill>
                   <a:srgbClr val="001080"/>
                 </a:solidFill>
                 <a:latin typeface="Consolas" panose="020B0609020204030204" pitchFamily="49" charset="0"/>
               </a:rPr>
-              <a:t>Products</a:t>
-            </a:r>
-            <a:r>
-              <a:rPr lang="en-US" dirty="0">
+              <a:t>Products </a:t>
+            </a:r>
+            <a:r xmlns:a="http://schemas.openxmlformats.org/drawingml/2006/main">
+              <a:rPr lang="en" dirty="0">
                 <a:solidFill>
                   <a:srgbClr val="000000"/>
                 </a:solidFill>
@@ -7220,17 +7273,17 @@
               </a:rPr>
               <a:t>, </a:t>
             </a:r>
-            <a:r>
-              <a:rPr lang="en-US" dirty="0">
+            <a:r xmlns:a="http://schemas.openxmlformats.org/drawingml/2006/main">
+              <a:rPr lang="en" dirty="0">
                 <a:solidFill>
                   <a:srgbClr val="001080"/>
                 </a:solidFill>
                 <a:latin typeface="Consolas" panose="020B0609020204030204" pitchFamily="49" charset="0"/>
               </a:rPr>
-              <a:t>Products[Color]</a:t>
-            </a:r>
-            <a:r>
-              <a:rPr lang="en-US" dirty="0">
+              <a:t>Products[Color] </a:t>
+            </a:r>
+            <a:r xmlns:a="http://schemas.openxmlformats.org/drawingml/2006/main">
+              <a:rPr lang="en" dirty="0">
                 <a:solidFill>
                   <a:srgbClr val="000000"/>
                 </a:solidFill>
@@ -7238,7 +7291,7 @@
               </a:rPr>
               <a:t>))</a:t>
             </a:r>
-            <a:endParaRPr lang="en-US" b="0" dirty="0">
+            <a:endParaRPr xmlns:a="http://schemas.openxmlformats.org/drawingml/2006/main" lang="en-US" b="0" dirty="0">
               <a:solidFill>
                 <a:srgbClr val="000000"/>
               </a:solidFill>
@@ -7269,35 +7322,373 @@
           </a:bodyPr>
           <a:lstStyle/>
           <a:p>
-            <a:r>
-              <a:rPr lang="fr-FR" b="1" dirty="0"/>
-              <a:t>Blue</a:t>
-            </a:r>
-            <a:r>
-              <a:rPr lang="fr-FR" dirty="0"/>
-              <a:t> = 20 + 10 +25 + 40 + 10 +15 + 20 </a:t>
-            </a:r>
-          </a:p>
-          <a:p>
-            <a:r>
-              <a:rPr lang="fr-FR" b="1" dirty="0"/>
-              <a:t>Green</a:t>
-            </a:r>
-            <a:r>
-              <a:rPr lang="fr-FR" dirty="0"/>
-              <a:t> = 10 </a:t>
-            </a:r>
-          </a:p>
-          <a:p>
-            <a:r>
-              <a:rPr lang="fr-FR" b="1" dirty="0" err="1"/>
-              <a:t>Red</a:t>
-            </a:r>
-            <a:r>
-              <a:rPr lang="fr-FR" dirty="0"/>
-              <a:t> = 10 + 25 + 30 </a:t>
-            </a:r>
-            <a:endParaRPr lang="en-US" dirty="0"/>
+            <a:r xmlns:a="http://schemas.openxmlformats.org/drawingml/2006/main">
+              <a:rPr lang="en" b="1" dirty="0"/>
+              <a:t>Blue </a:t>
+            </a:r>
+            <a:r xmlns:a="http://schemas.openxmlformats.org/drawingml/2006/main">
+              <a:rPr lang="en" dirty="0"/>
+              <a:t>= 20 + 10 +25 + 40 + 10 +15 + 20</a:t>
+            </a:r>
+          </a:p>
+          <a:p>
+            <a:r xmlns:a="http://schemas.openxmlformats.org/drawingml/2006/main">
+              <a:rPr lang="en" b="1" dirty="0"/>
+              <a:t>Green </a:t>
+            </a:r>
+            <a:r xmlns:a="http://schemas.openxmlformats.org/drawingml/2006/main">
+              <a:rPr lang="en" dirty="0"/>
+              <a:t>= 10</a:t>
+            </a:r>
+          </a:p>
+          <a:p>
+            <a:r xmlns:a="http://schemas.openxmlformats.org/drawingml/2006/main">
+              <a:rPr lang="en" b="1" dirty="0" err="1"/>
+              <a:t>Red </a:t>
+            </a:r>
+            <a:r xmlns:a="http://schemas.openxmlformats.org/drawingml/2006/main">
+              <a:rPr lang="en" dirty="0"/>
+              <a:t>= 10 + 25 + 30</a:t>
+            </a:r>
+            <a:endParaRPr xmlns:a="http://schemas.openxmlformats.org/drawingml/2006/main" lang="en-US" dirty="0"/>
+          </a:p>
+        </p:txBody>
+      </p:sp>
+      <p:sp>
+        <p:nvSpPr>
+          <p:cNvPr id="3" name="Rectangle 1"/>
+          <p:cNvSpPr>
+            <a:spLocks noChangeArrowheads="1"/>
+          </p:cNvSpPr>
+          <p:nvPr/>
+        </p:nvSpPr>
+        <p:spPr bwMode="auto">
+          <a:xfrm>
+            <a:off x="330009" y="833357"/>
+            <a:ext cx="11316624" cy="369332"/>
+          </a:xfrm>
+          <a:prstGeom prst="rect">
+            <a:avLst/>
+          </a:prstGeom>
+          <a:noFill/>
+          <a:ln>
+            <a:noFill/>
+          </a:ln>
+          <a:effectLst/>
+          <a:extLst>
+            <a:ext uri="{909E8E84-426E-40DD-AFC4-6F175D3DCCD1}">
+              <a14:hiddenFill xmlns:a14="http://schemas.microsoft.com/office/drawing/2010/main">
+                <a:solidFill>
+                  <a:schemeClr val="accent1"/>
+                </a:solidFill>
+              </a14:hiddenFill>
+            </a:ext>
+            <a:ext uri="{91240B29-F687-4F45-9708-019B960494DF}">
+              <a14:hiddenLine xmlns:a14="http://schemas.microsoft.com/office/drawing/2010/main" w="9525">
+                <a:solidFill>
+                  <a:schemeClr val="tx1"/>
+                </a:solidFill>
+                <a:miter lim="800000"/>
+                <a:headEnd/>
+                <a:tailEnd/>
+              </a14:hiddenLine>
+            </a:ext>
+            <a:ext uri="{AF507438-7753-43E0-B8FC-AC1667EBCBE1}">
+              <a14:hiddenEffects xmlns:a14="http://schemas.microsoft.com/office/drawing/2010/main">
+                <a:effectLst>
+                  <a:outerShdw dist="35921" dir="2700000" algn="ctr" rotWithShape="0">
+                    <a:schemeClr val="bg2"/>
+                  </a:outerShdw>
+                </a:effectLst>
+              </a14:hiddenEffects>
+            </a:ext>
+          </a:extLst>
+        </p:spPr>
+        <p:txBody>
+          <a:bodyPr vert="horz" wrap="none" lIns="91440" tIns="45720" rIns="91440" bIns="45720" numCol="1" anchor="ctr" anchorCtr="0" compatLnSpc="1">
+            <a:prstTxWarp prst="textNoShape">
+              <a:avLst/>
+            </a:prstTxWarp>
+            <a:spAutoFit/>
+          </a:bodyPr>
+          <a:lstStyle/>
+          <a:p>
+            <a:pPr xmlns:a="http://schemas.openxmlformats.org/drawingml/2006/main" marL="0" marR="0" lvl="0" indent="0" algn="l" defTabSz="914400" rtl="0" eaLnBrk="0" fontAlgn="base" latinLnBrk="0" hangingPunct="0">
+              <a:lnSpc>
+                <a:spcPct val="100000"/>
+              </a:lnSpc>
+              <a:spcBef>
+                <a:spcPct val="0"/>
+              </a:spcBef>
+              <a:spcAft>
+                <a:spcPct val="0"/>
+              </a:spcAft>
+              <a:buClrTx/>
+              <a:buSzTx/>
+              <a:buFontTx/>
+              <a:buNone/>
+              <a:tabLst/>
+            </a:pPr>
+            <a:r xmlns:a="http://schemas.openxmlformats.org/drawingml/2006/main">
+              <a:rPr kumimoji="0" lang="en" altLang="en-US" sz="1800" b="0" i="0" u="none" strike="noStrike" cap="none" normalizeH="0" baseline="0" dirty="0" err="1" smtClean="0">
+                <a:ln>
+                  <a:noFill/>
+                </a:ln>
+                <a:solidFill>
+                  <a:schemeClr val="tx1"/>
+                </a:solidFill>
+                <a:effectLst/>
+                <a:latin typeface="Arial" panose="020B0604020202020204" pitchFamily="34" charset="0"/>
+              </a:rPr>
+              <a:t>Create</a:t>
+            </a:r>
+            <a:r xmlns:a="http://schemas.openxmlformats.org/drawingml/2006/main">
+              <a:rPr kumimoji="0" lang="en" altLang="en-US" sz="1800" b="0" i="0" u="none" strike="noStrike" cap="none" normalizeH="0" baseline="0" dirty="0" smtClean="0">
+                <a:ln>
+                  <a:noFill/>
+                </a:ln>
+                <a:solidFill>
+                  <a:schemeClr val="tx1"/>
+                </a:solidFill>
+                <a:effectLst/>
+                <a:latin typeface="Arial" panose="020B0604020202020204" pitchFamily="34" charset="0"/>
+              </a:rPr>
+              <a:t> </a:t>
+            </a:r>
+            <a:r xmlns:a="http://schemas.openxmlformats.org/drawingml/2006/main">
+              <a:rPr kumimoji="0" lang="en" altLang="en-US" sz="1800" b="0" i="0" u="none" strike="noStrike" cap="none" normalizeH="0" baseline="0" dirty="0" err="1" smtClean="0">
+                <a:ln>
+                  <a:noFill/>
+                </a:ln>
+                <a:solidFill>
+                  <a:schemeClr val="tx1"/>
+                </a:solidFill>
+                <a:effectLst/>
+                <a:latin typeface="Arial" panose="020B0604020202020204" pitchFamily="34" charset="0"/>
+              </a:rPr>
+              <a:t>a </a:t>
+            </a:r>
+            <a:r xmlns:a="http://schemas.openxmlformats.org/drawingml/2006/main">
+              <a:rPr kumimoji="0" lang="en" altLang="en-US" sz="1800" b="0" i="0" u="none" strike="noStrike" cap="none" normalizeH="0" baseline="0" dirty="0" smtClean="0">
+                <a:ln>
+                  <a:noFill/>
+                </a:ln>
+                <a:solidFill>
+                  <a:schemeClr val="tx1"/>
+                </a:solidFill>
+                <a:effectLst/>
+                <a:latin typeface="Arial" panose="020B0604020202020204" pitchFamily="34" charset="0"/>
+              </a:rPr>
+              <a:t>new </a:t>
+            </a:r>
+            <a:r xmlns:a="http://schemas.openxmlformats.org/drawingml/2006/main">
+              <a:rPr kumimoji="0" lang="en" altLang="en-US" sz="1800" b="0" i="0" u="none" strike="noStrike" cap="none" normalizeH="0" baseline="0" dirty="0" err="1" smtClean="0">
+                <a:ln>
+                  <a:noFill/>
+                </a:ln>
+                <a:solidFill>
+                  <a:schemeClr val="tx1"/>
+                </a:solidFill>
+                <a:effectLst/>
+                <a:latin typeface="Arial" panose="020B0604020202020204" pitchFamily="34" charset="0"/>
+              </a:rPr>
+              <a:t>measure</a:t>
+            </a:r>
+            <a:r xmlns:a="http://schemas.openxmlformats.org/drawingml/2006/main">
+              <a:rPr kumimoji="0" lang="en" altLang="en-US" sz="1800" b="0" i="0" u="none" strike="noStrike" cap="none" normalizeH="0" baseline="0" dirty="0" smtClean="0">
+                <a:ln>
+                  <a:noFill/>
+                </a:ln>
+                <a:solidFill>
+                  <a:schemeClr val="tx1"/>
+                </a:solidFill>
+                <a:effectLst/>
+                <a:latin typeface="Arial" panose="020B0604020202020204" pitchFamily="34" charset="0"/>
+              </a:rPr>
+              <a:t> </a:t>
+            </a:r>
+            <a:r xmlns:a="http://schemas.openxmlformats.org/drawingml/2006/main">
+              <a:rPr kumimoji="0" lang="en" altLang="en-US" sz="1800" b="0" i="0" u="none" strike="noStrike" cap="none" normalizeH="0" baseline="0" dirty="0" err="1" smtClean="0">
+                <a:ln>
+                  <a:noFill/>
+                </a:ln>
+                <a:solidFill>
+                  <a:schemeClr val="tx1"/>
+                </a:solidFill>
+                <a:effectLst/>
+                <a:latin typeface="Arial" panose="020B0604020202020204" pitchFamily="34" charset="0"/>
+              </a:rPr>
+              <a:t>named</a:t>
+            </a:r>
+            <a:r xmlns:a="http://schemas.openxmlformats.org/drawingml/2006/main">
+              <a:rPr kumimoji="0" lang="en" altLang="en-US" sz="1800" b="0" i="0" u="none" strike="noStrike" cap="none" normalizeH="0" baseline="0" dirty="0" smtClean="0">
+                <a:ln>
+                  <a:noFill/>
+                </a:ln>
+                <a:solidFill>
+                  <a:schemeClr val="tx1"/>
+                </a:solidFill>
+                <a:effectLst/>
+                <a:latin typeface="Arial" panose="020B0604020202020204" pitchFamily="34" charset="0"/>
+              </a:rPr>
+              <a:t> </a:t>
+            </a:r>
+            <a:r xmlns:a="http://schemas.openxmlformats.org/drawingml/2006/main">
+              <a:rPr kumimoji="0" lang="en" altLang="en-US" sz="1800" b="1" i="0" u="none" strike="noStrike" cap="none" normalizeH="0" baseline="0" dirty="0" smtClean="0">
+                <a:ln>
+                  <a:noFill/>
+                </a:ln>
+                <a:solidFill>
+                  <a:schemeClr val="tx1"/>
+                </a:solidFill>
+                <a:effectLst/>
+                <a:latin typeface="Arial" panose="020B0604020202020204" pitchFamily="34" charset="0"/>
+              </a:rPr>
+              <a:t>"ALL EX COLOR" </a:t>
+            </a:r>
+            <a:r xmlns:a="http://schemas.openxmlformats.org/drawingml/2006/main">
+              <a:rPr kumimoji="0" lang="en" altLang="en-US" sz="1800" b="0" i="0" u="none" strike="noStrike" cap="none" normalizeH="0" baseline="0" dirty="0" smtClean="0">
+                <a:ln>
+                  <a:noFill/>
+                </a:ln>
+                <a:solidFill>
+                  <a:schemeClr val="tx1"/>
+                </a:solidFill>
+                <a:effectLst/>
+                <a:latin typeface="Arial" panose="020B0604020202020204" pitchFamily="34" charset="0"/>
+              </a:rPr>
+              <a:t>which </a:t>
+            </a:r>
+            <a:r xmlns:a="http://schemas.openxmlformats.org/drawingml/2006/main">
+              <a:rPr kumimoji="0" lang="en" altLang="en-US" sz="1800" b="0" i="0" u="none" strike="noStrike" cap="none" normalizeH="0" baseline="0" dirty="0" err="1" smtClean="0">
+                <a:ln>
+                  <a:noFill/>
+                </a:ln>
+                <a:solidFill>
+                  <a:schemeClr val="tx1"/>
+                </a:solidFill>
+                <a:effectLst/>
+                <a:latin typeface="Arial" panose="020B0604020202020204" pitchFamily="34" charset="0"/>
+              </a:rPr>
+              <a:t>cancels</a:t>
+            </a:r>
+            <a:r xmlns:a="http://schemas.openxmlformats.org/drawingml/2006/main">
+              <a:rPr kumimoji="0" lang="en" altLang="en-US" sz="1800" b="0" i="0" u="none" strike="noStrike" cap="none" normalizeH="0" baseline="0" dirty="0" smtClean="0">
+                <a:ln>
+                  <a:noFill/>
+                </a:ln>
+                <a:solidFill>
+                  <a:schemeClr val="tx1"/>
+                </a:solidFill>
+                <a:effectLst/>
+                <a:latin typeface="Arial" panose="020B0604020202020204" pitchFamily="34" charset="0"/>
+              </a:rPr>
+              <a:t> </a:t>
+            </a:r>
+            <a:r xmlns:a="http://schemas.openxmlformats.org/drawingml/2006/main">
+              <a:rPr kumimoji="0" lang="en" altLang="en-US" sz="1800" b="0" i="0" u="none" strike="noStrike" cap="none" normalizeH="0" baseline="0" dirty="0" err="1" smtClean="0">
+                <a:ln>
+                  <a:noFill/>
+                </a:ln>
+                <a:solidFill>
+                  <a:schemeClr val="tx1"/>
+                </a:solidFill>
+                <a:effectLst/>
+                <a:latin typeface="Arial" panose="020B0604020202020204" pitchFamily="34" charset="0"/>
+              </a:rPr>
+              <a:t>the application </a:t>
+            </a:r>
+            <a:r xmlns:a="http://schemas.openxmlformats.org/drawingml/2006/main">
+              <a:rPr kumimoji="0" lang="en" altLang="en-US" sz="1800" b="0" i="0" u="none" strike="noStrike" cap="none" normalizeH="0" baseline="0" dirty="0" smtClean="0">
+                <a:ln>
+                  <a:noFill/>
+                </a:ln>
+                <a:solidFill>
+                  <a:schemeClr val="tx1"/>
+                </a:solidFill>
+                <a:effectLst/>
+                <a:latin typeface="Arial" panose="020B0604020202020204" pitchFamily="34" charset="0"/>
+              </a:rPr>
+              <a:t>of the </a:t>
+            </a:r>
+            <a:r xmlns:a="http://schemas.openxmlformats.org/drawingml/2006/main">
+              <a:rPr kumimoji="0" lang="en" altLang="en-US" sz="1800" b="0" i="0" u="none" strike="noStrike" cap="none" normalizeH="0" baseline="0" dirty="0" err="1" smtClean="0">
+                <a:ln>
+                  <a:noFill/>
+                </a:ln>
+                <a:solidFill>
+                  <a:schemeClr val="tx1"/>
+                </a:solidFill>
+                <a:effectLst/>
+                <a:latin typeface="Arial" panose="020B0604020202020204" pitchFamily="34" charset="0"/>
+              </a:rPr>
+              <a:t>filter</a:t>
+            </a:r>
+            <a:r xmlns:a="http://schemas.openxmlformats.org/drawingml/2006/main">
+              <a:rPr kumimoji="0" lang="en" altLang="en-US" sz="1800" b="0" i="0" u="none" strike="noStrike" cap="none" normalizeH="0" baseline="0" dirty="0" smtClean="0">
+                <a:ln>
+                  <a:noFill/>
+                </a:ln>
+                <a:solidFill>
+                  <a:schemeClr val="tx1"/>
+                </a:solidFill>
+                <a:effectLst/>
+                <a:latin typeface="Arial" panose="020B0604020202020204" pitchFamily="34" charset="0"/>
+              </a:rPr>
+              <a:t> </a:t>
+            </a:r>
+            <a:r xmlns:a="http://schemas.openxmlformats.org/drawingml/2006/main">
+              <a:rPr kumimoji="0" lang="en" altLang="en-US" sz="1800" b="0" i="0" u="none" strike="noStrike" cap="none" normalizeH="0" baseline="0" dirty="0" err="1" smtClean="0">
+                <a:ln>
+                  <a:noFill/>
+                </a:ln>
+                <a:solidFill>
+                  <a:schemeClr val="tx1"/>
+                </a:solidFill>
+                <a:effectLst/>
+                <a:latin typeface="Arial" panose="020B0604020202020204" pitchFamily="34" charset="0"/>
+              </a:rPr>
+              <a:t>except </a:t>
+            </a:r>
+            <a:r xmlns:a="http://schemas.openxmlformats.org/drawingml/2006/main">
+              <a:rPr kumimoji="0" lang="en" altLang="en-US" sz="1800" b="0" i="0" u="none" strike="noStrike" cap="none" normalizeH="0" baseline="0" dirty="0" smtClean="0">
+                <a:ln>
+                  <a:noFill/>
+                </a:ln>
+                <a:solidFill>
+                  <a:schemeClr val="tx1"/>
+                </a:solidFill>
+                <a:effectLst/>
+                <a:latin typeface="Arial" panose="020B0604020202020204" pitchFamily="34" charset="0"/>
+              </a:rPr>
+              <a:t>for the </a:t>
+            </a:r>
+            <a:r xmlns:a="http://schemas.openxmlformats.org/drawingml/2006/main">
+              <a:rPr kumimoji="0" lang="en" altLang="en-US" sz="1800" b="0" i="0" u="none" strike="noStrike" cap="none" normalizeH="0" baseline="0" dirty="0" err="1" smtClean="0">
+                <a:ln>
+                  <a:noFill/>
+                </a:ln>
+                <a:solidFill>
+                  <a:schemeClr val="tx1"/>
+                </a:solidFill>
+                <a:effectLst/>
+                <a:latin typeface="Arial" panose="020B0604020202020204" pitchFamily="34" charset="0"/>
+              </a:rPr>
+              <a:t>color </a:t>
+            </a:r>
+            <a:r xmlns:a="http://schemas.openxmlformats.org/drawingml/2006/main">
+              <a:rPr kumimoji="0" lang="en" altLang="en-US" sz="1800" b="0" i="0" u="none" strike="noStrike" cap="none" normalizeH="0" baseline="0" dirty="0" smtClean="0">
+                <a:ln>
+                  <a:noFill/>
+                </a:ln>
+                <a:solidFill>
+                  <a:schemeClr val="tx1"/>
+                </a:solidFill>
+                <a:effectLst/>
+                <a:latin typeface="Arial" panose="020B0604020202020204" pitchFamily="34" charset="0"/>
+              </a:rPr>
+              <a:t>.</a:t>
+            </a:r>
           </a:p>
         </p:txBody>
       </p:sp>
@@ -7340,7 +7731,7 @@
         <p:spPr>
           <a:xfrm>
             <a:off x="254383" y="240631"/>
-            <a:ext cx="5374805" cy="461665"/>
+            <a:ext cx="4842608" cy="461665"/>
           </a:xfrm>
           <a:prstGeom prst="rect">
             <a:avLst/>
@@ -7353,97 +7744,16 @@
           </a:bodyPr>
           <a:lstStyle/>
           <a:p>
-            <a:r>
-              <a:rPr lang="fr-FR" sz="2400" dirty="0" smtClean="0">
+            <a:r xmlns:a="http://schemas.openxmlformats.org/drawingml/2006/main">
+              <a:rPr lang="en" sz="2400" dirty="0" smtClean="0">
                 <a:latin typeface="Segoe UI" panose="020B0502040204020203" pitchFamily="34" charset="0"/>
                 <a:cs typeface="Segoe UI" panose="020B0502040204020203" pitchFamily="34" charset="0"/>
               </a:rPr>
-              <a:t>ALL and ALLEXPECT and ALLSELECTED</a:t>
-            </a:r>
-            <a:endParaRPr lang="en-US" sz="2400" dirty="0">
+              <a:t>ALL &amp; ALLEXPECT &amp; ALLSELECTED</a:t>
+            </a:r>
+            <a:endParaRPr xmlns:a="http://schemas.openxmlformats.org/drawingml/2006/main" lang="en-US" sz="2400" dirty="0">
               <a:latin typeface="Segoe UI" panose="020B0502040204020203" pitchFamily="34" charset="0"/>
               <a:cs typeface="Segoe UI" panose="020B0502040204020203" pitchFamily="34" charset="0"/>
-            </a:endParaRPr>
-          </a:p>
-        </p:txBody>
-      </p:sp>
-      <p:sp>
-        <p:nvSpPr>
-          <p:cNvPr id="3" name="Rectangle 2"/>
-          <p:cNvSpPr/>
-          <p:nvPr/>
-        </p:nvSpPr>
-        <p:spPr>
-          <a:xfrm>
-            <a:off x="517931" y="865785"/>
-            <a:ext cx="9973606" cy="373692"/>
-          </a:xfrm>
-          <a:prstGeom prst="rect">
-            <a:avLst/>
-          </a:prstGeom>
-        </p:spPr>
-        <p:txBody>
-          <a:bodyPr wrap="square">
-            <a:spAutoFit/>
-          </a:bodyPr>
-          <a:lstStyle/>
-          <a:p>
-            <a:pPr lvl="0">
-              <a:lnSpc>
-                <a:spcPct val="107000"/>
-              </a:lnSpc>
-              <a:spcAft>
-                <a:spcPts val="800"/>
-              </a:spcAft>
-            </a:pPr>
-            <a:r>
-              <a:rPr lang="en-US" dirty="0" smtClean="0">
-                <a:solidFill>
-                  <a:srgbClr val="000000"/>
-                </a:solidFill>
-                <a:latin typeface="Consolas" panose="020B0609020204030204" pitchFamily="49" charset="0"/>
-              </a:rPr>
-              <a:t>Create </a:t>
-            </a:r>
-            <a:r>
-              <a:rPr lang="en-US" b="1" dirty="0" smtClean="0">
-                <a:solidFill>
-                  <a:srgbClr val="000000"/>
-                </a:solidFill>
-                <a:latin typeface="Consolas" panose="020B0609020204030204" pitchFamily="49" charset="0"/>
-              </a:rPr>
-              <a:t>ALL </a:t>
-            </a:r>
-            <a:r>
-              <a:rPr lang="en-US" b="1" dirty="0">
-                <a:solidFill>
-                  <a:srgbClr val="000000"/>
-                </a:solidFill>
-                <a:latin typeface="Consolas" panose="020B0609020204030204" pitchFamily="49" charset="0"/>
-              </a:rPr>
-              <a:t>EX SIZE</a:t>
-            </a:r>
-            <a:r>
-              <a:rPr lang="en-US" b="1" dirty="0" smtClean="0">
-                <a:latin typeface="Segoe UI" panose="020B0502040204020203" pitchFamily="34" charset="0"/>
-                <a:ea typeface="Calibri" panose="020F0502020204030204" pitchFamily="34" charset="0"/>
-                <a:cs typeface="Times New Roman" panose="02020603050405020304" pitchFamily="18" charset="0"/>
-              </a:rPr>
-              <a:t> </a:t>
-            </a:r>
-            <a:r>
-              <a:rPr lang="en-US" dirty="0" smtClean="0">
-                <a:latin typeface="Segoe UI" panose="020B0502040204020203" pitchFamily="34" charset="0"/>
-                <a:ea typeface="Calibri" panose="020F0502020204030204" pitchFamily="34" charset="0"/>
-                <a:cs typeface="Times New Roman" panose="02020603050405020304" pitchFamily="18" charset="0"/>
-              </a:rPr>
-              <a:t>measure that cancels the filter except for the size criterion</a:t>
-            </a:r>
-            <a:endParaRPr lang="en-US" sz="1400" dirty="0">
-              <a:effectLst/>
-              <a:latin typeface="Calibri" panose="020F0502020204030204" pitchFamily="34" charset="0"/>
-              <a:ea typeface="Calibri" panose="020F0502020204030204" pitchFamily="34" charset="0"/>
-              <a:cs typeface="Times New Roman" panose="02020603050405020304" pitchFamily="18" charset="0"/>
             </a:endParaRPr>
           </a:p>
         </p:txBody>
@@ -7469,8 +7779,8 @@
           </a:bodyPr>
           <a:lstStyle/>
           <a:p>
-            <a:r>
-              <a:rPr lang="en-US" dirty="0">
+            <a:r xmlns:a="http://schemas.openxmlformats.org/drawingml/2006/main">
+              <a:rPr lang="en" dirty="0">
                 <a:solidFill>
                   <a:srgbClr val="000000"/>
                 </a:solidFill>
@@ -7478,8 +7788,8 @@
               </a:rPr>
               <a:t>ALL EX </a:t>
             </a:r>
-            <a:r>
-              <a:rPr lang="en-US" dirty="0" smtClean="0">
+            <a:r xmlns:a="http://schemas.openxmlformats.org/drawingml/2006/main">
+              <a:rPr lang="en" dirty="0" smtClean="0">
                 <a:solidFill>
                   <a:srgbClr val="000000"/>
                 </a:solidFill>
@@ -7487,8 +7797,8 @@
               </a:rPr>
               <a:t>SIZE </a:t>
             </a:r>
-            <a:r>
-              <a:rPr lang="en-US" dirty="0">
+            <a:r xmlns:a="http://schemas.openxmlformats.org/drawingml/2006/main">
+              <a:rPr lang="en" dirty="0">
                 <a:solidFill>
                   <a:srgbClr val="000000"/>
                 </a:solidFill>
@@ -7496,35 +7806,35 @@
               </a:rPr>
               <a:t>= </a:t>
             </a:r>
-            <a:r>
-              <a:rPr lang="en-US" dirty="0">
+            <a:r xmlns:a="http://schemas.openxmlformats.org/drawingml/2006/main">
+              <a:rPr lang="en" dirty="0">
                 <a:solidFill>
                   <a:srgbClr val="3165BB"/>
                 </a:solidFill>
                 <a:latin typeface="Consolas" panose="020B0609020204030204" pitchFamily="49" charset="0"/>
               </a:rPr>
-              <a:t>CALCULATE</a:t>
-            </a:r>
-            <a:r>
-              <a:rPr lang="en-US" dirty="0">
+              <a:t>CALCULATE </a:t>
+            </a:r>
+            <a:r xmlns:a="http://schemas.openxmlformats.org/drawingml/2006/main">
+              <a:rPr lang="en" dirty="0">
                 <a:solidFill>
                   <a:srgbClr val="000000"/>
                 </a:solidFill>
                 <a:latin typeface="Consolas" panose="020B0609020204030204" pitchFamily="49" charset="0"/>
               </a:rPr>
-              <a:t>(</a:t>
-            </a:r>
-            <a:r>
-              <a:rPr lang="en-US" dirty="0">
+              <a:t>( </a:t>
+            </a:r>
+            <a:r xmlns:a="http://schemas.openxmlformats.org/drawingml/2006/main">
+              <a:rPr lang="en" dirty="0">
                 <a:solidFill>
                   <a:srgbClr val="3165BB"/>
                 </a:solidFill>
                 <a:latin typeface="Consolas" panose="020B0609020204030204" pitchFamily="49" charset="0"/>
               </a:rPr>
-              <a:t>SUM</a:t>
-            </a:r>
-            <a:r>
-              <a:rPr lang="en-US" dirty="0">
+              <a:t>SUM </a:t>
+            </a:r>
+            <a:r xmlns:a="http://schemas.openxmlformats.org/drawingml/2006/main">
+              <a:rPr lang="en" dirty="0">
                 <a:solidFill>
                   <a:srgbClr val="000000"/>
                 </a:solidFill>
@@ -7532,17 +7842,17 @@
               </a:rPr>
               <a:t>(Sales[Sales]), </a:t>
             </a:r>
-            <a:r>
-              <a:rPr lang="en-US" dirty="0">
+            <a:r xmlns:a="http://schemas.openxmlformats.org/drawingml/2006/main">
+              <a:rPr lang="en" dirty="0">
                 <a:solidFill>
                   <a:srgbClr val="3165BB"/>
                 </a:solidFill>
                 <a:latin typeface="Consolas" panose="020B0609020204030204" pitchFamily="49" charset="0"/>
               </a:rPr>
-              <a:t>ALLEXCEPT</a:t>
-            </a:r>
-            <a:r>
-              <a:rPr lang="en-US" dirty="0">
+              <a:t>ALLEXCEPT </a:t>
+            </a:r>
+            <a:r xmlns:a="http://schemas.openxmlformats.org/drawingml/2006/main">
+              <a:rPr lang="en" dirty="0">
                 <a:solidFill>
                   <a:srgbClr val="000000"/>
                 </a:solidFill>
@@ -7550,7 +7860,7 @@
               </a:rPr>
               <a:t>(Products, Products[Size]))</a:t>
             </a:r>
-            <a:endParaRPr lang="en-US" b="0" dirty="0">
+            <a:endParaRPr xmlns:a="http://schemas.openxmlformats.org/drawingml/2006/main" lang="en-US" b="0" dirty="0">
               <a:solidFill>
                 <a:srgbClr val="000000"/>
               </a:solidFill>
@@ -7584,6 +7894,318 @@
           </a:prstGeom>
         </p:spPr>
       </p:pic>
+      <p:sp>
+        <p:nvSpPr>
+          <p:cNvPr id="4" name="Rectangle 1"/>
+          <p:cNvSpPr>
+            <a:spLocks noChangeArrowheads="1"/>
+          </p:cNvSpPr>
+          <p:nvPr/>
+        </p:nvSpPr>
+        <p:spPr bwMode="auto">
+          <a:xfrm>
+            <a:off x="343760" y="770831"/>
+            <a:ext cx="9455024" cy="400110"/>
+          </a:xfrm>
+          <a:prstGeom prst="rect">
+            <a:avLst/>
+          </a:prstGeom>
+          <a:noFill/>
+          <a:ln>
+            <a:noFill/>
+          </a:ln>
+          <a:effectLst/>
+          <a:extLst>
+            <a:ext uri="{909E8E84-426E-40DD-AFC4-6F175D3DCCD1}">
+              <a14:hiddenFill xmlns:a14="http://schemas.microsoft.com/office/drawing/2010/main">
+                <a:solidFill>
+                  <a:schemeClr val="accent1"/>
+                </a:solidFill>
+              </a14:hiddenFill>
+            </a:ext>
+            <a:ext uri="{91240B29-F687-4F45-9708-019B960494DF}">
+              <a14:hiddenLine xmlns:a14="http://schemas.microsoft.com/office/drawing/2010/main" w="9525">
+                <a:solidFill>
+                  <a:schemeClr val="tx1"/>
+                </a:solidFill>
+                <a:miter lim="800000"/>
+                <a:headEnd/>
+                <a:tailEnd/>
+              </a14:hiddenLine>
+            </a:ext>
+            <a:ext uri="{AF507438-7753-43E0-B8FC-AC1667EBCBE1}">
+              <a14:hiddenEffects xmlns:a14="http://schemas.microsoft.com/office/drawing/2010/main">
+                <a:effectLst>
+                  <a:outerShdw dist="35921" dir="2700000" algn="ctr" rotWithShape="0">
+                    <a:schemeClr val="bg2"/>
+                  </a:outerShdw>
+                </a:effectLst>
+              </a14:hiddenEffects>
+            </a:ext>
+          </a:extLst>
+        </p:spPr>
+        <p:txBody>
+          <a:bodyPr vert="horz" wrap="none" lIns="91440" tIns="45720" rIns="91440" bIns="45720" numCol="1" anchor="ctr" anchorCtr="0" compatLnSpc="1">
+            <a:prstTxWarp prst="textNoShape">
+              <a:avLst/>
+            </a:prstTxWarp>
+            <a:spAutoFit/>
+          </a:bodyPr>
+          <a:lstStyle/>
+          <a:p>
+            <a:pPr xmlns:a="http://schemas.openxmlformats.org/drawingml/2006/main" marL="0" marR="0" lvl="0" indent="0" algn="l" defTabSz="914400" rtl="0" eaLnBrk="0" fontAlgn="base" latinLnBrk="0" hangingPunct="0">
+              <a:lnSpc>
+                <a:spcPct val="100000"/>
+              </a:lnSpc>
+              <a:spcBef>
+                <a:spcPct val="0"/>
+              </a:spcBef>
+              <a:spcAft>
+                <a:spcPct val="0"/>
+              </a:spcAft>
+              <a:buClrTx/>
+              <a:buSzTx/>
+              <a:buFontTx/>
+              <a:buNone/>
+              <a:tabLst/>
+            </a:pPr>
+            <a:r xmlns:a="http://schemas.openxmlformats.org/drawingml/2006/main">
+              <a:rPr kumimoji="0" lang="en" altLang="en-US" sz="2000" b="0" i="0" u="none" strike="noStrike" cap="none" normalizeH="0" baseline="0" dirty="0" err="1" smtClean="0">
+                <a:ln>
+                  <a:noFill/>
+                </a:ln>
+                <a:solidFill>
+                  <a:schemeClr val="tx1"/>
+                </a:solidFill>
+                <a:effectLst/>
+                <a:latin typeface="Arial" panose="020B0604020202020204" pitchFamily="34" charset="0"/>
+              </a:rPr>
+              <a:t>Create</a:t>
+            </a:r>
+            <a:r xmlns:a="http://schemas.openxmlformats.org/drawingml/2006/main">
+              <a:rPr kumimoji="0" lang="en" altLang="en-US" sz="2000" b="0" i="0" u="none" strike="noStrike" cap="none" normalizeH="0" baseline="0" dirty="0" smtClean="0">
+                <a:ln>
+                  <a:noFill/>
+                </a:ln>
+                <a:solidFill>
+                  <a:schemeClr val="tx1"/>
+                </a:solidFill>
+                <a:effectLst/>
+                <a:latin typeface="Arial" panose="020B0604020202020204" pitchFamily="34" charset="0"/>
+              </a:rPr>
+              <a:t> </a:t>
+            </a:r>
+            <a:r xmlns:a="http://schemas.openxmlformats.org/drawingml/2006/main">
+              <a:rPr kumimoji="0" lang="en" altLang="en-US" sz="2000" b="0" i="0" u="none" strike="noStrike" cap="none" normalizeH="0" baseline="0" dirty="0" err="1" smtClean="0">
+                <a:ln>
+                  <a:noFill/>
+                </a:ln>
+                <a:solidFill>
+                  <a:schemeClr val="tx1"/>
+                </a:solidFill>
+                <a:effectLst/>
+                <a:latin typeface="Arial" panose="020B0604020202020204" pitchFamily="34" charset="0"/>
+              </a:rPr>
+              <a:t>a</a:t>
+            </a:r>
+            <a:r xmlns:a="http://schemas.openxmlformats.org/drawingml/2006/main">
+              <a:rPr kumimoji="0" lang="en" altLang="en-US" sz="2000" b="0" i="0" u="none" strike="noStrike" cap="none" normalizeH="0" baseline="0" dirty="0" smtClean="0">
+                <a:ln>
+                  <a:noFill/>
+                </a:ln>
+                <a:solidFill>
+                  <a:schemeClr val="tx1"/>
+                </a:solidFill>
+                <a:effectLst/>
+                <a:latin typeface="Arial" panose="020B0604020202020204" pitchFamily="34" charset="0"/>
+              </a:rPr>
+              <a:t> </a:t>
+            </a:r>
+            <a:r xmlns:a="http://schemas.openxmlformats.org/drawingml/2006/main">
+              <a:rPr kumimoji="0" lang="en" altLang="en-US" sz="2000" b="0" i="0" u="none" strike="noStrike" cap="none" normalizeH="0" baseline="0" dirty="0" err="1" smtClean="0">
+                <a:ln>
+                  <a:noFill/>
+                </a:ln>
+                <a:solidFill>
+                  <a:schemeClr val="tx1"/>
+                </a:solidFill>
+                <a:effectLst/>
+                <a:latin typeface="Arial" panose="020B0604020202020204" pitchFamily="34" charset="0"/>
+              </a:rPr>
+              <a:t>measure</a:t>
+            </a:r>
+            <a:r xmlns:a="http://schemas.openxmlformats.org/drawingml/2006/main">
+              <a:rPr kumimoji="0" lang="en" altLang="en-US" sz="2000" b="0" i="0" u="none" strike="noStrike" cap="none" normalizeH="0" baseline="0" dirty="0" smtClean="0">
+                <a:ln>
+                  <a:noFill/>
+                </a:ln>
+                <a:solidFill>
+                  <a:schemeClr val="tx1"/>
+                </a:solidFill>
+                <a:effectLst/>
+                <a:latin typeface="Arial" panose="020B0604020202020204" pitchFamily="34" charset="0"/>
+              </a:rPr>
+              <a:t> </a:t>
+            </a:r>
+            <a:r xmlns:a="http://schemas.openxmlformats.org/drawingml/2006/main">
+              <a:rPr kumimoji="0" lang="en" altLang="en-US" sz="2000" b="1" i="0" u="none" strike="noStrike" cap="none" normalizeH="0" baseline="0" dirty="0" smtClean="0">
+                <a:ln>
+                  <a:noFill/>
+                </a:ln>
+                <a:solidFill>
+                  <a:schemeClr val="tx1"/>
+                </a:solidFill>
+                <a:effectLst/>
+                <a:latin typeface="Arial" panose="020B0604020202020204" pitchFamily="34" charset="0"/>
+              </a:rPr>
+              <a:t>"ALL EX SIZE" </a:t>
+            </a:r>
+            <a:r xmlns:a="http://schemas.openxmlformats.org/drawingml/2006/main">
+              <a:rPr kumimoji="0" lang="en" altLang="en-US" sz="2000" b="0" i="0" u="none" strike="noStrike" cap="none" normalizeH="0" baseline="0" dirty="0" smtClean="0">
+                <a:ln>
+                  <a:noFill/>
+                </a:ln>
+                <a:solidFill>
+                  <a:schemeClr val="tx1"/>
+                </a:solidFill>
+                <a:effectLst/>
+                <a:latin typeface="Arial" panose="020B0604020202020204" pitchFamily="34" charset="0"/>
+              </a:rPr>
+              <a:t>which </a:t>
+            </a:r>
+            <a:r xmlns:a="http://schemas.openxmlformats.org/drawingml/2006/main">
+              <a:rPr kumimoji="0" lang="en" altLang="en-US" sz="2000" b="0" i="0" u="none" strike="noStrike" cap="none" normalizeH="0" baseline="0" dirty="0" err="1" smtClean="0">
+                <a:ln>
+                  <a:noFill/>
+                </a:ln>
+                <a:solidFill>
+                  <a:schemeClr val="tx1"/>
+                </a:solidFill>
+                <a:effectLst/>
+                <a:latin typeface="Arial" panose="020B0604020202020204" pitchFamily="34" charset="0"/>
+              </a:rPr>
+              <a:t>cancels </a:t>
+            </a:r>
+            <a:r xmlns:a="http://schemas.openxmlformats.org/drawingml/2006/main">
+              <a:rPr kumimoji="0" lang="en" altLang="en-US" sz="2000" b="0" i="0" u="none" strike="noStrike" cap="none" normalizeH="0" baseline="0" dirty="0" smtClean="0">
+                <a:ln>
+                  <a:noFill/>
+                </a:ln>
+                <a:solidFill>
+                  <a:schemeClr val="tx1"/>
+                </a:solidFill>
+                <a:effectLst/>
+                <a:latin typeface="Arial" panose="020B0604020202020204" pitchFamily="34" charset="0"/>
+              </a:rPr>
+              <a:t>the </a:t>
+            </a:r>
+            <a:r xmlns:a="http://schemas.openxmlformats.org/drawingml/2006/main">
+              <a:rPr kumimoji="0" lang="en" altLang="en-US" sz="2000" b="0" i="0" u="none" strike="noStrike" cap="none" normalizeH="0" baseline="0" dirty="0" err="1" smtClean="0">
+                <a:ln>
+                  <a:noFill/>
+                </a:ln>
+                <a:solidFill>
+                  <a:schemeClr val="tx1"/>
+                </a:solidFill>
+                <a:effectLst/>
+                <a:latin typeface="Arial" panose="020B0604020202020204" pitchFamily="34" charset="0"/>
+              </a:rPr>
+              <a:t>filter</a:t>
+            </a:r>
+            <a:r xmlns:a="http://schemas.openxmlformats.org/drawingml/2006/main">
+              <a:rPr kumimoji="0" lang="en" altLang="en-US" sz="2000" b="0" i="0" u="none" strike="noStrike" cap="none" normalizeH="0" baseline="0" dirty="0" smtClean="0">
+                <a:ln>
+                  <a:noFill/>
+                </a:ln>
+                <a:solidFill>
+                  <a:schemeClr val="tx1"/>
+                </a:solidFill>
+                <a:effectLst/>
+                <a:latin typeface="Arial" panose="020B0604020202020204" pitchFamily="34" charset="0"/>
+              </a:rPr>
+              <a:t> </a:t>
+            </a:r>
+            <a:r xmlns:a="http://schemas.openxmlformats.org/drawingml/2006/main">
+              <a:rPr kumimoji="0" lang="en" altLang="en-US" sz="2000" b="0" i="0" u="none" strike="noStrike" cap="none" normalizeH="0" baseline="0" dirty="0" err="1" smtClean="0">
+                <a:ln>
+                  <a:noFill/>
+                </a:ln>
+                <a:solidFill>
+                  <a:schemeClr val="tx1"/>
+                </a:solidFill>
+                <a:effectLst/>
+                <a:latin typeface="Arial" panose="020B0604020202020204" pitchFamily="34" charset="0"/>
+              </a:rPr>
+              <a:t>except </a:t>
+            </a:r>
+            <a:r xmlns:a="http://schemas.openxmlformats.org/drawingml/2006/main">
+              <a:rPr kumimoji="0" lang="en" altLang="en-US" sz="2000" b="0" i="0" u="none" strike="noStrike" cap="none" normalizeH="0" baseline="0" dirty="0" smtClean="0">
+                <a:ln>
+                  <a:noFill/>
+                </a:ln>
+                <a:solidFill>
+                  <a:schemeClr val="tx1"/>
+                </a:solidFill>
+                <a:effectLst/>
+                <a:latin typeface="Arial" panose="020B0604020202020204" pitchFamily="34" charset="0"/>
+              </a:rPr>
+              <a:t>for </a:t>
+            </a:r>
+            <a:r xmlns:a="http://schemas.openxmlformats.org/drawingml/2006/main">
+              <a:rPr kumimoji="0" lang="en" altLang="en-US" sz="2000" b="0" i="0" u="none" strike="noStrike" cap="none" normalizeH="0" baseline="0" dirty="0" smtClean="0">
+                <a:ln>
+                  <a:noFill/>
+                </a:ln>
+                <a:solidFill>
+                  <a:schemeClr val="tx1"/>
+                </a:solidFill>
+                <a:effectLst/>
+                <a:latin typeface="Arial" panose="020B0604020202020204" pitchFamily="34" charset="0"/>
+              </a:rPr>
+              <a:t>the </a:t>
+            </a:r>
+            <a:r xmlns:a="http://schemas.openxmlformats.org/drawingml/2006/main">
+              <a:rPr kumimoji="0" lang="en" altLang="en-US" sz="2000" b="0" i="0" u="none" strike="noStrike" cap="none" normalizeH="0" baseline="0" dirty="0" smtClean="0">
+                <a:ln>
+                  <a:noFill/>
+                </a:ln>
+                <a:solidFill>
+                  <a:schemeClr val="tx1"/>
+                </a:solidFill>
+                <a:effectLst/>
+                <a:latin typeface="Arial" panose="020B0604020202020204" pitchFamily="34" charset="0"/>
+              </a:rPr>
+              <a:t>size </a:t>
+            </a:r>
+            <a:r xmlns:a="http://schemas.openxmlformats.org/drawingml/2006/main">
+              <a:rPr kumimoji="0" lang="en" altLang="en-US" sz="2000" b="0" i="0" u="none" strike="noStrike" cap="none" normalizeH="0" baseline="0" dirty="0" err="1" smtClean="0">
+                <a:ln>
+                  <a:noFill/>
+                </a:ln>
+                <a:solidFill>
+                  <a:schemeClr val="tx1"/>
+                </a:solidFill>
+                <a:effectLst/>
+                <a:latin typeface="Arial" panose="020B0604020202020204" pitchFamily="34" charset="0"/>
+              </a:rPr>
+              <a:t>criterion </a:t>
+            </a:r>
+            <a:r xmlns:a="http://schemas.openxmlformats.org/drawingml/2006/main">
+              <a:rPr kumimoji="0" lang="en" altLang="en-US" sz="2000" b="0" i="0" u="none" strike="noStrike" cap="none" normalizeH="0" baseline="0" dirty="0" err="1" smtClean="0">
+                <a:ln>
+                  <a:noFill/>
+                </a:ln>
+                <a:solidFill>
+                  <a:schemeClr val="tx1"/>
+                </a:solidFill>
+                <a:effectLst/>
+                <a:latin typeface="Arial" panose="020B0604020202020204" pitchFamily="34" charset="0"/>
+              </a:rPr>
+              <a:t>.</a:t>
+            </a:r>
+          </a:p>
+        </p:txBody>
+      </p:sp>
     </p:spTree>
     <p:extLst>
       <p:ext uri="{BB962C8B-B14F-4D97-AF65-F5344CB8AC3E}">
@@ -7623,7 +8245,7 @@
         <p:spPr>
           <a:xfrm>
             <a:off x="254383" y="240631"/>
-            <a:ext cx="5374805" cy="461665"/>
+            <a:ext cx="4842608" cy="461665"/>
           </a:xfrm>
           <a:prstGeom prst="rect">
             <a:avLst/>
@@ -7636,87 +8258,16 @@
           </a:bodyPr>
           <a:lstStyle/>
           <a:p>
-            <a:r>
-              <a:rPr lang="fr-FR" sz="2400" dirty="0" smtClean="0">
+            <a:r xmlns:a="http://schemas.openxmlformats.org/drawingml/2006/main">
+              <a:rPr lang="en" sz="2400" dirty="0" smtClean="0">
                 <a:latin typeface="Segoe UI" panose="020B0502040204020203" pitchFamily="34" charset="0"/>
                 <a:cs typeface="Segoe UI" panose="020B0502040204020203" pitchFamily="34" charset="0"/>
               </a:rPr>
-              <a:t>ALL and ALLEXPECT and ALLSELECTED</a:t>
-            </a:r>
-            <a:endParaRPr lang="en-US" sz="2400" dirty="0">
+              <a:t>ALL &amp; ALLEXPECT &amp; ALLSELECTED</a:t>
+            </a:r>
+            <a:endParaRPr xmlns:a="http://schemas.openxmlformats.org/drawingml/2006/main" lang="en-US" sz="2400" dirty="0">
               <a:latin typeface="Segoe UI" panose="020B0502040204020203" pitchFamily="34" charset="0"/>
               <a:cs typeface="Segoe UI" panose="020B0502040204020203" pitchFamily="34" charset="0"/>
-            </a:endParaRPr>
-          </a:p>
-        </p:txBody>
-      </p:sp>
-      <p:sp>
-        <p:nvSpPr>
-          <p:cNvPr id="4" name="Rectangle 3"/>
-          <p:cNvSpPr/>
-          <p:nvPr/>
-        </p:nvSpPr>
-        <p:spPr>
-          <a:xfrm>
-            <a:off x="260812" y="800106"/>
-            <a:ext cx="10736752" cy="685059"/>
-          </a:xfrm>
-          <a:prstGeom prst="rect">
-            <a:avLst/>
-          </a:prstGeom>
-        </p:spPr>
-        <p:txBody>
-          <a:bodyPr wrap="square">
-            <a:spAutoFit/>
-          </a:bodyPr>
-          <a:lstStyle/>
-          <a:p>
-            <a:pPr lvl="0">
-              <a:lnSpc>
-                <a:spcPct val="107000"/>
-              </a:lnSpc>
-              <a:spcAft>
-                <a:spcPts val="800"/>
-              </a:spcAft>
-            </a:pPr>
-            <a:r>
-              <a:rPr lang="en-US" dirty="0" smtClean="0">
-                <a:latin typeface="Segoe UI" panose="020B0502040204020203" pitchFamily="34" charset="0"/>
-                <a:ea typeface="Calibri" panose="020F0502020204030204" pitchFamily="34" charset="0"/>
-                <a:cs typeface="Times New Roman" panose="02020603050405020304" pitchFamily="18" charset="0"/>
-              </a:rPr>
-              <a:t>Add the measure to the visualization instead of </a:t>
-            </a:r>
-            <a:r>
-              <a:rPr lang="en-US" b="1" dirty="0">
-                <a:solidFill>
-                  <a:srgbClr val="000000"/>
-                </a:solidFill>
-                <a:latin typeface="Consolas" panose="020B0609020204030204" pitchFamily="49" charset="0"/>
-              </a:rPr>
-              <a:t>ALL SELECT</a:t>
-            </a:r>
-            <a:r>
-              <a:rPr lang="en-US" b="1" dirty="0" smtClean="0">
-                <a:latin typeface="Segoe UI" panose="020B0502040204020203" pitchFamily="34" charset="0"/>
-                <a:ea typeface="Calibri" panose="020F0502020204030204" pitchFamily="34" charset="0"/>
-                <a:cs typeface="Times New Roman" panose="02020603050405020304" pitchFamily="18" charset="0"/>
-              </a:rPr>
-              <a:t> </a:t>
-            </a:r>
-            <a:r>
-              <a:rPr lang="en-US" dirty="0" smtClean="0">
-                <a:latin typeface="Segoe UI" panose="020B0502040204020203" pitchFamily="34" charset="0"/>
-                <a:ea typeface="Calibri" panose="020F0502020204030204" pitchFamily="34" charset="0"/>
-                <a:cs typeface="Times New Roman" panose="02020603050405020304" pitchFamily="18" charset="0"/>
-              </a:rPr>
-              <a:t>and note that it cancels the filter on sum operations except on the size criterion</a:t>
-            </a:r>
-            <a:endParaRPr lang="en-US" sz="1400" dirty="0">
-              <a:effectLst/>
-              <a:latin typeface="Calibri" panose="020F0502020204030204" pitchFamily="34" charset="0"/>
-              <a:ea typeface="Calibri" panose="020F0502020204030204" pitchFamily="34" charset="0"/>
-              <a:cs typeface="Times New Roman" panose="02020603050405020304" pitchFamily="18" charset="0"/>
             </a:endParaRPr>
           </a:p>
         </p:txBody>
@@ -7742,8 +8293,8 @@
           </a:bodyPr>
           <a:lstStyle/>
           <a:p>
-            <a:r>
-              <a:rPr lang="en-US" dirty="0">
+            <a:r xmlns:a="http://schemas.openxmlformats.org/drawingml/2006/main">
+              <a:rPr lang="en" dirty="0">
                 <a:solidFill>
                   <a:srgbClr val="000000"/>
                 </a:solidFill>
@@ -7751,35 +8302,35 @@
               </a:rPr>
               <a:t>ALL SELECT = </a:t>
             </a:r>
-            <a:r>
-              <a:rPr lang="en-US" dirty="0">
+            <a:r xmlns:a="http://schemas.openxmlformats.org/drawingml/2006/main">
+              <a:rPr lang="en" dirty="0">
                 <a:solidFill>
                   <a:srgbClr val="3165BB"/>
                 </a:solidFill>
                 <a:latin typeface="Consolas" panose="020B0609020204030204" pitchFamily="49" charset="0"/>
               </a:rPr>
-              <a:t>CALCULATE</a:t>
-            </a:r>
-            <a:r>
-              <a:rPr lang="en-US" dirty="0">
+              <a:t>CALCULATE </a:t>
+            </a:r>
+            <a:r xmlns:a="http://schemas.openxmlformats.org/drawingml/2006/main">
+              <a:rPr lang="en" dirty="0">
                 <a:solidFill>
                   <a:srgbClr val="000000"/>
                 </a:solidFill>
                 <a:latin typeface="Consolas" panose="020B0609020204030204" pitchFamily="49" charset="0"/>
               </a:rPr>
-              <a:t>(</a:t>
-            </a:r>
-            <a:r>
-              <a:rPr lang="en-US" dirty="0">
+              <a:t>( </a:t>
+            </a:r>
+            <a:r xmlns:a="http://schemas.openxmlformats.org/drawingml/2006/main">
+              <a:rPr lang="en" dirty="0">
                 <a:solidFill>
                   <a:srgbClr val="3165BB"/>
                 </a:solidFill>
                 <a:latin typeface="Consolas" panose="020B0609020204030204" pitchFamily="49" charset="0"/>
               </a:rPr>
-              <a:t>SUM</a:t>
-            </a:r>
-            <a:r>
-              <a:rPr lang="en-US" dirty="0">
+              <a:t>SUM </a:t>
+            </a:r>
+            <a:r xmlns:a="http://schemas.openxmlformats.org/drawingml/2006/main">
+              <a:rPr lang="en" dirty="0">
                 <a:solidFill>
                   <a:srgbClr val="000000"/>
                 </a:solidFill>
@@ -7787,17 +8338,17 @@
               </a:rPr>
               <a:t>(Sales[Sales]), </a:t>
             </a:r>
-            <a:r>
-              <a:rPr lang="en-US" dirty="0">
+            <a:r xmlns:a="http://schemas.openxmlformats.org/drawingml/2006/main">
+              <a:rPr lang="en" dirty="0">
                 <a:solidFill>
                   <a:srgbClr val="3165BB"/>
                 </a:solidFill>
                 <a:latin typeface="Consolas" panose="020B0609020204030204" pitchFamily="49" charset="0"/>
               </a:rPr>
-              <a:t>ALLSELECTED</a:t>
-            </a:r>
-            <a:r>
-              <a:rPr lang="en-US" dirty="0">
+              <a:t>ALLSELECTED </a:t>
+            </a:r>
+            <a:r xmlns:a="http://schemas.openxmlformats.org/drawingml/2006/main">
+              <a:rPr lang="en" dirty="0">
                 <a:solidFill>
                   <a:srgbClr val="000000"/>
                 </a:solidFill>
@@ -7805,7 +8356,7 @@
               </a:rPr>
               <a:t>(Products))</a:t>
             </a:r>
-            <a:endParaRPr lang="en-US" b="0" dirty="0">
+            <a:endParaRPr xmlns:a="http://schemas.openxmlformats.org/drawingml/2006/main" lang="en-US" b="0" dirty="0">
               <a:solidFill>
                 <a:srgbClr val="000000"/>
               </a:solidFill>
@@ -7839,6 +8390,453 @@
           </a:prstGeom>
         </p:spPr>
       </p:pic>
+      <p:sp>
+        <p:nvSpPr>
+          <p:cNvPr id="3" name="Rectangle 1"/>
+          <p:cNvSpPr>
+            <a:spLocks noChangeArrowheads="1"/>
+          </p:cNvSpPr>
+          <p:nvPr/>
+        </p:nvSpPr>
+        <p:spPr bwMode="auto">
+          <a:xfrm>
+            <a:off x="254383" y="671519"/>
+            <a:ext cx="11561370" cy="707886"/>
+          </a:xfrm>
+          <a:prstGeom prst="rect">
+            <a:avLst/>
+          </a:prstGeom>
+          <a:noFill/>
+          <a:ln>
+            <a:noFill/>
+          </a:ln>
+          <a:effectLst/>
+          <a:extLst>
+            <a:ext uri="{909E8E84-426E-40DD-AFC4-6F175D3DCCD1}">
+              <a14:hiddenFill xmlns:a14="http://schemas.microsoft.com/office/drawing/2010/main">
+                <a:solidFill>
+                  <a:schemeClr val="accent1"/>
+                </a:solidFill>
+              </a14:hiddenFill>
+            </a:ext>
+            <a:ext uri="{91240B29-F687-4F45-9708-019B960494DF}">
+              <a14:hiddenLine xmlns:a14="http://schemas.microsoft.com/office/drawing/2010/main" w="9525">
+                <a:solidFill>
+                  <a:schemeClr val="tx1"/>
+                </a:solidFill>
+                <a:miter lim="800000"/>
+                <a:headEnd/>
+                <a:tailEnd/>
+              </a14:hiddenLine>
+            </a:ext>
+            <a:ext uri="{AF507438-7753-43E0-B8FC-AC1667EBCBE1}">
+              <a14:hiddenEffects xmlns:a14="http://schemas.microsoft.com/office/drawing/2010/main">
+                <a:effectLst>
+                  <a:outerShdw dist="35921" dir="2700000" algn="ctr" rotWithShape="0">
+                    <a:schemeClr val="bg2"/>
+                  </a:outerShdw>
+                </a:effectLst>
+              </a14:hiddenEffects>
+            </a:ext>
+          </a:extLst>
+        </p:spPr>
+        <p:txBody>
+          <a:bodyPr vert="horz" wrap="none" lIns="91440" tIns="45720" rIns="91440" bIns="45720" numCol="1" anchor="ctr" anchorCtr="0" compatLnSpc="1">
+            <a:prstTxWarp prst="textNoShape">
+              <a:avLst/>
+            </a:prstTxWarp>
+            <a:spAutoFit/>
+          </a:bodyPr>
+          <a:lstStyle/>
+          <a:p>
+            <a:pPr xmlns:a="http://schemas.openxmlformats.org/drawingml/2006/main" marL="0" marR="0" lvl="0" indent="0" algn="l" defTabSz="914400" rtl="0" eaLnBrk="0" fontAlgn="base" latinLnBrk="0" hangingPunct="0">
+              <a:lnSpc>
+                <a:spcPct val="100000"/>
+              </a:lnSpc>
+              <a:spcBef>
+                <a:spcPct val="0"/>
+              </a:spcBef>
+              <a:spcAft>
+                <a:spcPct val="0"/>
+              </a:spcAft>
+              <a:buClrTx/>
+              <a:buSzTx/>
+              <a:buFontTx/>
+              <a:buNone/>
+              <a:tabLst/>
+            </a:pPr>
+            <a:r xmlns:a="http://schemas.openxmlformats.org/drawingml/2006/main">
+              <a:rPr kumimoji="0" lang="en" altLang="en-US" sz="2000" b="0" i="0" u="none" strike="noStrike" cap="none" normalizeH="0" baseline="0" dirty="0" err="1" smtClean="0">
+                <a:ln>
+                  <a:noFill/>
+                </a:ln>
+                <a:solidFill>
+                  <a:schemeClr val="tx1"/>
+                </a:solidFill>
+                <a:effectLst/>
+                <a:latin typeface="Arial" panose="020B0604020202020204" pitchFamily="34" charset="0"/>
+              </a:rPr>
+              <a:t>Add </a:t>
+            </a:r>
+            <a:r xmlns:a="http://schemas.openxmlformats.org/drawingml/2006/main">
+              <a:rPr kumimoji="0" lang="en" altLang="en-US" sz="2000" b="0" i="0" u="none" strike="noStrike" cap="none" normalizeH="0" baseline="0" dirty="0" smtClean="0">
+                <a:ln>
+                  <a:noFill/>
+                </a:ln>
+                <a:solidFill>
+                  <a:schemeClr val="tx1"/>
+                </a:solidFill>
+                <a:effectLst/>
+                <a:latin typeface="Arial" panose="020B0604020202020204" pitchFamily="34" charset="0"/>
+              </a:rPr>
+              <a:t>the </a:t>
+            </a:r>
+            <a:r xmlns:a="http://schemas.openxmlformats.org/drawingml/2006/main">
+              <a:rPr kumimoji="0" lang="en" altLang="en-US" sz="2000" b="0" i="0" u="none" strike="noStrike" cap="none" normalizeH="0" baseline="0" dirty="0" err="1" smtClean="0">
+                <a:ln>
+                  <a:noFill/>
+                </a:ln>
+                <a:solidFill>
+                  <a:schemeClr val="tx1"/>
+                </a:solidFill>
+                <a:effectLst/>
+                <a:latin typeface="Arial" panose="020B0604020202020204" pitchFamily="34" charset="0"/>
+              </a:rPr>
+              <a:t>measure </a:t>
+            </a:r>
+            <a:r xmlns:a="http://schemas.openxmlformats.org/drawingml/2006/main">
+              <a:rPr kumimoji="0" lang="en" altLang="en-US" sz="2000" b="0" i="0" u="none" strike="noStrike" cap="none" normalizeH="0" baseline="0" dirty="0" smtClean="0">
+                <a:ln>
+                  <a:noFill/>
+                </a:ln>
+                <a:solidFill>
+                  <a:schemeClr val="tx1"/>
+                </a:solidFill>
+                <a:effectLst/>
+                <a:latin typeface="Arial" panose="020B0604020202020204" pitchFamily="34" charset="0"/>
+              </a:rPr>
+              <a:t>to the </a:t>
+            </a:r>
+            <a:r xmlns:a="http://schemas.openxmlformats.org/drawingml/2006/main">
+              <a:rPr kumimoji="0" lang="en" altLang="en-US" sz="2000" b="0" i="0" u="none" strike="noStrike" cap="none" normalizeH="0" baseline="0" dirty="0" err="1" smtClean="0">
+                <a:ln>
+                  <a:noFill/>
+                </a:ln>
+                <a:solidFill>
+                  <a:schemeClr val="tx1"/>
+                </a:solidFill>
+                <a:effectLst/>
+                <a:latin typeface="Arial" panose="020B0604020202020204" pitchFamily="34" charset="0"/>
+              </a:rPr>
+              <a:t>visualization </a:t>
+            </a:r>
+            <a:r xmlns:a="http://schemas.openxmlformats.org/drawingml/2006/main">
+              <a:rPr kumimoji="0" lang="en" altLang="en-US" sz="2000" b="0" i="0" u="none" strike="noStrike" cap="none" normalizeH="0" baseline="0" dirty="0" smtClean="0">
+                <a:ln>
+                  <a:noFill/>
+                </a:ln>
+                <a:solidFill>
+                  <a:schemeClr val="tx1"/>
+                </a:solidFill>
+                <a:effectLst/>
+                <a:latin typeface="Arial" panose="020B0604020202020204" pitchFamily="34" charset="0"/>
+              </a:rPr>
+              <a:t>instead of </a:t>
+            </a:r>
+            <a:r xmlns:a="http://schemas.openxmlformats.org/drawingml/2006/main">
+              <a:rPr kumimoji="0" lang="en" altLang="en-US" sz="2000" b="1" i="0" u="none" strike="noStrike" cap="none" normalizeH="0" baseline="0" dirty="0" smtClean="0">
+                <a:ln>
+                  <a:noFill/>
+                </a:ln>
+                <a:solidFill>
+                  <a:schemeClr val="tx1"/>
+                </a:solidFill>
+                <a:effectLst/>
+                <a:latin typeface="Arial" panose="020B0604020202020204" pitchFamily="34" charset="0"/>
+              </a:rPr>
+              <a:t>"ALL SELECT" </a:t>
+            </a:r>
+            <a:r xmlns:a="http://schemas.openxmlformats.org/drawingml/2006/main">
+              <a:rPr kumimoji="0" lang="en" altLang="en-US" sz="2000" b="0" i="0" u="none" strike="noStrike" cap="none" normalizeH="0" baseline="0" dirty="0" smtClean="0">
+                <a:ln>
+                  <a:noFill/>
+                </a:ln>
+                <a:solidFill>
+                  <a:schemeClr val="tx1"/>
+                </a:solidFill>
+                <a:effectLst/>
+                <a:latin typeface="Arial" panose="020B0604020202020204" pitchFamily="34" charset="0"/>
+              </a:rPr>
+              <a:t>and </a:t>
+            </a:r>
+            <a:r xmlns:a="http://schemas.openxmlformats.org/drawingml/2006/main">
+              <a:rPr kumimoji="0" lang="en" altLang="en-US" sz="2000" b="0" i="0" u="none" strike="noStrike" cap="none" normalizeH="0" baseline="0" dirty="0" err="1" smtClean="0">
+                <a:ln>
+                  <a:noFill/>
+                </a:ln>
+                <a:solidFill>
+                  <a:schemeClr val="tx1"/>
+                </a:solidFill>
+                <a:effectLst/>
+                <a:latin typeface="Arial" panose="020B0604020202020204" pitchFamily="34" charset="0"/>
+              </a:rPr>
+              <a:t>note</a:t>
+            </a:r>
+            <a:r xmlns:a="http://schemas.openxmlformats.org/drawingml/2006/main">
+              <a:rPr kumimoji="0" lang="en" altLang="en-US" sz="2000" b="0" i="0" u="none" strike="noStrike" cap="none" normalizeH="0" baseline="0" dirty="0" smtClean="0">
+                <a:ln>
+                  <a:noFill/>
+                </a:ln>
+                <a:solidFill>
+                  <a:schemeClr val="tx1"/>
+                </a:solidFill>
+                <a:effectLst/>
+                <a:latin typeface="Arial" panose="020B0604020202020204" pitchFamily="34" charset="0"/>
+              </a:rPr>
+              <a:t> </a:t>
+            </a:r>
+            <a:r xmlns:a="http://schemas.openxmlformats.org/drawingml/2006/main">
+              <a:rPr kumimoji="0" lang="en" altLang="en-US" sz="2000" b="0" i="0" u="none" strike="noStrike" cap="none" normalizeH="0" baseline="0" dirty="0" err="1" smtClean="0">
+                <a:ln>
+                  <a:noFill/>
+                </a:ln>
+                <a:solidFill>
+                  <a:schemeClr val="tx1"/>
+                </a:solidFill>
+                <a:effectLst/>
+                <a:latin typeface="Arial" panose="020B0604020202020204" pitchFamily="34" charset="0"/>
+              </a:rPr>
+              <a:t>what</a:t>
+            </a:r>
+            <a:r xmlns:a="http://schemas.openxmlformats.org/drawingml/2006/main">
+              <a:rPr kumimoji="0" lang="en" altLang="en-US" sz="2000" b="0" i="0" u="none" strike="noStrike" cap="none" normalizeH="0" baseline="0" dirty="0" smtClean="0">
+                <a:ln>
+                  <a:noFill/>
+                </a:ln>
+                <a:solidFill>
+                  <a:schemeClr val="tx1"/>
+                </a:solidFill>
+                <a:effectLst/>
+                <a:latin typeface="Arial" panose="020B0604020202020204" pitchFamily="34" charset="0"/>
+              </a:rPr>
+              <a:t> </a:t>
+            </a:r>
+            <a:r xmlns:a="http://schemas.openxmlformats.org/drawingml/2006/main">
+              <a:rPr kumimoji="0" lang="en" altLang="en-US" sz="2000" b="0" i="0" u="none" strike="noStrike" cap="none" normalizeH="0" baseline="0" dirty="0" err="1" smtClean="0">
+                <a:ln>
+                  <a:noFill/>
+                </a:ln>
+                <a:solidFill>
+                  <a:schemeClr val="tx1"/>
+                </a:solidFill>
+                <a:effectLst/>
+                <a:latin typeface="Arial" panose="020B0604020202020204" pitchFamily="34" charset="0"/>
+              </a:rPr>
+              <a:t>cancels </a:t>
+            </a:r>
+            <a:r xmlns:a="http://schemas.openxmlformats.org/drawingml/2006/main">
+              <a:rPr kumimoji="0" lang="en" altLang="en-US" sz="2000" b="0" i="0" u="none" strike="noStrike" cap="none" normalizeH="0" baseline="0" dirty="0" smtClean="0">
+                <a:ln>
+                  <a:noFill/>
+                </a:ln>
+                <a:solidFill>
+                  <a:schemeClr val="tx1"/>
+                </a:solidFill>
+                <a:effectLst/>
+                <a:latin typeface="Arial" panose="020B0604020202020204" pitchFamily="34" charset="0"/>
+              </a:rPr>
+              <a:t>the </a:t>
+            </a:r>
+            <a:r xmlns:a="http://schemas.openxmlformats.org/drawingml/2006/main">
+              <a:rPr kumimoji="0" lang="en" altLang="en-US" sz="2000" b="0" i="0" u="none" strike="noStrike" cap="none" normalizeH="0" baseline="0" dirty="0" err="1" smtClean="0">
+                <a:ln>
+                  <a:noFill/>
+                </a:ln>
+                <a:solidFill>
+                  <a:schemeClr val="tx1"/>
+                </a:solidFill>
+                <a:effectLst/>
+                <a:latin typeface="Arial" panose="020B0604020202020204" pitchFamily="34" charset="0"/>
+              </a:rPr>
+              <a:t>filter </a:t>
+            </a:r>
+            <a:r xmlns:a="http://schemas.openxmlformats.org/drawingml/2006/main">
+              <a:rPr kumimoji="0" lang="en" altLang="en-US" sz="2000" b="0" i="0" u="none" strike="noStrike" cap="none" normalizeH="0" baseline="0" dirty="0" smtClean="0">
+                <a:ln>
+                  <a:noFill/>
+                </a:ln>
+                <a:solidFill>
+                  <a:schemeClr val="tx1"/>
+                </a:solidFill>
+                <a:effectLst/>
+                <a:latin typeface="Arial" panose="020B0604020202020204" pitchFamily="34" charset="0"/>
+              </a:rPr>
+              <a:t>on</a:t>
+            </a:r>
+          </a:p>
+          <a:p>
+            <a:pPr xmlns:a="http://schemas.openxmlformats.org/drawingml/2006/main" marL="0" marR="0" lvl="0" indent="0" algn="l" defTabSz="914400" rtl="0" eaLnBrk="0" fontAlgn="base" latinLnBrk="0" hangingPunct="0">
+              <a:lnSpc>
+                <a:spcPct val="100000"/>
+              </a:lnSpc>
+              <a:spcBef>
+                <a:spcPct val="0"/>
+              </a:spcBef>
+              <a:spcAft>
+                <a:spcPct val="0"/>
+              </a:spcAft>
+              <a:buClrTx/>
+              <a:buSzTx/>
+              <a:buFontTx/>
+              <a:buNone/>
+              <a:tabLst/>
+            </a:pPr>
+            <a:r xmlns:a="http://schemas.openxmlformats.org/drawingml/2006/main">
+              <a:rPr kumimoji="0" lang="en" altLang="en-US" sz="2000" b="0" i="0" u="none" strike="noStrike" cap="none" normalizeH="0" baseline="0" dirty="0" smtClean="0">
+                <a:ln>
+                  <a:noFill/>
+                </a:ln>
+                <a:solidFill>
+                  <a:schemeClr val="tx1"/>
+                </a:solidFill>
+                <a:effectLst/>
+                <a:latin typeface="Arial" panose="020B0604020202020204" pitchFamily="34" charset="0"/>
+              </a:rPr>
+              <a:t>sum </a:t>
+            </a:r>
+            <a:r xmlns:a="http://schemas.openxmlformats.org/drawingml/2006/main">
+              <a:rPr kumimoji="0" lang="en" altLang="en-US" sz="2000" b="0" i="0" u="none" strike="noStrike" cap="none" normalizeH="0" baseline="0" dirty="0" smtClean="0">
+                <a:ln>
+                  <a:noFill/>
+                </a:ln>
+                <a:solidFill>
+                  <a:schemeClr val="tx1"/>
+                </a:solidFill>
+                <a:effectLst/>
+                <a:latin typeface="Arial" panose="020B0604020202020204" pitchFamily="34" charset="0"/>
+              </a:rPr>
+              <a:t>operations </a:t>
+            </a:r>
+            <a:r xmlns:a="http://schemas.openxmlformats.org/drawingml/2006/main">
+              <a:rPr kumimoji="0" lang="en" altLang="en-US" sz="2000" b="0" i="0" u="none" strike="noStrike" cap="none" normalizeH="0" baseline="0" dirty="0" smtClean="0">
+                <a:ln>
+                  <a:noFill/>
+                </a:ln>
+                <a:solidFill>
+                  <a:schemeClr val="tx1"/>
+                </a:solidFill>
+                <a:effectLst/>
+                <a:latin typeface="Arial" panose="020B0604020202020204" pitchFamily="34" charset="0"/>
+              </a:rPr>
+              <a:t>, </a:t>
+            </a:r>
+            <a:r xmlns:a="http://schemas.openxmlformats.org/drawingml/2006/main">
+              <a:rPr kumimoji="0" lang="en" altLang="en-US" sz="2000" b="0" i="0" u="none" strike="noStrike" cap="none" normalizeH="0" baseline="0" dirty="0" err="1" smtClean="0">
+                <a:ln>
+                  <a:noFill/>
+                </a:ln>
+                <a:solidFill>
+                  <a:schemeClr val="tx1"/>
+                </a:solidFill>
+                <a:effectLst/>
+                <a:latin typeface="Arial" panose="020B0604020202020204" pitchFamily="34" charset="0"/>
+              </a:rPr>
+              <a:t>except </a:t>
+            </a:r>
+            <a:r xmlns:a="http://schemas.openxmlformats.org/drawingml/2006/main">
+              <a:rPr kumimoji="0" lang="en" altLang="en-US" sz="2000" b="0" i="0" u="none" strike="noStrike" cap="none" normalizeH="0" baseline="0" dirty="0" smtClean="0">
+                <a:ln>
+                  <a:noFill/>
+                </a:ln>
+                <a:solidFill>
+                  <a:schemeClr val="tx1"/>
+                </a:solidFill>
+                <a:effectLst/>
+                <a:latin typeface="Arial" panose="020B0604020202020204" pitchFamily="34" charset="0"/>
+              </a:rPr>
+              <a:t>for </a:t>
+            </a:r>
+            <a:r xmlns:a="http://schemas.openxmlformats.org/drawingml/2006/main">
+              <a:rPr kumimoji="0" lang="en" altLang="en-US" sz="2000" b="0" i="0" u="none" strike="noStrike" cap="none" normalizeH="0" baseline="0" dirty="0" smtClean="0">
+                <a:ln>
+                  <a:noFill/>
+                </a:ln>
+                <a:solidFill>
+                  <a:schemeClr val="tx1"/>
+                </a:solidFill>
+                <a:effectLst/>
+                <a:latin typeface="Arial" panose="020B0604020202020204" pitchFamily="34" charset="0"/>
+              </a:rPr>
+              <a:t>the </a:t>
+            </a:r>
+            <a:r xmlns:a="http://schemas.openxmlformats.org/drawingml/2006/main">
+              <a:rPr kumimoji="0" lang="en" altLang="en-US" sz="2000" b="0" i="0" u="none" strike="noStrike" cap="none" normalizeH="0" baseline="0" dirty="0" smtClean="0">
+                <a:ln>
+                  <a:noFill/>
+                </a:ln>
+                <a:solidFill>
+                  <a:schemeClr val="tx1"/>
+                </a:solidFill>
+                <a:effectLst/>
+                <a:latin typeface="Arial" panose="020B0604020202020204" pitchFamily="34" charset="0"/>
+              </a:rPr>
+              <a:t>size </a:t>
+            </a:r>
+            <a:r xmlns:a="http://schemas.openxmlformats.org/drawingml/2006/main">
+              <a:rPr kumimoji="0" lang="en" altLang="en-US" sz="2000" b="0" i="0" u="none" strike="noStrike" cap="none" normalizeH="0" baseline="0" dirty="0" err="1" smtClean="0">
+                <a:ln>
+                  <a:noFill/>
+                </a:ln>
+                <a:solidFill>
+                  <a:schemeClr val="tx1"/>
+                </a:solidFill>
+                <a:effectLst/>
+                <a:latin typeface="Arial" panose="020B0604020202020204" pitchFamily="34" charset="0"/>
+              </a:rPr>
+              <a:t>criterion </a:t>
+            </a:r>
+            <a:r xmlns:a="http://schemas.openxmlformats.org/drawingml/2006/main">
+              <a:rPr kumimoji="0" lang="en" altLang="en-US" sz="2000" b="0" i="0" u="none" strike="noStrike" cap="none" normalizeH="0" baseline="0" dirty="0" err="1" smtClean="0">
+                <a:ln>
+                  <a:noFill/>
+                </a:ln>
+                <a:solidFill>
+                  <a:schemeClr val="tx1"/>
+                </a:solidFill>
+                <a:effectLst/>
+                <a:latin typeface="Arial" panose="020B0604020202020204" pitchFamily="34" charset="0"/>
+              </a:rPr>
+              <a:t>.</a:t>
+            </a:r>
+            <a:r xmlns:a="http://schemas.openxmlformats.org/drawingml/2006/main">
+              <a:rPr kumimoji="0" lang="en" altLang="en-US" sz="2000" b="0" i="0" u="none" strike="noStrike" cap="none" normalizeH="0" baseline="0" dirty="0" err="1" smtClean="0">
+                <a:ln>
+                  <a:noFill/>
+                </a:ln>
+                <a:solidFill>
+                  <a:schemeClr val="tx1"/>
+                </a:solidFill>
+                <a:effectLst/>
+                <a:latin typeface="Arial" panose="020B0604020202020204" pitchFamily="34" charset="0"/>
+              </a:rPr>
+              <a:t>​</a:t>
+            </a:r>
+            <a:r xmlns:a="http://schemas.openxmlformats.org/drawingml/2006/main">
+              <a:rPr kumimoji="0" lang="en" altLang="en-US" sz="2000" b="0" i="0" u="none" strike="noStrike" cap="none" normalizeH="0" baseline="0" dirty="0" err="1" smtClean="0">
+                <a:ln>
+                  <a:noFill/>
+                </a:ln>
+                <a:solidFill>
+                  <a:schemeClr val="tx1"/>
+                </a:solidFill>
+                <a:effectLst/>
+                <a:latin typeface="Arial" panose="020B0604020202020204" pitchFamily="34" charset="0"/>
+              </a:rPr>
+              <a:t>​</a:t>
+            </a:r>
+          </a:p>
+        </p:txBody>
+      </p:sp>
     </p:spTree>
     <p:extLst>
       <p:ext uri="{BB962C8B-B14F-4D97-AF65-F5344CB8AC3E}">
@@ -7878,7 +8876,7 @@
         <p:spPr>
           <a:xfrm>
             <a:off x="254383" y="240631"/>
-            <a:ext cx="5374805" cy="461665"/>
+            <a:ext cx="4842608" cy="461665"/>
           </a:xfrm>
           <a:prstGeom prst="rect">
             <a:avLst/>
@@ -7891,81 +8889,16 @@
           </a:bodyPr>
           <a:lstStyle/>
           <a:p>
-            <a:r>
-              <a:rPr lang="fr-FR" sz="2400" dirty="0" smtClean="0">
+            <a:r xmlns:a="http://schemas.openxmlformats.org/drawingml/2006/main">
+              <a:rPr lang="en" sz="2400" dirty="0" smtClean="0">
                 <a:latin typeface="Segoe UI" panose="020B0502040204020203" pitchFamily="34" charset="0"/>
                 <a:cs typeface="Segoe UI" panose="020B0502040204020203" pitchFamily="34" charset="0"/>
               </a:rPr>
-              <a:t>ALL and ALLEXPECT and ALLSELECTED</a:t>
-            </a:r>
-            <a:endParaRPr lang="en-US" sz="2400" dirty="0">
+              <a:t>ALL &amp; ALLEXPECT &amp; ALLSELECTED</a:t>
+            </a:r>
+            <a:endParaRPr xmlns:a="http://schemas.openxmlformats.org/drawingml/2006/main" lang="en-US" sz="2400" dirty="0">
               <a:latin typeface="Segoe UI" panose="020B0502040204020203" pitchFamily="34" charset="0"/>
               <a:cs typeface="Segoe UI" panose="020B0502040204020203" pitchFamily="34" charset="0"/>
-            </a:endParaRPr>
-          </a:p>
-        </p:txBody>
-      </p:sp>
-      <p:sp>
-        <p:nvSpPr>
-          <p:cNvPr id="3" name="Rectangle 2"/>
-          <p:cNvSpPr/>
-          <p:nvPr/>
-        </p:nvSpPr>
-        <p:spPr>
-          <a:xfrm>
-            <a:off x="254383" y="838284"/>
-            <a:ext cx="8069179" cy="373692"/>
-          </a:xfrm>
-          <a:prstGeom prst="rect">
-            <a:avLst/>
-          </a:prstGeom>
-        </p:spPr>
-        <p:txBody>
-          <a:bodyPr wrap="square">
-            <a:spAutoFit/>
-          </a:bodyPr>
-          <a:lstStyle/>
-          <a:p>
-            <a:pPr lvl="0">
-              <a:lnSpc>
-                <a:spcPct val="107000"/>
-              </a:lnSpc>
-              <a:spcAft>
-                <a:spcPts val="800"/>
-              </a:spcAft>
-              <a:tabLst>
-                <a:tab pos="400050" algn="l"/>
-              </a:tabLst>
-            </a:pPr>
-            <a:r>
-              <a:rPr lang="en-US" dirty="0" smtClean="0">
-                <a:latin typeface="Segoe UI" panose="020B0502040204020203" pitchFamily="34" charset="0"/>
-                <a:ea typeface="Calibri" panose="020F0502020204030204" pitchFamily="34" charset="0"/>
-                <a:cs typeface="Times New Roman" panose="02020603050405020304" pitchFamily="18" charset="0"/>
-              </a:rPr>
-              <a:t>Add a </a:t>
-            </a:r>
-            <a:r>
-              <a:rPr lang="en-US" b="1" dirty="0" smtClean="0">
-                <a:latin typeface="Segoe UI" panose="020B0502040204020203" pitchFamily="34" charset="0"/>
-                <a:ea typeface="Calibri" panose="020F0502020204030204" pitchFamily="34" charset="0"/>
-                <a:cs typeface="Times New Roman" panose="02020603050405020304" pitchFamily="18" charset="0"/>
-              </a:rPr>
-              <a:t>Slicer visualization </a:t>
-            </a:r>
-            <a:r>
-              <a:rPr lang="en-US" dirty="0" smtClean="0">
-                <a:latin typeface="Segoe UI" panose="020B0502040204020203" pitchFamily="34" charset="0"/>
-                <a:ea typeface="Calibri" panose="020F0502020204030204" pitchFamily="34" charset="0"/>
-                <a:cs typeface="Times New Roman" panose="02020603050405020304" pitchFamily="18" charset="0"/>
-              </a:rPr>
-              <a:t>to the scene configure it to list the colors</a:t>
-            </a:r>
-            <a:endParaRPr lang="en-US" sz="1400" dirty="0">
-              <a:effectLst/>
-              <a:latin typeface="Calibri" panose="020F0502020204030204" pitchFamily="34" charset="0"/>
-              <a:ea typeface="Calibri" panose="020F0502020204030204" pitchFamily="34" charset="0"/>
-              <a:cs typeface="Times New Roman" panose="02020603050405020304" pitchFamily="18" charset="0"/>
             </a:endParaRPr>
           </a:p>
         </p:txBody>
@@ -7994,6 +8927,266 @@
           </a:prstGeom>
         </p:spPr>
       </p:pic>
+      <p:sp>
+        <p:nvSpPr>
+          <p:cNvPr id="4" name="Rectangle 1"/>
+          <p:cNvSpPr>
+            <a:spLocks noChangeArrowheads="1"/>
+          </p:cNvSpPr>
+          <p:nvPr/>
+        </p:nvSpPr>
+        <p:spPr bwMode="auto">
+          <a:xfrm>
+            <a:off x="324988" y="746230"/>
+            <a:ext cx="8558753" cy="369332"/>
+          </a:xfrm>
+          <a:prstGeom prst="rect">
+            <a:avLst/>
+          </a:prstGeom>
+          <a:noFill/>
+          <a:ln>
+            <a:noFill/>
+          </a:ln>
+          <a:effectLst/>
+          <a:extLst>
+            <a:ext uri="{909E8E84-426E-40DD-AFC4-6F175D3DCCD1}">
+              <a14:hiddenFill xmlns:a14="http://schemas.microsoft.com/office/drawing/2010/main">
+                <a:solidFill>
+                  <a:schemeClr val="accent1"/>
+                </a:solidFill>
+              </a14:hiddenFill>
+            </a:ext>
+            <a:ext uri="{91240B29-F687-4F45-9708-019B960494DF}">
+              <a14:hiddenLine xmlns:a14="http://schemas.microsoft.com/office/drawing/2010/main" w="9525">
+                <a:solidFill>
+                  <a:schemeClr val="tx1"/>
+                </a:solidFill>
+                <a:miter lim="800000"/>
+                <a:headEnd/>
+                <a:tailEnd/>
+              </a14:hiddenLine>
+            </a:ext>
+            <a:ext uri="{AF507438-7753-43E0-B8FC-AC1667EBCBE1}">
+              <a14:hiddenEffects xmlns:a14="http://schemas.microsoft.com/office/drawing/2010/main">
+                <a:effectLst>
+                  <a:outerShdw dist="35921" dir="2700000" algn="ctr" rotWithShape="0">
+                    <a:schemeClr val="bg2"/>
+                  </a:outerShdw>
+                </a:effectLst>
+              </a14:hiddenEffects>
+            </a:ext>
+          </a:extLst>
+        </p:spPr>
+        <p:txBody>
+          <a:bodyPr vert="horz" wrap="none" lIns="91440" tIns="45720" rIns="91440" bIns="45720" numCol="1" anchor="ctr" anchorCtr="0" compatLnSpc="1">
+            <a:prstTxWarp prst="textNoShape">
+              <a:avLst/>
+            </a:prstTxWarp>
+            <a:spAutoFit/>
+          </a:bodyPr>
+          <a:lstStyle/>
+          <a:p>
+            <a:pPr xmlns:a="http://schemas.openxmlformats.org/drawingml/2006/main" marL="0" marR="0" lvl="0" indent="0" algn="l" defTabSz="914400" rtl="0" eaLnBrk="0" fontAlgn="base" latinLnBrk="0" hangingPunct="0">
+              <a:lnSpc>
+                <a:spcPct val="100000"/>
+              </a:lnSpc>
+              <a:spcBef>
+                <a:spcPct val="0"/>
+              </a:spcBef>
+              <a:spcAft>
+                <a:spcPct val="0"/>
+              </a:spcAft>
+              <a:buClrTx/>
+              <a:buSzTx/>
+              <a:buFontTx/>
+              <a:buNone/>
+              <a:tabLst/>
+            </a:pPr>
+            <a:r xmlns:a="http://schemas.openxmlformats.org/drawingml/2006/main">
+              <a:rPr kumimoji="0" lang="en" altLang="en-US" sz="1800" b="0" i="0" u="none" strike="noStrike" cap="none" normalizeH="0" baseline="0" dirty="0" err="1" smtClean="0">
+                <a:ln>
+                  <a:noFill/>
+                </a:ln>
+                <a:solidFill>
+                  <a:schemeClr val="tx1"/>
+                </a:solidFill>
+                <a:effectLst/>
+                <a:latin typeface="Arial" panose="020B0604020202020204" pitchFamily="34" charset="0"/>
+              </a:rPr>
+              <a:t>Add</a:t>
+            </a:r>
+            <a:r xmlns:a="http://schemas.openxmlformats.org/drawingml/2006/main">
+              <a:rPr kumimoji="0" lang="en" altLang="en-US" sz="1800" b="0" i="0" u="none" strike="noStrike" cap="none" normalizeH="0" baseline="0" dirty="0" smtClean="0">
+                <a:ln>
+                  <a:noFill/>
+                </a:ln>
+                <a:solidFill>
+                  <a:schemeClr val="tx1"/>
+                </a:solidFill>
+                <a:effectLst/>
+                <a:latin typeface="Arial" panose="020B0604020202020204" pitchFamily="34" charset="0"/>
+              </a:rPr>
+              <a:t> </a:t>
+            </a:r>
+            <a:r xmlns:a="http://schemas.openxmlformats.org/drawingml/2006/main">
+              <a:rPr kumimoji="0" lang="en" altLang="en-US" sz="1800" b="0" i="0" u="none" strike="noStrike" cap="none" normalizeH="0" baseline="0" dirty="0" err="1" smtClean="0">
+                <a:ln>
+                  <a:noFill/>
+                </a:ln>
+                <a:solidFill>
+                  <a:schemeClr val="tx1"/>
+                </a:solidFill>
+                <a:effectLst/>
+                <a:latin typeface="Arial" panose="020B0604020202020204" pitchFamily="34" charset="0"/>
+              </a:rPr>
+              <a:t>a</a:t>
+            </a:r>
+            <a:r xmlns:a="http://schemas.openxmlformats.org/drawingml/2006/main">
+              <a:rPr kumimoji="0" lang="en" altLang="en-US" sz="1800" b="0" i="0" u="none" strike="noStrike" cap="none" normalizeH="0" baseline="0" dirty="0" smtClean="0">
+                <a:ln>
+                  <a:noFill/>
+                </a:ln>
+                <a:solidFill>
+                  <a:schemeClr val="tx1"/>
+                </a:solidFill>
+                <a:effectLst/>
+                <a:latin typeface="Arial" panose="020B0604020202020204" pitchFamily="34" charset="0"/>
+              </a:rPr>
+              <a:t> </a:t>
+            </a:r>
+            <a:r xmlns:a="http://schemas.openxmlformats.org/drawingml/2006/main">
+              <a:rPr kumimoji="0" lang="en" altLang="en-US" sz="1800" b="0" i="0" u="none" strike="noStrike" cap="none" normalizeH="0" baseline="0" dirty="0" err="1" smtClean="0">
+                <a:ln>
+                  <a:noFill/>
+                </a:ln>
+                <a:solidFill>
+                  <a:schemeClr val="tx1"/>
+                </a:solidFill>
+                <a:effectLst/>
+                <a:latin typeface="Arial" panose="020B0604020202020204" pitchFamily="34" charset="0"/>
+              </a:rPr>
+              <a:t>visualization</a:t>
+            </a:r>
+            <a:r xmlns:a="http://schemas.openxmlformats.org/drawingml/2006/main">
+              <a:rPr kumimoji="0" lang="en" altLang="en-US" sz="1800" b="0" i="0" u="none" strike="noStrike" cap="none" normalizeH="0" baseline="0" dirty="0" smtClean="0">
+                <a:ln>
+                  <a:noFill/>
+                </a:ln>
+                <a:solidFill>
+                  <a:schemeClr val="tx1"/>
+                </a:solidFill>
+                <a:effectLst/>
+                <a:latin typeface="Arial" panose="020B0604020202020204" pitchFamily="34" charset="0"/>
+              </a:rPr>
+              <a:t> </a:t>
+            </a:r>
+            <a:r xmlns:a="http://schemas.openxmlformats.org/drawingml/2006/main">
+              <a:rPr kumimoji="0" lang="en" altLang="en-US" sz="1800" b="1" u="none" strike="noStrike" cap="none" normalizeH="0" baseline="0" dirty="0" smtClean="0">
+                <a:ln>
+                  <a:noFill/>
+                </a:ln>
+                <a:solidFill>
+                  <a:schemeClr val="tx1"/>
+                </a:solidFill>
+                <a:effectLst/>
+                <a:latin typeface="Arial" panose="020B0604020202020204" pitchFamily="34" charset="0"/>
+              </a:rPr>
+              <a:t>Slicer </a:t>
+            </a:r>
+            <a:r xmlns:a="http://schemas.openxmlformats.org/drawingml/2006/main">
+              <a:rPr kumimoji="0" lang="en" altLang="en-US" sz="1800" b="0" i="0" u="none" strike="noStrike" cap="none" normalizeH="0" baseline="0" dirty="0" smtClean="0">
+                <a:ln>
+                  <a:noFill/>
+                </a:ln>
+                <a:solidFill>
+                  <a:schemeClr val="tx1"/>
+                </a:solidFill>
+                <a:effectLst/>
+                <a:latin typeface="Arial" panose="020B0604020202020204" pitchFamily="34" charset="0"/>
+              </a:rPr>
+              <a:t>to the scene and </a:t>
+            </a:r>
+            <a:r xmlns:a="http://schemas.openxmlformats.org/drawingml/2006/main">
+              <a:rPr kumimoji="0" lang="en" altLang="en-US" sz="1800" b="0" i="0" u="none" strike="noStrike" cap="none" normalizeH="0" baseline="0" dirty="0" err="1" smtClean="0">
+                <a:ln>
+                  <a:noFill/>
+                </a:ln>
+                <a:solidFill>
+                  <a:schemeClr val="tx1"/>
+                </a:solidFill>
+                <a:effectLst/>
+                <a:latin typeface="Arial" panose="020B0604020202020204" pitchFamily="34" charset="0"/>
+              </a:rPr>
+              <a:t>configure </a:t>
+            </a:r>
+            <a:r xmlns:a="http://schemas.openxmlformats.org/drawingml/2006/main">
+              <a:rPr kumimoji="0" lang="en" altLang="en-US" sz="1800" b="0" i="0" u="none" strike="noStrike" cap="none" normalizeH="0" baseline="0" dirty="0" smtClean="0">
+                <a:ln>
+                  <a:noFill/>
+                </a:ln>
+                <a:solidFill>
+                  <a:schemeClr val="tx1"/>
+                </a:solidFill>
+                <a:effectLst/>
+                <a:latin typeface="Arial" panose="020B0604020202020204" pitchFamily="34" charset="0"/>
+              </a:rPr>
+              <a:t>it </a:t>
+            </a:r>
+            <a:r xmlns:a="http://schemas.openxmlformats.org/drawingml/2006/main">
+              <a:rPr kumimoji="0" lang="en" altLang="en-US" sz="1800" b="0" i="0" u="none" strike="noStrike" cap="none" normalizeH="0" baseline="0" dirty="0" smtClean="0">
+                <a:ln>
+                  <a:noFill/>
+                </a:ln>
+                <a:solidFill>
+                  <a:schemeClr val="tx1"/>
+                </a:solidFill>
+                <a:effectLst/>
+                <a:latin typeface="Arial" panose="020B0604020202020204" pitchFamily="34" charset="0"/>
+              </a:rPr>
+              <a:t>to </a:t>
+            </a:r>
+            <a:r xmlns:a="http://schemas.openxmlformats.org/drawingml/2006/main">
+              <a:rPr kumimoji="0" lang="en" altLang="en-US" sz="1800" b="0" i="0" u="none" strike="noStrike" cap="none" normalizeH="0" baseline="0" dirty="0" err="1" smtClean="0">
+                <a:ln>
+                  <a:noFill/>
+                </a:ln>
+                <a:solidFill>
+                  <a:schemeClr val="tx1"/>
+                </a:solidFill>
+                <a:effectLst/>
+                <a:latin typeface="Arial" panose="020B0604020202020204" pitchFamily="34" charset="0"/>
+              </a:rPr>
+              <a:t>list </a:t>
+            </a:r>
+            <a:r xmlns:a="http://schemas.openxmlformats.org/drawingml/2006/main">
+              <a:rPr kumimoji="0" lang="en" altLang="en-US" sz="1800" b="0" i="0" u="none" strike="noStrike" cap="none" normalizeH="0" baseline="0" dirty="0" smtClean="0">
+                <a:ln>
+                  <a:noFill/>
+                </a:ln>
+                <a:solidFill>
+                  <a:schemeClr val="tx1"/>
+                </a:solidFill>
+                <a:effectLst/>
+                <a:latin typeface="Arial" panose="020B0604020202020204" pitchFamily="34" charset="0"/>
+              </a:rPr>
+              <a:t>colors </a:t>
+            </a:r>
+            <a:r xmlns:a="http://schemas.openxmlformats.org/drawingml/2006/main">
+              <a:rPr kumimoji="0" lang="en" altLang="en-US" sz="1800" b="0" i="0" u="none" strike="noStrike" cap="none" normalizeH="0" baseline="0" dirty="0" err="1" smtClean="0">
+                <a:ln>
+                  <a:noFill/>
+                </a:ln>
+                <a:solidFill>
+                  <a:schemeClr val="tx1"/>
+                </a:solidFill>
+                <a:effectLst/>
+                <a:latin typeface="Arial" panose="020B0604020202020204" pitchFamily="34" charset="0"/>
+              </a:rPr>
+              <a:t>.</a:t>
+            </a:r>
+          </a:p>
+        </p:txBody>
+      </p:sp>
     </p:spTree>
     <p:extLst>
       <p:ext uri="{BB962C8B-B14F-4D97-AF65-F5344CB8AC3E}">
@@ -8079,8 +9272,63 @@
         </p:nvSpPr>
         <p:spPr>
           <a:xfrm>
-            <a:off x="2916199" y="2162433"/>
-            <a:ext cx="6230360" cy="1569660"/>
+            <a:off x="3940602" y="2533693"/>
+            <a:ext cx="4997142" cy="1569660"/>
+          </a:xfrm>
+          <a:prstGeom prst="rect">
+            <a:avLst/>
+          </a:prstGeom>
+          <a:noFill/>
+        </p:spPr>
+        <p:txBody>
+          <a:bodyPr wrap="square" rtlCol="0">
+            <a:spAutoFit/>
+          </a:bodyPr>
+          <a:lstStyle/>
+          <a:p>
+            <a:r xmlns:a="http://schemas.openxmlformats.org/drawingml/2006/main">
+              <a:rPr lang="en" sz="9600" b="1" dirty="0" smtClean="0">
+                <a:solidFill>
+                  <a:srgbClr val="7030A0"/>
+                </a:solidFill>
+                <a:latin typeface="Segoe UI" panose="020B0502040204020203" pitchFamily="34" charset="0"/>
+                <a:ea typeface="Verdana" panose="020B0604030504040204" pitchFamily="34" charset="0"/>
+                <a:cs typeface="Segoe UI" panose="020B0502040204020203" pitchFamily="34" charset="0"/>
+              </a:rPr>
+              <a:t>THANKS</a:t>
+            </a:r>
+            <a:r xmlns:a="http://schemas.openxmlformats.org/drawingml/2006/main">
+              <a:rPr lang="en" sz="9600" b="1" dirty="0" smtClean="0">
+                <a:solidFill>
+                  <a:srgbClr val="7030A0"/>
+                </a:solidFill>
+                <a:latin typeface="Segoe UI" panose="020B0502040204020203" pitchFamily="34" charset="0"/>
+                <a:ea typeface="Verdana" panose="020B0604030504040204" pitchFamily="34" charset="0"/>
+                <a:cs typeface="Segoe UI" panose="020B0502040204020203" pitchFamily="34" charset="0"/>
+              </a:rPr>
+              <a:t>​</a:t>
+            </a:r>
+            <a:endParaRPr xmlns:a="http://schemas.openxmlformats.org/drawingml/2006/main" lang="en-US" sz="9600" b="1" dirty="0">
+              <a:solidFill>
+                <a:srgbClr val="7030A0"/>
+              </a:solidFill>
+              <a:latin typeface="Segoe UI" panose="020B0502040204020203" pitchFamily="34" charset="0"/>
+              <a:ea typeface="Verdana" panose="020B0604030504040204" pitchFamily="34" charset="0"/>
+              <a:cs typeface="Segoe UI" panose="020B0502040204020203" pitchFamily="34" charset="0"/>
+            </a:endParaRPr>
+          </a:p>
+        </p:txBody>
+      </p:sp>
+      <p:sp>
+        <p:nvSpPr>
+          <p:cNvPr id="6" name="TextBox 5"/>
+          <p:cNvSpPr txBox="1"/>
+          <p:nvPr/>
+        </p:nvSpPr>
+        <p:spPr>
+          <a:xfrm>
+            <a:off x="3863486" y="2465368"/>
+            <a:ext cx="3456395" cy="1569660"/>
           </a:xfrm>
           <a:prstGeom prst="rect">
             <a:avLst/>
@@ -8093,62 +9341,18 @@
           </a:bodyPr>
           <a:lstStyle/>
           <a:p>
-            <a:r>
-              <a:rPr lang="en-US" sz="9600" b="1" dirty="0" smtClean="0">
-                <a:solidFill>
-                  <a:srgbClr val="7030A0"/>
+            <a:r xmlns:a="http://schemas.openxmlformats.org/drawingml/2006/main">
+              <a:rPr lang="en" sz="9600" b="1" dirty="0" smtClean="0">
+                <a:solidFill>
+                  <a:schemeClr val="bg1"/>
                 </a:solidFill>
                 <a:latin typeface="Segoe UI" panose="020B0502040204020203" pitchFamily="34" charset="0"/>
                 <a:ea typeface="Verdana" panose="020B0604030504040204" pitchFamily="34" charset="0"/>
                 <a:cs typeface="Segoe UI" panose="020B0502040204020203" pitchFamily="34" charset="0"/>
               </a:rPr>
-              <a:t>Thank you</a:t>
-            </a:r>
-            <a:endParaRPr lang="en-US" sz="9600" b="1" dirty="0">
-              <a:solidFill>
-                <a:srgbClr val="7030A0"/>
-              </a:solidFill>
-              <a:latin typeface="Segoe UI" panose="020B0502040204020203" pitchFamily="34" charset="0"/>
-              <a:ea typeface="Verdana" panose="020B0604030504040204" pitchFamily="34" charset="0"/>
-              <a:cs typeface="Segoe UI" panose="020B0502040204020203" pitchFamily="34" charset="0"/>
-            </a:endParaRPr>
-          </a:p>
-        </p:txBody>
-      </p:sp>
-      <p:sp>
-        <p:nvSpPr>
-          <p:cNvPr id="6" name="TextBox 5"/>
-          <p:cNvSpPr txBox="1"/>
-          <p:nvPr/>
-        </p:nvSpPr>
-        <p:spPr>
-          <a:xfrm>
-            <a:off x="2990336" y="2217861"/>
-            <a:ext cx="6230360" cy="1569660"/>
-          </a:xfrm>
-          <a:prstGeom prst="rect">
-            <a:avLst/>
-          </a:prstGeom>
-          <a:noFill/>
-        </p:spPr>
-        <p:txBody>
-          <a:bodyPr wrap="none" rtlCol="0">
-            <a:spAutoFit/>
-          </a:bodyPr>
-          <a:lstStyle/>
-          <a:p>
-            <a:r>
-              <a:rPr lang="en-US" sz="9600" b="1" dirty="0" smtClean="0">
-                <a:solidFill>
-                  <a:schemeClr val="bg1"/>
-                </a:solidFill>
-                <a:latin typeface="Segoe UI" panose="020B0502040204020203" pitchFamily="34" charset="0"/>
-                <a:ea typeface="Verdana" panose="020B0604030504040204" pitchFamily="34" charset="0"/>
-                <a:cs typeface="Segoe UI" panose="020B0502040204020203" pitchFamily="34" charset="0"/>
-              </a:rPr>
-              <a:t>Thank you</a:t>
-            </a:r>
-            <a:endParaRPr lang="en-US" sz="9600" b="1" dirty="0">
+              <a:t>THANKS</a:t>
+            </a:r>
+            <a:endParaRPr xmlns:a="http://schemas.openxmlformats.org/drawingml/2006/main" lang="en-US" sz="9600" b="1" dirty="0">
               <a:solidFill>
                 <a:schemeClr val="bg1"/>
               </a:solidFill>

--- a/English/5.DAX/7.ALL and ALLEXCEPT and ALLSELECTED.pptx
+++ b/English/5.DAX/7.ALL and ALLEXCEPT and ALLSELECTED.pptx
@@ -205,7 +205,7 @@
           <a:p>
             <a:fld id="{056BA3B8-9F76-4D81-B71D-76CB85363062}" type="datetimeFigureOut">
               <a:rPr lang="en-US" smtClean="0"/>
-              <a:t>2/26/2025</a:t>
+              <a:t>4/3/2025</a:t>
             </a:fld>
             <a:endParaRPr lang="en-US"/>
           </a:p>
@@ -688,7 +688,7 @@
           <a:p>
             <a:fld id="{6F01DA4D-20EA-48D2-973C-0311EC3005D6}" type="datetimeFigureOut">
               <a:rPr lang="en-US" smtClean="0"/>
-              <a:t>2/26/2025</a:t>
+              <a:t>4/3/2025</a:t>
             </a:fld>
             <a:endParaRPr lang="en-US"/>
           </a:p>
@@ -858,7 +858,7 @@
           <a:p>
             <a:fld id="{6F01DA4D-20EA-48D2-973C-0311EC3005D6}" type="datetimeFigureOut">
               <a:rPr lang="en-US" smtClean="0"/>
-              <a:t>2/26/2025</a:t>
+              <a:t>4/3/2025</a:t>
             </a:fld>
             <a:endParaRPr lang="en-US"/>
           </a:p>
@@ -1038,7 +1038,7 @@
           <a:p>
             <a:fld id="{6F01DA4D-20EA-48D2-973C-0311EC3005D6}" type="datetimeFigureOut">
               <a:rPr lang="en-US" smtClean="0"/>
-              <a:t>2/26/2025</a:t>
+              <a:t>4/3/2025</a:t>
             </a:fld>
             <a:endParaRPr lang="en-US"/>
           </a:p>
@@ -1208,7 +1208,7 @@
           <a:p>
             <a:fld id="{6F01DA4D-20EA-48D2-973C-0311EC3005D6}" type="datetimeFigureOut">
               <a:rPr lang="en-US" smtClean="0"/>
-              <a:t>2/26/2025</a:t>
+              <a:t>4/3/2025</a:t>
             </a:fld>
             <a:endParaRPr lang="en-US"/>
           </a:p>
@@ -1454,7 +1454,7 @@
           <a:p>
             <a:fld id="{6F01DA4D-20EA-48D2-973C-0311EC3005D6}" type="datetimeFigureOut">
               <a:rPr lang="en-US" smtClean="0"/>
-              <a:t>2/26/2025</a:t>
+              <a:t>4/3/2025</a:t>
             </a:fld>
             <a:endParaRPr lang="en-US"/>
           </a:p>
@@ -1686,7 +1686,7 @@
           <a:p>
             <a:fld id="{6F01DA4D-20EA-48D2-973C-0311EC3005D6}" type="datetimeFigureOut">
               <a:rPr lang="en-US" smtClean="0"/>
-              <a:t>2/26/2025</a:t>
+              <a:t>4/3/2025</a:t>
             </a:fld>
             <a:endParaRPr lang="en-US"/>
           </a:p>
@@ -2053,7 +2053,7 @@
           <a:p>
             <a:fld id="{6F01DA4D-20EA-48D2-973C-0311EC3005D6}" type="datetimeFigureOut">
               <a:rPr lang="en-US" smtClean="0"/>
-              <a:t>2/26/2025</a:t>
+              <a:t>4/3/2025</a:t>
             </a:fld>
             <a:endParaRPr lang="en-US"/>
           </a:p>
@@ -2171,7 +2171,7 @@
           <a:p>
             <a:fld id="{6F01DA4D-20EA-48D2-973C-0311EC3005D6}" type="datetimeFigureOut">
               <a:rPr lang="en-US" smtClean="0"/>
-              <a:t>2/26/2025</a:t>
+              <a:t>4/3/2025</a:t>
             </a:fld>
             <a:endParaRPr lang="en-US"/>
           </a:p>
@@ -2266,7 +2266,7 @@
           <a:p>
             <a:fld id="{6F01DA4D-20EA-48D2-973C-0311EC3005D6}" type="datetimeFigureOut">
               <a:rPr lang="en-US" smtClean="0"/>
-              <a:t>2/26/2025</a:t>
+              <a:t>4/3/2025</a:t>
             </a:fld>
             <a:endParaRPr lang="en-US"/>
           </a:p>
@@ -2543,7 +2543,7 @@
           <a:p>
             <a:fld id="{6F01DA4D-20EA-48D2-973C-0311EC3005D6}" type="datetimeFigureOut">
               <a:rPr lang="en-US" smtClean="0"/>
-              <a:t>2/26/2025</a:t>
+              <a:t>4/3/2025</a:t>
             </a:fld>
             <a:endParaRPr lang="en-US"/>
           </a:p>
@@ -2796,7 +2796,7 @@
           <a:p>
             <a:fld id="{6F01DA4D-20EA-48D2-973C-0311EC3005D6}" type="datetimeFigureOut">
               <a:rPr lang="en-US" smtClean="0"/>
-              <a:t>2/26/2025</a:t>
+              <a:t>4/3/2025</a:t>
             </a:fld>
             <a:endParaRPr lang="en-US"/>
           </a:p>
@@ -3009,7 +3009,7 @@
           <a:p>
             <a:fld id="{6F01DA4D-20EA-48D2-973C-0311EC3005D6}" type="datetimeFigureOut">
               <a:rPr lang="en-US" smtClean="0"/>
-              <a:t>2/26/2025</a:t>
+              <a:t>4/3/2025</a:t>
             </a:fld>
             <a:endParaRPr lang="en-US"/>
           </a:p>
@@ -3444,8 +3444,8 @@
           </a:bodyPr>
           <a:lstStyle/>
           <a:p>
-            <a:pPr xmlns:a="http://schemas.openxmlformats.org/drawingml/2006/main" algn="ctr"/>
-            <a:r xmlns:a="http://schemas.openxmlformats.org/drawingml/2006/main">
+            <a:pPr algn="ctr"/>
+            <a:r>
               <a:rPr lang="en" sz="8000" b="1" dirty="0" smtClean="0">
                 <a:solidFill>
                   <a:srgbClr val="7030A0"/>
@@ -3456,7 +3456,7 @@
               </a:rPr>
               <a:t>ALL &amp; ALLEXPECT &amp; ALLSELETED</a:t>
             </a:r>
-            <a:endParaRPr xmlns:a="http://schemas.openxmlformats.org/drawingml/2006/main" lang="en-US" sz="8000" b="1" dirty="0">
+            <a:endParaRPr lang="en-US" sz="8000" b="1" dirty="0">
               <a:solidFill>
                 <a:srgbClr val="7030A0"/>
               </a:solidFill>
@@ -3489,8 +3489,8 @@
           </a:bodyPr>
           <a:lstStyle/>
           <a:p>
-            <a:pPr xmlns:a="http://schemas.openxmlformats.org/drawingml/2006/main" algn="ctr"/>
-            <a:r xmlns:a="http://schemas.openxmlformats.org/drawingml/2006/main">
+            <a:pPr algn="ctr"/>
+            <a:r>
               <a:rPr lang="en" sz="8000" b="1" dirty="0" smtClean="0">
                 <a:solidFill>
                   <a:schemeClr val="bg1"/>
@@ -3501,7 +3501,7 @@
               </a:rPr>
               <a:t>ALL &amp; ALLEXPECT &amp; ALLSELETED</a:t>
             </a:r>
-            <a:endParaRPr xmlns:a="http://schemas.openxmlformats.org/drawingml/2006/main" lang="en-US" sz="8000" b="1" dirty="0">
+            <a:endParaRPr lang="en-US" sz="8000" b="1" dirty="0">
               <a:solidFill>
                 <a:schemeClr val="bg1"/>
               </a:solidFill>
@@ -3564,14 +3564,14 @@
           </a:bodyPr>
           <a:lstStyle/>
           <a:p>
-            <a:r xmlns:a="http://schemas.openxmlformats.org/drawingml/2006/main">
+            <a:r>
               <a:rPr lang="en" sz="2400" dirty="0" smtClean="0">
                 <a:latin typeface="Segoe UI" panose="020B0502040204020203" pitchFamily="34" charset="0"/>
                 <a:cs typeface="Segoe UI" panose="020B0502040204020203" pitchFamily="34" charset="0"/>
               </a:rPr>
               <a:t>ALL &amp; ALLEXPECT &amp; ALLSELECTED</a:t>
             </a:r>
-            <a:endParaRPr xmlns:a="http://schemas.openxmlformats.org/drawingml/2006/main" lang="en-US" sz="2400" dirty="0">
+            <a:endParaRPr lang="en-US" sz="2400" dirty="0">
               <a:latin typeface="Segoe UI" panose="020B0502040204020203" pitchFamily="34" charset="0"/>
               <a:cs typeface="Segoe UI" panose="020B0502040204020203" pitchFamily="34" charset="0"/>
             </a:endParaRPr>
@@ -3638,7 +3638,7 @@
                     <a:bodyPr/>
                     <a:lstStyle/>
                     <a:p>
-                      <a:pPr xmlns:a="http://schemas.openxmlformats.org/drawingml/2006/main" algn="l">
+                      <a:pPr algn="l">
                         <a:lnSpc>
                           <a:spcPct val="107000"/>
                         </a:lnSpc>
@@ -3646,13 +3646,13 @@
                           <a:spcPts val="0"/>
                         </a:spcAft>
                       </a:pPr>
-                      <a:r xmlns:a="http://schemas.openxmlformats.org/drawingml/2006/main">
+                      <a:r>
                         <a:rPr lang="en" sz="1600" dirty="0">
                           <a:effectLst/>
                         </a:rPr>
                         <a:t>ID</a:t>
                       </a:r>
-                      <a:endParaRPr xmlns:a="http://schemas.openxmlformats.org/drawingml/2006/main" lang="en-US" sz="1600" dirty="0">
+                      <a:endParaRPr lang="en-US" sz="1600" dirty="0">
                         <a:effectLst/>
                         <a:latin typeface="Calibri" panose="020F0502020204030204" pitchFamily="34" charset="0"/>
                         <a:ea typeface="Calibri" panose="020F0502020204030204" pitchFamily="34" charset="0"/>
@@ -3667,7 +3667,7 @@
                     <a:bodyPr/>
                     <a:lstStyle/>
                     <a:p>
-                      <a:pPr xmlns:a="http://schemas.openxmlformats.org/drawingml/2006/main" algn="l">
+                      <a:pPr algn="l">
                         <a:lnSpc>
                           <a:spcPct val="107000"/>
                         </a:lnSpc>
@@ -3675,13 +3675,13 @@
                           <a:spcPts val="0"/>
                         </a:spcAft>
                       </a:pPr>
-                      <a:r xmlns:a="http://schemas.openxmlformats.org/drawingml/2006/main">
+                      <a:r>
                         <a:rPr lang="en" sz="1600">
                           <a:effectLst/>
                         </a:rPr>
                         <a:t>Name</a:t>
                       </a:r>
-                      <a:endParaRPr xmlns:a="http://schemas.openxmlformats.org/drawingml/2006/main" lang="en-US" sz="1600">
+                      <a:endParaRPr lang="en-US" sz="1600">
                         <a:effectLst/>
                         <a:latin typeface="Calibri" panose="020F0502020204030204" pitchFamily="34" charset="0"/>
                         <a:ea typeface="Calibri" panose="020F0502020204030204" pitchFamily="34" charset="0"/>
@@ -3696,7 +3696,7 @@
                     <a:bodyPr/>
                     <a:lstStyle/>
                     <a:p>
-                      <a:pPr xmlns:a="http://schemas.openxmlformats.org/drawingml/2006/main" algn="l">
+                      <a:pPr algn="l">
                         <a:lnSpc>
                           <a:spcPct val="107000"/>
                         </a:lnSpc>
@@ -3704,13 +3704,13 @@
                           <a:spcPts val="0"/>
                         </a:spcAft>
                       </a:pPr>
-                      <a:r xmlns:a="http://schemas.openxmlformats.org/drawingml/2006/main">
+                      <a:r>
                         <a:rPr lang="en" sz="1600">
                           <a:effectLst/>
                         </a:rPr>
                         <a:t>Color</a:t>
                       </a:r>
-                      <a:endParaRPr xmlns:a="http://schemas.openxmlformats.org/drawingml/2006/main" lang="en-US" sz="1600">
+                      <a:endParaRPr lang="en-US" sz="1600">
                         <a:effectLst/>
                         <a:latin typeface="Calibri" panose="020F0502020204030204" pitchFamily="34" charset="0"/>
                         <a:ea typeface="Calibri" panose="020F0502020204030204" pitchFamily="34" charset="0"/>
@@ -3725,7 +3725,7 @@
                     <a:bodyPr/>
                     <a:lstStyle/>
                     <a:p>
-                      <a:pPr xmlns:a="http://schemas.openxmlformats.org/drawingml/2006/main" algn="l">
+                      <a:pPr algn="l">
                         <a:lnSpc>
                           <a:spcPct val="107000"/>
                         </a:lnSpc>
@@ -3733,13 +3733,13 @@
                           <a:spcPts val="0"/>
                         </a:spcAft>
                       </a:pPr>
-                      <a:r xmlns:a="http://schemas.openxmlformats.org/drawingml/2006/main">
+                      <a:r>
                         <a:rPr lang="en" sz="1600">
                           <a:effectLst/>
                         </a:rPr>
                         <a:t>Size</a:t>
                       </a:r>
-                      <a:endParaRPr xmlns:a="http://schemas.openxmlformats.org/drawingml/2006/main" lang="en-US" sz="1600">
+                      <a:endParaRPr lang="en-US" sz="1600">
                         <a:effectLst/>
                         <a:latin typeface="Calibri" panose="020F0502020204030204" pitchFamily="34" charset="0"/>
                         <a:ea typeface="Calibri" panose="020F0502020204030204" pitchFamily="34" charset="0"/>
@@ -3761,7 +3761,7 @@
                     <a:bodyPr/>
                     <a:lstStyle/>
                     <a:p>
-                      <a:pPr xmlns:a="http://schemas.openxmlformats.org/drawingml/2006/main" algn="l">
+                      <a:pPr algn="l">
                         <a:lnSpc>
                           <a:spcPct val="107000"/>
                         </a:lnSpc>
@@ -3769,13 +3769,13 @@
                           <a:spcPts val="0"/>
                         </a:spcAft>
                       </a:pPr>
-                      <a:r xmlns:a="http://schemas.openxmlformats.org/drawingml/2006/main">
+                      <a:r>
                         <a:rPr lang="en" sz="1600" dirty="0">
                           <a:effectLst/>
                         </a:rPr>
                         <a:t>1</a:t>
                       </a:r>
-                      <a:endParaRPr xmlns:a="http://schemas.openxmlformats.org/drawingml/2006/main" lang="en-US" sz="1600" dirty="0">
+                      <a:endParaRPr lang="en-US" sz="1600" dirty="0">
                         <a:effectLst/>
                         <a:latin typeface="Calibri" panose="020F0502020204030204" pitchFamily="34" charset="0"/>
                         <a:ea typeface="Calibri" panose="020F0502020204030204" pitchFamily="34" charset="0"/>
@@ -3790,7 +3790,7 @@
                     <a:bodyPr/>
                     <a:lstStyle/>
                     <a:p>
-                      <a:pPr xmlns:a="http://schemas.openxmlformats.org/drawingml/2006/main" algn="l">
+                      <a:pPr algn="l">
                         <a:lnSpc>
                           <a:spcPct val="107000"/>
                         </a:lnSpc>
@@ -3798,13 +3798,13 @@
                           <a:spcPts val="0"/>
                         </a:spcAft>
                       </a:pPr>
-                      <a:r xmlns:a="http://schemas.openxmlformats.org/drawingml/2006/main">
+                      <a:r>
                         <a:rPr lang="en" sz="1600">
                           <a:effectLst/>
                         </a:rPr>
                         <a:t>Product1</a:t>
                       </a:r>
-                      <a:endParaRPr xmlns:a="http://schemas.openxmlformats.org/drawingml/2006/main" lang="en-US" sz="1600">
+                      <a:endParaRPr lang="en-US" sz="1600">
                         <a:effectLst/>
                         <a:latin typeface="Calibri" panose="020F0502020204030204" pitchFamily="34" charset="0"/>
                         <a:ea typeface="Calibri" panose="020F0502020204030204" pitchFamily="34" charset="0"/>
@@ -3819,7 +3819,7 @@
                     <a:bodyPr/>
                     <a:lstStyle/>
                     <a:p>
-                      <a:pPr xmlns:a="http://schemas.openxmlformats.org/drawingml/2006/main" algn="l">
+                      <a:pPr algn="l">
                         <a:lnSpc>
                           <a:spcPct val="107000"/>
                         </a:lnSpc>
@@ -3827,13 +3827,13 @@
                           <a:spcPts val="0"/>
                         </a:spcAft>
                       </a:pPr>
-                      <a:r xmlns:a="http://schemas.openxmlformats.org/drawingml/2006/main">
+                      <a:r>
                         <a:rPr lang="en" sz="1600">
                           <a:effectLst/>
                         </a:rPr>
                         <a:t>Green</a:t>
                       </a:r>
-                      <a:endParaRPr xmlns:a="http://schemas.openxmlformats.org/drawingml/2006/main" lang="en-US" sz="1600">
+                      <a:endParaRPr lang="en-US" sz="1600">
                         <a:effectLst/>
                         <a:latin typeface="Calibri" panose="020F0502020204030204" pitchFamily="34" charset="0"/>
                         <a:ea typeface="Calibri" panose="020F0502020204030204" pitchFamily="34" charset="0"/>
@@ -3848,7 +3848,7 @@
                     <a:bodyPr/>
                     <a:lstStyle/>
                     <a:p>
-                      <a:pPr xmlns:a="http://schemas.openxmlformats.org/drawingml/2006/main" algn="l">
+                      <a:pPr algn="l">
                         <a:lnSpc>
                           <a:spcPct val="107000"/>
                         </a:lnSpc>
@@ -3856,13 +3856,13 @@
                           <a:spcPts val="0"/>
                         </a:spcAft>
                       </a:pPr>
-                      <a:r xmlns:a="http://schemas.openxmlformats.org/drawingml/2006/main">
+                      <a:r>
                         <a:rPr lang="en" sz="1600">
                           <a:effectLst/>
                         </a:rPr>
                         <a:t>Little</a:t>
                       </a:r>
-                      <a:endParaRPr xmlns:a="http://schemas.openxmlformats.org/drawingml/2006/main" lang="en-US" sz="1600">
+                      <a:endParaRPr lang="en-US" sz="1600">
                         <a:effectLst/>
                         <a:latin typeface="Calibri" panose="020F0502020204030204" pitchFamily="34" charset="0"/>
                         <a:ea typeface="Calibri" panose="020F0502020204030204" pitchFamily="34" charset="0"/>
@@ -3884,7 +3884,7 @@
                     <a:bodyPr/>
                     <a:lstStyle/>
                     <a:p>
-                      <a:pPr xmlns:a="http://schemas.openxmlformats.org/drawingml/2006/main" algn="l">
+                      <a:pPr algn="l">
                         <a:lnSpc>
                           <a:spcPct val="107000"/>
                         </a:lnSpc>
@@ -3892,13 +3892,13 @@
                           <a:spcPts val="0"/>
                         </a:spcAft>
                       </a:pPr>
-                      <a:r xmlns:a="http://schemas.openxmlformats.org/drawingml/2006/main">
+                      <a:r>
                         <a:rPr lang="en" sz="1600" dirty="0">
                           <a:effectLst/>
                         </a:rPr>
                         <a:t>2</a:t>
                       </a:r>
-                      <a:endParaRPr xmlns:a="http://schemas.openxmlformats.org/drawingml/2006/main" lang="en-US" sz="1600" dirty="0">
+                      <a:endParaRPr lang="en-US" sz="1600" dirty="0">
                         <a:effectLst/>
                         <a:latin typeface="Calibri" panose="020F0502020204030204" pitchFamily="34" charset="0"/>
                         <a:ea typeface="Calibri" panose="020F0502020204030204" pitchFamily="34" charset="0"/>
@@ -3913,7 +3913,7 @@
                     <a:bodyPr/>
                     <a:lstStyle/>
                     <a:p>
-                      <a:pPr xmlns:a="http://schemas.openxmlformats.org/drawingml/2006/main" algn="l">
+                      <a:pPr algn="l">
                         <a:lnSpc>
                           <a:spcPct val="107000"/>
                         </a:lnSpc>
@@ -3921,13 +3921,13 @@
                           <a:spcPts val="0"/>
                         </a:spcAft>
                       </a:pPr>
-                      <a:r xmlns:a="http://schemas.openxmlformats.org/drawingml/2006/main">
+                      <a:r>
                         <a:rPr lang="en" sz="1600">
                           <a:effectLst/>
                         </a:rPr>
                         <a:t>Product2</a:t>
                       </a:r>
-                      <a:endParaRPr xmlns:a="http://schemas.openxmlformats.org/drawingml/2006/main" lang="en-US" sz="1600">
+                      <a:endParaRPr lang="en-US" sz="1600">
                         <a:effectLst/>
                         <a:latin typeface="Calibri" panose="020F0502020204030204" pitchFamily="34" charset="0"/>
                         <a:ea typeface="Calibri" panose="020F0502020204030204" pitchFamily="34" charset="0"/>
@@ -3942,7 +3942,7 @@
                     <a:bodyPr/>
                     <a:lstStyle/>
                     <a:p>
-                      <a:pPr xmlns:a="http://schemas.openxmlformats.org/drawingml/2006/main" algn="l">
+                      <a:pPr algn="l">
                         <a:lnSpc>
                           <a:spcPct val="107000"/>
                         </a:lnSpc>
@@ -3950,13 +3950,13 @@
                           <a:spcPts val="0"/>
                         </a:spcAft>
                       </a:pPr>
-                      <a:r xmlns:a="http://schemas.openxmlformats.org/drawingml/2006/main">
+                      <a:r>
                         <a:rPr lang="en" sz="1600">
                           <a:effectLst/>
                         </a:rPr>
                         <a:t>Blue</a:t>
                       </a:r>
-                      <a:endParaRPr xmlns:a="http://schemas.openxmlformats.org/drawingml/2006/main" lang="en-US" sz="1600">
+                      <a:endParaRPr lang="en-US" sz="1600">
                         <a:effectLst/>
                         <a:latin typeface="Calibri" panose="020F0502020204030204" pitchFamily="34" charset="0"/>
                         <a:ea typeface="Calibri" panose="020F0502020204030204" pitchFamily="34" charset="0"/>
@@ -3971,7 +3971,7 @@
                     <a:bodyPr/>
                     <a:lstStyle/>
                     <a:p>
-                      <a:pPr xmlns:a="http://schemas.openxmlformats.org/drawingml/2006/main" algn="l">
+                      <a:pPr algn="l">
                         <a:lnSpc>
                           <a:spcPct val="107000"/>
                         </a:lnSpc>
@@ -3979,13 +3979,13 @@
                           <a:spcPts val="0"/>
                         </a:spcAft>
                       </a:pPr>
-                      <a:r xmlns:a="http://schemas.openxmlformats.org/drawingml/2006/main">
+                      <a:r>
                         <a:rPr lang="en" sz="1600">
                           <a:effectLst/>
                         </a:rPr>
                         <a:t>Little</a:t>
                       </a:r>
-                      <a:endParaRPr xmlns:a="http://schemas.openxmlformats.org/drawingml/2006/main" lang="en-US" sz="1600">
+                      <a:endParaRPr lang="en-US" sz="1600">
                         <a:effectLst/>
                         <a:latin typeface="Calibri" panose="020F0502020204030204" pitchFamily="34" charset="0"/>
                         <a:ea typeface="Calibri" panose="020F0502020204030204" pitchFamily="34" charset="0"/>
@@ -4007,7 +4007,7 @@
                     <a:bodyPr/>
                     <a:lstStyle/>
                     <a:p>
-                      <a:pPr xmlns:a="http://schemas.openxmlformats.org/drawingml/2006/main" algn="l">
+                      <a:pPr algn="l">
                         <a:lnSpc>
                           <a:spcPct val="107000"/>
                         </a:lnSpc>
@@ -4015,13 +4015,13 @@
                           <a:spcPts val="0"/>
                         </a:spcAft>
                       </a:pPr>
-                      <a:r xmlns:a="http://schemas.openxmlformats.org/drawingml/2006/main">
+                      <a:r>
                         <a:rPr lang="en" sz="1600" dirty="0">
                           <a:effectLst/>
                         </a:rPr>
                         <a:t>3</a:t>
                       </a:r>
-                      <a:endParaRPr xmlns:a="http://schemas.openxmlformats.org/drawingml/2006/main" lang="en-US" sz="1600" dirty="0">
+                      <a:endParaRPr lang="en-US" sz="1600" dirty="0">
                         <a:effectLst/>
                         <a:latin typeface="Calibri" panose="020F0502020204030204" pitchFamily="34" charset="0"/>
                         <a:ea typeface="Calibri" panose="020F0502020204030204" pitchFamily="34" charset="0"/>
@@ -4036,7 +4036,7 @@
                     <a:bodyPr/>
                     <a:lstStyle/>
                     <a:p>
-                      <a:pPr xmlns:a="http://schemas.openxmlformats.org/drawingml/2006/main" algn="l">
+                      <a:pPr algn="l">
                         <a:lnSpc>
                           <a:spcPct val="107000"/>
                         </a:lnSpc>
@@ -4044,13 +4044,13 @@
                           <a:spcPts val="0"/>
                         </a:spcAft>
                       </a:pPr>
-                      <a:r xmlns:a="http://schemas.openxmlformats.org/drawingml/2006/main">
+                      <a:r>
                         <a:rPr lang="en" sz="1600" dirty="0">
                           <a:effectLst/>
                         </a:rPr>
                         <a:t>Product3</a:t>
                       </a:r>
-                      <a:endParaRPr xmlns:a="http://schemas.openxmlformats.org/drawingml/2006/main" lang="en-US" sz="1600" dirty="0">
+                      <a:endParaRPr lang="en-US" sz="1600" dirty="0">
                         <a:effectLst/>
                         <a:latin typeface="Calibri" panose="020F0502020204030204" pitchFamily="34" charset="0"/>
                         <a:ea typeface="Calibri" panose="020F0502020204030204" pitchFamily="34" charset="0"/>
@@ -4065,7 +4065,7 @@
                     <a:bodyPr/>
                     <a:lstStyle/>
                     <a:p>
-                      <a:pPr xmlns:a="http://schemas.openxmlformats.org/drawingml/2006/main" algn="l">
+                      <a:pPr algn="l">
                         <a:lnSpc>
                           <a:spcPct val="107000"/>
                         </a:lnSpc>
@@ -4073,13 +4073,13 @@
                           <a:spcPts val="0"/>
                         </a:spcAft>
                       </a:pPr>
-                      <a:r xmlns:a="http://schemas.openxmlformats.org/drawingml/2006/main">
+                      <a:r>
                         <a:rPr lang="en" sz="1600">
                           <a:effectLst/>
                         </a:rPr>
                         <a:t>Blue</a:t>
                       </a:r>
-                      <a:endParaRPr xmlns:a="http://schemas.openxmlformats.org/drawingml/2006/main" lang="en-US" sz="1600">
+                      <a:endParaRPr lang="en-US" sz="1600">
                         <a:effectLst/>
                         <a:latin typeface="Calibri" panose="020F0502020204030204" pitchFamily="34" charset="0"/>
                         <a:ea typeface="Calibri" panose="020F0502020204030204" pitchFamily="34" charset="0"/>
@@ -4094,7 +4094,7 @@
                     <a:bodyPr/>
                     <a:lstStyle/>
                     <a:p>
-                      <a:pPr xmlns:a="http://schemas.openxmlformats.org/drawingml/2006/main" algn="l">
+                      <a:pPr algn="l">
                         <a:lnSpc>
                           <a:spcPct val="107000"/>
                         </a:lnSpc>
@@ -4102,13 +4102,13 @@
                           <a:spcPts val="0"/>
                         </a:spcAft>
                       </a:pPr>
-                      <a:r xmlns:a="http://schemas.openxmlformats.org/drawingml/2006/main">
+                      <a:r>
                         <a:rPr lang="en" sz="1600">
                           <a:effectLst/>
                         </a:rPr>
                         <a:t>Little</a:t>
                       </a:r>
-                      <a:endParaRPr xmlns:a="http://schemas.openxmlformats.org/drawingml/2006/main" lang="en-US" sz="1600">
+                      <a:endParaRPr lang="en-US" sz="1600">
                         <a:effectLst/>
                         <a:latin typeface="Calibri" panose="020F0502020204030204" pitchFamily="34" charset="0"/>
                         <a:ea typeface="Calibri" panose="020F0502020204030204" pitchFamily="34" charset="0"/>
@@ -4130,7 +4130,7 @@
                     <a:bodyPr/>
                     <a:lstStyle/>
                     <a:p>
-                      <a:pPr xmlns:a="http://schemas.openxmlformats.org/drawingml/2006/main" algn="l">
+                      <a:pPr algn="l">
                         <a:lnSpc>
                           <a:spcPct val="107000"/>
                         </a:lnSpc>
@@ -4138,13 +4138,13 @@
                           <a:spcPts val="0"/>
                         </a:spcAft>
                       </a:pPr>
-                      <a:r xmlns:a="http://schemas.openxmlformats.org/drawingml/2006/main">
+                      <a:r>
                         <a:rPr lang="en" sz="1600">
                           <a:effectLst/>
                         </a:rPr>
                         <a:t>4</a:t>
                       </a:r>
-                      <a:endParaRPr xmlns:a="http://schemas.openxmlformats.org/drawingml/2006/main" lang="en-US" sz="1600">
+                      <a:endParaRPr lang="en-US" sz="1600">
                         <a:effectLst/>
                         <a:latin typeface="Calibri" panose="020F0502020204030204" pitchFamily="34" charset="0"/>
                         <a:ea typeface="Calibri" panose="020F0502020204030204" pitchFamily="34" charset="0"/>
@@ -4159,7 +4159,7 @@
                     <a:bodyPr/>
                     <a:lstStyle/>
                     <a:p>
-                      <a:pPr xmlns:a="http://schemas.openxmlformats.org/drawingml/2006/main" algn="l">
+                      <a:pPr algn="l">
                         <a:lnSpc>
                           <a:spcPct val="107000"/>
                         </a:lnSpc>
@@ -4167,13 +4167,13 @@
                           <a:spcPts val="0"/>
                         </a:spcAft>
                       </a:pPr>
-                      <a:r xmlns:a="http://schemas.openxmlformats.org/drawingml/2006/main">
+                      <a:r>
                         <a:rPr lang="en" sz="1600" dirty="0">
                           <a:effectLst/>
                         </a:rPr>
                         <a:t>Product1</a:t>
                       </a:r>
-                      <a:endParaRPr xmlns:a="http://schemas.openxmlformats.org/drawingml/2006/main" lang="en-US" sz="1600" dirty="0">
+                      <a:endParaRPr lang="en-US" sz="1600" dirty="0">
                         <a:effectLst/>
                         <a:latin typeface="Calibri" panose="020F0502020204030204" pitchFamily="34" charset="0"/>
                         <a:ea typeface="Calibri" panose="020F0502020204030204" pitchFamily="34" charset="0"/>
@@ -4188,7 +4188,7 @@
                     <a:bodyPr/>
                     <a:lstStyle/>
                     <a:p>
-                      <a:pPr xmlns:a="http://schemas.openxmlformats.org/drawingml/2006/main" algn="l">
+                      <a:pPr algn="l">
                         <a:lnSpc>
                           <a:spcPct val="107000"/>
                         </a:lnSpc>
@@ -4196,13 +4196,13 @@
                           <a:spcPts val="0"/>
                         </a:spcAft>
                       </a:pPr>
-                      <a:r xmlns:a="http://schemas.openxmlformats.org/drawingml/2006/main">
+                      <a:r>
                         <a:rPr lang="en" sz="1600">
                           <a:effectLst/>
                         </a:rPr>
                         <a:t>Blue</a:t>
                       </a:r>
-                      <a:endParaRPr xmlns:a="http://schemas.openxmlformats.org/drawingml/2006/main" lang="en-US" sz="1600">
+                      <a:endParaRPr lang="en-US" sz="1600">
                         <a:effectLst/>
                         <a:latin typeface="Calibri" panose="020F0502020204030204" pitchFamily="34" charset="0"/>
                         <a:ea typeface="Calibri" panose="020F0502020204030204" pitchFamily="34" charset="0"/>
@@ -4217,7 +4217,7 @@
                     <a:bodyPr/>
                     <a:lstStyle/>
                     <a:p>
-                      <a:pPr xmlns:a="http://schemas.openxmlformats.org/drawingml/2006/main" algn="l">
+                      <a:pPr algn="l">
                         <a:lnSpc>
                           <a:spcPct val="107000"/>
                         </a:lnSpc>
@@ -4225,13 +4225,13 @@
                           <a:spcPts val="0"/>
                         </a:spcAft>
                       </a:pPr>
-                      <a:r xmlns:a="http://schemas.openxmlformats.org/drawingml/2006/main">
+                      <a:r>
                         <a:rPr lang="en" sz="1600">
                           <a:effectLst/>
                         </a:rPr>
                         <a:t>Little</a:t>
                       </a:r>
-                      <a:endParaRPr xmlns:a="http://schemas.openxmlformats.org/drawingml/2006/main" lang="en-US" sz="1600">
+                      <a:endParaRPr lang="en-US" sz="1600">
                         <a:effectLst/>
                         <a:latin typeface="Calibri" panose="020F0502020204030204" pitchFamily="34" charset="0"/>
                         <a:ea typeface="Calibri" panose="020F0502020204030204" pitchFamily="34" charset="0"/>
@@ -4253,7 +4253,7 @@
                     <a:bodyPr/>
                     <a:lstStyle/>
                     <a:p>
-                      <a:pPr xmlns:a="http://schemas.openxmlformats.org/drawingml/2006/main" algn="l">
+                      <a:pPr algn="l">
                         <a:lnSpc>
                           <a:spcPct val="107000"/>
                         </a:lnSpc>
@@ -4261,13 +4261,13 @@
                           <a:spcPts val="0"/>
                         </a:spcAft>
                       </a:pPr>
-                      <a:r xmlns:a="http://schemas.openxmlformats.org/drawingml/2006/main">
+                      <a:r>
                         <a:rPr lang="en" sz="1600">
                           <a:effectLst/>
                         </a:rPr>
                         <a:t>5</a:t>
                       </a:r>
-                      <a:endParaRPr xmlns:a="http://schemas.openxmlformats.org/drawingml/2006/main" lang="en-US" sz="1600">
+                      <a:endParaRPr lang="en-US" sz="1600">
                         <a:effectLst/>
                         <a:latin typeface="Calibri" panose="020F0502020204030204" pitchFamily="34" charset="0"/>
                         <a:ea typeface="Calibri" panose="020F0502020204030204" pitchFamily="34" charset="0"/>
@@ -4282,7 +4282,7 @@
                     <a:bodyPr/>
                     <a:lstStyle/>
                     <a:p>
-                      <a:pPr xmlns:a="http://schemas.openxmlformats.org/drawingml/2006/main" algn="l">
+                      <a:pPr algn="l">
                         <a:lnSpc>
                           <a:spcPct val="107000"/>
                         </a:lnSpc>
@@ -4290,13 +4290,13 @@
                           <a:spcPts val="0"/>
                         </a:spcAft>
                       </a:pPr>
-                      <a:r xmlns:a="http://schemas.openxmlformats.org/drawingml/2006/main">
+                      <a:r>
                         <a:rPr lang="en" sz="1600" dirty="0">
                           <a:effectLst/>
                         </a:rPr>
                         <a:t>Product2</a:t>
                       </a:r>
-                      <a:endParaRPr xmlns:a="http://schemas.openxmlformats.org/drawingml/2006/main" lang="en-US" sz="1600" dirty="0">
+                      <a:endParaRPr lang="en-US" sz="1600" dirty="0">
                         <a:effectLst/>
                         <a:latin typeface="Calibri" panose="020F0502020204030204" pitchFamily="34" charset="0"/>
                         <a:ea typeface="Calibri" panose="020F0502020204030204" pitchFamily="34" charset="0"/>
@@ -4311,7 +4311,7 @@
                     <a:bodyPr/>
                     <a:lstStyle/>
                     <a:p>
-                      <a:pPr xmlns:a="http://schemas.openxmlformats.org/drawingml/2006/main" algn="l">
+                      <a:pPr algn="l">
                         <a:lnSpc>
                           <a:spcPct val="107000"/>
                         </a:lnSpc>
@@ -4319,13 +4319,13 @@
                           <a:spcPts val="0"/>
                         </a:spcAft>
                       </a:pPr>
-                      <a:r xmlns:a="http://schemas.openxmlformats.org/drawingml/2006/main">
+                      <a:r>
                         <a:rPr lang="en" sz="1600">
                           <a:effectLst/>
                         </a:rPr>
                         <a:t>Blue</a:t>
                       </a:r>
-                      <a:endParaRPr xmlns:a="http://schemas.openxmlformats.org/drawingml/2006/main" lang="en-US" sz="1600">
+                      <a:endParaRPr lang="en-US" sz="1600">
                         <a:effectLst/>
                         <a:latin typeface="Calibri" panose="020F0502020204030204" pitchFamily="34" charset="0"/>
                         <a:ea typeface="Calibri" panose="020F0502020204030204" pitchFamily="34" charset="0"/>
@@ -4340,7 +4340,7 @@
                     <a:bodyPr/>
                     <a:lstStyle/>
                     <a:p>
-                      <a:pPr xmlns:a="http://schemas.openxmlformats.org/drawingml/2006/main" algn="l">
+                      <a:pPr algn="l">
                         <a:lnSpc>
                           <a:spcPct val="107000"/>
                         </a:lnSpc>
@@ -4348,13 +4348,13 @@
                           <a:spcPts val="0"/>
                         </a:spcAft>
                       </a:pPr>
-                      <a:r xmlns:a="http://schemas.openxmlformats.org/drawingml/2006/main">
+                      <a:r>
                         <a:rPr lang="en" sz="1600">
                           <a:effectLst/>
                         </a:rPr>
                         <a:t>Little</a:t>
                       </a:r>
-                      <a:endParaRPr xmlns:a="http://schemas.openxmlformats.org/drawingml/2006/main" lang="en-US" sz="1600">
+                      <a:endParaRPr lang="en-US" sz="1600">
                         <a:effectLst/>
                         <a:latin typeface="Calibri" panose="020F0502020204030204" pitchFamily="34" charset="0"/>
                         <a:ea typeface="Calibri" panose="020F0502020204030204" pitchFamily="34" charset="0"/>
@@ -4376,7 +4376,7 @@
                     <a:bodyPr/>
                     <a:lstStyle/>
                     <a:p>
-                      <a:pPr xmlns:a="http://schemas.openxmlformats.org/drawingml/2006/main" algn="l">
+                      <a:pPr algn="l">
                         <a:lnSpc>
                           <a:spcPct val="107000"/>
                         </a:lnSpc>
@@ -4384,13 +4384,13 @@
                           <a:spcPts val="0"/>
                         </a:spcAft>
                       </a:pPr>
-                      <a:r xmlns:a="http://schemas.openxmlformats.org/drawingml/2006/main">
+                      <a:r>
                         <a:rPr lang="en" sz="1600">
                           <a:effectLst/>
                         </a:rPr>
                         <a:t>6</a:t>
                       </a:r>
-                      <a:endParaRPr xmlns:a="http://schemas.openxmlformats.org/drawingml/2006/main" lang="en-US" sz="1600">
+                      <a:endParaRPr lang="en-US" sz="1600">
                         <a:effectLst/>
                         <a:latin typeface="Calibri" panose="020F0502020204030204" pitchFamily="34" charset="0"/>
                         <a:ea typeface="Calibri" panose="020F0502020204030204" pitchFamily="34" charset="0"/>
@@ -4405,7 +4405,7 @@
                     <a:bodyPr/>
                     <a:lstStyle/>
                     <a:p>
-                      <a:pPr xmlns:a="http://schemas.openxmlformats.org/drawingml/2006/main" algn="l">
+                      <a:pPr algn="l">
                         <a:lnSpc>
                           <a:spcPct val="107000"/>
                         </a:lnSpc>
@@ -4413,13 +4413,13 @@
                           <a:spcPts val="0"/>
                         </a:spcAft>
                       </a:pPr>
-                      <a:r xmlns:a="http://schemas.openxmlformats.org/drawingml/2006/main">
+                      <a:r>
                         <a:rPr lang="en" sz="1600" dirty="0">
                           <a:effectLst/>
                         </a:rPr>
                         <a:t>Product3</a:t>
                       </a:r>
-                      <a:endParaRPr xmlns:a="http://schemas.openxmlformats.org/drawingml/2006/main" lang="en-US" sz="1600" dirty="0">
+                      <a:endParaRPr lang="en-US" sz="1600" dirty="0">
                         <a:effectLst/>
                         <a:latin typeface="Calibri" panose="020F0502020204030204" pitchFamily="34" charset="0"/>
                         <a:ea typeface="Calibri" panose="020F0502020204030204" pitchFamily="34" charset="0"/>
@@ -4434,7 +4434,7 @@
                     <a:bodyPr/>
                     <a:lstStyle/>
                     <a:p>
-                      <a:pPr xmlns:a="http://schemas.openxmlformats.org/drawingml/2006/main" algn="l">
+                      <a:pPr algn="l">
                         <a:lnSpc>
                           <a:spcPct val="107000"/>
                         </a:lnSpc>
@@ -4442,13 +4442,13 @@
                           <a:spcPts val="0"/>
                         </a:spcAft>
                       </a:pPr>
-                      <a:r xmlns:a="http://schemas.openxmlformats.org/drawingml/2006/main">
+                      <a:r>
                         <a:rPr lang="en" sz="1600">
                           <a:effectLst/>
                         </a:rPr>
                         <a:t>Blue</a:t>
                       </a:r>
-                      <a:endParaRPr xmlns:a="http://schemas.openxmlformats.org/drawingml/2006/main" lang="en-US" sz="1600">
+                      <a:endParaRPr lang="en-US" sz="1600">
                         <a:effectLst/>
                         <a:latin typeface="Calibri" panose="020F0502020204030204" pitchFamily="34" charset="0"/>
                         <a:ea typeface="Calibri" panose="020F0502020204030204" pitchFamily="34" charset="0"/>
@@ -4463,7 +4463,7 @@
                     <a:bodyPr/>
                     <a:lstStyle/>
                     <a:p>
-                      <a:pPr xmlns:a="http://schemas.openxmlformats.org/drawingml/2006/main" algn="l">
+                      <a:pPr algn="l">
                         <a:lnSpc>
                           <a:spcPct val="107000"/>
                         </a:lnSpc>
@@ -4471,13 +4471,13 @@
                           <a:spcPts val="0"/>
                         </a:spcAft>
                       </a:pPr>
-                      <a:r xmlns:a="http://schemas.openxmlformats.org/drawingml/2006/main">
+                      <a:r>
                         <a:rPr lang="en" sz="1600">
                           <a:effectLst/>
                         </a:rPr>
                         <a:t>AVERAGE</a:t>
                       </a:r>
-                      <a:endParaRPr xmlns:a="http://schemas.openxmlformats.org/drawingml/2006/main" lang="en-US" sz="1600">
+                      <a:endParaRPr lang="en-US" sz="1600">
                         <a:effectLst/>
                         <a:latin typeface="Calibri" panose="020F0502020204030204" pitchFamily="34" charset="0"/>
                         <a:ea typeface="Calibri" panose="020F0502020204030204" pitchFamily="34" charset="0"/>
@@ -4499,7 +4499,7 @@
                     <a:bodyPr/>
                     <a:lstStyle/>
                     <a:p>
-                      <a:pPr xmlns:a="http://schemas.openxmlformats.org/drawingml/2006/main" algn="l">
+                      <a:pPr algn="l">
                         <a:lnSpc>
                           <a:spcPct val="107000"/>
                         </a:lnSpc>
@@ -4507,13 +4507,13 @@
                           <a:spcPts val="0"/>
                         </a:spcAft>
                       </a:pPr>
-                      <a:r xmlns:a="http://schemas.openxmlformats.org/drawingml/2006/main">
+                      <a:r>
                         <a:rPr lang="en" sz="1600">
                           <a:effectLst/>
                         </a:rPr>
                         <a:t>7</a:t>
                       </a:r>
-                      <a:endParaRPr xmlns:a="http://schemas.openxmlformats.org/drawingml/2006/main" lang="en-US" sz="1600">
+                      <a:endParaRPr lang="en-US" sz="1600">
                         <a:effectLst/>
                         <a:latin typeface="Calibri" panose="020F0502020204030204" pitchFamily="34" charset="0"/>
                         <a:ea typeface="Calibri" panose="020F0502020204030204" pitchFamily="34" charset="0"/>
@@ -4528,7 +4528,7 @@
                     <a:bodyPr/>
                     <a:lstStyle/>
                     <a:p>
-                      <a:pPr xmlns:a="http://schemas.openxmlformats.org/drawingml/2006/main" algn="l">
+                      <a:pPr algn="l">
                         <a:lnSpc>
                           <a:spcPct val="107000"/>
                         </a:lnSpc>
@@ -4536,13 +4536,13 @@
                           <a:spcPts val="0"/>
                         </a:spcAft>
                       </a:pPr>
-                      <a:r xmlns:a="http://schemas.openxmlformats.org/drawingml/2006/main">
+                      <a:r>
                         <a:rPr lang="en" sz="1600" dirty="0">
                           <a:effectLst/>
                         </a:rPr>
                         <a:t>Product1</a:t>
                       </a:r>
-                      <a:endParaRPr xmlns:a="http://schemas.openxmlformats.org/drawingml/2006/main" lang="en-US" sz="1600" dirty="0">
+                      <a:endParaRPr lang="en-US" sz="1600" dirty="0">
                         <a:effectLst/>
                         <a:latin typeface="Calibri" panose="020F0502020204030204" pitchFamily="34" charset="0"/>
                         <a:ea typeface="Calibri" panose="020F0502020204030204" pitchFamily="34" charset="0"/>
@@ -4557,7 +4557,7 @@
                     <a:bodyPr/>
                     <a:lstStyle/>
                     <a:p>
-                      <a:pPr xmlns:a="http://schemas.openxmlformats.org/drawingml/2006/main" algn="l">
+                      <a:pPr algn="l">
                         <a:lnSpc>
                           <a:spcPct val="107000"/>
                         </a:lnSpc>
@@ -4565,13 +4565,13 @@
                           <a:spcPts val="0"/>
                         </a:spcAft>
                       </a:pPr>
-                      <a:r xmlns:a="http://schemas.openxmlformats.org/drawingml/2006/main">
+                      <a:r>
                         <a:rPr lang="en" sz="1600" dirty="0">
                           <a:effectLst/>
                         </a:rPr>
                         <a:t>Blue</a:t>
                       </a:r>
-                      <a:endParaRPr xmlns:a="http://schemas.openxmlformats.org/drawingml/2006/main" lang="en-US" sz="1600" dirty="0">
+                      <a:endParaRPr lang="en-US" sz="1600" dirty="0">
                         <a:effectLst/>
                         <a:latin typeface="Calibri" panose="020F0502020204030204" pitchFamily="34" charset="0"/>
                         <a:ea typeface="Calibri" panose="020F0502020204030204" pitchFamily="34" charset="0"/>
@@ -4586,7 +4586,7 @@
                     <a:bodyPr/>
                     <a:lstStyle/>
                     <a:p>
-                      <a:pPr xmlns:a="http://schemas.openxmlformats.org/drawingml/2006/main" algn="l">
+                      <a:pPr algn="l">
                         <a:lnSpc>
                           <a:spcPct val="107000"/>
                         </a:lnSpc>
@@ -4594,13 +4594,13 @@
                           <a:spcPts val="0"/>
                         </a:spcAft>
                       </a:pPr>
-                      <a:r xmlns:a="http://schemas.openxmlformats.org/drawingml/2006/main">
+                      <a:r>
                         <a:rPr lang="en" sz="1600">
                           <a:effectLst/>
                         </a:rPr>
                         <a:t>AVERAGE</a:t>
                       </a:r>
-                      <a:endParaRPr xmlns:a="http://schemas.openxmlformats.org/drawingml/2006/main" lang="en-US" sz="1600">
+                      <a:endParaRPr lang="en-US" sz="1600">
                         <a:effectLst/>
                         <a:latin typeface="Calibri" panose="020F0502020204030204" pitchFamily="34" charset="0"/>
                         <a:ea typeface="Calibri" panose="020F0502020204030204" pitchFamily="34" charset="0"/>
@@ -4622,7 +4622,7 @@
                     <a:bodyPr/>
                     <a:lstStyle/>
                     <a:p>
-                      <a:pPr xmlns:a="http://schemas.openxmlformats.org/drawingml/2006/main" algn="l">
+                      <a:pPr algn="l">
                         <a:lnSpc>
                           <a:spcPct val="107000"/>
                         </a:lnSpc>
@@ -4630,13 +4630,13 @@
                           <a:spcPts val="0"/>
                         </a:spcAft>
                       </a:pPr>
-                      <a:r xmlns:a="http://schemas.openxmlformats.org/drawingml/2006/main">
+                      <a:r>
                         <a:rPr lang="en" sz="1600">
                           <a:effectLst/>
                         </a:rPr>
                         <a:t>8</a:t>
                       </a:r>
-                      <a:endParaRPr xmlns:a="http://schemas.openxmlformats.org/drawingml/2006/main" lang="en-US" sz="1600">
+                      <a:endParaRPr lang="en-US" sz="1600">
                         <a:effectLst/>
                         <a:latin typeface="Calibri" panose="020F0502020204030204" pitchFamily="34" charset="0"/>
                         <a:ea typeface="Calibri" panose="020F0502020204030204" pitchFamily="34" charset="0"/>
@@ -4651,7 +4651,7 @@
                     <a:bodyPr/>
                     <a:lstStyle/>
                     <a:p>
-                      <a:pPr xmlns:a="http://schemas.openxmlformats.org/drawingml/2006/main" algn="l">
+                      <a:pPr algn="l">
                         <a:lnSpc>
                           <a:spcPct val="107000"/>
                         </a:lnSpc>
@@ -4659,13 +4659,13 @@
                           <a:spcPts val="0"/>
                         </a:spcAft>
                       </a:pPr>
-                      <a:r xmlns:a="http://schemas.openxmlformats.org/drawingml/2006/main">
+                      <a:r>
                         <a:rPr lang="en" sz="1600" dirty="0">
                           <a:effectLst/>
                         </a:rPr>
                         <a:t>Product2</a:t>
                       </a:r>
-                      <a:endParaRPr xmlns:a="http://schemas.openxmlformats.org/drawingml/2006/main" lang="en-US" sz="1600" dirty="0">
+                      <a:endParaRPr lang="en-US" sz="1600" dirty="0">
                         <a:effectLst/>
                         <a:latin typeface="Calibri" panose="020F0502020204030204" pitchFamily="34" charset="0"/>
                         <a:ea typeface="Calibri" panose="020F0502020204030204" pitchFamily="34" charset="0"/>
@@ -4680,7 +4680,7 @@
                     <a:bodyPr/>
                     <a:lstStyle/>
                     <a:p>
-                      <a:pPr xmlns:a="http://schemas.openxmlformats.org/drawingml/2006/main" algn="l">
+                      <a:pPr algn="l">
                         <a:lnSpc>
                           <a:spcPct val="107000"/>
                         </a:lnSpc>
@@ -4688,13 +4688,13 @@
                           <a:spcPts val="0"/>
                         </a:spcAft>
                       </a:pPr>
-                      <a:r xmlns:a="http://schemas.openxmlformats.org/drawingml/2006/main">
+                      <a:r>
                         <a:rPr lang="en" sz="1600" dirty="0">
                           <a:effectLst/>
                         </a:rPr>
                         <a:t>Blue</a:t>
                       </a:r>
-                      <a:endParaRPr xmlns:a="http://schemas.openxmlformats.org/drawingml/2006/main" lang="en-US" sz="1600" dirty="0">
+                      <a:endParaRPr lang="en-US" sz="1600" dirty="0">
                         <a:effectLst/>
                         <a:latin typeface="Calibri" panose="020F0502020204030204" pitchFamily="34" charset="0"/>
                         <a:ea typeface="Calibri" panose="020F0502020204030204" pitchFamily="34" charset="0"/>
@@ -4709,7 +4709,7 @@
                     <a:bodyPr/>
                     <a:lstStyle/>
                     <a:p>
-                      <a:pPr xmlns:a="http://schemas.openxmlformats.org/drawingml/2006/main" algn="l">
+                      <a:pPr algn="l">
                         <a:lnSpc>
                           <a:spcPct val="107000"/>
                         </a:lnSpc>
@@ -4717,13 +4717,13 @@
                           <a:spcPts val="0"/>
                         </a:spcAft>
                       </a:pPr>
-                      <a:r xmlns:a="http://schemas.openxmlformats.org/drawingml/2006/main">
+                      <a:r>
                         <a:rPr lang="en" sz="1600">
                           <a:effectLst/>
                         </a:rPr>
                         <a:t>Big</a:t>
                       </a:r>
-                      <a:endParaRPr xmlns:a="http://schemas.openxmlformats.org/drawingml/2006/main" lang="en-US" sz="1600">
+                      <a:endParaRPr lang="en-US" sz="1600">
                         <a:effectLst/>
                         <a:latin typeface="Calibri" panose="020F0502020204030204" pitchFamily="34" charset="0"/>
                         <a:ea typeface="Calibri" panose="020F0502020204030204" pitchFamily="34" charset="0"/>
@@ -4745,7 +4745,7 @@
                     <a:bodyPr/>
                     <a:lstStyle/>
                     <a:p>
-                      <a:pPr xmlns:a="http://schemas.openxmlformats.org/drawingml/2006/main" algn="l">
+                      <a:pPr algn="l">
                         <a:lnSpc>
                           <a:spcPct val="107000"/>
                         </a:lnSpc>
@@ -4753,13 +4753,13 @@
                           <a:spcPts val="0"/>
                         </a:spcAft>
                       </a:pPr>
-                      <a:r xmlns:a="http://schemas.openxmlformats.org/drawingml/2006/main">
+                      <a:r>
                         <a:rPr lang="en" sz="1600">
                           <a:effectLst/>
                         </a:rPr>
                         <a:t>9</a:t>
                       </a:r>
-                      <a:endParaRPr xmlns:a="http://schemas.openxmlformats.org/drawingml/2006/main" lang="en-US" sz="1600">
+                      <a:endParaRPr lang="en-US" sz="1600">
                         <a:effectLst/>
                         <a:latin typeface="Calibri" panose="020F0502020204030204" pitchFamily="34" charset="0"/>
                         <a:ea typeface="Calibri" panose="020F0502020204030204" pitchFamily="34" charset="0"/>
@@ -4774,7 +4774,7 @@
                     <a:bodyPr/>
                     <a:lstStyle/>
                     <a:p>
-                      <a:pPr xmlns:a="http://schemas.openxmlformats.org/drawingml/2006/main" algn="l">
+                      <a:pPr algn="l">
                         <a:lnSpc>
                           <a:spcPct val="107000"/>
                         </a:lnSpc>
@@ -4782,13 +4782,13 @@
                           <a:spcPts val="0"/>
                         </a:spcAft>
                       </a:pPr>
-                      <a:r xmlns:a="http://schemas.openxmlformats.org/drawingml/2006/main">
+                      <a:r>
                         <a:rPr lang="en" sz="1600" dirty="0">
                           <a:effectLst/>
                         </a:rPr>
                         <a:t>Product3</a:t>
                       </a:r>
-                      <a:endParaRPr xmlns:a="http://schemas.openxmlformats.org/drawingml/2006/main" lang="en-US" sz="1600" dirty="0">
+                      <a:endParaRPr lang="en-US" sz="1600" dirty="0">
                         <a:effectLst/>
                         <a:latin typeface="Calibri" panose="020F0502020204030204" pitchFamily="34" charset="0"/>
                         <a:ea typeface="Calibri" panose="020F0502020204030204" pitchFamily="34" charset="0"/>
@@ -4803,7 +4803,7 @@
                     <a:bodyPr/>
                     <a:lstStyle/>
                     <a:p>
-                      <a:pPr xmlns:a="http://schemas.openxmlformats.org/drawingml/2006/main" algn="l">
+                      <a:pPr algn="l">
                         <a:lnSpc>
                           <a:spcPct val="107000"/>
                         </a:lnSpc>
@@ -4811,13 +4811,13 @@
                           <a:spcPts val="0"/>
                         </a:spcAft>
                       </a:pPr>
-                      <a:r xmlns:a="http://schemas.openxmlformats.org/drawingml/2006/main">
+                      <a:r>
                         <a:rPr lang="en" sz="1600" dirty="0">
                           <a:effectLst/>
                         </a:rPr>
                         <a:t>Blue</a:t>
                       </a:r>
-                      <a:endParaRPr xmlns:a="http://schemas.openxmlformats.org/drawingml/2006/main" lang="en-US" sz="1600" dirty="0">
+                      <a:endParaRPr lang="en-US" sz="1600" dirty="0">
                         <a:effectLst/>
                         <a:latin typeface="Calibri" panose="020F0502020204030204" pitchFamily="34" charset="0"/>
                         <a:ea typeface="Calibri" panose="020F0502020204030204" pitchFamily="34" charset="0"/>
@@ -4832,7 +4832,7 @@
                     <a:bodyPr/>
                     <a:lstStyle/>
                     <a:p>
-                      <a:pPr xmlns:a="http://schemas.openxmlformats.org/drawingml/2006/main" algn="l">
+                      <a:pPr algn="l">
                         <a:lnSpc>
                           <a:spcPct val="107000"/>
                         </a:lnSpc>
@@ -4840,13 +4840,13 @@
                           <a:spcPts val="0"/>
                         </a:spcAft>
                       </a:pPr>
-                      <a:r xmlns:a="http://schemas.openxmlformats.org/drawingml/2006/main">
+                      <a:r>
                         <a:rPr lang="en" sz="1600">
                           <a:effectLst/>
                         </a:rPr>
                         <a:t>Big</a:t>
                       </a:r>
-                      <a:endParaRPr xmlns:a="http://schemas.openxmlformats.org/drawingml/2006/main" lang="en-US" sz="1600">
+                      <a:endParaRPr lang="en-US" sz="1600">
                         <a:effectLst/>
                         <a:latin typeface="Calibri" panose="020F0502020204030204" pitchFamily="34" charset="0"/>
                         <a:ea typeface="Calibri" panose="020F0502020204030204" pitchFamily="34" charset="0"/>
@@ -4868,7 +4868,7 @@
                     <a:bodyPr/>
                     <a:lstStyle/>
                     <a:p>
-                      <a:pPr xmlns:a="http://schemas.openxmlformats.org/drawingml/2006/main" algn="l">
+                      <a:pPr algn="l">
                         <a:lnSpc>
                           <a:spcPct val="107000"/>
                         </a:lnSpc>
@@ -4876,13 +4876,13 @@
                           <a:spcPts val="0"/>
                         </a:spcAft>
                       </a:pPr>
-                      <a:r xmlns:a="http://schemas.openxmlformats.org/drawingml/2006/main">
+                      <a:r>
                         <a:rPr lang="en" sz="1600">
                           <a:effectLst/>
                         </a:rPr>
                         <a:t>10</a:t>
                       </a:r>
-                      <a:endParaRPr xmlns:a="http://schemas.openxmlformats.org/drawingml/2006/main" lang="en-US" sz="1600">
+                      <a:endParaRPr lang="en-US" sz="1600">
                         <a:effectLst/>
                         <a:latin typeface="Calibri" panose="020F0502020204030204" pitchFamily="34" charset="0"/>
                         <a:ea typeface="Calibri" panose="020F0502020204030204" pitchFamily="34" charset="0"/>
@@ -4897,7 +4897,7 @@
                     <a:bodyPr/>
                     <a:lstStyle/>
                     <a:p>
-                      <a:pPr xmlns:a="http://schemas.openxmlformats.org/drawingml/2006/main" algn="l">
+                      <a:pPr algn="l">
                         <a:lnSpc>
                           <a:spcPct val="107000"/>
                         </a:lnSpc>
@@ -4905,13 +4905,13 @@
                           <a:spcPts val="0"/>
                         </a:spcAft>
                       </a:pPr>
-                      <a:r xmlns:a="http://schemas.openxmlformats.org/drawingml/2006/main">
+                      <a:r>
                         <a:rPr lang="en" sz="1600" dirty="0">
                           <a:effectLst/>
                         </a:rPr>
                         <a:t>Product1</a:t>
                       </a:r>
-                      <a:endParaRPr xmlns:a="http://schemas.openxmlformats.org/drawingml/2006/main" lang="en-US" sz="1600" dirty="0">
+                      <a:endParaRPr lang="en-US" sz="1600" dirty="0">
                         <a:effectLst/>
                         <a:latin typeface="Calibri" panose="020F0502020204030204" pitchFamily="34" charset="0"/>
                         <a:ea typeface="Calibri" panose="020F0502020204030204" pitchFamily="34" charset="0"/>
@@ -4926,7 +4926,7 @@
                     <a:bodyPr/>
                     <a:lstStyle/>
                     <a:p>
-                      <a:pPr xmlns:a="http://schemas.openxmlformats.org/drawingml/2006/main" algn="l">
+                      <a:pPr algn="l">
                         <a:lnSpc>
                           <a:spcPct val="107000"/>
                         </a:lnSpc>
@@ -4934,13 +4934,13 @@
                           <a:spcPts val="0"/>
                         </a:spcAft>
                       </a:pPr>
-                      <a:r xmlns:a="http://schemas.openxmlformats.org/drawingml/2006/main">
+                      <a:r>
                         <a:rPr lang="en" sz="1600" dirty="0">
                           <a:effectLst/>
                         </a:rPr>
                         <a:t>Red</a:t>
                       </a:r>
-                      <a:endParaRPr xmlns:a="http://schemas.openxmlformats.org/drawingml/2006/main" lang="en-US" sz="1600" dirty="0">
+                      <a:endParaRPr lang="en-US" sz="1600" dirty="0">
                         <a:effectLst/>
                         <a:latin typeface="Calibri" panose="020F0502020204030204" pitchFamily="34" charset="0"/>
                         <a:ea typeface="Calibri" panose="020F0502020204030204" pitchFamily="34" charset="0"/>
@@ -4955,7 +4955,7 @@
                     <a:bodyPr/>
                     <a:lstStyle/>
                     <a:p>
-                      <a:pPr xmlns:a="http://schemas.openxmlformats.org/drawingml/2006/main" algn="l">
+                      <a:pPr algn="l">
                         <a:lnSpc>
                           <a:spcPct val="107000"/>
                         </a:lnSpc>
@@ -4963,13 +4963,13 @@
                           <a:spcPts val="0"/>
                         </a:spcAft>
                       </a:pPr>
-                      <a:r xmlns:a="http://schemas.openxmlformats.org/drawingml/2006/main">
+                      <a:r>
                         <a:rPr lang="en" sz="1600">
                           <a:effectLst/>
                         </a:rPr>
                         <a:t>Big</a:t>
                       </a:r>
-                      <a:endParaRPr xmlns:a="http://schemas.openxmlformats.org/drawingml/2006/main" lang="en-US" sz="1600">
+                      <a:endParaRPr lang="en-US" sz="1600">
                         <a:effectLst/>
                         <a:latin typeface="Calibri" panose="020F0502020204030204" pitchFamily="34" charset="0"/>
                         <a:ea typeface="Calibri" panose="020F0502020204030204" pitchFamily="34" charset="0"/>
@@ -4991,7 +4991,7 @@
                     <a:bodyPr/>
                     <a:lstStyle/>
                     <a:p>
-                      <a:pPr xmlns:a="http://schemas.openxmlformats.org/drawingml/2006/main" algn="l">
+                      <a:pPr algn="l">
                         <a:lnSpc>
                           <a:spcPct val="107000"/>
                         </a:lnSpc>
@@ -4999,13 +4999,13 @@
                           <a:spcPts val="0"/>
                         </a:spcAft>
                       </a:pPr>
-                      <a:r xmlns:a="http://schemas.openxmlformats.org/drawingml/2006/main">
+                      <a:r>
                         <a:rPr lang="en" sz="1600">
                           <a:effectLst/>
                         </a:rPr>
                         <a:t>11</a:t>
                       </a:r>
-                      <a:endParaRPr xmlns:a="http://schemas.openxmlformats.org/drawingml/2006/main" lang="en-US" sz="1600">
+                      <a:endParaRPr lang="en-US" sz="1600">
                         <a:effectLst/>
                         <a:latin typeface="Calibri" panose="020F0502020204030204" pitchFamily="34" charset="0"/>
                         <a:ea typeface="Calibri" panose="020F0502020204030204" pitchFamily="34" charset="0"/>
@@ -5020,7 +5020,7 @@
                     <a:bodyPr/>
                     <a:lstStyle/>
                     <a:p>
-                      <a:pPr xmlns:a="http://schemas.openxmlformats.org/drawingml/2006/main" algn="l">
+                      <a:pPr algn="l">
                         <a:lnSpc>
                           <a:spcPct val="107000"/>
                         </a:lnSpc>
@@ -5028,13 +5028,13 @@
                           <a:spcPts val="0"/>
                         </a:spcAft>
                       </a:pPr>
-                      <a:r xmlns:a="http://schemas.openxmlformats.org/drawingml/2006/main">
+                      <a:r>
                         <a:rPr lang="en" sz="1600" dirty="0">
                           <a:effectLst/>
                         </a:rPr>
                         <a:t>Product2</a:t>
                       </a:r>
-                      <a:endParaRPr xmlns:a="http://schemas.openxmlformats.org/drawingml/2006/main" lang="en-US" sz="1600" dirty="0">
+                      <a:endParaRPr lang="en-US" sz="1600" dirty="0">
                         <a:effectLst/>
                         <a:latin typeface="Calibri" panose="020F0502020204030204" pitchFamily="34" charset="0"/>
                         <a:ea typeface="Calibri" panose="020F0502020204030204" pitchFamily="34" charset="0"/>
@@ -5049,7 +5049,7 @@
                     <a:bodyPr/>
                     <a:lstStyle/>
                     <a:p>
-                      <a:pPr xmlns:a="http://schemas.openxmlformats.org/drawingml/2006/main" algn="l">
+                      <a:pPr algn="l">
                         <a:lnSpc>
                           <a:spcPct val="107000"/>
                         </a:lnSpc>
@@ -5057,13 +5057,13 @@
                           <a:spcPts val="0"/>
                         </a:spcAft>
                       </a:pPr>
-                      <a:r xmlns:a="http://schemas.openxmlformats.org/drawingml/2006/main">
+                      <a:r>
                         <a:rPr lang="en" sz="1600" dirty="0">
                           <a:effectLst/>
                         </a:rPr>
                         <a:t>Red</a:t>
                       </a:r>
-                      <a:endParaRPr xmlns:a="http://schemas.openxmlformats.org/drawingml/2006/main" lang="en-US" sz="1600" dirty="0">
+                      <a:endParaRPr lang="en-US" sz="1600" dirty="0">
                         <a:effectLst/>
                         <a:latin typeface="Calibri" panose="020F0502020204030204" pitchFamily="34" charset="0"/>
                         <a:ea typeface="Calibri" panose="020F0502020204030204" pitchFamily="34" charset="0"/>
@@ -5078,7 +5078,7 @@
                     <a:bodyPr/>
                     <a:lstStyle/>
                     <a:p>
-                      <a:pPr xmlns:a="http://schemas.openxmlformats.org/drawingml/2006/main" algn="l">
+                      <a:pPr algn="l">
                         <a:lnSpc>
                           <a:spcPct val="107000"/>
                         </a:lnSpc>
@@ -5086,13 +5086,13 @@
                           <a:spcPts val="0"/>
                         </a:spcAft>
                       </a:pPr>
-                      <a:r xmlns:a="http://schemas.openxmlformats.org/drawingml/2006/main">
+                      <a:r>
                         <a:rPr lang="en" sz="1600" dirty="0">
                           <a:effectLst/>
                         </a:rPr>
                         <a:t>Big</a:t>
                       </a:r>
-                      <a:endParaRPr xmlns:a="http://schemas.openxmlformats.org/drawingml/2006/main" lang="en-US" sz="1600" dirty="0">
+                      <a:endParaRPr lang="en-US" sz="1600" dirty="0">
                         <a:effectLst/>
                         <a:latin typeface="Calibri" panose="020F0502020204030204" pitchFamily="34" charset="0"/>
                         <a:ea typeface="Calibri" panose="020F0502020204030204" pitchFamily="34" charset="0"/>
@@ -5114,7 +5114,7 @@
                     <a:bodyPr/>
                     <a:lstStyle/>
                     <a:p>
-                      <a:pPr xmlns:a="http://schemas.openxmlformats.org/drawingml/2006/main" algn="l">
+                      <a:pPr algn="l">
                         <a:lnSpc>
                           <a:spcPct val="107000"/>
                         </a:lnSpc>
@@ -5122,13 +5122,13 @@
                           <a:spcPts val="0"/>
                         </a:spcAft>
                       </a:pPr>
-                      <a:r xmlns:a="http://schemas.openxmlformats.org/drawingml/2006/main">
+                      <a:r>
                         <a:rPr lang="en" sz="1600" dirty="0">
                           <a:effectLst/>
                         </a:rPr>
                         <a:t>12</a:t>
                       </a:r>
-                      <a:endParaRPr xmlns:a="http://schemas.openxmlformats.org/drawingml/2006/main" lang="en-US" sz="1600" dirty="0">
+                      <a:endParaRPr lang="en-US" sz="1600" dirty="0">
                         <a:effectLst/>
                         <a:latin typeface="Calibri" panose="020F0502020204030204" pitchFamily="34" charset="0"/>
                         <a:ea typeface="Calibri" panose="020F0502020204030204" pitchFamily="34" charset="0"/>
@@ -5143,7 +5143,7 @@
                     <a:bodyPr/>
                     <a:lstStyle/>
                     <a:p>
-                      <a:pPr xmlns:a="http://schemas.openxmlformats.org/drawingml/2006/main" algn="l">
+                      <a:pPr algn="l">
                         <a:lnSpc>
                           <a:spcPct val="107000"/>
                         </a:lnSpc>
@@ -5151,13 +5151,13 @@
                           <a:spcPts val="0"/>
                         </a:spcAft>
                       </a:pPr>
-                      <a:r xmlns:a="http://schemas.openxmlformats.org/drawingml/2006/main">
+                      <a:r>
                         <a:rPr lang="en" sz="1600" dirty="0">
                           <a:effectLst/>
                         </a:rPr>
                         <a:t>Product3</a:t>
                       </a:r>
-                      <a:endParaRPr xmlns:a="http://schemas.openxmlformats.org/drawingml/2006/main" lang="en-US" sz="1600" dirty="0">
+                      <a:endParaRPr lang="en-US" sz="1600" dirty="0">
                         <a:effectLst/>
                         <a:latin typeface="Calibri" panose="020F0502020204030204" pitchFamily="34" charset="0"/>
                         <a:ea typeface="Calibri" panose="020F0502020204030204" pitchFamily="34" charset="0"/>
@@ -5172,7 +5172,7 @@
                     <a:bodyPr/>
                     <a:lstStyle/>
                     <a:p>
-                      <a:pPr xmlns:a="http://schemas.openxmlformats.org/drawingml/2006/main" algn="l">
+                      <a:pPr algn="l">
                         <a:lnSpc>
                           <a:spcPct val="107000"/>
                         </a:lnSpc>
@@ -5180,13 +5180,13 @@
                           <a:spcPts val="0"/>
                         </a:spcAft>
                       </a:pPr>
-                      <a:r xmlns:a="http://schemas.openxmlformats.org/drawingml/2006/main">
+                      <a:r>
                         <a:rPr lang="en" sz="1600" dirty="0">
                           <a:effectLst/>
                         </a:rPr>
                         <a:t>Red</a:t>
                       </a:r>
-                      <a:endParaRPr xmlns:a="http://schemas.openxmlformats.org/drawingml/2006/main" lang="en-US" sz="1600" dirty="0">
+                      <a:endParaRPr lang="en-US" sz="1600" dirty="0">
                         <a:effectLst/>
                         <a:latin typeface="Calibri" panose="020F0502020204030204" pitchFamily="34" charset="0"/>
                         <a:ea typeface="Calibri" panose="020F0502020204030204" pitchFamily="34" charset="0"/>
@@ -5201,7 +5201,7 @@
                     <a:bodyPr/>
                     <a:lstStyle/>
                     <a:p>
-                      <a:pPr xmlns:a="http://schemas.openxmlformats.org/drawingml/2006/main" algn="l">
+                      <a:pPr algn="l">
                         <a:lnSpc>
                           <a:spcPct val="107000"/>
                         </a:lnSpc>
@@ -5209,13 +5209,13 @@
                           <a:spcPts val="0"/>
                         </a:spcAft>
                       </a:pPr>
-                      <a:r xmlns:a="http://schemas.openxmlformats.org/drawingml/2006/main">
+                      <a:r>
                         <a:rPr lang="en" sz="1600" dirty="0">
                           <a:effectLst/>
                         </a:rPr>
                         <a:t>Big</a:t>
                       </a:r>
-                      <a:endParaRPr xmlns:a="http://schemas.openxmlformats.org/drawingml/2006/main" lang="en-US" sz="1600" dirty="0">
+                      <a:endParaRPr lang="en-US" sz="1600" dirty="0">
                         <a:effectLst/>
                         <a:latin typeface="Calibri" panose="020F0502020204030204" pitchFamily="34" charset="0"/>
                         <a:ea typeface="Calibri" panose="020F0502020204030204" pitchFamily="34" charset="0"/>
@@ -5281,7 +5281,7 @@
                     <a:bodyPr/>
                     <a:lstStyle/>
                     <a:p>
-                      <a:pPr xmlns:a="http://schemas.openxmlformats.org/drawingml/2006/main">
+                      <a:pPr>
                         <a:lnSpc>
                           <a:spcPct val="107000"/>
                         </a:lnSpc>
@@ -5289,13 +5289,13 @@
                           <a:spcPts val="0"/>
                         </a:spcAft>
                       </a:pPr>
-                      <a:r xmlns:a="http://schemas.openxmlformats.org/drawingml/2006/main">
+                      <a:r>
                         <a:rPr lang="en" sz="1800" dirty="0">
                           <a:effectLst/>
                         </a:rPr>
                         <a:t>ID</a:t>
                       </a:r>
-                      <a:endParaRPr xmlns:a="http://schemas.openxmlformats.org/drawingml/2006/main" lang="en-US" sz="1800" dirty="0">
+                      <a:endParaRPr lang="en-US" sz="1800" dirty="0">
                         <a:effectLst/>
                         <a:latin typeface="Calibri" panose="020F0502020204030204" pitchFamily="34" charset="0"/>
                         <a:ea typeface="Calibri" panose="020F0502020204030204" pitchFamily="34" charset="0"/>
@@ -5310,7 +5310,7 @@
                     <a:bodyPr/>
                     <a:lstStyle/>
                     <a:p>
-                      <a:pPr xmlns:a="http://schemas.openxmlformats.org/drawingml/2006/main">
+                      <a:pPr>
                         <a:lnSpc>
                           <a:spcPct val="107000"/>
                         </a:lnSpc>
@@ -5318,13 +5318,13 @@
                           <a:spcPts val="0"/>
                         </a:spcAft>
                       </a:pPr>
-                      <a:r xmlns:a="http://schemas.openxmlformats.org/drawingml/2006/main">
+                      <a:r>
                         <a:rPr lang="en" sz="1800">
                           <a:effectLst/>
                         </a:rPr>
                         <a:t>Sales</a:t>
                       </a:r>
-                      <a:endParaRPr xmlns:a="http://schemas.openxmlformats.org/drawingml/2006/main" lang="en-US" sz="1800">
+                      <a:endParaRPr lang="en-US" sz="1800">
                         <a:effectLst/>
                         <a:latin typeface="Calibri" panose="020F0502020204030204" pitchFamily="34" charset="0"/>
                         <a:ea typeface="Calibri" panose="020F0502020204030204" pitchFamily="34" charset="0"/>
@@ -5346,7 +5346,7 @@
                     <a:bodyPr/>
                     <a:lstStyle/>
                     <a:p>
-                      <a:pPr xmlns:a="http://schemas.openxmlformats.org/drawingml/2006/main" algn="r">
+                      <a:pPr algn="r">
                         <a:lnSpc>
                           <a:spcPct val="107000"/>
                         </a:lnSpc>
@@ -5354,13 +5354,13 @@
                           <a:spcPts val="0"/>
                         </a:spcAft>
                       </a:pPr>
-                      <a:r xmlns:a="http://schemas.openxmlformats.org/drawingml/2006/main">
+                      <a:r>
                         <a:rPr lang="en" sz="1800" dirty="0">
                           <a:effectLst/>
                         </a:rPr>
                         <a:t>1</a:t>
                       </a:r>
-                      <a:endParaRPr xmlns:a="http://schemas.openxmlformats.org/drawingml/2006/main" lang="en-US" sz="1800" dirty="0">
+                      <a:endParaRPr lang="en-US" sz="1800" dirty="0">
                         <a:effectLst/>
                         <a:latin typeface="Calibri" panose="020F0502020204030204" pitchFamily="34" charset="0"/>
                         <a:ea typeface="Calibri" panose="020F0502020204030204" pitchFamily="34" charset="0"/>
@@ -5375,7 +5375,7 @@
                     <a:bodyPr/>
                     <a:lstStyle/>
                     <a:p>
-                      <a:pPr xmlns:a="http://schemas.openxmlformats.org/drawingml/2006/main" algn="r">
+                      <a:pPr algn="r">
                         <a:lnSpc>
                           <a:spcPct val="107000"/>
                         </a:lnSpc>
@@ -5383,13 +5383,13 @@
                           <a:spcPts val="0"/>
                         </a:spcAft>
                       </a:pPr>
-                      <a:r xmlns:a="http://schemas.openxmlformats.org/drawingml/2006/main">
+                      <a:r>
                         <a:rPr lang="en" sz="1800" dirty="0">
                           <a:effectLst/>
                         </a:rPr>
                         <a:t>10</a:t>
                       </a:r>
-                      <a:endParaRPr xmlns:a="http://schemas.openxmlformats.org/drawingml/2006/main" lang="en-US" sz="1800" dirty="0">
+                      <a:endParaRPr lang="en-US" sz="1800" dirty="0">
                         <a:effectLst/>
                         <a:latin typeface="Calibri" panose="020F0502020204030204" pitchFamily="34" charset="0"/>
                         <a:ea typeface="Calibri" panose="020F0502020204030204" pitchFamily="34" charset="0"/>
@@ -5411,7 +5411,7 @@
                     <a:bodyPr/>
                     <a:lstStyle/>
                     <a:p>
-                      <a:pPr xmlns:a="http://schemas.openxmlformats.org/drawingml/2006/main" algn="r">
+                      <a:pPr algn="r">
                         <a:lnSpc>
                           <a:spcPct val="107000"/>
                         </a:lnSpc>
@@ -5419,13 +5419,13 @@
                           <a:spcPts val="0"/>
                         </a:spcAft>
                       </a:pPr>
-                      <a:r xmlns:a="http://schemas.openxmlformats.org/drawingml/2006/main">
+                      <a:r>
                         <a:rPr lang="en" sz="1800" dirty="0">
                           <a:effectLst/>
                         </a:rPr>
                         <a:t>2</a:t>
                       </a:r>
-                      <a:endParaRPr xmlns:a="http://schemas.openxmlformats.org/drawingml/2006/main" lang="en-US" sz="1800" dirty="0">
+                      <a:endParaRPr lang="en-US" sz="1800" dirty="0">
                         <a:effectLst/>
                         <a:latin typeface="Calibri" panose="020F0502020204030204" pitchFamily="34" charset="0"/>
                         <a:ea typeface="Calibri" panose="020F0502020204030204" pitchFamily="34" charset="0"/>
@@ -5440,7 +5440,7 @@
                     <a:bodyPr/>
                     <a:lstStyle/>
                     <a:p>
-                      <a:pPr xmlns:a="http://schemas.openxmlformats.org/drawingml/2006/main" algn="r">
+                      <a:pPr algn="r">
                         <a:lnSpc>
                           <a:spcPct val="107000"/>
                         </a:lnSpc>
@@ -5448,13 +5448,13 @@
                           <a:spcPts val="0"/>
                         </a:spcAft>
                       </a:pPr>
-                      <a:r xmlns:a="http://schemas.openxmlformats.org/drawingml/2006/main">
+                      <a:r>
                         <a:rPr lang="en" sz="1800" dirty="0">
                           <a:effectLst/>
                         </a:rPr>
                         <a:t>30</a:t>
                       </a:r>
-                      <a:endParaRPr xmlns:a="http://schemas.openxmlformats.org/drawingml/2006/main" lang="en-US" sz="1800" dirty="0">
+                      <a:endParaRPr lang="en-US" sz="1800" dirty="0">
                         <a:effectLst/>
                         <a:latin typeface="Calibri" panose="020F0502020204030204" pitchFamily="34" charset="0"/>
                         <a:ea typeface="Calibri" panose="020F0502020204030204" pitchFamily="34" charset="0"/>
@@ -5476,7 +5476,7 @@
                     <a:bodyPr/>
                     <a:lstStyle/>
                     <a:p>
-                      <a:pPr xmlns:a="http://schemas.openxmlformats.org/drawingml/2006/main" algn="r">
+                      <a:pPr algn="r">
                         <a:lnSpc>
                           <a:spcPct val="107000"/>
                         </a:lnSpc>
@@ -5484,13 +5484,13 @@
                           <a:spcPts val="0"/>
                         </a:spcAft>
                       </a:pPr>
-                      <a:r xmlns:a="http://schemas.openxmlformats.org/drawingml/2006/main">
+                      <a:r>
                         <a:rPr lang="en" sz="1800">
                           <a:effectLst/>
                         </a:rPr>
                         <a:t>3</a:t>
                       </a:r>
-                      <a:endParaRPr xmlns:a="http://schemas.openxmlformats.org/drawingml/2006/main" lang="en-US" sz="1800">
+                      <a:endParaRPr lang="en-US" sz="1800">
                         <a:effectLst/>
                         <a:latin typeface="Calibri" panose="020F0502020204030204" pitchFamily="34" charset="0"/>
                         <a:ea typeface="Calibri" panose="020F0502020204030204" pitchFamily="34" charset="0"/>
@@ -5505,7 +5505,7 @@
                     <a:bodyPr/>
                     <a:lstStyle/>
                     <a:p>
-                      <a:pPr xmlns:a="http://schemas.openxmlformats.org/drawingml/2006/main" algn="r">
+                      <a:pPr algn="r">
                         <a:lnSpc>
                           <a:spcPct val="107000"/>
                         </a:lnSpc>
@@ -5513,13 +5513,13 @@
                           <a:spcPts val="0"/>
                         </a:spcAft>
                       </a:pPr>
-                      <a:r xmlns:a="http://schemas.openxmlformats.org/drawingml/2006/main">
+                      <a:r>
                         <a:rPr lang="en" sz="1800" dirty="0">
                           <a:effectLst/>
                         </a:rPr>
                         <a:t>20</a:t>
                       </a:r>
-                      <a:endParaRPr xmlns:a="http://schemas.openxmlformats.org/drawingml/2006/main" lang="en-US" sz="1800" dirty="0">
+                      <a:endParaRPr lang="en-US" sz="1800" dirty="0">
                         <a:effectLst/>
                         <a:latin typeface="Calibri" panose="020F0502020204030204" pitchFamily="34" charset="0"/>
                         <a:ea typeface="Calibri" panose="020F0502020204030204" pitchFamily="34" charset="0"/>
@@ -5541,7 +5541,7 @@
                     <a:bodyPr/>
                     <a:lstStyle/>
                     <a:p>
-                      <a:pPr xmlns:a="http://schemas.openxmlformats.org/drawingml/2006/main" algn="r">
+                      <a:pPr algn="r">
                         <a:lnSpc>
                           <a:spcPct val="107000"/>
                         </a:lnSpc>
@@ -5549,13 +5549,13 @@
                           <a:spcPts val="0"/>
                         </a:spcAft>
                       </a:pPr>
-                      <a:r xmlns:a="http://schemas.openxmlformats.org/drawingml/2006/main">
+                      <a:r>
                         <a:rPr lang="en" sz="1800">
                           <a:effectLst/>
                         </a:rPr>
                         <a:t>4</a:t>
                       </a:r>
-                      <a:endParaRPr xmlns:a="http://schemas.openxmlformats.org/drawingml/2006/main" lang="en-US" sz="1800">
+                      <a:endParaRPr lang="en-US" sz="1800">
                         <a:effectLst/>
                         <a:latin typeface="Calibri" panose="020F0502020204030204" pitchFamily="34" charset="0"/>
                         <a:ea typeface="Calibri" panose="020F0502020204030204" pitchFamily="34" charset="0"/>
@@ -5570,7 +5570,7 @@
                     <a:bodyPr/>
                     <a:lstStyle/>
                     <a:p>
-                      <a:pPr xmlns:a="http://schemas.openxmlformats.org/drawingml/2006/main" algn="r">
+                      <a:pPr algn="r">
                         <a:lnSpc>
                           <a:spcPct val="107000"/>
                         </a:lnSpc>
@@ -5578,13 +5578,13 @@
                           <a:spcPts val="0"/>
                         </a:spcAft>
                       </a:pPr>
-                      <a:r xmlns:a="http://schemas.openxmlformats.org/drawingml/2006/main">
+                      <a:r>
                         <a:rPr lang="en" sz="1800" dirty="0">
                           <a:effectLst/>
                         </a:rPr>
                         <a:t>10</a:t>
                       </a:r>
-                      <a:endParaRPr xmlns:a="http://schemas.openxmlformats.org/drawingml/2006/main" lang="en-US" sz="1800" dirty="0">
+                      <a:endParaRPr lang="en-US" sz="1800" dirty="0">
                         <a:effectLst/>
                         <a:latin typeface="Calibri" panose="020F0502020204030204" pitchFamily="34" charset="0"/>
                         <a:ea typeface="Calibri" panose="020F0502020204030204" pitchFamily="34" charset="0"/>
@@ -5606,7 +5606,7 @@
                     <a:bodyPr/>
                     <a:lstStyle/>
                     <a:p>
-                      <a:pPr xmlns:a="http://schemas.openxmlformats.org/drawingml/2006/main" algn="r">
+                      <a:pPr algn="r">
                         <a:lnSpc>
                           <a:spcPct val="107000"/>
                         </a:lnSpc>
@@ -5614,13 +5614,13 @@
                           <a:spcPts val="0"/>
                         </a:spcAft>
                       </a:pPr>
-                      <a:r xmlns:a="http://schemas.openxmlformats.org/drawingml/2006/main">
+                      <a:r>
                         <a:rPr lang="en" sz="1800">
                           <a:effectLst/>
                         </a:rPr>
                         <a:t>5</a:t>
                       </a:r>
-                      <a:endParaRPr xmlns:a="http://schemas.openxmlformats.org/drawingml/2006/main" lang="en-US" sz="1800">
+                      <a:endParaRPr lang="en-US" sz="1800">
                         <a:effectLst/>
                         <a:latin typeface="Calibri" panose="020F0502020204030204" pitchFamily="34" charset="0"/>
                         <a:ea typeface="Calibri" panose="020F0502020204030204" pitchFamily="34" charset="0"/>
@@ -5635,7 +5635,7 @@
                     <a:bodyPr/>
                     <a:lstStyle/>
                     <a:p>
-                      <a:pPr xmlns:a="http://schemas.openxmlformats.org/drawingml/2006/main" algn="r">
+                      <a:pPr algn="r">
                         <a:lnSpc>
                           <a:spcPct val="107000"/>
                         </a:lnSpc>
@@ -5643,13 +5643,13 @@
                           <a:spcPts val="0"/>
                         </a:spcAft>
                       </a:pPr>
-                      <a:r xmlns:a="http://schemas.openxmlformats.org/drawingml/2006/main">
+                      <a:r>
                         <a:rPr lang="en" sz="1800" dirty="0">
                           <a:effectLst/>
                         </a:rPr>
                         <a:t>10</a:t>
                       </a:r>
-                      <a:endParaRPr xmlns:a="http://schemas.openxmlformats.org/drawingml/2006/main" lang="en-US" sz="1800" dirty="0">
+                      <a:endParaRPr lang="en-US" sz="1800" dirty="0">
                         <a:effectLst/>
                         <a:latin typeface="Calibri" panose="020F0502020204030204" pitchFamily="34" charset="0"/>
                         <a:ea typeface="Calibri" panose="020F0502020204030204" pitchFamily="34" charset="0"/>
@@ -5671,7 +5671,7 @@
                     <a:bodyPr/>
                     <a:lstStyle/>
                     <a:p>
-                      <a:pPr xmlns:a="http://schemas.openxmlformats.org/drawingml/2006/main" algn="r">
+                      <a:pPr algn="r">
                         <a:lnSpc>
                           <a:spcPct val="107000"/>
                         </a:lnSpc>
@@ -5679,13 +5679,13 @@
                           <a:spcPts val="0"/>
                         </a:spcAft>
                       </a:pPr>
-                      <a:r xmlns:a="http://schemas.openxmlformats.org/drawingml/2006/main">
+                      <a:r>
                         <a:rPr lang="en" sz="1800">
                           <a:effectLst/>
                         </a:rPr>
                         <a:t>6</a:t>
                       </a:r>
-                      <a:endParaRPr xmlns:a="http://schemas.openxmlformats.org/drawingml/2006/main" lang="en-US" sz="1800">
+                      <a:endParaRPr lang="en-US" sz="1800">
                         <a:effectLst/>
                         <a:latin typeface="Calibri" panose="020F0502020204030204" pitchFamily="34" charset="0"/>
                         <a:ea typeface="Calibri" panose="020F0502020204030204" pitchFamily="34" charset="0"/>
@@ -5700,7 +5700,7 @@
                     <a:bodyPr/>
                     <a:lstStyle/>
                     <a:p>
-                      <a:pPr xmlns:a="http://schemas.openxmlformats.org/drawingml/2006/main" algn="r">
+                      <a:pPr algn="r">
                         <a:lnSpc>
                           <a:spcPct val="107000"/>
                         </a:lnSpc>
@@ -5708,13 +5708,13 @@
                           <a:spcPts val="0"/>
                         </a:spcAft>
                       </a:pPr>
-                      <a:r xmlns:a="http://schemas.openxmlformats.org/drawingml/2006/main">
+                      <a:r>
                         <a:rPr lang="en" sz="1800" dirty="0">
                           <a:effectLst/>
                         </a:rPr>
                         <a:t>10</a:t>
                       </a:r>
-                      <a:endParaRPr xmlns:a="http://schemas.openxmlformats.org/drawingml/2006/main" lang="en-US" sz="1800" dirty="0">
+                      <a:endParaRPr lang="en-US" sz="1800" dirty="0">
                         <a:effectLst/>
                         <a:latin typeface="Calibri" panose="020F0502020204030204" pitchFamily="34" charset="0"/>
                         <a:ea typeface="Calibri" panose="020F0502020204030204" pitchFamily="34" charset="0"/>
@@ -5736,7 +5736,7 @@
                     <a:bodyPr/>
                     <a:lstStyle/>
                     <a:p>
-                      <a:pPr xmlns:a="http://schemas.openxmlformats.org/drawingml/2006/main" algn="r">
+                      <a:pPr algn="r">
                         <a:lnSpc>
                           <a:spcPct val="107000"/>
                         </a:lnSpc>
@@ -5744,13 +5744,13 @@
                           <a:spcPts val="0"/>
                         </a:spcAft>
                       </a:pPr>
-                      <a:r xmlns:a="http://schemas.openxmlformats.org/drawingml/2006/main">
+                      <a:r>
                         <a:rPr lang="en" sz="1800">
                           <a:effectLst/>
                         </a:rPr>
                         <a:t>7</a:t>
                       </a:r>
-                      <a:endParaRPr xmlns:a="http://schemas.openxmlformats.org/drawingml/2006/main" lang="en-US" sz="1800">
+                      <a:endParaRPr lang="en-US" sz="1800">
                         <a:effectLst/>
                         <a:latin typeface="Calibri" panose="020F0502020204030204" pitchFamily="34" charset="0"/>
                         <a:ea typeface="Calibri" panose="020F0502020204030204" pitchFamily="34" charset="0"/>
@@ -5765,7 +5765,7 @@
                     <a:bodyPr/>
                     <a:lstStyle/>
                     <a:p>
-                      <a:pPr xmlns:a="http://schemas.openxmlformats.org/drawingml/2006/main" algn="r">
+                      <a:pPr algn="r">
                         <a:lnSpc>
                           <a:spcPct val="107000"/>
                         </a:lnSpc>
@@ -5773,13 +5773,13 @@
                           <a:spcPts val="0"/>
                         </a:spcAft>
                       </a:pPr>
-                      <a:r xmlns:a="http://schemas.openxmlformats.org/drawingml/2006/main">
+                      <a:r>
                         <a:rPr lang="en" sz="1800" dirty="0">
                           <a:effectLst/>
                         </a:rPr>
                         <a:t>20</a:t>
                       </a:r>
-                      <a:endParaRPr xmlns:a="http://schemas.openxmlformats.org/drawingml/2006/main" lang="en-US" sz="1800" dirty="0">
+                      <a:endParaRPr lang="en-US" sz="1800" dirty="0">
                         <a:effectLst/>
                         <a:latin typeface="Calibri" panose="020F0502020204030204" pitchFamily="34" charset="0"/>
                         <a:ea typeface="Calibri" panose="020F0502020204030204" pitchFamily="34" charset="0"/>
@@ -5801,7 +5801,7 @@
                     <a:bodyPr/>
                     <a:lstStyle/>
                     <a:p>
-                      <a:pPr xmlns:a="http://schemas.openxmlformats.org/drawingml/2006/main" algn="r">
+                      <a:pPr algn="r">
                         <a:lnSpc>
                           <a:spcPct val="107000"/>
                         </a:lnSpc>
@@ -5809,13 +5809,13 @@
                           <a:spcPts val="0"/>
                         </a:spcAft>
                       </a:pPr>
-                      <a:r xmlns:a="http://schemas.openxmlformats.org/drawingml/2006/main">
+                      <a:r>
                         <a:rPr lang="en" sz="1800">
                           <a:effectLst/>
                         </a:rPr>
                         <a:t>8</a:t>
                       </a:r>
-                      <a:endParaRPr xmlns:a="http://schemas.openxmlformats.org/drawingml/2006/main" lang="en-US" sz="1800">
+                      <a:endParaRPr lang="en-US" sz="1800">
                         <a:effectLst/>
                         <a:latin typeface="Calibri" panose="020F0502020204030204" pitchFamily="34" charset="0"/>
                         <a:ea typeface="Calibri" panose="020F0502020204030204" pitchFamily="34" charset="0"/>
@@ -5830,7 +5830,7 @@
                     <a:bodyPr/>
                     <a:lstStyle/>
                     <a:p>
-                      <a:pPr xmlns:a="http://schemas.openxmlformats.org/drawingml/2006/main" algn="r">
+                      <a:pPr algn="r">
                         <a:lnSpc>
                           <a:spcPct val="107000"/>
                         </a:lnSpc>
@@ -5838,13 +5838,13 @@
                           <a:spcPts val="0"/>
                         </a:spcAft>
                       </a:pPr>
-                      <a:r xmlns:a="http://schemas.openxmlformats.org/drawingml/2006/main">
+                      <a:r>
                         <a:rPr lang="en" sz="1800" dirty="0">
                           <a:effectLst/>
                         </a:rPr>
                         <a:t>25</a:t>
                       </a:r>
-                      <a:endParaRPr xmlns:a="http://schemas.openxmlformats.org/drawingml/2006/main" lang="en-US" sz="1800" dirty="0">
+                      <a:endParaRPr lang="en-US" sz="1800" dirty="0">
                         <a:effectLst/>
                         <a:latin typeface="Calibri" panose="020F0502020204030204" pitchFamily="34" charset="0"/>
                         <a:ea typeface="Calibri" panose="020F0502020204030204" pitchFamily="34" charset="0"/>
@@ -5866,7 +5866,7 @@
                     <a:bodyPr/>
                     <a:lstStyle/>
                     <a:p>
-                      <a:pPr xmlns:a="http://schemas.openxmlformats.org/drawingml/2006/main" algn="r">
+                      <a:pPr algn="r">
                         <a:lnSpc>
                           <a:spcPct val="107000"/>
                         </a:lnSpc>
@@ -5874,13 +5874,13 @@
                           <a:spcPts val="0"/>
                         </a:spcAft>
                       </a:pPr>
-                      <a:r xmlns:a="http://schemas.openxmlformats.org/drawingml/2006/main">
+                      <a:r>
                         <a:rPr lang="en" sz="1800">
                           <a:effectLst/>
                         </a:rPr>
                         <a:t>9</a:t>
                       </a:r>
-                      <a:endParaRPr xmlns:a="http://schemas.openxmlformats.org/drawingml/2006/main" lang="en-US" sz="1800">
+                      <a:endParaRPr lang="en-US" sz="1800">
                         <a:effectLst/>
                         <a:latin typeface="Calibri" panose="020F0502020204030204" pitchFamily="34" charset="0"/>
                         <a:ea typeface="Calibri" panose="020F0502020204030204" pitchFamily="34" charset="0"/>
@@ -5895,7 +5895,7 @@
                     <a:bodyPr/>
                     <a:lstStyle/>
                     <a:p>
-                      <a:pPr xmlns:a="http://schemas.openxmlformats.org/drawingml/2006/main" algn="r">
+                      <a:pPr algn="r">
                         <a:lnSpc>
                           <a:spcPct val="107000"/>
                         </a:lnSpc>
@@ -5903,13 +5903,13 @@
                           <a:spcPts val="0"/>
                         </a:spcAft>
                       </a:pPr>
-                      <a:r xmlns:a="http://schemas.openxmlformats.org/drawingml/2006/main">
+                      <a:r>
                         <a:rPr lang="en" sz="1800" dirty="0">
                           <a:effectLst/>
                         </a:rPr>
                         <a:t>15</a:t>
                       </a:r>
-                      <a:endParaRPr xmlns:a="http://schemas.openxmlformats.org/drawingml/2006/main" lang="en-US" sz="1800" dirty="0">
+                      <a:endParaRPr lang="en-US" sz="1800" dirty="0">
                         <a:effectLst/>
                         <a:latin typeface="Calibri" panose="020F0502020204030204" pitchFamily="34" charset="0"/>
                         <a:ea typeface="Calibri" panose="020F0502020204030204" pitchFamily="34" charset="0"/>
@@ -5931,7 +5931,7 @@
                     <a:bodyPr/>
                     <a:lstStyle/>
                     <a:p>
-                      <a:pPr xmlns:a="http://schemas.openxmlformats.org/drawingml/2006/main" algn="r">
+                      <a:pPr algn="r">
                         <a:lnSpc>
                           <a:spcPct val="107000"/>
                         </a:lnSpc>
@@ -5939,13 +5939,13 @@
                           <a:spcPts val="0"/>
                         </a:spcAft>
                       </a:pPr>
-                      <a:r xmlns:a="http://schemas.openxmlformats.org/drawingml/2006/main">
+                      <a:r>
                         <a:rPr lang="en" sz="1800">
                           <a:effectLst/>
                         </a:rPr>
                         <a:t>10</a:t>
                       </a:r>
-                      <a:endParaRPr xmlns:a="http://schemas.openxmlformats.org/drawingml/2006/main" lang="en-US" sz="1800">
+                      <a:endParaRPr lang="en-US" sz="1800">
                         <a:effectLst/>
                         <a:latin typeface="Calibri" panose="020F0502020204030204" pitchFamily="34" charset="0"/>
                         <a:ea typeface="Calibri" panose="020F0502020204030204" pitchFamily="34" charset="0"/>
@@ -5960,7 +5960,7 @@
                     <a:bodyPr/>
                     <a:lstStyle/>
                     <a:p>
-                      <a:pPr xmlns:a="http://schemas.openxmlformats.org/drawingml/2006/main" algn="r">
+                      <a:pPr algn="r">
                         <a:lnSpc>
                           <a:spcPct val="107000"/>
                         </a:lnSpc>
@@ -5968,13 +5968,13 @@
                           <a:spcPts val="0"/>
                         </a:spcAft>
                       </a:pPr>
-                      <a:r xmlns:a="http://schemas.openxmlformats.org/drawingml/2006/main">
+                      <a:r>
                         <a:rPr lang="en" sz="1800" dirty="0">
                           <a:effectLst/>
                         </a:rPr>
                         <a:t>10</a:t>
                       </a:r>
-                      <a:endParaRPr xmlns:a="http://schemas.openxmlformats.org/drawingml/2006/main" lang="en-US" sz="1800" dirty="0">
+                      <a:endParaRPr lang="en-US" sz="1800" dirty="0">
                         <a:effectLst/>
                         <a:latin typeface="Calibri" panose="020F0502020204030204" pitchFamily="34" charset="0"/>
                         <a:ea typeface="Calibri" panose="020F0502020204030204" pitchFamily="34" charset="0"/>
@@ -5996,7 +5996,7 @@
                     <a:bodyPr/>
                     <a:lstStyle/>
                     <a:p>
-                      <a:pPr xmlns:a="http://schemas.openxmlformats.org/drawingml/2006/main" algn="r">
+                      <a:pPr algn="r">
                         <a:lnSpc>
                           <a:spcPct val="107000"/>
                         </a:lnSpc>
@@ -6004,13 +6004,13 @@
                           <a:spcPts val="0"/>
                         </a:spcAft>
                       </a:pPr>
-                      <a:r xmlns:a="http://schemas.openxmlformats.org/drawingml/2006/main">
+                      <a:r>
                         <a:rPr lang="en" sz="1800">
                           <a:effectLst/>
                         </a:rPr>
                         <a:t>11</a:t>
                       </a:r>
-                      <a:endParaRPr xmlns:a="http://schemas.openxmlformats.org/drawingml/2006/main" lang="en-US" sz="1800">
+                      <a:endParaRPr lang="en-US" sz="1800">
                         <a:effectLst/>
                         <a:latin typeface="Calibri" panose="020F0502020204030204" pitchFamily="34" charset="0"/>
                         <a:ea typeface="Calibri" panose="020F0502020204030204" pitchFamily="34" charset="0"/>
@@ -6025,7 +6025,7 @@
                     <a:bodyPr/>
                     <a:lstStyle/>
                     <a:p>
-                      <a:pPr xmlns:a="http://schemas.openxmlformats.org/drawingml/2006/main" algn="r">
+                      <a:pPr algn="r">
                         <a:lnSpc>
                           <a:spcPct val="107000"/>
                         </a:lnSpc>
@@ -6033,13 +6033,13 @@
                           <a:spcPts val="0"/>
                         </a:spcAft>
                       </a:pPr>
-                      <a:r xmlns:a="http://schemas.openxmlformats.org/drawingml/2006/main">
+                      <a:r>
                         <a:rPr lang="en" sz="1800" dirty="0">
                           <a:effectLst/>
                         </a:rPr>
                         <a:t>25</a:t>
                       </a:r>
-                      <a:endParaRPr xmlns:a="http://schemas.openxmlformats.org/drawingml/2006/main" lang="en-US" sz="1800" dirty="0">
+                      <a:endParaRPr lang="en-US" sz="1800" dirty="0">
                         <a:effectLst/>
                         <a:latin typeface="Calibri" panose="020F0502020204030204" pitchFamily="34" charset="0"/>
                         <a:ea typeface="Calibri" panose="020F0502020204030204" pitchFamily="34" charset="0"/>
@@ -6061,7 +6061,7 @@
                     <a:bodyPr/>
                     <a:lstStyle/>
                     <a:p>
-                      <a:pPr xmlns:a="http://schemas.openxmlformats.org/drawingml/2006/main" algn="r">
+                      <a:pPr algn="r">
                         <a:lnSpc>
                           <a:spcPct val="107000"/>
                         </a:lnSpc>
@@ -6069,13 +6069,13 @@
                           <a:spcPts val="0"/>
                         </a:spcAft>
                       </a:pPr>
-                      <a:r xmlns:a="http://schemas.openxmlformats.org/drawingml/2006/main">
+                      <a:r>
                         <a:rPr lang="en" sz="1800">
                           <a:effectLst/>
                         </a:rPr>
                         <a:t>12</a:t>
                       </a:r>
-                      <a:endParaRPr xmlns:a="http://schemas.openxmlformats.org/drawingml/2006/main" lang="en-US" sz="1800">
+                      <a:endParaRPr lang="en-US" sz="1800">
                         <a:effectLst/>
                         <a:latin typeface="Calibri" panose="020F0502020204030204" pitchFamily="34" charset="0"/>
                         <a:ea typeface="Calibri" panose="020F0502020204030204" pitchFamily="34" charset="0"/>
@@ -6090,7 +6090,7 @@
                     <a:bodyPr/>
                     <a:lstStyle/>
                     <a:p>
-                      <a:pPr xmlns:a="http://schemas.openxmlformats.org/drawingml/2006/main" algn="r">
+                      <a:pPr algn="r">
                         <a:lnSpc>
                           <a:spcPct val="107000"/>
                         </a:lnSpc>
@@ -6098,13 +6098,13 @@
                           <a:spcPts val="0"/>
                         </a:spcAft>
                       </a:pPr>
-                      <a:r xmlns:a="http://schemas.openxmlformats.org/drawingml/2006/main">
+                      <a:r>
                         <a:rPr lang="en" sz="1800" dirty="0">
                           <a:effectLst/>
                         </a:rPr>
                         <a:t>30</a:t>
                       </a:r>
-                      <a:endParaRPr xmlns:a="http://schemas.openxmlformats.org/drawingml/2006/main" lang="en-US" sz="1800" dirty="0">
+                      <a:endParaRPr lang="en-US" sz="1800" dirty="0">
                         <a:effectLst/>
                         <a:latin typeface="Calibri" panose="020F0502020204030204" pitchFamily="34" charset="0"/>
                         <a:ea typeface="Calibri" panose="020F0502020204030204" pitchFamily="34" charset="0"/>
@@ -6183,7 +6183,7 @@
           </a:bodyPr>
           <a:lstStyle/>
           <a:p>
-            <a:pPr xmlns:a="http://schemas.openxmlformats.org/drawingml/2006/main" marL="0" marR="0" lvl="0" indent="0" algn="l" defTabSz="914400" rtl="0" eaLnBrk="0" fontAlgn="base" latinLnBrk="0" hangingPunct="0">
+            <a:pPr marL="0" marR="0" lvl="0" indent="0" algn="l" defTabSz="914400" rtl="0" eaLnBrk="0" fontAlgn="base" latinLnBrk="0" hangingPunct="0">
               <a:lnSpc>
                 <a:spcPct val="100000"/>
               </a:lnSpc>
@@ -6199,7 +6199,7 @@
               <a:buNone/>
               <a:tabLst/>
             </a:pPr>
-            <a:r xmlns:a="http://schemas.openxmlformats.org/drawingml/2006/main">
+            <a:r>
               <a:rPr kumimoji="0" lang="en" altLang="en-US" sz="2000" b="1" i="0" u="none" strike="noStrike" cap="none" normalizeH="0" baseline="0" dirty="0" smtClean="0">
                 <a:ln>
                   <a:noFill/>
@@ -6212,7 +6212,7 @@
               </a:rPr>
               <a:t>Note: </a:t>
             </a:r>
-            <a:r xmlns:a="http://schemas.openxmlformats.org/drawingml/2006/main">
+            <a:r>
               <a:rPr kumimoji="0" lang="en" altLang="en-US" sz="2000" b="0" i="0" u="none" strike="noStrike" cap="none" normalizeH="0" baseline="0" dirty="0" err="1" smtClean="0">
                 <a:ln>
                   <a:noFill/>
@@ -6225,7 +6225,7 @@
               </a:rPr>
               <a:t>This</a:t>
             </a:r>
-            <a:r xmlns:a="http://schemas.openxmlformats.org/drawingml/2006/main">
+            <a:r>
               <a:rPr kumimoji="0" lang="en" altLang="en-US" sz="2000" b="0" i="0" u="none" strike="noStrike" cap="none" normalizeH="0" baseline="0" dirty="0" smtClean="0">
                 <a:ln>
                   <a:noFill/>
@@ -6238,7 +6238,7 @@
               </a:rPr>
               <a:t> </a:t>
             </a:r>
-            <a:r xmlns:a="http://schemas.openxmlformats.org/drawingml/2006/main">
+            <a:r>
               <a:rPr kumimoji="0" lang="en" altLang="en-US" sz="2000" b="0" i="0" u="none" strike="noStrike" cap="none" normalizeH="0" baseline="0" dirty="0" err="1" smtClean="0">
                 <a:ln>
                   <a:noFill/>
@@ -6251,7 +6251,7 @@
               </a:rPr>
               <a:t>demonstration</a:t>
             </a:r>
-            <a:r xmlns:a="http://schemas.openxmlformats.org/drawingml/2006/main">
+            <a:r>
               <a:rPr kumimoji="0" lang="en" altLang="en-US" sz="2000" b="0" i="0" u="none" strike="noStrike" cap="none" normalizeH="0" baseline="0" dirty="0" smtClean="0">
                 <a:ln>
                   <a:noFill/>
@@ -6264,7 +6264,7 @@
               </a:rPr>
               <a:t> </a:t>
             </a:r>
-            <a:r xmlns:a="http://schemas.openxmlformats.org/drawingml/2006/main">
+            <a:r>
               <a:rPr kumimoji="0" lang="en" altLang="en-US" sz="2000" b="0" i="0" u="none" strike="noStrike" cap="none" normalizeH="0" baseline="0" dirty="0" err="1" smtClean="0">
                 <a:ln>
                   <a:noFill/>
@@ -6277,7 +6277,7 @@
               </a:rPr>
               <a:t>used</a:t>
             </a:r>
-            <a:r xmlns:a="http://schemas.openxmlformats.org/drawingml/2006/main">
+            <a:r>
               <a:rPr kumimoji="0" lang="en" altLang="en-US" sz="2000" b="0" i="0" u="none" strike="noStrike" cap="none" normalizeH="0" baseline="0" dirty="0" smtClean="0">
                 <a:ln>
                   <a:noFill/>
@@ -6290,7 +6290,7 @@
               </a:rPr>
               <a:t> </a:t>
             </a:r>
-            <a:r xmlns:a="http://schemas.openxmlformats.org/drawingml/2006/main">
+            <a:r>
               <a:rPr kumimoji="0" lang="en" altLang="en-US" sz="2000" b="0" i="0" u="none" strike="noStrike" cap="none" normalizeH="0" baseline="0" dirty="0" err="1" smtClean="0">
                 <a:ln>
                   <a:noFill/>
@@ -6303,7 +6303,7 @@
               </a:rPr>
               <a:t>two </a:t>
             </a:r>
-            <a:r xmlns:a="http://schemas.openxmlformats.org/drawingml/2006/main">
+            <a:r>
               <a:rPr kumimoji="0" lang="en" altLang="en-US" sz="2000" b="0" i="0" u="none" strike="noStrike" cap="none" normalizeH="0" baseline="0" dirty="0" smtClean="0">
                 <a:ln>
                   <a:noFill/>
@@ -6316,7 +6316,7 @@
               </a:rPr>
               <a:t>tables </a:t>
             </a:r>
-            <a:r xmlns:a="http://schemas.openxmlformats.org/drawingml/2006/main">
+            <a:r>
               <a:rPr kumimoji="0" lang="en" altLang="en-US" sz="2000" b="0" i="0" u="none" strike="noStrike" cap="none" normalizeH="0" baseline="0" dirty="0" err="1" smtClean="0">
                 <a:ln>
                   <a:noFill/>
@@ -6329,7 +6329,7 @@
               </a:rPr>
               <a:t>created</a:t>
             </a:r>
-            <a:r xmlns:a="http://schemas.openxmlformats.org/drawingml/2006/main">
+            <a:r>
               <a:rPr kumimoji="0" lang="en" altLang="en-US" sz="2000" b="0" i="0" u="none" strike="noStrike" cap="none" normalizeH="0" baseline="0" dirty="0" smtClean="0">
                 <a:ln>
                   <a:noFill/>
@@ -6342,7 +6342,7 @@
               </a:rPr>
               <a:t> </a:t>
             </a:r>
-            <a:r xmlns:a="http://schemas.openxmlformats.org/drawingml/2006/main">
+            <a:r>
               <a:rPr kumimoji="0" lang="en" altLang="en-US" sz="2000" b="0" i="0" u="none" strike="noStrike" cap="none" normalizeH="0" baseline="0" dirty="0" err="1" smtClean="0">
                 <a:ln>
                   <a:noFill/>
@@ -6355,7 +6355,7 @@
               </a:rPr>
               <a:t>directly</a:t>
             </a:r>
-            <a:r xmlns:a="http://schemas.openxmlformats.org/drawingml/2006/main">
+            <a:r>
               <a:rPr kumimoji="0" lang="en" altLang="en-US" sz="2000" b="0" i="0" u="none" strike="noStrike" cap="none" normalizeH="0" baseline="0" dirty="0" smtClean="0">
                 <a:ln>
                   <a:noFill/>
@@ -6368,7 +6368,7 @@
               </a:rPr>
               <a:t> </a:t>
             </a:r>
-            <a:r xmlns:a="http://schemas.openxmlformats.org/drawingml/2006/main">
+            <a:r>
               <a:rPr kumimoji="0" lang="en" altLang="en-US" sz="2000" b="0" i="0" u="none" strike="noStrike" cap="none" normalizeH="0" baseline="0" dirty="0" err="1" smtClean="0">
                 <a:ln>
                   <a:noFill/>
@@ -6381,7 +6381,7 @@
               </a:rPr>
               <a:t>in </a:t>
             </a:r>
-            <a:r xmlns:a="http://schemas.openxmlformats.org/drawingml/2006/main">
+            <a:r>
               <a:rPr kumimoji="0" lang="en" altLang="en-US" sz="2000" b="0" i="0" u="none" strike="noStrike" cap="none" normalizeH="0" baseline="0" dirty="0" smtClean="0">
                 <a:ln>
                   <a:noFill/>
@@ -6396,7 +6396,7 @@
             </a:r>
           </a:p>
           <a:p>
-            <a:pPr xmlns:a="http://schemas.openxmlformats.org/drawingml/2006/main" marL="0" marR="0" lvl="0" indent="0" algn="l" defTabSz="914400" rtl="0" eaLnBrk="0" fontAlgn="base" latinLnBrk="0" hangingPunct="0">
+            <a:pPr marL="0" marR="0" lvl="0" indent="0" algn="l" defTabSz="914400" rtl="0" eaLnBrk="0" fontAlgn="base" latinLnBrk="0" hangingPunct="0">
               <a:lnSpc>
                 <a:spcPct val="100000"/>
               </a:lnSpc>
@@ -6412,7 +6412,7 @@
               <a:buNone/>
               <a:tabLst/>
             </a:pPr>
-            <a:r xmlns:a="http://schemas.openxmlformats.org/drawingml/2006/main">
+            <a:r>
               <a:rPr kumimoji="0" lang="en" altLang="en-US" sz="2000" b="0" i="0" u="none" strike="noStrike" cap="none" normalizeH="0" baseline="0" dirty="0" smtClean="0">
                 <a:ln>
                   <a:noFill/>
@@ -6425,7 +6425,7 @@
               </a:rPr>
               <a:t>reasons of </a:t>
             </a:r>
-            <a:r xmlns:a="http://schemas.openxmlformats.org/drawingml/2006/main">
+            <a:r>
               <a:rPr kumimoji="0" lang="en" altLang="en-US" sz="2000" b="0" i="0" u="none" strike="noStrike" cap="none" normalizeH="0" baseline="0" dirty="0" err="1" smtClean="0">
                 <a:ln>
                   <a:noFill/>
@@ -6438,7 +6438,7 @@
               </a:rPr>
               <a:t>simplicity </a:t>
             </a:r>
-            <a:r xmlns:a="http://schemas.openxmlformats.org/drawingml/2006/main">
+            <a:r>
               <a:rPr kumimoji="0" lang="en" altLang="en-US" sz="2000" b="0" i="0" u="none" strike="noStrike" cap="none" normalizeH="0" baseline="0" dirty="0" smtClean="0">
                 <a:ln>
                   <a:noFill/>
@@ -6506,14 +6506,14 @@
           </a:bodyPr>
           <a:lstStyle/>
           <a:p>
-            <a:r xmlns:a="http://schemas.openxmlformats.org/drawingml/2006/main">
+            <a:r>
               <a:rPr lang="en" sz="2400" dirty="0" smtClean="0">
                 <a:latin typeface="Segoe UI" panose="020B0502040204020203" pitchFamily="34" charset="0"/>
                 <a:cs typeface="Segoe UI" panose="020B0502040204020203" pitchFamily="34" charset="0"/>
               </a:rPr>
               <a:t>ALL &amp; ALLEXPECT &amp; ALLSELECTED</a:t>
             </a:r>
-            <a:endParaRPr xmlns:a="http://schemas.openxmlformats.org/drawingml/2006/main" lang="en-US" sz="2400" dirty="0">
+            <a:endParaRPr lang="en-US" sz="2400" dirty="0">
               <a:latin typeface="Segoe UI" panose="020B0502040204020203" pitchFamily="34" charset="0"/>
               <a:cs typeface="Segoe UI" panose="020B0502040204020203" pitchFamily="34" charset="0"/>
             </a:endParaRPr>
@@ -6614,19 +6614,19 @@
           </a:bodyPr>
           <a:lstStyle/>
           <a:p>
-            <a:r xmlns:a="http://schemas.openxmlformats.org/drawingml/2006/main">
+            <a:r>
               <a:rPr lang="en" sz="2000" dirty="0"/>
               <a:t>Add a relationship between the two tables based on the </a:t>
             </a:r>
-            <a:r xmlns:a="http://schemas.openxmlformats.org/drawingml/2006/main">
+            <a:r>
               <a:rPr lang="en" sz="2000" b="1" dirty="0"/>
               <a:t>ID column </a:t>
             </a:r>
-            <a:r xmlns:a="http://schemas.openxmlformats.org/drawingml/2006/main">
+            <a:r>
               <a:rPr lang="en" sz="2000" dirty="0"/>
               <a:t>on both sides.</a:t>
             </a:r>
-            <a:endParaRPr xmlns:a="http://schemas.openxmlformats.org/drawingml/2006/main" lang="en-US" sz="2000" dirty="0"/>
+            <a:endParaRPr lang="en-US" sz="2000" dirty="0"/>
           </a:p>
         </p:txBody>
       </p:sp>
@@ -6651,35 +6651,35 @@
           </a:bodyPr>
           <a:lstStyle/>
           <a:p>
-            <a:r xmlns:a="http://schemas.openxmlformats.org/drawingml/2006/main">
+            <a:r>
               <a:rPr lang="en" sz="2000" dirty="0"/>
               <a:t>Add a Table visualization to the scene with the product characteristics: </a:t>
             </a:r>
-            <a:r xmlns:a="http://schemas.openxmlformats.org/drawingml/2006/main">
+            <a:r>
               <a:rPr lang="en" sz="2000" b="1" dirty="0"/>
               <a:t>Name </a:t>
             </a:r>
-            <a:r xmlns:a="http://schemas.openxmlformats.org/drawingml/2006/main">
+            <a:r>
               <a:rPr lang="en" sz="2000" dirty="0"/>
               <a:t>, </a:t>
             </a:r>
-            <a:r xmlns:a="http://schemas.openxmlformats.org/drawingml/2006/main">
+            <a:r>
               <a:rPr lang="en" sz="2000" b="1" dirty="0"/>
               <a:t>Color </a:t>
             </a:r>
-            <a:r xmlns:a="http://schemas.openxmlformats.org/drawingml/2006/main">
+            <a:r>
               <a:rPr lang="en" sz="2000" dirty="0"/>
               <a:t>and </a:t>
             </a:r>
-            <a:r xmlns:a="http://schemas.openxmlformats.org/drawingml/2006/main">
+            <a:r>
               <a:rPr lang="en" sz="2000" b="1" dirty="0"/>
               <a:t>Size </a:t>
             </a:r>
-            <a:r xmlns:a="http://schemas.openxmlformats.org/drawingml/2006/main">
+            <a:r>
               <a:rPr lang="en" sz="2000" dirty="0"/>
               <a:t>, with the sum of sales as the aggregation.</a:t>
             </a:r>
-            <a:endParaRPr xmlns:a="http://schemas.openxmlformats.org/drawingml/2006/main" lang="en-US" sz="2000" dirty="0"/>
+            <a:endParaRPr lang="en-US" sz="2000" dirty="0"/>
           </a:p>
         </p:txBody>
       </p:sp>
@@ -6735,14 +6735,14 @@
           </a:bodyPr>
           <a:lstStyle/>
           <a:p>
-            <a:r xmlns:a="http://schemas.openxmlformats.org/drawingml/2006/main">
+            <a:r>
               <a:rPr lang="en" sz="2400" dirty="0" smtClean="0">
                 <a:latin typeface="Segoe UI" panose="020B0502040204020203" pitchFamily="34" charset="0"/>
                 <a:cs typeface="Segoe UI" panose="020B0502040204020203" pitchFamily="34" charset="0"/>
               </a:rPr>
               <a:t>ALL &amp; ALLEXPECT &amp; ALLSELECTED</a:t>
             </a:r>
-            <a:endParaRPr xmlns:a="http://schemas.openxmlformats.org/drawingml/2006/main" lang="en-US" sz="2400" dirty="0">
+            <a:endParaRPr lang="en-US" sz="2400" dirty="0">
               <a:latin typeface="Segoe UI" panose="020B0502040204020203" pitchFamily="34" charset="0"/>
               <a:cs typeface="Segoe UI" panose="020B0502040204020203" pitchFamily="34" charset="0"/>
             </a:endParaRPr>
@@ -6770,7 +6770,7 @@
           </a:bodyPr>
           <a:lstStyle/>
           <a:p>
-            <a:r xmlns:a="http://schemas.openxmlformats.org/drawingml/2006/main">
+            <a:r>
               <a:rPr lang="en" dirty="0">
                 <a:solidFill>
                   <a:srgbClr val="000000"/>
@@ -6779,7 +6779,7 @@
               </a:rPr>
               <a:t>all = </a:t>
             </a:r>
-            <a:r xmlns:a="http://schemas.openxmlformats.org/drawingml/2006/main">
+            <a:r>
               <a:rPr lang="en" dirty="0">
                 <a:solidFill>
                   <a:srgbClr val="3165BB"/>
@@ -6788,7 +6788,7 @@
               </a:rPr>
               <a:t>CALCULATE </a:t>
             </a:r>
-            <a:r xmlns:a="http://schemas.openxmlformats.org/drawingml/2006/main">
+            <a:r>
               <a:rPr lang="en" dirty="0">
                 <a:solidFill>
                   <a:srgbClr val="000000"/>
@@ -6797,7 +6797,7 @@
               </a:rPr>
               <a:t>( </a:t>
             </a:r>
-            <a:r xmlns:a="http://schemas.openxmlformats.org/drawingml/2006/main">
+            <a:r>
               <a:rPr lang="en" dirty="0">
                 <a:solidFill>
                   <a:srgbClr val="3165BB"/>
@@ -6806,7 +6806,7 @@
               </a:rPr>
               <a:t>SUM </a:t>
             </a:r>
-            <a:r xmlns:a="http://schemas.openxmlformats.org/drawingml/2006/main">
+            <a:r>
               <a:rPr lang="en" dirty="0">
                 <a:solidFill>
                   <a:srgbClr val="000000"/>
@@ -6815,7 +6815,7 @@
               </a:rPr>
               <a:t>( </a:t>
             </a:r>
-            <a:r xmlns:a="http://schemas.openxmlformats.org/drawingml/2006/main">
+            <a:r>
               <a:rPr lang="en" dirty="0" err="1">
                 <a:solidFill>
                   <a:srgbClr val="5F5F5F"/>
@@ -6824,7 +6824,7 @@
               </a:rPr>
               <a:t>ProductFact </a:t>
             </a:r>
-            <a:r xmlns:a="http://schemas.openxmlformats.org/drawingml/2006/main">
+            <a:r>
               <a:rPr lang="en" dirty="0">
                 <a:solidFill>
                   <a:srgbClr val="5F5F5F"/>
@@ -6833,7 +6833,7 @@
               </a:rPr>
               <a:t>[ </a:t>
             </a:r>
-            <a:r xmlns:a="http://schemas.openxmlformats.org/drawingml/2006/main">
+            <a:r>
               <a:rPr lang="en" dirty="0" err="1">
                 <a:solidFill>
                   <a:srgbClr val="5F5F5F"/>
@@ -6842,7 +6842,7 @@
               </a:rPr>
               <a:t>Sales </a:t>
             </a:r>
-            <a:r xmlns:a="http://schemas.openxmlformats.org/drawingml/2006/main">
+            <a:r>
               <a:rPr lang="en" dirty="0">
                 <a:solidFill>
                   <a:srgbClr val="5F5F5F"/>
@@ -6851,7 +6851,7 @@
               </a:rPr>
               <a:t>] </a:t>
             </a:r>
-            <a:r xmlns:a="http://schemas.openxmlformats.org/drawingml/2006/main">
+            <a:r>
               <a:rPr lang="en" dirty="0">
                 <a:solidFill>
                   <a:srgbClr val="000000"/>
@@ -6860,7 +6860,7 @@
               </a:rPr>
               <a:t>), </a:t>
             </a:r>
-            <a:r xmlns:a="http://schemas.openxmlformats.org/drawingml/2006/main">
+            <a:r>
               <a:rPr lang="en" dirty="0">
                 <a:solidFill>
                   <a:srgbClr val="3165BB"/>
@@ -6869,7 +6869,7 @@
               </a:rPr>
               <a:t>ALL </a:t>
             </a:r>
-            <a:r xmlns:a="http://schemas.openxmlformats.org/drawingml/2006/main">
+            <a:r>
               <a:rPr lang="en" dirty="0">
                 <a:solidFill>
                   <a:srgbClr val="000000"/>
@@ -6878,7 +6878,7 @@
               </a:rPr>
               <a:t>( </a:t>
             </a:r>
-            <a:r xmlns:a="http://schemas.openxmlformats.org/drawingml/2006/main">
+            <a:r>
               <a:rPr lang="en" dirty="0" err="1">
                 <a:solidFill>
                   <a:srgbClr val="5F5F5F"/>
@@ -6887,7 +6887,7 @@
               </a:rPr>
               <a:t>ProductDim </a:t>
             </a:r>
-            <a:r xmlns:a="http://schemas.openxmlformats.org/drawingml/2006/main">
+            <a:r>
               <a:rPr lang="en" dirty="0" smtClean="0">
                 <a:solidFill>
                   <a:srgbClr val="000000"/>
@@ -6896,7 +6896,7 @@
               </a:rPr>
               <a:t>))</a:t>
             </a:r>
-            <a:endParaRPr xmlns:a="http://schemas.openxmlformats.org/drawingml/2006/main" lang="en-US" dirty="0">
+            <a:endParaRPr lang="en-US" dirty="0">
               <a:solidFill>
                 <a:srgbClr val="000000"/>
               </a:solidFill>
@@ -6965,27 +6965,27 @@
           </a:bodyPr>
           <a:lstStyle/>
           <a:p>
-            <a:r xmlns:a="http://schemas.openxmlformats.org/drawingml/2006/main">
+            <a:r>
               <a:rPr lang="en" sz="2000" dirty="0"/>
               <a:t>Add a measure named </a:t>
             </a:r>
-            <a:r xmlns:a="http://schemas.openxmlformats.org/drawingml/2006/main">
+            <a:r>
               <a:rPr lang="en" sz="2000" b="1" dirty="0"/>
               <a:t>"all" </a:t>
             </a:r>
-            <a:r xmlns:a="http://schemas.openxmlformats.org/drawingml/2006/main">
+            <a:r>
               <a:rPr lang="en" sz="2000" dirty="0"/>
               <a:t>to the </a:t>
             </a:r>
-            <a:r xmlns:a="http://schemas.openxmlformats.org/drawingml/2006/main">
+            <a:r>
               <a:rPr lang="en" sz="2000" b="1" dirty="0" err="1"/>
               <a:t>FactProduct table </a:t>
             </a:r>
-            <a:r xmlns:a="http://schemas.openxmlformats.org/drawingml/2006/main">
+            <a:r>
               <a:rPr lang="en" sz="2000" dirty="0"/>
               <a:t>with the formula.</a:t>
             </a:r>
-            <a:endParaRPr xmlns:a="http://schemas.openxmlformats.org/drawingml/2006/main" lang="en-US" sz="2000" dirty="0"/>
+            <a:endParaRPr lang="en-US" sz="2000" dirty="0"/>
           </a:p>
         </p:txBody>
       </p:sp>
@@ -7010,11 +7010,11 @@
           </a:bodyPr>
           <a:lstStyle/>
           <a:p>
-            <a:r xmlns:a="http://schemas.openxmlformats.org/drawingml/2006/main">
+            <a:r>
               <a:rPr lang="en" sz="2000" dirty="0"/>
               <a:t>Add the measurement to the visualization.</a:t>
             </a:r>
-            <a:endParaRPr xmlns:a="http://schemas.openxmlformats.org/drawingml/2006/main" lang="en-US" sz="2000" dirty="0"/>
+            <a:endParaRPr lang="en-US" sz="2000" dirty="0"/>
           </a:p>
         </p:txBody>
       </p:sp>
@@ -7039,27 +7039,23 @@
           </a:bodyPr>
           <a:lstStyle/>
           <a:p>
-            <a:r xmlns:a="http://schemas.openxmlformats.org/drawingml/2006/main">
+            <a:r>
               <a:rPr lang="en" sz="2000" b="1" dirty="0"/>
               <a:t>"all" </a:t>
             </a:r>
-            <a:r xmlns:a="http://schemas.openxmlformats.org/drawingml/2006/main">
+            <a:r>
               <a:rPr lang="en" sz="2000" dirty="0"/>
-              <a:t>measure </a:t>
-            </a:r>
-            <a:r xmlns:a="http://schemas.openxmlformats.org/drawingml/2006/main">
-              <a:rPr lang="en" sz="2000" dirty="0"/>
-              <a:t>displays the same result as </a:t>
-            </a:r>
-            <a:r xmlns:a="http://schemas.openxmlformats.org/drawingml/2006/main">
+              <a:t>measure displays the same result as </a:t>
+            </a:r>
+            <a:r>
               <a:rPr lang="en" sz="2000" b="1" dirty="0"/>
               <a:t>"Total" </a:t>
             </a:r>
-            <a:r xmlns:a="http://schemas.openxmlformats.org/drawingml/2006/main">
+            <a:r>
               <a:rPr lang="en" sz="2000" dirty="0"/>
               <a:t>and removes the filter during the sales sum calculation operation.</a:t>
             </a:r>
-            <a:endParaRPr xmlns:a="http://schemas.openxmlformats.org/drawingml/2006/main" lang="en-US" sz="2000" dirty="0"/>
+            <a:endParaRPr lang="en-US" sz="2000" dirty="0"/>
           </a:p>
         </p:txBody>
       </p:sp>
@@ -7115,14 +7111,14 @@
           </a:bodyPr>
           <a:lstStyle/>
           <a:p>
-            <a:r xmlns:a="http://schemas.openxmlformats.org/drawingml/2006/main">
+            <a:r>
               <a:rPr lang="en" sz="2400" dirty="0" smtClean="0">
                 <a:latin typeface="Segoe UI" panose="020B0502040204020203" pitchFamily="34" charset="0"/>
                 <a:cs typeface="Segoe UI" panose="020B0502040204020203" pitchFamily="34" charset="0"/>
               </a:rPr>
               <a:t>ALL &amp; ALLEXPECT &amp; ALLSELECTED</a:t>
             </a:r>
-            <a:endParaRPr xmlns:a="http://schemas.openxmlformats.org/drawingml/2006/main" lang="en-US" sz="2400" dirty="0">
+            <a:endParaRPr lang="en-US" sz="2400" dirty="0">
               <a:latin typeface="Segoe UI" panose="020B0502040204020203" pitchFamily="34" charset="0"/>
               <a:cs typeface="Segoe UI" panose="020B0502040204020203" pitchFamily="34" charset="0"/>
             </a:endParaRPr>
@@ -7174,7 +7170,7 @@
           </a:bodyPr>
           <a:lstStyle/>
           <a:p>
-            <a:r xmlns:a="http://schemas.openxmlformats.org/drawingml/2006/main">
+            <a:r>
               <a:rPr lang="en" dirty="0">
                 <a:solidFill>
                   <a:srgbClr val="000000"/>
@@ -7183,7 +7179,7 @@
               </a:rPr>
               <a:t>ALL EX COLOR = </a:t>
             </a:r>
-            <a:r xmlns:a="http://schemas.openxmlformats.org/drawingml/2006/main">
+            <a:r>
               <a:rPr lang="en" dirty="0">
                 <a:solidFill>
                   <a:srgbClr val="3165BB"/>
@@ -7192,7 +7188,7 @@
               </a:rPr>
               <a:t>CALCULATE </a:t>
             </a:r>
-            <a:r xmlns:a="http://schemas.openxmlformats.org/drawingml/2006/main">
+            <a:r>
               <a:rPr lang="en" dirty="0">
                 <a:solidFill>
                   <a:srgbClr val="000000"/>
@@ -7201,7 +7197,7 @@
               </a:rPr>
               <a:t>( </a:t>
             </a:r>
-            <a:r xmlns:a="http://schemas.openxmlformats.org/drawingml/2006/main">
+            <a:r>
               <a:rPr lang="en" dirty="0">
                 <a:solidFill>
                   <a:srgbClr val="3165BB"/>
@@ -7210,7 +7206,7 @@
               </a:rPr>
               <a:t>SUM </a:t>
             </a:r>
-            <a:r xmlns:a="http://schemas.openxmlformats.org/drawingml/2006/main">
+            <a:r>
               <a:rPr lang="en" dirty="0">
                 <a:solidFill>
                   <a:srgbClr val="000000"/>
@@ -7219,7 +7215,7 @@
               </a:rPr>
               <a:t>( </a:t>
             </a:r>
-            <a:r xmlns:a="http://schemas.openxmlformats.org/drawingml/2006/main">
+            <a:r>
               <a:rPr lang="en" dirty="0">
                 <a:solidFill>
                   <a:srgbClr val="001080"/>
@@ -7228,7 +7224,7 @@
               </a:rPr>
               <a:t>Sales[Sales] </a:t>
             </a:r>
-            <a:r xmlns:a="http://schemas.openxmlformats.org/drawingml/2006/main">
+            <a:r>
               <a:rPr lang="en" dirty="0">
                 <a:solidFill>
                   <a:srgbClr val="000000"/>
@@ -7237,7 +7233,7 @@
               </a:rPr>
               <a:t>), </a:t>
             </a:r>
-            <a:r xmlns:a="http://schemas.openxmlformats.org/drawingml/2006/main">
+            <a:r>
               <a:rPr lang="en" dirty="0">
                 <a:solidFill>
                   <a:srgbClr val="3165BB"/>
@@ -7246,7 +7242,7 @@
               </a:rPr>
               <a:t>ALLEXCEPT </a:t>
             </a:r>
-            <a:r xmlns:a="http://schemas.openxmlformats.org/drawingml/2006/main">
+            <a:r>
               <a:rPr lang="en" dirty="0">
                 <a:solidFill>
                   <a:srgbClr val="000000"/>
@@ -7255,7 +7251,7 @@
               </a:rPr>
               <a:t>( </a:t>
             </a:r>
-            <a:r xmlns:a="http://schemas.openxmlformats.org/drawingml/2006/main">
+            <a:r>
               <a:rPr lang="en" dirty="0">
                 <a:solidFill>
                   <a:srgbClr val="001080"/>
@@ -7264,7 +7260,7 @@
               </a:rPr>
               <a:t>Products </a:t>
             </a:r>
-            <a:r xmlns:a="http://schemas.openxmlformats.org/drawingml/2006/main">
+            <a:r>
               <a:rPr lang="en" dirty="0">
                 <a:solidFill>
                   <a:srgbClr val="000000"/>
@@ -7273,7 +7269,7 @@
               </a:rPr>
               <a:t>, </a:t>
             </a:r>
-            <a:r xmlns:a="http://schemas.openxmlformats.org/drawingml/2006/main">
+            <a:r>
               <a:rPr lang="en" dirty="0">
                 <a:solidFill>
                   <a:srgbClr val="001080"/>
@@ -7282,7 +7278,7 @@
               </a:rPr>
               <a:t>Products[Color] </a:t>
             </a:r>
-            <a:r xmlns:a="http://schemas.openxmlformats.org/drawingml/2006/main">
+            <a:r>
               <a:rPr lang="en" dirty="0">
                 <a:solidFill>
                   <a:srgbClr val="000000"/>
@@ -7291,7 +7287,7 @@
               </a:rPr>
               <a:t>))</a:t>
             </a:r>
-            <a:endParaRPr xmlns:a="http://schemas.openxmlformats.org/drawingml/2006/main" lang="en-US" b="0" dirty="0">
+            <a:endParaRPr lang="en-US" b="0" dirty="0">
               <a:solidFill>
                 <a:srgbClr val="000000"/>
               </a:solidFill>
@@ -7322,35 +7318,35 @@
           </a:bodyPr>
           <a:lstStyle/>
           <a:p>
-            <a:r xmlns:a="http://schemas.openxmlformats.org/drawingml/2006/main">
+            <a:r>
               <a:rPr lang="en" b="1" dirty="0"/>
               <a:t>Blue </a:t>
             </a:r>
-            <a:r xmlns:a="http://schemas.openxmlformats.org/drawingml/2006/main">
+            <a:r>
               <a:rPr lang="en" dirty="0"/>
               <a:t>= 20 + 10 +25 + 40 + 10 +15 + 20</a:t>
             </a:r>
           </a:p>
           <a:p>
-            <a:r xmlns:a="http://schemas.openxmlformats.org/drawingml/2006/main">
+            <a:r>
               <a:rPr lang="en" b="1" dirty="0"/>
               <a:t>Green </a:t>
             </a:r>
-            <a:r xmlns:a="http://schemas.openxmlformats.org/drawingml/2006/main">
+            <a:r>
               <a:rPr lang="en" dirty="0"/>
               <a:t>= 10</a:t>
             </a:r>
           </a:p>
           <a:p>
-            <a:r xmlns:a="http://schemas.openxmlformats.org/drawingml/2006/main">
+            <a:r>
               <a:rPr lang="en" b="1" dirty="0" err="1"/>
               <a:t>Red </a:t>
             </a:r>
-            <a:r xmlns:a="http://schemas.openxmlformats.org/drawingml/2006/main">
+            <a:r>
               <a:rPr lang="en" dirty="0"/>
               <a:t>= 10 + 25 + 30</a:t>
             </a:r>
-            <a:endParaRPr xmlns:a="http://schemas.openxmlformats.org/drawingml/2006/main" lang="en-US" dirty="0"/>
+            <a:endParaRPr lang="en-US" dirty="0"/>
           </a:p>
         </p:txBody>
       </p:sp>
@@ -7413,7 +7409,7 @@
           </a:bodyPr>
           <a:lstStyle/>
           <a:p>
-            <a:pPr xmlns:a="http://schemas.openxmlformats.org/drawingml/2006/main" marL="0" marR="0" lvl="0" indent="0" algn="l" defTabSz="914400" rtl="0" eaLnBrk="0" fontAlgn="base" latinLnBrk="0" hangingPunct="0">
+            <a:pPr marL="0" marR="0" lvl="0" indent="0" algn="l" defTabSz="914400" rtl="0" eaLnBrk="0" fontAlgn="base" latinLnBrk="0" hangingPunct="0">
               <a:lnSpc>
                 <a:spcPct val="100000"/>
               </a:lnSpc>
@@ -7429,7 +7425,7 @@
               <a:buNone/>
               <a:tabLst/>
             </a:pPr>
-            <a:r xmlns:a="http://schemas.openxmlformats.org/drawingml/2006/main">
+            <a:r>
               <a:rPr kumimoji="0" lang="en" altLang="en-US" sz="1800" b="0" i="0" u="none" strike="noStrike" cap="none" normalizeH="0" baseline="0" dirty="0" err="1" smtClean="0">
                 <a:ln>
                   <a:noFill/>
@@ -7442,7 +7438,7 @@
               </a:rPr>
               <a:t>Create</a:t>
             </a:r>
-            <a:r xmlns:a="http://schemas.openxmlformats.org/drawingml/2006/main">
+            <a:r>
               <a:rPr kumimoji="0" lang="en" altLang="en-US" sz="1800" b="0" i="0" u="none" strike="noStrike" cap="none" normalizeH="0" baseline="0" dirty="0" smtClean="0">
                 <a:ln>
                   <a:noFill/>
@@ -7455,7 +7451,7 @@
               </a:rPr>
               <a:t> </a:t>
             </a:r>
-            <a:r xmlns:a="http://schemas.openxmlformats.org/drawingml/2006/main">
+            <a:r>
               <a:rPr kumimoji="0" lang="en" altLang="en-US" sz="1800" b="0" i="0" u="none" strike="noStrike" cap="none" normalizeH="0" baseline="0" dirty="0" err="1" smtClean="0">
                 <a:ln>
                   <a:noFill/>
@@ -7468,7 +7464,7 @@
               </a:rPr>
               <a:t>a </a:t>
             </a:r>
-            <a:r xmlns:a="http://schemas.openxmlformats.org/drawingml/2006/main">
+            <a:r>
               <a:rPr kumimoji="0" lang="en" altLang="en-US" sz="1800" b="0" i="0" u="none" strike="noStrike" cap="none" normalizeH="0" baseline="0" dirty="0" smtClean="0">
                 <a:ln>
                   <a:noFill/>
@@ -7481,7 +7477,7 @@
               </a:rPr>
               <a:t>new </a:t>
             </a:r>
-            <a:r xmlns:a="http://schemas.openxmlformats.org/drawingml/2006/main">
+            <a:r>
               <a:rPr kumimoji="0" lang="en" altLang="en-US" sz="1800" b="0" i="0" u="none" strike="noStrike" cap="none" normalizeH="0" baseline="0" dirty="0" err="1" smtClean="0">
                 <a:ln>
                   <a:noFill/>
@@ -7494,7 +7490,7 @@
               </a:rPr>
               <a:t>measure</a:t>
             </a:r>
-            <a:r xmlns:a="http://schemas.openxmlformats.org/drawingml/2006/main">
+            <a:r>
               <a:rPr kumimoji="0" lang="en" altLang="en-US" sz="1800" b="0" i="0" u="none" strike="noStrike" cap="none" normalizeH="0" baseline="0" dirty="0" smtClean="0">
                 <a:ln>
                   <a:noFill/>
@@ -7507,7 +7503,7 @@
               </a:rPr>
               <a:t> </a:t>
             </a:r>
-            <a:r xmlns:a="http://schemas.openxmlformats.org/drawingml/2006/main">
+            <a:r>
               <a:rPr kumimoji="0" lang="en" altLang="en-US" sz="1800" b="0" i="0" u="none" strike="noStrike" cap="none" normalizeH="0" baseline="0" dirty="0" err="1" smtClean="0">
                 <a:ln>
                   <a:noFill/>
@@ -7520,7 +7516,7 @@
               </a:rPr>
               <a:t>named</a:t>
             </a:r>
-            <a:r xmlns:a="http://schemas.openxmlformats.org/drawingml/2006/main">
+            <a:r>
               <a:rPr kumimoji="0" lang="en" altLang="en-US" sz="1800" b="0" i="0" u="none" strike="noStrike" cap="none" normalizeH="0" baseline="0" dirty="0" smtClean="0">
                 <a:ln>
                   <a:noFill/>
@@ -7533,7 +7529,7 @@
               </a:rPr>
               <a:t> </a:t>
             </a:r>
-            <a:r xmlns:a="http://schemas.openxmlformats.org/drawingml/2006/main">
+            <a:r>
               <a:rPr kumimoji="0" lang="en" altLang="en-US" sz="1800" b="1" i="0" u="none" strike="noStrike" cap="none" normalizeH="0" baseline="0" dirty="0" smtClean="0">
                 <a:ln>
                   <a:noFill/>
@@ -7546,7 +7542,7 @@
               </a:rPr>
               <a:t>"ALL EX COLOR" </a:t>
             </a:r>
-            <a:r xmlns:a="http://schemas.openxmlformats.org/drawingml/2006/main">
+            <a:r>
               <a:rPr kumimoji="0" lang="en" altLang="en-US" sz="1800" b="0" i="0" u="none" strike="noStrike" cap="none" normalizeH="0" baseline="0" dirty="0" smtClean="0">
                 <a:ln>
                   <a:noFill/>
@@ -7559,7 +7555,7 @@
               </a:rPr>
               <a:t>which </a:t>
             </a:r>
-            <a:r xmlns:a="http://schemas.openxmlformats.org/drawingml/2006/main">
+            <a:r>
               <a:rPr kumimoji="0" lang="en" altLang="en-US" sz="1800" b="0" i="0" u="none" strike="noStrike" cap="none" normalizeH="0" baseline="0" dirty="0" err="1" smtClean="0">
                 <a:ln>
                   <a:noFill/>
@@ -7572,7 +7568,7 @@
               </a:rPr>
               <a:t>cancels</a:t>
             </a:r>
-            <a:r xmlns:a="http://schemas.openxmlformats.org/drawingml/2006/main">
+            <a:r>
               <a:rPr kumimoji="0" lang="en" altLang="en-US" sz="1800" b="0" i="0" u="none" strike="noStrike" cap="none" normalizeH="0" baseline="0" dirty="0" smtClean="0">
                 <a:ln>
                   <a:noFill/>
@@ -7585,7 +7581,7 @@
               </a:rPr>
               <a:t> </a:t>
             </a:r>
-            <a:r xmlns:a="http://schemas.openxmlformats.org/drawingml/2006/main">
+            <a:r>
               <a:rPr kumimoji="0" lang="en" altLang="en-US" sz="1800" b="0" i="0" u="none" strike="noStrike" cap="none" normalizeH="0" baseline="0" dirty="0" err="1" smtClean="0">
                 <a:ln>
                   <a:noFill/>
@@ -7598,7 +7594,7 @@
               </a:rPr>
               <a:t>the application </a:t>
             </a:r>
-            <a:r xmlns:a="http://schemas.openxmlformats.org/drawingml/2006/main">
+            <a:r>
               <a:rPr kumimoji="0" lang="en" altLang="en-US" sz="1800" b="0" i="0" u="none" strike="noStrike" cap="none" normalizeH="0" baseline="0" dirty="0" smtClean="0">
                 <a:ln>
                   <a:noFill/>
@@ -7611,7 +7607,7 @@
               </a:rPr>
               <a:t>of the </a:t>
             </a:r>
-            <a:r xmlns:a="http://schemas.openxmlformats.org/drawingml/2006/main">
+            <a:r>
               <a:rPr kumimoji="0" lang="en" altLang="en-US" sz="1800" b="0" i="0" u="none" strike="noStrike" cap="none" normalizeH="0" baseline="0" dirty="0" err="1" smtClean="0">
                 <a:ln>
                   <a:noFill/>
@@ -7624,7 +7620,7 @@
               </a:rPr>
               <a:t>filter</a:t>
             </a:r>
-            <a:r xmlns:a="http://schemas.openxmlformats.org/drawingml/2006/main">
+            <a:r>
               <a:rPr kumimoji="0" lang="en" altLang="en-US" sz="1800" b="0" i="0" u="none" strike="noStrike" cap="none" normalizeH="0" baseline="0" dirty="0" smtClean="0">
                 <a:ln>
                   <a:noFill/>
@@ -7637,7 +7633,7 @@
               </a:rPr>
               <a:t> </a:t>
             </a:r>
-            <a:r xmlns:a="http://schemas.openxmlformats.org/drawingml/2006/main">
+            <a:r>
               <a:rPr kumimoji="0" lang="en" altLang="en-US" sz="1800" b="0" i="0" u="none" strike="noStrike" cap="none" normalizeH="0" baseline="0" dirty="0" err="1" smtClean="0">
                 <a:ln>
                   <a:noFill/>
@@ -7650,7 +7646,7 @@
               </a:rPr>
               <a:t>except </a:t>
             </a:r>
-            <a:r xmlns:a="http://schemas.openxmlformats.org/drawingml/2006/main">
+            <a:r>
               <a:rPr kumimoji="0" lang="en" altLang="en-US" sz="1800" b="0" i="0" u="none" strike="noStrike" cap="none" normalizeH="0" baseline="0" dirty="0" smtClean="0">
                 <a:ln>
                   <a:noFill/>
@@ -7663,7 +7659,7 @@
               </a:rPr>
               <a:t>for the </a:t>
             </a:r>
-            <a:r xmlns:a="http://schemas.openxmlformats.org/drawingml/2006/main">
+            <a:r>
               <a:rPr kumimoji="0" lang="en" altLang="en-US" sz="1800" b="0" i="0" u="none" strike="noStrike" cap="none" normalizeH="0" baseline="0" dirty="0" err="1" smtClean="0">
                 <a:ln>
                   <a:noFill/>
@@ -7676,7 +7672,7 @@
               </a:rPr>
               <a:t>color </a:t>
             </a:r>
-            <a:r xmlns:a="http://schemas.openxmlformats.org/drawingml/2006/main">
+            <a:r>
               <a:rPr kumimoji="0" lang="en" altLang="en-US" sz="1800" b="0" i="0" u="none" strike="noStrike" cap="none" normalizeH="0" baseline="0" dirty="0" smtClean="0">
                 <a:ln>
                   <a:noFill/>
@@ -7744,14 +7740,14 @@
           </a:bodyPr>
           <a:lstStyle/>
           <a:p>
-            <a:r xmlns:a="http://schemas.openxmlformats.org/drawingml/2006/main">
+            <a:r>
               <a:rPr lang="en" sz="2400" dirty="0" smtClean="0">
                 <a:latin typeface="Segoe UI" panose="020B0502040204020203" pitchFamily="34" charset="0"/>
                 <a:cs typeface="Segoe UI" panose="020B0502040204020203" pitchFamily="34" charset="0"/>
               </a:rPr>
               <a:t>ALL &amp; ALLEXPECT &amp; ALLSELECTED</a:t>
             </a:r>
-            <a:endParaRPr xmlns:a="http://schemas.openxmlformats.org/drawingml/2006/main" lang="en-US" sz="2400" dirty="0">
+            <a:endParaRPr lang="en-US" sz="2400" dirty="0">
               <a:latin typeface="Segoe UI" panose="020B0502040204020203" pitchFamily="34" charset="0"/>
               <a:cs typeface="Segoe UI" panose="020B0502040204020203" pitchFamily="34" charset="0"/>
             </a:endParaRPr>
@@ -7779,7 +7775,7 @@
           </a:bodyPr>
           <a:lstStyle/>
           <a:p>
-            <a:r xmlns:a="http://schemas.openxmlformats.org/drawingml/2006/main">
+            <a:r>
               <a:rPr lang="en" dirty="0">
                 <a:solidFill>
                   <a:srgbClr val="000000"/>
@@ -7788,7 +7784,7 @@
               </a:rPr>
               <a:t>ALL EX </a:t>
             </a:r>
-            <a:r xmlns:a="http://schemas.openxmlformats.org/drawingml/2006/main">
+            <a:r>
               <a:rPr lang="en" dirty="0" smtClean="0">
                 <a:solidFill>
                   <a:srgbClr val="000000"/>
@@ -7797,7 +7793,7 @@
               </a:rPr>
               <a:t>SIZE </a:t>
             </a:r>
-            <a:r xmlns:a="http://schemas.openxmlformats.org/drawingml/2006/main">
+            <a:r>
               <a:rPr lang="en" dirty="0">
                 <a:solidFill>
                   <a:srgbClr val="000000"/>
@@ -7806,7 +7802,7 @@
               </a:rPr>
               <a:t>= </a:t>
             </a:r>
-            <a:r xmlns:a="http://schemas.openxmlformats.org/drawingml/2006/main">
+            <a:r>
               <a:rPr lang="en" dirty="0">
                 <a:solidFill>
                   <a:srgbClr val="3165BB"/>
@@ -7815,7 +7811,7 @@
               </a:rPr>
               <a:t>CALCULATE </a:t>
             </a:r>
-            <a:r xmlns:a="http://schemas.openxmlformats.org/drawingml/2006/main">
+            <a:r>
               <a:rPr lang="en" dirty="0">
                 <a:solidFill>
                   <a:srgbClr val="000000"/>
@@ -7824,7 +7820,7 @@
               </a:rPr>
               <a:t>( </a:t>
             </a:r>
-            <a:r xmlns:a="http://schemas.openxmlformats.org/drawingml/2006/main">
+            <a:r>
               <a:rPr lang="en" dirty="0">
                 <a:solidFill>
                   <a:srgbClr val="3165BB"/>
@@ -7833,7 +7829,7 @@
               </a:rPr>
               <a:t>SUM </a:t>
             </a:r>
-            <a:r xmlns:a="http://schemas.openxmlformats.org/drawingml/2006/main">
+            <a:r>
               <a:rPr lang="en" dirty="0">
                 <a:solidFill>
                   <a:srgbClr val="000000"/>
@@ -7842,7 +7838,7 @@
               </a:rPr>
               <a:t>(Sales[Sales]), </a:t>
             </a:r>
-            <a:r xmlns:a="http://schemas.openxmlformats.org/drawingml/2006/main">
+            <a:r>
               <a:rPr lang="en" dirty="0">
                 <a:solidFill>
                   <a:srgbClr val="3165BB"/>
@@ -7851,7 +7847,7 @@
               </a:rPr>
               <a:t>ALLEXCEPT </a:t>
             </a:r>
-            <a:r xmlns:a="http://schemas.openxmlformats.org/drawingml/2006/main">
+            <a:r>
               <a:rPr lang="en" dirty="0">
                 <a:solidFill>
                   <a:srgbClr val="000000"/>
@@ -7860,7 +7856,7 @@
               </a:rPr>
               <a:t>(Products, Products[Size]))</a:t>
             </a:r>
-            <a:endParaRPr xmlns:a="http://schemas.openxmlformats.org/drawingml/2006/main" lang="en-US" b="0" dirty="0">
+            <a:endParaRPr lang="en-US" b="0" dirty="0">
               <a:solidFill>
                 <a:srgbClr val="000000"/>
               </a:solidFill>
@@ -7953,7 +7949,7 @@
           </a:bodyPr>
           <a:lstStyle/>
           <a:p>
-            <a:pPr xmlns:a="http://schemas.openxmlformats.org/drawingml/2006/main" marL="0" marR="0" lvl="0" indent="0" algn="l" defTabSz="914400" rtl="0" eaLnBrk="0" fontAlgn="base" latinLnBrk="0" hangingPunct="0">
+            <a:pPr marL="0" marR="0" lvl="0" indent="0" algn="l" defTabSz="914400" rtl="0" eaLnBrk="0" fontAlgn="base" latinLnBrk="0" hangingPunct="0">
               <a:lnSpc>
                 <a:spcPct val="100000"/>
               </a:lnSpc>
@@ -7969,7 +7965,7 @@
               <a:buNone/>
               <a:tabLst/>
             </a:pPr>
-            <a:r xmlns:a="http://schemas.openxmlformats.org/drawingml/2006/main">
+            <a:r>
               <a:rPr kumimoji="0" lang="en" altLang="en-US" sz="2000" b="0" i="0" u="none" strike="noStrike" cap="none" normalizeH="0" baseline="0" dirty="0" err="1" smtClean="0">
                 <a:ln>
                   <a:noFill/>
@@ -7982,7 +7978,7 @@
               </a:rPr>
               <a:t>Create</a:t>
             </a:r>
-            <a:r xmlns:a="http://schemas.openxmlformats.org/drawingml/2006/main">
+            <a:r>
               <a:rPr kumimoji="0" lang="en" altLang="en-US" sz="2000" b="0" i="0" u="none" strike="noStrike" cap="none" normalizeH="0" baseline="0" dirty="0" smtClean="0">
                 <a:ln>
                   <a:noFill/>
@@ -7995,7 +7991,7 @@
               </a:rPr>
               <a:t> </a:t>
             </a:r>
-            <a:r xmlns:a="http://schemas.openxmlformats.org/drawingml/2006/main">
+            <a:r>
               <a:rPr kumimoji="0" lang="en" altLang="en-US" sz="2000" b="0" i="0" u="none" strike="noStrike" cap="none" normalizeH="0" baseline="0" dirty="0" err="1" smtClean="0">
                 <a:ln>
                   <a:noFill/>
@@ -8008,7 +8004,7 @@
               </a:rPr>
               <a:t>a</a:t>
             </a:r>
-            <a:r xmlns:a="http://schemas.openxmlformats.org/drawingml/2006/main">
+            <a:r>
               <a:rPr kumimoji="0" lang="en" altLang="en-US" sz="2000" b="0" i="0" u="none" strike="noStrike" cap="none" normalizeH="0" baseline="0" dirty="0" smtClean="0">
                 <a:ln>
                   <a:noFill/>
@@ -8021,7 +8017,7 @@
               </a:rPr>
               <a:t> </a:t>
             </a:r>
-            <a:r xmlns:a="http://schemas.openxmlformats.org/drawingml/2006/main">
+            <a:r>
               <a:rPr kumimoji="0" lang="en" altLang="en-US" sz="2000" b="0" i="0" u="none" strike="noStrike" cap="none" normalizeH="0" baseline="0" dirty="0" err="1" smtClean="0">
                 <a:ln>
                   <a:noFill/>
@@ -8034,7 +8030,7 @@
               </a:rPr>
               <a:t>measure</a:t>
             </a:r>
-            <a:r xmlns:a="http://schemas.openxmlformats.org/drawingml/2006/main">
+            <a:r>
               <a:rPr kumimoji="0" lang="en" altLang="en-US" sz="2000" b="0" i="0" u="none" strike="noStrike" cap="none" normalizeH="0" baseline="0" dirty="0" smtClean="0">
                 <a:ln>
                   <a:noFill/>
@@ -8047,7 +8043,7 @@
               </a:rPr>
               <a:t> </a:t>
             </a:r>
-            <a:r xmlns:a="http://schemas.openxmlformats.org/drawingml/2006/main">
+            <a:r>
               <a:rPr kumimoji="0" lang="en" altLang="en-US" sz="2000" b="1" i="0" u="none" strike="noStrike" cap="none" normalizeH="0" baseline="0" dirty="0" smtClean="0">
                 <a:ln>
                   <a:noFill/>
@@ -8060,7 +8056,7 @@
               </a:rPr>
               <a:t>"ALL EX SIZE" </a:t>
             </a:r>
-            <a:r xmlns:a="http://schemas.openxmlformats.org/drawingml/2006/main">
+            <a:r>
               <a:rPr kumimoji="0" lang="en" altLang="en-US" sz="2000" b="0" i="0" u="none" strike="noStrike" cap="none" normalizeH="0" baseline="0" dirty="0" smtClean="0">
                 <a:ln>
                   <a:noFill/>
@@ -8073,7 +8069,7 @@
               </a:rPr>
               <a:t>which </a:t>
             </a:r>
-            <a:r xmlns:a="http://schemas.openxmlformats.org/drawingml/2006/main">
+            <a:r>
               <a:rPr kumimoji="0" lang="en" altLang="en-US" sz="2000" b="0" i="0" u="none" strike="noStrike" cap="none" normalizeH="0" baseline="0" dirty="0" err="1" smtClean="0">
                 <a:ln>
                   <a:noFill/>
@@ -8086,7 +8082,7 @@
               </a:rPr>
               <a:t>cancels </a:t>
             </a:r>
-            <a:r xmlns:a="http://schemas.openxmlformats.org/drawingml/2006/main">
+            <a:r>
               <a:rPr kumimoji="0" lang="en" altLang="en-US" sz="2000" b="0" i="0" u="none" strike="noStrike" cap="none" normalizeH="0" baseline="0" dirty="0" smtClean="0">
                 <a:ln>
                   <a:noFill/>
@@ -8099,7 +8095,7 @@
               </a:rPr>
               <a:t>the </a:t>
             </a:r>
-            <a:r xmlns:a="http://schemas.openxmlformats.org/drawingml/2006/main">
+            <a:r>
               <a:rPr kumimoji="0" lang="en" altLang="en-US" sz="2000" b="0" i="0" u="none" strike="noStrike" cap="none" normalizeH="0" baseline="0" dirty="0" err="1" smtClean="0">
                 <a:ln>
                   <a:noFill/>
@@ -8112,7 +8108,7 @@
               </a:rPr>
               <a:t>filter</a:t>
             </a:r>
-            <a:r xmlns:a="http://schemas.openxmlformats.org/drawingml/2006/main">
+            <a:r>
               <a:rPr kumimoji="0" lang="en" altLang="en-US" sz="2000" b="0" i="0" u="none" strike="noStrike" cap="none" normalizeH="0" baseline="0" dirty="0" smtClean="0">
                 <a:ln>
                   <a:noFill/>
@@ -8125,7 +8121,7 @@
               </a:rPr>
               <a:t> </a:t>
             </a:r>
-            <a:r xmlns:a="http://schemas.openxmlformats.org/drawingml/2006/main">
+            <a:r>
               <a:rPr kumimoji="0" lang="en" altLang="en-US" sz="2000" b="0" i="0" u="none" strike="noStrike" cap="none" normalizeH="0" baseline="0" dirty="0" err="1" smtClean="0">
                 <a:ln>
                   <a:noFill/>
@@ -8138,7 +8134,7 @@
               </a:rPr>
               <a:t>except </a:t>
             </a:r>
-            <a:r xmlns:a="http://schemas.openxmlformats.org/drawingml/2006/main">
+            <a:r>
               <a:rPr kumimoji="0" lang="en" altLang="en-US" sz="2000" b="0" i="0" u="none" strike="noStrike" cap="none" normalizeH="0" baseline="0" dirty="0" smtClean="0">
                 <a:ln>
                   <a:noFill/>
@@ -8149,35 +8145,9 @@
                 <a:effectLst/>
                 <a:latin typeface="Arial" panose="020B0604020202020204" pitchFamily="34" charset="0"/>
               </a:rPr>
-              <a:t>for </a:t>
-            </a:r>
-            <a:r xmlns:a="http://schemas.openxmlformats.org/drawingml/2006/main">
-              <a:rPr kumimoji="0" lang="en" altLang="en-US" sz="2000" b="0" i="0" u="none" strike="noStrike" cap="none" normalizeH="0" baseline="0" dirty="0" smtClean="0">
-                <a:ln>
-                  <a:noFill/>
-                </a:ln>
-                <a:solidFill>
-                  <a:schemeClr val="tx1"/>
-                </a:solidFill>
-                <a:effectLst/>
-                <a:latin typeface="Arial" panose="020B0604020202020204" pitchFamily="34" charset="0"/>
-              </a:rPr>
-              <a:t>the </a:t>
-            </a:r>
-            <a:r xmlns:a="http://schemas.openxmlformats.org/drawingml/2006/main">
-              <a:rPr kumimoji="0" lang="en" altLang="en-US" sz="2000" b="0" i="0" u="none" strike="noStrike" cap="none" normalizeH="0" baseline="0" dirty="0" smtClean="0">
-                <a:ln>
-                  <a:noFill/>
-                </a:ln>
-                <a:solidFill>
-                  <a:schemeClr val="tx1"/>
-                </a:solidFill>
-                <a:effectLst/>
-                <a:latin typeface="Arial" panose="020B0604020202020204" pitchFamily="34" charset="0"/>
-              </a:rPr>
-              <a:t>size </a:t>
-            </a:r>
-            <a:r xmlns:a="http://schemas.openxmlformats.org/drawingml/2006/main">
+              <a:t>for the size </a:t>
+            </a:r>
+            <a:r>
               <a:rPr kumimoji="0" lang="en" altLang="en-US" sz="2000" b="0" i="0" u="none" strike="noStrike" cap="none" normalizeH="0" baseline="0" dirty="0" err="1" smtClean="0">
                 <a:ln>
                   <a:noFill/>
@@ -8188,20 +8158,7 @@
                 <a:effectLst/>
                 <a:latin typeface="Arial" panose="020B0604020202020204" pitchFamily="34" charset="0"/>
               </a:rPr>
-              <a:t>criterion </a:t>
-            </a:r>
-            <a:r xmlns:a="http://schemas.openxmlformats.org/drawingml/2006/main">
-              <a:rPr kumimoji="0" lang="en" altLang="en-US" sz="2000" b="0" i="0" u="none" strike="noStrike" cap="none" normalizeH="0" baseline="0" dirty="0" err="1" smtClean="0">
-                <a:ln>
-                  <a:noFill/>
-                </a:ln>
-                <a:solidFill>
-                  <a:schemeClr val="tx1"/>
-                </a:solidFill>
-                <a:effectLst/>
-                <a:latin typeface="Arial" panose="020B0604020202020204" pitchFamily="34" charset="0"/>
-              </a:rPr>
-              <a:t>.</a:t>
+              <a:t>criterion .</a:t>
             </a:r>
           </a:p>
         </p:txBody>
@@ -8258,14 +8215,14 @@
           </a:bodyPr>
           <a:lstStyle/>
           <a:p>
-            <a:r xmlns:a="http://schemas.openxmlformats.org/drawingml/2006/main">
+            <a:r>
               <a:rPr lang="en" sz="2400" dirty="0" smtClean="0">
                 <a:latin typeface="Segoe UI" panose="020B0502040204020203" pitchFamily="34" charset="0"/>
                 <a:cs typeface="Segoe UI" panose="020B0502040204020203" pitchFamily="34" charset="0"/>
               </a:rPr>
               <a:t>ALL &amp; ALLEXPECT &amp; ALLSELECTED</a:t>
             </a:r>
-            <a:endParaRPr xmlns:a="http://schemas.openxmlformats.org/drawingml/2006/main" lang="en-US" sz="2400" dirty="0">
+            <a:endParaRPr lang="en-US" sz="2400" dirty="0">
               <a:latin typeface="Segoe UI" panose="020B0502040204020203" pitchFamily="34" charset="0"/>
               <a:cs typeface="Segoe UI" panose="020B0502040204020203" pitchFamily="34" charset="0"/>
             </a:endParaRPr>
@@ -8293,7 +8250,7 @@
           </a:bodyPr>
           <a:lstStyle/>
           <a:p>
-            <a:r xmlns:a="http://schemas.openxmlformats.org/drawingml/2006/main">
+            <a:r>
               <a:rPr lang="en" dirty="0">
                 <a:solidFill>
                   <a:srgbClr val="000000"/>
@@ -8302,7 +8259,7 @@
               </a:rPr>
               <a:t>ALL SELECT = </a:t>
             </a:r>
-            <a:r xmlns:a="http://schemas.openxmlformats.org/drawingml/2006/main">
+            <a:r>
               <a:rPr lang="en" dirty="0">
                 <a:solidFill>
                   <a:srgbClr val="3165BB"/>
@@ -8311,7 +8268,7 @@
               </a:rPr>
               <a:t>CALCULATE </a:t>
             </a:r>
-            <a:r xmlns:a="http://schemas.openxmlformats.org/drawingml/2006/main">
+            <a:r>
               <a:rPr lang="en" dirty="0">
                 <a:solidFill>
                   <a:srgbClr val="000000"/>
@@ -8320,7 +8277,7 @@
               </a:rPr>
               <a:t>( </a:t>
             </a:r>
-            <a:r xmlns:a="http://schemas.openxmlformats.org/drawingml/2006/main">
+            <a:r>
               <a:rPr lang="en" dirty="0">
                 <a:solidFill>
                   <a:srgbClr val="3165BB"/>
@@ -8329,7 +8286,7 @@
               </a:rPr>
               <a:t>SUM </a:t>
             </a:r>
-            <a:r xmlns:a="http://schemas.openxmlformats.org/drawingml/2006/main">
+            <a:r>
               <a:rPr lang="en" dirty="0">
                 <a:solidFill>
                   <a:srgbClr val="000000"/>
@@ -8338,7 +8295,7 @@
               </a:rPr>
               <a:t>(Sales[Sales]), </a:t>
             </a:r>
-            <a:r xmlns:a="http://schemas.openxmlformats.org/drawingml/2006/main">
+            <a:r>
               <a:rPr lang="en" dirty="0">
                 <a:solidFill>
                   <a:srgbClr val="3165BB"/>
@@ -8347,7 +8304,7 @@
               </a:rPr>
               <a:t>ALLSELECTED </a:t>
             </a:r>
-            <a:r xmlns:a="http://schemas.openxmlformats.org/drawingml/2006/main">
+            <a:r>
               <a:rPr lang="en" dirty="0">
                 <a:solidFill>
                   <a:srgbClr val="000000"/>
@@ -8356,7 +8313,7 @@
               </a:rPr>
               <a:t>(Products))</a:t>
             </a:r>
-            <a:endParaRPr xmlns:a="http://schemas.openxmlformats.org/drawingml/2006/main" lang="en-US" b="0" dirty="0">
+            <a:endParaRPr lang="en-US" b="0" dirty="0">
               <a:solidFill>
                 <a:srgbClr val="000000"/>
               </a:solidFill>
@@ -8449,7 +8406,7 @@
           </a:bodyPr>
           <a:lstStyle/>
           <a:p>
-            <a:pPr xmlns:a="http://schemas.openxmlformats.org/drawingml/2006/main" marL="0" marR="0" lvl="0" indent="0" algn="l" defTabSz="914400" rtl="0" eaLnBrk="0" fontAlgn="base" latinLnBrk="0" hangingPunct="0">
+            <a:pPr marL="0" marR="0" lvl="0" indent="0" algn="l" defTabSz="914400" rtl="0" eaLnBrk="0" fontAlgn="base" latinLnBrk="0" hangingPunct="0">
               <a:lnSpc>
                 <a:spcPct val="100000"/>
               </a:lnSpc>
@@ -8465,7 +8422,7 @@
               <a:buNone/>
               <a:tabLst/>
             </a:pPr>
-            <a:r xmlns:a="http://schemas.openxmlformats.org/drawingml/2006/main">
+            <a:r>
               <a:rPr kumimoji="0" lang="en" altLang="en-US" sz="2000" b="0" i="0" u="none" strike="noStrike" cap="none" normalizeH="0" baseline="0" dirty="0" err="1" smtClean="0">
                 <a:ln>
                   <a:noFill/>
@@ -8478,7 +8435,7 @@
               </a:rPr>
               <a:t>Add </a:t>
             </a:r>
-            <a:r xmlns:a="http://schemas.openxmlformats.org/drawingml/2006/main">
+            <a:r>
               <a:rPr kumimoji="0" lang="en" altLang="en-US" sz="2000" b="0" i="0" u="none" strike="noStrike" cap="none" normalizeH="0" baseline="0" dirty="0" smtClean="0">
                 <a:ln>
                   <a:noFill/>
@@ -8491,7 +8448,7 @@
               </a:rPr>
               <a:t>the </a:t>
             </a:r>
-            <a:r xmlns:a="http://schemas.openxmlformats.org/drawingml/2006/main">
+            <a:r>
               <a:rPr kumimoji="0" lang="en" altLang="en-US" sz="2000" b="0" i="0" u="none" strike="noStrike" cap="none" normalizeH="0" baseline="0" dirty="0" err="1" smtClean="0">
                 <a:ln>
                   <a:noFill/>
@@ -8504,7 +8461,7 @@
               </a:rPr>
               <a:t>measure </a:t>
             </a:r>
-            <a:r xmlns:a="http://schemas.openxmlformats.org/drawingml/2006/main">
+            <a:r>
               <a:rPr kumimoji="0" lang="en" altLang="en-US" sz="2000" b="0" i="0" u="none" strike="noStrike" cap="none" normalizeH="0" baseline="0" dirty="0" smtClean="0">
                 <a:ln>
                   <a:noFill/>
@@ -8517,7 +8474,7 @@
               </a:rPr>
               <a:t>to the </a:t>
             </a:r>
-            <a:r xmlns:a="http://schemas.openxmlformats.org/drawingml/2006/main">
+            <a:r>
               <a:rPr kumimoji="0" lang="en" altLang="en-US" sz="2000" b="0" i="0" u="none" strike="noStrike" cap="none" normalizeH="0" baseline="0" dirty="0" err="1" smtClean="0">
                 <a:ln>
                   <a:noFill/>
@@ -8530,7 +8487,7 @@
               </a:rPr>
               <a:t>visualization </a:t>
             </a:r>
-            <a:r xmlns:a="http://schemas.openxmlformats.org/drawingml/2006/main">
+            <a:r>
               <a:rPr kumimoji="0" lang="en" altLang="en-US" sz="2000" b="0" i="0" u="none" strike="noStrike" cap="none" normalizeH="0" baseline="0" dirty="0" smtClean="0">
                 <a:ln>
                   <a:noFill/>
@@ -8543,7 +8500,7 @@
               </a:rPr>
               <a:t>instead of </a:t>
             </a:r>
-            <a:r xmlns:a="http://schemas.openxmlformats.org/drawingml/2006/main">
+            <a:r>
               <a:rPr kumimoji="0" lang="en" altLang="en-US" sz="2000" b="1" i="0" u="none" strike="noStrike" cap="none" normalizeH="0" baseline="0" dirty="0" smtClean="0">
                 <a:ln>
                   <a:noFill/>
@@ -8556,7 +8513,7 @@
               </a:rPr>
               <a:t>"ALL SELECT" </a:t>
             </a:r>
-            <a:r xmlns:a="http://schemas.openxmlformats.org/drawingml/2006/main">
+            <a:r>
               <a:rPr kumimoji="0" lang="en" altLang="en-US" sz="2000" b="0" i="0" u="none" strike="noStrike" cap="none" normalizeH="0" baseline="0" dirty="0" smtClean="0">
                 <a:ln>
                   <a:noFill/>
@@ -8569,7 +8526,7 @@
               </a:rPr>
               <a:t>and </a:t>
             </a:r>
-            <a:r xmlns:a="http://schemas.openxmlformats.org/drawingml/2006/main">
+            <a:r>
               <a:rPr kumimoji="0" lang="en" altLang="en-US" sz="2000" b="0" i="0" u="none" strike="noStrike" cap="none" normalizeH="0" baseline="0" dirty="0" err="1" smtClean="0">
                 <a:ln>
                   <a:noFill/>
@@ -8582,7 +8539,7 @@
               </a:rPr>
               <a:t>note</a:t>
             </a:r>
-            <a:r xmlns:a="http://schemas.openxmlformats.org/drawingml/2006/main">
+            <a:r>
               <a:rPr kumimoji="0" lang="en" altLang="en-US" sz="2000" b="0" i="0" u="none" strike="noStrike" cap="none" normalizeH="0" baseline="0" dirty="0" smtClean="0">
                 <a:ln>
                   <a:noFill/>
@@ -8595,7 +8552,7 @@
               </a:rPr>
               <a:t> </a:t>
             </a:r>
-            <a:r xmlns:a="http://schemas.openxmlformats.org/drawingml/2006/main">
+            <a:r>
               <a:rPr kumimoji="0" lang="en" altLang="en-US" sz="2000" b="0" i="0" u="none" strike="noStrike" cap="none" normalizeH="0" baseline="0" dirty="0" err="1" smtClean="0">
                 <a:ln>
                   <a:noFill/>
@@ -8608,7 +8565,7 @@
               </a:rPr>
               <a:t>what</a:t>
             </a:r>
-            <a:r xmlns:a="http://schemas.openxmlformats.org/drawingml/2006/main">
+            <a:r>
               <a:rPr kumimoji="0" lang="en" altLang="en-US" sz="2000" b="0" i="0" u="none" strike="noStrike" cap="none" normalizeH="0" baseline="0" dirty="0" smtClean="0">
                 <a:ln>
                   <a:noFill/>
@@ -8621,7 +8578,7 @@
               </a:rPr>
               <a:t> </a:t>
             </a:r>
-            <a:r xmlns:a="http://schemas.openxmlformats.org/drawingml/2006/main">
+            <a:r>
               <a:rPr kumimoji="0" lang="en" altLang="en-US" sz="2000" b="0" i="0" u="none" strike="noStrike" cap="none" normalizeH="0" baseline="0" dirty="0" err="1" smtClean="0">
                 <a:ln>
                   <a:noFill/>
@@ -8634,7 +8591,7 @@
               </a:rPr>
               <a:t>cancels </a:t>
             </a:r>
-            <a:r xmlns:a="http://schemas.openxmlformats.org/drawingml/2006/main">
+            <a:r>
               <a:rPr kumimoji="0" lang="en" altLang="en-US" sz="2000" b="0" i="0" u="none" strike="noStrike" cap="none" normalizeH="0" baseline="0" dirty="0" smtClean="0">
                 <a:ln>
                   <a:noFill/>
@@ -8647,7 +8604,7 @@
               </a:rPr>
               <a:t>the </a:t>
             </a:r>
-            <a:r xmlns:a="http://schemas.openxmlformats.org/drawingml/2006/main">
+            <a:r>
               <a:rPr kumimoji="0" lang="en" altLang="en-US" sz="2000" b="0" i="0" u="none" strike="noStrike" cap="none" normalizeH="0" baseline="0" dirty="0" err="1" smtClean="0">
                 <a:ln>
                   <a:noFill/>
@@ -8660,7 +8617,7 @@
               </a:rPr>
               <a:t>filter </a:t>
             </a:r>
-            <a:r xmlns:a="http://schemas.openxmlformats.org/drawingml/2006/main">
+            <a:r>
               <a:rPr kumimoji="0" lang="en" altLang="en-US" sz="2000" b="0" i="0" u="none" strike="noStrike" cap="none" normalizeH="0" baseline="0" dirty="0" smtClean="0">
                 <a:ln>
                   <a:noFill/>
@@ -8675,7 +8632,7 @@
             </a:r>
           </a:p>
           <a:p>
-            <a:pPr xmlns:a="http://schemas.openxmlformats.org/drawingml/2006/main" marL="0" marR="0" lvl="0" indent="0" algn="l" defTabSz="914400" rtl="0" eaLnBrk="0" fontAlgn="base" latinLnBrk="0" hangingPunct="0">
+            <a:pPr marL="0" marR="0" lvl="0" indent="0" algn="l" defTabSz="914400" rtl="0" eaLnBrk="0" fontAlgn="base" latinLnBrk="0" hangingPunct="0">
               <a:lnSpc>
                 <a:spcPct val="100000"/>
               </a:lnSpc>
@@ -8691,7 +8648,7 @@
               <a:buNone/>
               <a:tabLst/>
             </a:pPr>
-            <a:r xmlns:a="http://schemas.openxmlformats.org/drawingml/2006/main">
+            <a:r>
               <a:rPr kumimoji="0" lang="en" altLang="en-US" sz="2000" b="0" i="0" u="none" strike="noStrike" cap="none" normalizeH="0" baseline="0" dirty="0" smtClean="0">
                 <a:ln>
                   <a:noFill/>
@@ -8702,9 +8659,22 @@
                 <a:effectLst/>
                 <a:latin typeface="Arial" panose="020B0604020202020204" pitchFamily="34" charset="0"/>
               </a:rPr>
-              <a:t>sum </a:t>
-            </a:r>
-            <a:r xmlns:a="http://schemas.openxmlformats.org/drawingml/2006/main">
+              <a:t>sum operations , </a:t>
+            </a:r>
+            <a:r>
+              <a:rPr kumimoji="0" lang="en" altLang="en-US" sz="2000" b="0" i="0" u="none" strike="noStrike" cap="none" normalizeH="0" baseline="0" dirty="0" err="1" smtClean="0">
+                <a:ln>
+                  <a:noFill/>
+                </a:ln>
+                <a:solidFill>
+                  <a:schemeClr val="tx1"/>
+                </a:solidFill>
+                <a:effectLst/>
+                <a:latin typeface="Arial" panose="020B0604020202020204" pitchFamily="34" charset="0"/>
+              </a:rPr>
+              <a:t>except </a:t>
+            </a:r>
+            <a:r>
               <a:rPr kumimoji="0" lang="en" altLang="en-US" sz="2000" b="0" i="0" u="none" strike="noStrike" cap="none" normalizeH="0" baseline="0" dirty="0" smtClean="0">
                 <a:ln>
                   <a:noFill/>
@@ -8715,22 +8685,9 @@
                 <a:effectLst/>
                 <a:latin typeface="Arial" panose="020B0604020202020204" pitchFamily="34" charset="0"/>
               </a:rPr>
-              <a:t>operations </a:t>
-            </a:r>
-            <a:r xmlns:a="http://schemas.openxmlformats.org/drawingml/2006/main">
-              <a:rPr kumimoji="0" lang="en" altLang="en-US" sz="2000" b="0" i="0" u="none" strike="noStrike" cap="none" normalizeH="0" baseline="0" dirty="0" smtClean="0">
-                <a:ln>
-                  <a:noFill/>
-                </a:ln>
-                <a:solidFill>
-                  <a:schemeClr val="tx1"/>
-                </a:solidFill>
-                <a:effectLst/>
-                <a:latin typeface="Arial" panose="020B0604020202020204" pitchFamily="34" charset="0"/>
-              </a:rPr>
-              <a:t>, </a:t>
-            </a:r>
-            <a:r xmlns:a="http://schemas.openxmlformats.org/drawingml/2006/main">
+              <a:t>for the size </a:t>
+            </a:r>
+            <a:r>
               <a:rPr kumimoji="0" lang="en" altLang="en-US" sz="2000" b="0" i="0" u="none" strike="noStrike" cap="none" normalizeH="0" baseline="0" dirty="0" err="1" smtClean="0">
                 <a:ln>
                   <a:noFill/>
@@ -8741,98 +8698,7 @@
                 <a:effectLst/>
                 <a:latin typeface="Arial" panose="020B0604020202020204" pitchFamily="34" charset="0"/>
               </a:rPr>
-              <a:t>except </a:t>
-            </a:r>
-            <a:r xmlns:a="http://schemas.openxmlformats.org/drawingml/2006/main">
-              <a:rPr kumimoji="0" lang="en" altLang="en-US" sz="2000" b="0" i="0" u="none" strike="noStrike" cap="none" normalizeH="0" baseline="0" dirty="0" smtClean="0">
-                <a:ln>
-                  <a:noFill/>
-                </a:ln>
-                <a:solidFill>
-                  <a:schemeClr val="tx1"/>
-                </a:solidFill>
-                <a:effectLst/>
-                <a:latin typeface="Arial" panose="020B0604020202020204" pitchFamily="34" charset="0"/>
-              </a:rPr>
-              <a:t>for </a:t>
-            </a:r>
-            <a:r xmlns:a="http://schemas.openxmlformats.org/drawingml/2006/main">
-              <a:rPr kumimoji="0" lang="en" altLang="en-US" sz="2000" b="0" i="0" u="none" strike="noStrike" cap="none" normalizeH="0" baseline="0" dirty="0" smtClean="0">
-                <a:ln>
-                  <a:noFill/>
-                </a:ln>
-                <a:solidFill>
-                  <a:schemeClr val="tx1"/>
-                </a:solidFill>
-                <a:effectLst/>
-                <a:latin typeface="Arial" panose="020B0604020202020204" pitchFamily="34" charset="0"/>
-              </a:rPr>
-              <a:t>the </a:t>
-            </a:r>
-            <a:r xmlns:a="http://schemas.openxmlformats.org/drawingml/2006/main">
-              <a:rPr kumimoji="0" lang="en" altLang="en-US" sz="2000" b="0" i="0" u="none" strike="noStrike" cap="none" normalizeH="0" baseline="0" dirty="0" smtClean="0">
-                <a:ln>
-                  <a:noFill/>
-                </a:ln>
-                <a:solidFill>
-                  <a:schemeClr val="tx1"/>
-                </a:solidFill>
-                <a:effectLst/>
-                <a:latin typeface="Arial" panose="020B0604020202020204" pitchFamily="34" charset="0"/>
-              </a:rPr>
-              <a:t>size </a:t>
-            </a:r>
-            <a:r xmlns:a="http://schemas.openxmlformats.org/drawingml/2006/main">
-              <a:rPr kumimoji="0" lang="en" altLang="en-US" sz="2000" b="0" i="0" u="none" strike="noStrike" cap="none" normalizeH="0" baseline="0" dirty="0" err="1" smtClean="0">
-                <a:ln>
-                  <a:noFill/>
-                </a:ln>
-                <a:solidFill>
-                  <a:schemeClr val="tx1"/>
-                </a:solidFill>
-                <a:effectLst/>
-                <a:latin typeface="Arial" panose="020B0604020202020204" pitchFamily="34" charset="0"/>
-              </a:rPr>
-              <a:t>criterion </a:t>
-            </a:r>
-            <a:r xmlns:a="http://schemas.openxmlformats.org/drawingml/2006/main">
-              <a:rPr kumimoji="0" lang="en" altLang="en-US" sz="2000" b="0" i="0" u="none" strike="noStrike" cap="none" normalizeH="0" baseline="0" dirty="0" err="1" smtClean="0">
-                <a:ln>
-                  <a:noFill/>
-                </a:ln>
-                <a:solidFill>
-                  <a:schemeClr val="tx1"/>
-                </a:solidFill>
-                <a:effectLst/>
-                <a:latin typeface="Arial" panose="020B0604020202020204" pitchFamily="34" charset="0"/>
-              </a:rPr>
-              <a:t>.</a:t>
-            </a:r>
-            <a:r xmlns:a="http://schemas.openxmlformats.org/drawingml/2006/main">
-              <a:rPr kumimoji="0" lang="en" altLang="en-US" sz="2000" b="0" i="0" u="none" strike="noStrike" cap="none" normalizeH="0" baseline="0" dirty="0" err="1" smtClean="0">
-                <a:ln>
-                  <a:noFill/>
-                </a:ln>
-                <a:solidFill>
-                  <a:schemeClr val="tx1"/>
-                </a:solidFill>
-                <a:effectLst/>
-                <a:latin typeface="Arial" panose="020B0604020202020204" pitchFamily="34" charset="0"/>
-              </a:rPr>
-              <a:t>​</a:t>
-            </a:r>
-            <a:r xmlns:a="http://schemas.openxmlformats.org/drawingml/2006/main">
-              <a:rPr kumimoji="0" lang="en" altLang="en-US" sz="2000" b="0" i="0" u="none" strike="noStrike" cap="none" normalizeH="0" baseline="0" dirty="0" err="1" smtClean="0">
-                <a:ln>
-                  <a:noFill/>
-                </a:ln>
-                <a:solidFill>
-                  <a:schemeClr val="tx1"/>
-                </a:solidFill>
-                <a:effectLst/>
-                <a:latin typeface="Arial" panose="020B0604020202020204" pitchFamily="34" charset="0"/>
-              </a:rPr>
-              <a:t>​</a:t>
+              <a:t>criterion .​​</a:t>
             </a:r>
           </a:p>
         </p:txBody>
@@ -8889,14 +8755,14 @@
           </a:bodyPr>
           <a:lstStyle/>
           <a:p>
-            <a:r xmlns:a="http://schemas.openxmlformats.org/drawingml/2006/main">
+            <a:r>
               <a:rPr lang="en" sz="2400" dirty="0" smtClean="0">
                 <a:latin typeface="Segoe UI" panose="020B0502040204020203" pitchFamily="34" charset="0"/>
                 <a:cs typeface="Segoe UI" panose="020B0502040204020203" pitchFamily="34" charset="0"/>
               </a:rPr>
               <a:t>ALL &amp; ALLEXPECT &amp; ALLSELECTED</a:t>
             </a:r>
-            <a:endParaRPr xmlns:a="http://schemas.openxmlformats.org/drawingml/2006/main" lang="en-US" sz="2400" dirty="0">
+            <a:endParaRPr lang="en-US" sz="2400" dirty="0">
               <a:latin typeface="Segoe UI" panose="020B0502040204020203" pitchFamily="34" charset="0"/>
               <a:cs typeface="Segoe UI" panose="020B0502040204020203" pitchFamily="34" charset="0"/>
             </a:endParaRPr>
@@ -8986,7 +8852,7 @@
           </a:bodyPr>
           <a:lstStyle/>
           <a:p>
-            <a:pPr xmlns:a="http://schemas.openxmlformats.org/drawingml/2006/main" marL="0" marR="0" lvl="0" indent="0" algn="l" defTabSz="914400" rtl="0" eaLnBrk="0" fontAlgn="base" latinLnBrk="0" hangingPunct="0">
+            <a:pPr marL="0" marR="0" lvl="0" indent="0" algn="l" defTabSz="914400" rtl="0" eaLnBrk="0" fontAlgn="base" latinLnBrk="0" hangingPunct="0">
               <a:lnSpc>
                 <a:spcPct val="100000"/>
               </a:lnSpc>
@@ -9002,7 +8868,7 @@
               <a:buNone/>
               <a:tabLst/>
             </a:pPr>
-            <a:r xmlns:a="http://schemas.openxmlformats.org/drawingml/2006/main">
+            <a:r>
               <a:rPr kumimoji="0" lang="en" altLang="en-US" sz="1800" b="0" i="0" u="none" strike="noStrike" cap="none" normalizeH="0" baseline="0" dirty="0" err="1" smtClean="0">
                 <a:ln>
                   <a:noFill/>
@@ -9015,7 +8881,7 @@
               </a:rPr>
               <a:t>Add</a:t>
             </a:r>
-            <a:r xmlns:a="http://schemas.openxmlformats.org/drawingml/2006/main">
+            <a:r>
               <a:rPr kumimoji="0" lang="en" altLang="en-US" sz="1800" b="0" i="0" u="none" strike="noStrike" cap="none" normalizeH="0" baseline="0" dirty="0" smtClean="0">
                 <a:ln>
                   <a:noFill/>
@@ -9028,7 +8894,7 @@
               </a:rPr>
               <a:t> </a:t>
             </a:r>
-            <a:r xmlns:a="http://schemas.openxmlformats.org/drawingml/2006/main">
+            <a:r>
               <a:rPr kumimoji="0" lang="en" altLang="en-US" sz="1800" b="0" i="0" u="none" strike="noStrike" cap="none" normalizeH="0" baseline="0" dirty="0" err="1" smtClean="0">
                 <a:ln>
                   <a:noFill/>
@@ -9041,7 +8907,7 @@
               </a:rPr>
               <a:t>a</a:t>
             </a:r>
-            <a:r xmlns:a="http://schemas.openxmlformats.org/drawingml/2006/main">
+            <a:r>
               <a:rPr kumimoji="0" lang="en" altLang="en-US" sz="1800" b="0" i="0" u="none" strike="noStrike" cap="none" normalizeH="0" baseline="0" dirty="0" smtClean="0">
                 <a:ln>
                   <a:noFill/>
@@ -9054,7 +8920,7 @@
               </a:rPr>
               <a:t> </a:t>
             </a:r>
-            <a:r xmlns:a="http://schemas.openxmlformats.org/drawingml/2006/main">
+            <a:r>
               <a:rPr kumimoji="0" lang="en" altLang="en-US" sz="1800" b="0" i="0" u="none" strike="noStrike" cap="none" normalizeH="0" baseline="0" dirty="0" err="1" smtClean="0">
                 <a:ln>
                   <a:noFill/>
@@ -9067,7 +8933,7 @@
               </a:rPr>
               <a:t>visualization</a:t>
             </a:r>
-            <a:r xmlns:a="http://schemas.openxmlformats.org/drawingml/2006/main">
+            <a:r>
               <a:rPr kumimoji="0" lang="en" altLang="en-US" sz="1800" b="0" i="0" u="none" strike="noStrike" cap="none" normalizeH="0" baseline="0" dirty="0" smtClean="0">
                 <a:ln>
                   <a:noFill/>
@@ -9080,7 +8946,7 @@
               </a:rPr>
               <a:t> </a:t>
             </a:r>
-            <a:r xmlns:a="http://schemas.openxmlformats.org/drawingml/2006/main">
+            <a:r>
               <a:rPr kumimoji="0" lang="en" altLang="en-US" sz="1800" b="1" u="none" strike="noStrike" cap="none" normalizeH="0" baseline="0" dirty="0" smtClean="0">
                 <a:ln>
                   <a:noFill/>
@@ -9093,7 +8959,7 @@
               </a:rPr>
               <a:t>Slicer </a:t>
             </a:r>
-            <a:r xmlns:a="http://schemas.openxmlformats.org/drawingml/2006/main">
+            <a:r>
               <a:rPr kumimoji="0" lang="en" altLang="en-US" sz="1800" b="0" i="0" u="none" strike="noStrike" cap="none" normalizeH="0" baseline="0" dirty="0" smtClean="0">
                 <a:ln>
                   <a:noFill/>
@@ -9106,7 +8972,7 @@
               </a:rPr>
               <a:t>to the scene and </a:t>
             </a:r>
-            <a:r xmlns:a="http://schemas.openxmlformats.org/drawingml/2006/main">
+            <a:r>
               <a:rPr kumimoji="0" lang="en" altLang="en-US" sz="1800" b="0" i="0" u="none" strike="noStrike" cap="none" normalizeH="0" baseline="0" dirty="0" err="1" smtClean="0">
                 <a:ln>
                   <a:noFill/>
@@ -9119,7 +8985,7 @@
               </a:rPr>
               <a:t>configure </a:t>
             </a:r>
-            <a:r xmlns:a="http://schemas.openxmlformats.org/drawingml/2006/main">
+            <a:r>
               <a:rPr kumimoji="0" lang="en" altLang="en-US" sz="1800" b="0" i="0" u="none" strike="noStrike" cap="none" normalizeH="0" baseline="0" dirty="0" smtClean="0">
                 <a:ln>
                   <a:noFill/>
@@ -9130,9 +8996,22 @@
                 <a:effectLst/>
                 <a:latin typeface="Arial" panose="020B0604020202020204" pitchFamily="34" charset="0"/>
               </a:rPr>
-              <a:t>it </a:t>
-            </a:r>
-            <a:r xmlns:a="http://schemas.openxmlformats.org/drawingml/2006/main">
+              <a:t>it to </a:t>
+            </a:r>
+            <a:r>
+              <a:rPr kumimoji="0" lang="en" altLang="en-US" sz="1800" b="0" i="0" u="none" strike="noStrike" cap="none" normalizeH="0" baseline="0" dirty="0" err="1" smtClean="0">
+                <a:ln>
+                  <a:noFill/>
+                </a:ln>
+                <a:solidFill>
+                  <a:schemeClr val="tx1"/>
+                </a:solidFill>
+                <a:effectLst/>
+                <a:latin typeface="Arial" panose="020B0604020202020204" pitchFamily="34" charset="0"/>
+              </a:rPr>
+              <a:t>list </a:t>
+            </a:r>
+            <a:r>
               <a:rPr kumimoji="0" lang="en" altLang="en-US" sz="1800" b="0" i="0" u="none" strike="noStrike" cap="none" normalizeH="0" baseline="0" dirty="0" smtClean="0">
                 <a:ln>
                   <a:noFill/>
@@ -9143,35 +9022,9 @@
                 <a:effectLst/>
                 <a:latin typeface="Arial" panose="020B0604020202020204" pitchFamily="34" charset="0"/>
               </a:rPr>
-              <a:t>to </a:t>
-            </a:r>
-            <a:r xmlns:a="http://schemas.openxmlformats.org/drawingml/2006/main">
-              <a:rPr kumimoji="0" lang="en" altLang="en-US" sz="1800" b="0" i="0" u="none" strike="noStrike" cap="none" normalizeH="0" baseline="0" dirty="0" err="1" smtClean="0">
-                <a:ln>
-                  <a:noFill/>
-                </a:ln>
-                <a:solidFill>
-                  <a:schemeClr val="tx1"/>
-                </a:solidFill>
-                <a:effectLst/>
-                <a:latin typeface="Arial" panose="020B0604020202020204" pitchFamily="34" charset="0"/>
-              </a:rPr>
-              <a:t>list </a:t>
-            </a:r>
-            <a:r xmlns:a="http://schemas.openxmlformats.org/drawingml/2006/main">
-              <a:rPr kumimoji="0" lang="en" altLang="en-US" sz="1800" b="0" i="0" u="none" strike="noStrike" cap="none" normalizeH="0" baseline="0" dirty="0" smtClean="0">
-                <a:ln>
-                  <a:noFill/>
-                </a:ln>
-                <a:solidFill>
-                  <a:schemeClr val="tx1"/>
-                </a:solidFill>
-                <a:effectLst/>
-                <a:latin typeface="Arial" panose="020B0604020202020204" pitchFamily="34" charset="0"/>
-              </a:rPr>
               <a:t>colors </a:t>
             </a:r>
-            <a:r xmlns:a="http://schemas.openxmlformats.org/drawingml/2006/main">
+            <a:r>
               <a:rPr kumimoji="0" lang="en" altLang="en-US" sz="1800" b="0" i="0" u="none" strike="noStrike" cap="none" normalizeH="0" baseline="0" dirty="0" err="1" smtClean="0">
                 <a:ln>
                   <a:noFill/>
@@ -9272,8 +9125,8 @@
         </p:nvSpPr>
         <p:spPr>
           <a:xfrm>
-            <a:off x="3940602" y="2533693"/>
-            <a:ext cx="4997142" cy="1569660"/>
+            <a:off x="2962837" y="2705572"/>
+            <a:ext cx="6482184" cy="1569660"/>
           </a:xfrm>
           <a:prstGeom prst="rect">
             <a:avLst/>
@@ -9286,8 +9139,8 @@
           </a:bodyPr>
           <a:lstStyle/>
           <a:p>
-            <a:r xmlns:a="http://schemas.openxmlformats.org/drawingml/2006/main">
-              <a:rPr lang="en" sz="9600" b="1" dirty="0" smtClean="0">
+            <a:r>
+              <a:rPr lang="en-US" sz="9600" b="1" dirty="0" smtClean="0">
                 <a:solidFill>
                   <a:srgbClr val="7030A0"/>
                 </a:solidFill>
@@ -9295,9 +9148,9 @@
                 <a:ea typeface="Verdana" panose="020B0604030504040204" pitchFamily="34" charset="0"/>
                 <a:cs typeface="Segoe UI" panose="020B0502040204020203" pitchFamily="34" charset="0"/>
               </a:rPr>
-              <a:t>THANKS</a:t>
-            </a:r>
-            <a:r xmlns:a="http://schemas.openxmlformats.org/drawingml/2006/main">
+              <a:t>Thank you</a:t>
+            </a:r>
+            <a:r>
               <a:rPr lang="en" sz="9600" b="1" dirty="0" smtClean="0">
                 <a:solidFill>
                   <a:srgbClr val="7030A0"/>
@@ -9308,7 +9161,7 @@
               </a:rPr>
               <a:t>​</a:t>
             </a:r>
-            <a:endParaRPr xmlns:a="http://schemas.openxmlformats.org/drawingml/2006/main" lang="en-US" sz="9600" b="1" dirty="0">
+            <a:endParaRPr lang="en-US" sz="9600" b="1" dirty="0">
               <a:solidFill>
                 <a:srgbClr val="7030A0"/>
               </a:solidFill>
@@ -9327,8 +9180,8 @@
         </p:nvSpPr>
         <p:spPr>
           <a:xfrm>
-            <a:off x="3863486" y="2465368"/>
-            <a:ext cx="3456395" cy="1569660"/>
+            <a:off x="2962837" y="2623497"/>
+            <a:ext cx="6230360" cy="1569660"/>
           </a:xfrm>
           <a:prstGeom prst="rect">
             <a:avLst/>
@@ -9341,8 +9194,8 @@
           </a:bodyPr>
           <a:lstStyle/>
           <a:p>
-            <a:r xmlns:a="http://schemas.openxmlformats.org/drawingml/2006/main">
-              <a:rPr lang="en" sz="9600" b="1" dirty="0" smtClean="0">
+            <a:r>
+              <a:rPr lang="en-US" sz="9600" b="1" dirty="0" smtClean="0">
                 <a:solidFill>
                   <a:schemeClr val="bg1"/>
                 </a:solidFill>
@@ -9350,9 +9203,9 @@
                 <a:ea typeface="Verdana" panose="020B0604030504040204" pitchFamily="34" charset="0"/>
                 <a:cs typeface="Segoe UI" panose="020B0502040204020203" pitchFamily="34" charset="0"/>
               </a:rPr>
-              <a:t>THANKS</a:t>
-            </a:r>
-            <a:endParaRPr xmlns:a="http://schemas.openxmlformats.org/drawingml/2006/main" lang="en-US" sz="9600" b="1" dirty="0">
+              <a:t>Thank you</a:t>
+            </a:r>
+            <a:endParaRPr lang="en-US" sz="9600" b="1" dirty="0">
               <a:solidFill>
                 <a:schemeClr val="bg1"/>
               </a:solidFill>

--- a/English/5.DAX/7.ALL and ALLEXCEPT and ALLSELECTED.pptx
+++ b/English/5.DAX/7.ALL and ALLEXCEPT and ALLSELECTED.pptx
@@ -205,7 +205,7 @@
           <a:p>
             <a:fld id="{056BA3B8-9F76-4D81-B71D-76CB85363062}" type="datetimeFigureOut">
               <a:rPr lang="en-US" smtClean="0"/>
-              <a:t>4/3/2025</a:t>
+              <a:t>4/7/2025</a:t>
             </a:fld>
             <a:endParaRPr lang="en-US"/>
           </a:p>
@@ -688,7 +688,7 @@
           <a:p>
             <a:fld id="{6F01DA4D-20EA-48D2-973C-0311EC3005D6}" type="datetimeFigureOut">
               <a:rPr lang="en-US" smtClean="0"/>
-              <a:t>4/3/2025</a:t>
+              <a:t>4/7/2025</a:t>
             </a:fld>
             <a:endParaRPr lang="en-US"/>
           </a:p>
@@ -858,7 +858,7 @@
           <a:p>
             <a:fld id="{6F01DA4D-20EA-48D2-973C-0311EC3005D6}" type="datetimeFigureOut">
               <a:rPr lang="en-US" smtClean="0"/>
-              <a:t>4/3/2025</a:t>
+              <a:t>4/7/2025</a:t>
             </a:fld>
             <a:endParaRPr lang="en-US"/>
           </a:p>
@@ -1038,7 +1038,7 @@
           <a:p>
             <a:fld id="{6F01DA4D-20EA-48D2-973C-0311EC3005D6}" type="datetimeFigureOut">
               <a:rPr lang="en-US" smtClean="0"/>
-              <a:t>4/3/2025</a:t>
+              <a:t>4/7/2025</a:t>
             </a:fld>
             <a:endParaRPr lang="en-US"/>
           </a:p>
@@ -1208,7 +1208,7 @@
           <a:p>
             <a:fld id="{6F01DA4D-20EA-48D2-973C-0311EC3005D6}" type="datetimeFigureOut">
               <a:rPr lang="en-US" smtClean="0"/>
-              <a:t>4/3/2025</a:t>
+              <a:t>4/7/2025</a:t>
             </a:fld>
             <a:endParaRPr lang="en-US"/>
           </a:p>
@@ -1454,7 +1454,7 @@
           <a:p>
             <a:fld id="{6F01DA4D-20EA-48D2-973C-0311EC3005D6}" type="datetimeFigureOut">
               <a:rPr lang="en-US" smtClean="0"/>
-              <a:t>4/3/2025</a:t>
+              <a:t>4/7/2025</a:t>
             </a:fld>
             <a:endParaRPr lang="en-US"/>
           </a:p>
@@ -1686,7 +1686,7 @@
           <a:p>
             <a:fld id="{6F01DA4D-20EA-48D2-973C-0311EC3005D6}" type="datetimeFigureOut">
               <a:rPr lang="en-US" smtClean="0"/>
-              <a:t>4/3/2025</a:t>
+              <a:t>4/7/2025</a:t>
             </a:fld>
             <a:endParaRPr lang="en-US"/>
           </a:p>
@@ -2053,7 +2053,7 @@
           <a:p>
             <a:fld id="{6F01DA4D-20EA-48D2-973C-0311EC3005D6}" type="datetimeFigureOut">
               <a:rPr lang="en-US" smtClean="0"/>
-              <a:t>4/3/2025</a:t>
+              <a:t>4/7/2025</a:t>
             </a:fld>
             <a:endParaRPr lang="en-US"/>
           </a:p>
@@ -2171,7 +2171,7 @@
           <a:p>
             <a:fld id="{6F01DA4D-20EA-48D2-973C-0311EC3005D6}" type="datetimeFigureOut">
               <a:rPr lang="en-US" smtClean="0"/>
-              <a:t>4/3/2025</a:t>
+              <a:t>4/7/2025</a:t>
             </a:fld>
             <a:endParaRPr lang="en-US"/>
           </a:p>
@@ -2266,7 +2266,7 @@
           <a:p>
             <a:fld id="{6F01DA4D-20EA-48D2-973C-0311EC3005D6}" type="datetimeFigureOut">
               <a:rPr lang="en-US" smtClean="0"/>
-              <a:t>4/3/2025</a:t>
+              <a:t>4/7/2025</a:t>
             </a:fld>
             <a:endParaRPr lang="en-US"/>
           </a:p>
@@ -2543,7 +2543,7 @@
           <a:p>
             <a:fld id="{6F01DA4D-20EA-48D2-973C-0311EC3005D6}" type="datetimeFigureOut">
               <a:rPr lang="en-US" smtClean="0"/>
-              <a:t>4/3/2025</a:t>
+              <a:t>4/7/2025</a:t>
             </a:fld>
             <a:endParaRPr lang="en-US"/>
           </a:p>
@@ -2796,7 +2796,7 @@
           <a:p>
             <a:fld id="{6F01DA4D-20EA-48D2-973C-0311EC3005D6}" type="datetimeFigureOut">
               <a:rPr lang="en-US" smtClean="0"/>
-              <a:t>4/3/2025</a:t>
+              <a:t>4/7/2025</a:t>
             </a:fld>
             <a:endParaRPr lang="en-US"/>
           </a:p>
@@ -3009,7 +3009,7 @@
           <a:p>
             <a:fld id="{6F01DA4D-20EA-48D2-973C-0311EC3005D6}" type="datetimeFigureOut">
               <a:rPr lang="en-US" smtClean="0"/>
-              <a:t>4/3/2025</a:t>
+              <a:t>4/7/2025</a:t>
             </a:fld>
             <a:endParaRPr lang="en-US"/>
           </a:p>
